--- a/Diapositivas/Parte 02.Regresión/Sección 02.1.Simple Linear Regression/Simple_Linear_Regression.pptx
+++ b/Diapositivas/Parte 02.Regresión/Sección 02.1.Simple Linear Regression/Simple_Linear_Regression.pptx
@@ -5609,7 +5609,7 @@
           <p:cNvPr id="7" name="Imagen 6">
             <a:extLst>
               <a:ext uri="{FF2B5EF4-FFF2-40B4-BE49-F238E27FC236}">
-                <a16:creationId xmlns:a16="http://schemas.microsoft.com/office/drawing/2014/main" xmlns="" id="{36B54177-B7DF-1DD9-8875-D4168F53E154}"/>
+                <a16:creationId xmlns="" xmlns:a16="http://schemas.microsoft.com/office/drawing/2014/main" id="{36B54177-B7DF-1DD9-8875-D4168F53E154}"/>
               </a:ext>
             </a:extLst>
           </p:cNvPr>
@@ -5639,7 +5639,7 @@
           <p:cNvPr id="2" name="Título 1">
             <a:extLst>
               <a:ext uri="{FF2B5EF4-FFF2-40B4-BE49-F238E27FC236}">
-                <a16:creationId xmlns:a16="http://schemas.microsoft.com/office/drawing/2014/main" xmlns="" id="{3029E411-989D-8CFA-0371-904E9B56BB90}"/>
+                <a16:creationId xmlns="" xmlns:a16="http://schemas.microsoft.com/office/drawing/2014/main" id="{3029E411-989D-8CFA-0371-904E9B56BB90}"/>
               </a:ext>
             </a:extLst>
           </p:cNvPr>
@@ -5680,7 +5680,7 @@
           <p:cNvPr id="3" name="Subtítulo 2">
             <a:extLst>
               <a:ext uri="{FF2B5EF4-FFF2-40B4-BE49-F238E27FC236}">
-                <a16:creationId xmlns:a16="http://schemas.microsoft.com/office/drawing/2014/main" xmlns="" id="{68801E2D-CF21-2ADE-8396-CC12B5A246AC}"/>
+                <a16:creationId xmlns="" xmlns:a16="http://schemas.microsoft.com/office/drawing/2014/main" id="{68801E2D-CF21-2ADE-8396-CC12B5A246AC}"/>
               </a:ext>
             </a:extLst>
           </p:cNvPr>
@@ -5754,7 +5754,7 @@
           <p:cNvPr id="4" name="Marcador de fecha 3">
             <a:extLst>
               <a:ext uri="{FF2B5EF4-FFF2-40B4-BE49-F238E27FC236}">
-                <a16:creationId xmlns:a16="http://schemas.microsoft.com/office/drawing/2014/main" xmlns="" id="{C7D9C27E-71A0-A8E6-7D94-D52F81CE5F69}"/>
+                <a16:creationId xmlns="" xmlns:a16="http://schemas.microsoft.com/office/drawing/2014/main" id="{C7D9C27E-71A0-A8E6-7D94-D52F81CE5F69}"/>
               </a:ext>
             </a:extLst>
           </p:cNvPr>
@@ -5792,7 +5792,7 @@
           <p:cNvPr id="5" name="Marcador de pie de página 4">
             <a:extLst>
               <a:ext uri="{FF2B5EF4-FFF2-40B4-BE49-F238E27FC236}">
-                <a16:creationId xmlns:a16="http://schemas.microsoft.com/office/drawing/2014/main" xmlns="" id="{4C83CED7-3270-999D-99EC-4B2B5F4289C9}"/>
+                <a16:creationId xmlns="" xmlns:a16="http://schemas.microsoft.com/office/drawing/2014/main" id="{4C83CED7-3270-999D-99EC-4B2B5F4289C9}"/>
               </a:ext>
             </a:extLst>
           </p:cNvPr>
@@ -5825,7 +5825,7 @@
           <p:cNvPr id="6" name="Marcador de número de diapositiva 5">
             <a:extLst>
               <a:ext uri="{FF2B5EF4-FFF2-40B4-BE49-F238E27FC236}">
-                <a16:creationId xmlns:a16="http://schemas.microsoft.com/office/drawing/2014/main" xmlns="" id="{0DC7CE21-D4CA-6449-E0EA-746968CC779A}"/>
+                <a16:creationId xmlns="" xmlns:a16="http://schemas.microsoft.com/office/drawing/2014/main" id="{0DC7CE21-D4CA-6449-E0EA-746968CC779A}"/>
               </a:ext>
             </a:extLst>
           </p:cNvPr>
@@ -5893,7 +5893,7 @@
           <p:cNvPr id="2" name="Título 1">
             <a:extLst>
               <a:ext uri="{FF2B5EF4-FFF2-40B4-BE49-F238E27FC236}">
-                <a16:creationId xmlns:a16="http://schemas.microsoft.com/office/drawing/2014/main" xmlns="" id="{C4018A1D-A95A-249C-60D7-BFEC9560650F}"/>
+                <a16:creationId xmlns="" xmlns:a16="http://schemas.microsoft.com/office/drawing/2014/main" id="{C4018A1D-A95A-249C-60D7-BFEC9560650F}"/>
               </a:ext>
             </a:extLst>
           </p:cNvPr>
@@ -5930,7 +5930,7 @@
           <p:cNvPr id="3" name="Marcador de texto 2">
             <a:extLst>
               <a:ext uri="{FF2B5EF4-FFF2-40B4-BE49-F238E27FC236}">
-                <a16:creationId xmlns:a16="http://schemas.microsoft.com/office/drawing/2014/main" xmlns="" id="{7DA112BB-1B55-D3DA-D7D7-35DE1AC52464}"/>
+                <a16:creationId xmlns="" xmlns:a16="http://schemas.microsoft.com/office/drawing/2014/main" id="{7DA112BB-1B55-D3DA-D7D7-35DE1AC52464}"/>
               </a:ext>
             </a:extLst>
           </p:cNvPr>
@@ -6055,7 +6055,7 @@
           <p:cNvPr id="4" name="Marcador de fecha 3">
             <a:extLst>
               <a:ext uri="{FF2B5EF4-FFF2-40B4-BE49-F238E27FC236}">
-                <a16:creationId xmlns:a16="http://schemas.microsoft.com/office/drawing/2014/main" xmlns="" id="{E844E3D2-E945-19C6-68D7-AA7AC54FF7A6}"/>
+                <a16:creationId xmlns="" xmlns:a16="http://schemas.microsoft.com/office/drawing/2014/main" id="{E844E3D2-E945-19C6-68D7-AA7AC54FF7A6}"/>
               </a:ext>
             </a:extLst>
           </p:cNvPr>
@@ -6084,7 +6084,7 @@
           <p:cNvPr id="5" name="Marcador de pie de página 4">
             <a:extLst>
               <a:ext uri="{FF2B5EF4-FFF2-40B4-BE49-F238E27FC236}">
-                <a16:creationId xmlns:a16="http://schemas.microsoft.com/office/drawing/2014/main" xmlns="" id="{56FC48AC-4463-729E-ABA1-FB3D3EFA26E7}"/>
+                <a16:creationId xmlns="" xmlns:a16="http://schemas.microsoft.com/office/drawing/2014/main" id="{56FC48AC-4463-729E-ABA1-FB3D3EFA26E7}"/>
               </a:ext>
             </a:extLst>
           </p:cNvPr>
@@ -6109,7 +6109,7 @@
           <p:cNvPr id="6" name="Marcador de número de diapositiva 5">
             <a:extLst>
               <a:ext uri="{FF2B5EF4-FFF2-40B4-BE49-F238E27FC236}">
-                <a16:creationId xmlns:a16="http://schemas.microsoft.com/office/drawing/2014/main" xmlns="" id="{7FB46B77-03B3-EF69-5002-A7FF12752807}"/>
+                <a16:creationId xmlns="" xmlns:a16="http://schemas.microsoft.com/office/drawing/2014/main" id="{7FB46B77-03B3-EF69-5002-A7FF12752807}"/>
               </a:ext>
             </a:extLst>
           </p:cNvPr>
@@ -6168,7 +6168,7 @@
           <p:cNvPr id="8" name="Imagen 7">
             <a:extLst>
               <a:ext uri="{FF2B5EF4-FFF2-40B4-BE49-F238E27FC236}">
-                <a16:creationId xmlns:a16="http://schemas.microsoft.com/office/drawing/2014/main" xmlns="" id="{FDAF5A4A-1B68-98B0-A191-8BD2A6F09150}"/>
+                <a16:creationId xmlns="" xmlns:a16="http://schemas.microsoft.com/office/drawing/2014/main" id="{FDAF5A4A-1B68-98B0-A191-8BD2A6F09150}"/>
               </a:ext>
             </a:extLst>
           </p:cNvPr>
@@ -6268,7 +6268,7 @@
     <a:masterClrMapping/>
   </p:clrMapOvr>
   <mc:AlternateContent xmlns:mc="http://schemas.openxmlformats.org/markup-compatibility/2006">
-    <mc:Choice xmlns:p159="http://schemas.microsoft.com/office/powerpoint/2015/09/main" xmlns="" Requires="p159">
+    <mc:Choice xmlns="" xmlns:p159="http://schemas.microsoft.com/office/powerpoint/2015/09/main" Requires="p159">
       <p:transition xmlns:p14="http://schemas.microsoft.com/office/powerpoint/2010/main" spd="slow" p14:dur="2000">
         <p159:morph option="byObject"/>
       </p:transition>
@@ -6304,7 +6304,7 @@
           <p:cNvPr id="7" name="Imagen 6">
             <a:extLst>
               <a:ext uri="{FF2B5EF4-FFF2-40B4-BE49-F238E27FC236}">
-                <a16:creationId xmlns:a16="http://schemas.microsoft.com/office/drawing/2014/main" xmlns="" id="{66AD6CAE-8F01-422E-B0BA-3045B167AEAF}"/>
+                <a16:creationId xmlns="" xmlns:a16="http://schemas.microsoft.com/office/drawing/2014/main" id="{66AD6CAE-8F01-422E-B0BA-3045B167AEAF}"/>
               </a:ext>
             </a:extLst>
           </p:cNvPr>
@@ -6492,7 +6492,7 @@
           <p:cNvPr id="10" name="Imagen 9">
             <a:extLst>
               <a:ext uri="{FF2B5EF4-FFF2-40B4-BE49-F238E27FC236}">
-                <a16:creationId xmlns:a16="http://schemas.microsoft.com/office/drawing/2014/main" xmlns="" id="{11028E90-7017-3801-0152-2A4D9D428AAF}"/>
+                <a16:creationId xmlns="" xmlns:a16="http://schemas.microsoft.com/office/drawing/2014/main" id="{11028E90-7017-3801-0152-2A4D9D428AAF}"/>
               </a:ext>
             </a:extLst>
           </p:cNvPr>
@@ -6527,7 +6527,7 @@
     <a:masterClrMapping/>
   </p:clrMapOvr>
   <mc:AlternateContent xmlns:mc="http://schemas.openxmlformats.org/markup-compatibility/2006">
-    <mc:Choice xmlns:p159="http://schemas.microsoft.com/office/powerpoint/2015/09/main" xmlns="" Requires="p159">
+    <mc:Choice xmlns="" xmlns:p159="http://schemas.microsoft.com/office/powerpoint/2015/09/main" Requires="p159">
       <p:transition xmlns:p14="http://schemas.microsoft.com/office/powerpoint/2010/main" spd="slow" p14:dur="2000">
         <p159:morph option="byObject"/>
       </p:transition>
@@ -6628,7 +6628,7 @@
           <p:cNvPr id="10" name="Imagen 9">
             <a:extLst>
               <a:ext uri="{FF2B5EF4-FFF2-40B4-BE49-F238E27FC236}">
-                <a16:creationId xmlns:a16="http://schemas.microsoft.com/office/drawing/2014/main" xmlns="" id="{B4AC21E6-3AB4-AA3E-EED5-BEA73B4160C8}"/>
+                <a16:creationId xmlns="" xmlns:a16="http://schemas.microsoft.com/office/drawing/2014/main" id="{B4AC21E6-3AB4-AA3E-EED5-BEA73B4160C8}"/>
               </a:ext>
             </a:extLst>
           </p:cNvPr>
@@ -6657,7 +6657,7 @@
           <p:cNvPr id="5" name="Título 1">
             <a:extLst>
               <a:ext uri="{FF2B5EF4-FFF2-40B4-BE49-F238E27FC236}">
-                <a16:creationId xmlns:a16="http://schemas.microsoft.com/office/drawing/2014/main" xmlns="" id="{74D66EB4-E928-04A5-17AC-B4C4FAF01B68}"/>
+                <a16:creationId xmlns="" xmlns:a16="http://schemas.microsoft.com/office/drawing/2014/main" id="{74D66EB4-E928-04A5-17AC-B4C4FAF01B68}"/>
               </a:ext>
             </a:extLst>
           </p:cNvPr>
@@ -6700,7 +6700,7 @@
     <a:masterClrMapping/>
   </p:clrMapOvr>
   <mc:AlternateContent xmlns:mc="http://schemas.openxmlformats.org/markup-compatibility/2006">
-    <mc:Choice xmlns:p159="http://schemas.microsoft.com/office/powerpoint/2015/09/main" xmlns="" Requires="p159">
+    <mc:Choice xmlns="" xmlns:p159="http://schemas.microsoft.com/office/powerpoint/2015/09/main" Requires="p159">
       <p:transition xmlns:p14="http://schemas.microsoft.com/office/powerpoint/2010/main" spd="slow" p14:dur="2000">
         <p159:morph option="byObject"/>
       </p:transition>
@@ -6801,7 +6801,7 @@
           <p:cNvPr id="5" name="Imagen 4">
             <a:extLst>
               <a:ext uri="{FF2B5EF4-FFF2-40B4-BE49-F238E27FC236}">
-                <a16:creationId xmlns:a16="http://schemas.microsoft.com/office/drawing/2014/main" xmlns="" id="{CFD1EF8D-21B9-3C6D-CAEB-887F2C4B10FA}"/>
+                <a16:creationId xmlns="" xmlns:a16="http://schemas.microsoft.com/office/drawing/2014/main" id="{CFD1EF8D-21B9-3C6D-CAEB-887F2C4B10FA}"/>
               </a:ext>
             </a:extLst>
           </p:cNvPr>
@@ -6830,7 +6830,7 @@
           <p:cNvPr id="6" name="Título 1">
             <a:extLst>
               <a:ext uri="{FF2B5EF4-FFF2-40B4-BE49-F238E27FC236}">
-                <a16:creationId xmlns:a16="http://schemas.microsoft.com/office/drawing/2014/main" xmlns="" id="{BDA5DC36-6B14-E774-2FD3-FD49BCF6F742}"/>
+                <a16:creationId xmlns="" xmlns:a16="http://schemas.microsoft.com/office/drawing/2014/main" id="{BDA5DC36-6B14-E774-2FD3-FD49BCF6F742}"/>
               </a:ext>
             </a:extLst>
           </p:cNvPr>
@@ -6877,7 +6877,7 @@
     <a:masterClrMapping/>
   </p:clrMapOvr>
   <mc:AlternateContent xmlns:mc="http://schemas.openxmlformats.org/markup-compatibility/2006">
-    <mc:Choice xmlns:p159="http://schemas.microsoft.com/office/powerpoint/2015/09/main" xmlns="" Requires="p159">
+    <mc:Choice xmlns="" xmlns:p159="http://schemas.microsoft.com/office/powerpoint/2015/09/main" Requires="p159">
       <p:transition xmlns:p14="http://schemas.microsoft.com/office/powerpoint/2010/main" spd="slow" p14:dur="2000">
         <p159:morph option="byObject"/>
       </p:transition>
@@ -6913,7 +6913,7 @@
           <p:cNvPr id="7" name="Imagen 6">
             <a:extLst>
               <a:ext uri="{FF2B5EF4-FFF2-40B4-BE49-F238E27FC236}">
-                <a16:creationId xmlns:a16="http://schemas.microsoft.com/office/drawing/2014/main" xmlns="" id="{7E36882C-E608-66B8-8A42-26DD6B67138C}"/>
+                <a16:creationId xmlns="" xmlns:a16="http://schemas.microsoft.com/office/drawing/2014/main" id="{7E36882C-E608-66B8-8A42-26DD6B67138C}"/>
               </a:ext>
             </a:extLst>
           </p:cNvPr>
@@ -6943,7 +6943,7 @@
           <p:cNvPr id="2" name="Título 1">
             <a:extLst>
               <a:ext uri="{FF2B5EF4-FFF2-40B4-BE49-F238E27FC236}">
-                <a16:creationId xmlns:a16="http://schemas.microsoft.com/office/drawing/2014/main" xmlns="" id="{A319E2F3-3E92-F0B7-289B-ECE5123D9814}"/>
+                <a16:creationId xmlns="" xmlns:a16="http://schemas.microsoft.com/office/drawing/2014/main" id="{A319E2F3-3E92-F0B7-289B-ECE5123D9814}"/>
               </a:ext>
             </a:extLst>
           </p:cNvPr>
@@ -6979,7 +6979,7 @@
           <p:cNvPr id="3" name="Marcador de contenido 2">
             <a:extLst>
               <a:ext uri="{FF2B5EF4-FFF2-40B4-BE49-F238E27FC236}">
-                <a16:creationId xmlns:a16="http://schemas.microsoft.com/office/drawing/2014/main" xmlns="" id="{917E9B9D-3312-7614-E939-8BBA89447845}"/>
+                <a16:creationId xmlns="" xmlns:a16="http://schemas.microsoft.com/office/drawing/2014/main" id="{917E9B9D-3312-7614-E939-8BBA89447845}"/>
               </a:ext>
             </a:extLst>
           </p:cNvPr>
@@ -7036,7 +7036,7 @@
           <p:cNvPr id="4" name="Marcador de fecha 3">
             <a:extLst>
               <a:ext uri="{FF2B5EF4-FFF2-40B4-BE49-F238E27FC236}">
-                <a16:creationId xmlns:a16="http://schemas.microsoft.com/office/drawing/2014/main" xmlns="" id="{9561BD46-81DF-C525-880C-B60F549977C9}"/>
+                <a16:creationId xmlns="" xmlns:a16="http://schemas.microsoft.com/office/drawing/2014/main" id="{9561BD46-81DF-C525-880C-B60F549977C9}"/>
               </a:ext>
             </a:extLst>
           </p:cNvPr>
@@ -7065,7 +7065,7 @@
           <p:cNvPr id="5" name="Marcador de pie de página 4">
             <a:extLst>
               <a:ext uri="{FF2B5EF4-FFF2-40B4-BE49-F238E27FC236}">
-                <a16:creationId xmlns:a16="http://schemas.microsoft.com/office/drawing/2014/main" xmlns="" id="{B48141E5-38F4-5870-C465-013B716EE584}"/>
+                <a16:creationId xmlns="" xmlns:a16="http://schemas.microsoft.com/office/drawing/2014/main" id="{B48141E5-38F4-5870-C465-013B716EE584}"/>
               </a:ext>
             </a:extLst>
           </p:cNvPr>
@@ -7090,7 +7090,7 @@
           <p:cNvPr id="6" name="Marcador de número de diapositiva 5">
             <a:extLst>
               <a:ext uri="{FF2B5EF4-FFF2-40B4-BE49-F238E27FC236}">
-                <a16:creationId xmlns:a16="http://schemas.microsoft.com/office/drawing/2014/main" xmlns="" id="{6D3EFEE5-200A-753E-B6FD-9311CB9BAAFF}"/>
+                <a16:creationId xmlns="" xmlns:a16="http://schemas.microsoft.com/office/drawing/2014/main" id="{6D3EFEE5-200A-753E-B6FD-9311CB9BAAFF}"/>
               </a:ext>
             </a:extLst>
           </p:cNvPr>
@@ -7149,7 +7149,7 @@
           <p:cNvPr id="6" name="Imagen 5">
             <a:extLst>
               <a:ext uri="{FF2B5EF4-FFF2-40B4-BE49-F238E27FC236}">
-                <a16:creationId xmlns:a16="http://schemas.microsoft.com/office/drawing/2014/main" xmlns="" id="{85B76E4B-994E-FE80-0264-CD7AEB4265E3}"/>
+                <a16:creationId xmlns="" xmlns:a16="http://schemas.microsoft.com/office/drawing/2014/main" id="{85B76E4B-994E-FE80-0264-CD7AEB4265E3}"/>
               </a:ext>
             </a:extLst>
           </p:cNvPr>
@@ -7179,7 +7179,7 @@
           <p:cNvPr id="2" name="Título 1">
             <a:extLst>
               <a:ext uri="{FF2B5EF4-FFF2-40B4-BE49-F238E27FC236}">
-                <a16:creationId xmlns:a16="http://schemas.microsoft.com/office/drawing/2014/main" xmlns="" id="{F58AE75E-BF38-0C63-F39F-95D19FDCC331}"/>
+                <a16:creationId xmlns="" xmlns:a16="http://schemas.microsoft.com/office/drawing/2014/main" id="{F58AE75E-BF38-0C63-F39F-95D19FDCC331}"/>
               </a:ext>
             </a:extLst>
           </p:cNvPr>
@@ -7211,7 +7211,7 @@
           <p:cNvPr id="3" name="Marcador de fecha 2">
             <a:extLst>
               <a:ext uri="{FF2B5EF4-FFF2-40B4-BE49-F238E27FC236}">
-                <a16:creationId xmlns:a16="http://schemas.microsoft.com/office/drawing/2014/main" xmlns="" id="{C0849DC6-910E-1212-87E9-5D91EDF04321}"/>
+                <a16:creationId xmlns="" xmlns:a16="http://schemas.microsoft.com/office/drawing/2014/main" id="{C0849DC6-910E-1212-87E9-5D91EDF04321}"/>
               </a:ext>
             </a:extLst>
           </p:cNvPr>
@@ -7240,7 +7240,7 @@
           <p:cNvPr id="4" name="Marcador de pie de página 3">
             <a:extLst>
               <a:ext uri="{FF2B5EF4-FFF2-40B4-BE49-F238E27FC236}">
-                <a16:creationId xmlns:a16="http://schemas.microsoft.com/office/drawing/2014/main" xmlns="" id="{6AC465A2-B629-9EFC-663F-3F807AD61A95}"/>
+                <a16:creationId xmlns="" xmlns:a16="http://schemas.microsoft.com/office/drawing/2014/main" id="{6AC465A2-B629-9EFC-663F-3F807AD61A95}"/>
               </a:ext>
             </a:extLst>
           </p:cNvPr>
@@ -7265,7 +7265,7 @@
           <p:cNvPr id="5" name="Marcador de número de diapositiva 4">
             <a:extLst>
               <a:ext uri="{FF2B5EF4-FFF2-40B4-BE49-F238E27FC236}">
-                <a16:creationId xmlns:a16="http://schemas.microsoft.com/office/drawing/2014/main" xmlns="" id="{7149893F-AB4A-EA91-D670-6E8677716A99}"/>
+                <a16:creationId xmlns="" xmlns:a16="http://schemas.microsoft.com/office/drawing/2014/main" id="{7149893F-AB4A-EA91-D670-6E8677716A99}"/>
               </a:ext>
             </a:extLst>
           </p:cNvPr>
@@ -7324,7 +7324,7 @@
           <p:cNvPr id="2" name="Marcador de fecha 1">
             <a:extLst>
               <a:ext uri="{FF2B5EF4-FFF2-40B4-BE49-F238E27FC236}">
-                <a16:creationId xmlns:a16="http://schemas.microsoft.com/office/drawing/2014/main" xmlns="" id="{3D8DCD30-7661-12EB-6BF3-7D6889A8D7E7}"/>
+                <a16:creationId xmlns="" xmlns:a16="http://schemas.microsoft.com/office/drawing/2014/main" id="{3D8DCD30-7661-12EB-6BF3-7D6889A8D7E7}"/>
               </a:ext>
             </a:extLst>
           </p:cNvPr>
@@ -7353,7 +7353,7 @@
           <p:cNvPr id="3" name="Marcador de pie de página 2">
             <a:extLst>
               <a:ext uri="{FF2B5EF4-FFF2-40B4-BE49-F238E27FC236}">
-                <a16:creationId xmlns:a16="http://schemas.microsoft.com/office/drawing/2014/main" xmlns="" id="{BCE383F0-BCD5-365A-30DE-4A37BDDD44D8}"/>
+                <a16:creationId xmlns="" xmlns:a16="http://schemas.microsoft.com/office/drawing/2014/main" id="{BCE383F0-BCD5-365A-30DE-4A37BDDD44D8}"/>
               </a:ext>
             </a:extLst>
           </p:cNvPr>
@@ -7378,7 +7378,7 @@
           <p:cNvPr id="4" name="Marcador de número de diapositiva 3">
             <a:extLst>
               <a:ext uri="{FF2B5EF4-FFF2-40B4-BE49-F238E27FC236}">
-                <a16:creationId xmlns:a16="http://schemas.microsoft.com/office/drawing/2014/main" xmlns="" id="{3062DF9B-A73E-907D-5239-FDDD3489CEF2}"/>
+                <a16:creationId xmlns="" xmlns:a16="http://schemas.microsoft.com/office/drawing/2014/main" id="{3062DF9B-A73E-907D-5239-FDDD3489CEF2}"/>
               </a:ext>
             </a:extLst>
           </p:cNvPr>
@@ -7442,7 +7442,7 @@
           <p:cNvPr id="2" name="Marcador de título 1">
             <a:extLst>
               <a:ext uri="{FF2B5EF4-FFF2-40B4-BE49-F238E27FC236}">
-                <a16:creationId xmlns:a16="http://schemas.microsoft.com/office/drawing/2014/main" xmlns="" id="{33F02CBE-7D56-9524-5799-3D4C40AEE1EF}"/>
+                <a16:creationId xmlns="" xmlns:a16="http://schemas.microsoft.com/office/drawing/2014/main" id="{33F02CBE-7D56-9524-5799-3D4C40AEE1EF}"/>
               </a:ext>
             </a:extLst>
           </p:cNvPr>
@@ -7480,7 +7480,7 @@
           <p:cNvPr id="3" name="Marcador de texto 2">
             <a:extLst>
               <a:ext uri="{FF2B5EF4-FFF2-40B4-BE49-F238E27FC236}">
-                <a16:creationId xmlns:a16="http://schemas.microsoft.com/office/drawing/2014/main" xmlns="" id="{A9053B17-0988-26D7-1416-D61D74DBE858}"/>
+                <a16:creationId xmlns="" xmlns:a16="http://schemas.microsoft.com/office/drawing/2014/main" id="{A9053B17-0988-26D7-1416-D61D74DBE858}"/>
               </a:ext>
             </a:extLst>
           </p:cNvPr>
@@ -7547,7 +7547,7 @@
           <p:cNvPr id="4" name="Marcador de fecha 3">
             <a:extLst>
               <a:ext uri="{FF2B5EF4-FFF2-40B4-BE49-F238E27FC236}">
-                <a16:creationId xmlns:a16="http://schemas.microsoft.com/office/drawing/2014/main" xmlns="" id="{3CFF87E4-E3EB-6979-BA49-637760E7BBC3}"/>
+                <a16:creationId xmlns="" xmlns:a16="http://schemas.microsoft.com/office/drawing/2014/main" id="{3CFF87E4-E3EB-6979-BA49-637760E7BBC3}"/>
               </a:ext>
             </a:extLst>
           </p:cNvPr>
@@ -7598,7 +7598,7 @@
           <p:cNvPr id="5" name="Marcador de pie de página 4">
             <a:extLst>
               <a:ext uri="{FF2B5EF4-FFF2-40B4-BE49-F238E27FC236}">
-                <a16:creationId xmlns:a16="http://schemas.microsoft.com/office/drawing/2014/main" xmlns="" id="{6143CCC9-3353-516C-3DED-6C05973EB5B8}"/>
+                <a16:creationId xmlns="" xmlns:a16="http://schemas.microsoft.com/office/drawing/2014/main" id="{6143CCC9-3353-516C-3DED-6C05973EB5B8}"/>
               </a:ext>
             </a:extLst>
           </p:cNvPr>
@@ -7644,7 +7644,7 @@
           <p:cNvPr id="6" name="Marcador de número de diapositiva 5">
             <a:extLst>
               <a:ext uri="{FF2B5EF4-FFF2-40B4-BE49-F238E27FC236}">
-                <a16:creationId xmlns:a16="http://schemas.microsoft.com/office/drawing/2014/main" xmlns="" id="{751E5BC1-66C6-23A3-45FC-6B13BC2B4A2D}"/>
+                <a16:creationId xmlns="" xmlns:a16="http://schemas.microsoft.com/office/drawing/2014/main" id="{751E5BC1-66C6-23A3-45FC-6B13BC2B4A2D}"/>
               </a:ext>
             </a:extLst>
           </p:cNvPr>
@@ -8014,7 +8014,7 @@
           <p:cNvPr id="3" name="Imagen 2">
             <a:extLst>
               <a:ext uri="{FF2B5EF4-FFF2-40B4-BE49-F238E27FC236}">
-                <a16:creationId xmlns:a16="http://schemas.microsoft.com/office/drawing/2014/main" xmlns="" id="{B7DCC1AE-CBB9-4F76-A8E3-CF73CD4FFFAE}"/>
+                <a16:creationId xmlns="" xmlns:a16="http://schemas.microsoft.com/office/drawing/2014/main" id="{B7DCC1AE-CBB9-4F76-A8E3-CF73CD4FFFAE}"/>
               </a:ext>
             </a:extLst>
           </p:cNvPr>
@@ -8043,7 +8043,7 @@
           <p:cNvPr id="15" name="Rectángulo 14">
             <a:extLst>
               <a:ext uri="{FF2B5EF4-FFF2-40B4-BE49-F238E27FC236}">
-                <a16:creationId xmlns:a16="http://schemas.microsoft.com/office/drawing/2014/main" xmlns="" id="{B0381972-7714-18E2-8087-DC6EBF8C2989}"/>
+                <a16:creationId xmlns="" xmlns:a16="http://schemas.microsoft.com/office/drawing/2014/main" id="{B0381972-7714-18E2-8087-DC6EBF8C2989}"/>
               </a:ext>
             </a:extLst>
           </p:cNvPr>
@@ -8162,7 +8162,7 @@
           <p:cNvPr id="2" name="Imagen 1">
             <a:extLst>
               <a:ext uri="{FF2B5EF4-FFF2-40B4-BE49-F238E27FC236}">
-                <a16:creationId xmlns:a16="http://schemas.microsoft.com/office/drawing/2014/main" xmlns="" id="{8495C0A0-4965-B406-97D2-0C73E97D488B}"/>
+                <a16:creationId xmlns="" xmlns:a16="http://schemas.microsoft.com/office/drawing/2014/main" id="{8495C0A0-4965-B406-97D2-0C73E97D488B}"/>
               </a:ext>
             </a:extLst>
           </p:cNvPr>
@@ -8192,7 +8192,7 @@
           <p:cNvPr id="3" name="Marcador de número de diapositiva 3">
             <a:extLst>
               <a:ext uri="{FF2B5EF4-FFF2-40B4-BE49-F238E27FC236}">
-                <a16:creationId xmlns:a16="http://schemas.microsoft.com/office/drawing/2014/main" xmlns="" id="{958FBA5A-A58E-C697-8203-4F8B9AE81A4E}"/>
+                <a16:creationId xmlns="" xmlns:a16="http://schemas.microsoft.com/office/drawing/2014/main" id="{958FBA5A-A58E-C697-8203-4F8B9AE81A4E}"/>
               </a:ext>
             </a:extLst>
           </p:cNvPr>
@@ -8226,7 +8226,7 @@
           <p:cNvPr id="23" name="Título 1">
             <a:extLst>
               <a:ext uri="{FF2B5EF4-FFF2-40B4-BE49-F238E27FC236}">
-                <a16:creationId xmlns:a16="http://schemas.microsoft.com/office/drawing/2014/main" xmlns="" id="{E1DD3CF2-B58E-FFFA-CC44-24E153BAAA08}"/>
+                <a16:creationId xmlns="" xmlns:a16="http://schemas.microsoft.com/office/drawing/2014/main" id="{E1DD3CF2-B58E-FFFA-CC44-24E153BAAA08}"/>
               </a:ext>
             </a:extLst>
           </p:cNvPr>
@@ -8296,7 +8296,7 @@
           <p:cNvPr id="24" name="Título 1">
             <a:extLst>
               <a:ext uri="{FF2B5EF4-FFF2-40B4-BE49-F238E27FC236}">
-                <a16:creationId xmlns:a16="http://schemas.microsoft.com/office/drawing/2014/main" xmlns="" id="{96653C20-5D73-6AC7-AD4D-29A9D6D74E1B}"/>
+                <a16:creationId xmlns="" xmlns:a16="http://schemas.microsoft.com/office/drawing/2014/main" id="{96653C20-5D73-6AC7-AD4D-29A9D6D74E1B}"/>
               </a:ext>
             </a:extLst>
           </p:cNvPr>
@@ -8437,7 +8437,7 @@
           </a:ln>
           <a:extLst>
             <a:ext uri="{C572A759-6A51-4108-AA02-DFA0A04FC94B}">
-              <ma14:wrappingTextBoxFlag xmlns="" xmlns:m="http://schemas.openxmlformats.org/officeDocument/2006/math" xmlns:a14="http://schemas.microsoft.com/office/drawing/2010/main" xmlns:ma14="http://schemas.microsoft.com/office/mac/drawingml/2011/main" val="1"/>
+              <ma14:wrappingTextBoxFlag xmlns:ma14="http://schemas.microsoft.com/office/mac/drawingml/2011/main" xmlns:a14="http://schemas.microsoft.com/office/drawing/2010/main" xmlns:m="http://schemas.openxmlformats.org/officeDocument/2006/math" xmlns="" val="1"/>
             </a:ext>
           </a:extLst>
         </p:spPr>
@@ -8484,7 +8484,7 @@
           </a:ln>
           <a:extLst>
             <a:ext uri="{C572A759-6A51-4108-AA02-DFA0A04FC94B}">
-              <ma14:wrappingTextBoxFlag xmlns="" xmlns:m="http://schemas.openxmlformats.org/officeDocument/2006/math" xmlns:a14="http://schemas.microsoft.com/office/drawing/2010/main" xmlns:ma14="http://schemas.microsoft.com/office/mac/drawingml/2011/main" val="1"/>
+              <ma14:wrappingTextBoxFlag xmlns:ma14="http://schemas.microsoft.com/office/mac/drawingml/2011/main" xmlns:a14="http://schemas.microsoft.com/office/drawing/2010/main" xmlns:m="http://schemas.openxmlformats.org/officeDocument/2006/math" xmlns="" val="1"/>
             </a:ext>
           </a:extLst>
         </p:spPr>
@@ -10148,7 +10148,7 @@
           </a:ln>
           <a:extLst>
             <a:ext uri="{C572A759-6A51-4108-AA02-DFA0A04FC94B}">
-              <ma14:wrappingTextBoxFlag xmlns="" xmlns:m="http://schemas.openxmlformats.org/officeDocument/2006/math" xmlns:a14="http://schemas.microsoft.com/office/drawing/2010/main" xmlns:ma14="http://schemas.microsoft.com/office/mac/drawingml/2011/main" val="1"/>
+              <ma14:wrappingTextBoxFlag xmlns:ma14="http://schemas.microsoft.com/office/mac/drawingml/2011/main" xmlns:a14="http://schemas.microsoft.com/office/drawing/2010/main" xmlns:m="http://schemas.openxmlformats.org/officeDocument/2006/math" xmlns="" val="1"/>
             </a:ext>
           </a:extLst>
         </p:spPr>
@@ -10202,7 +10202,7 @@
           </a:ln>
           <a:extLst>
             <a:ext uri="{C572A759-6A51-4108-AA02-DFA0A04FC94B}">
-              <ma14:wrappingTextBoxFlag xmlns="" xmlns:m="http://schemas.openxmlformats.org/officeDocument/2006/math" xmlns:a14="http://schemas.microsoft.com/office/drawing/2010/main" xmlns:ma14="http://schemas.microsoft.com/office/mac/drawingml/2011/main" val="1"/>
+              <ma14:wrappingTextBoxFlag xmlns:ma14="http://schemas.microsoft.com/office/mac/drawingml/2011/main" xmlns:a14="http://schemas.microsoft.com/office/drawing/2010/main" xmlns:m="http://schemas.openxmlformats.org/officeDocument/2006/math" xmlns="" val="1"/>
             </a:ext>
           </a:extLst>
         </p:spPr>
@@ -10528,7 +10528,7 @@
           <p:cNvPr id="44" name="Rectángulo redondeado 8">
             <a:extLst>
               <a:ext uri="{FF2B5EF4-FFF2-40B4-BE49-F238E27FC236}">
-                <a16:creationId xmlns="" xmlns:a16="http://schemas.microsoft.com/office/drawing/2014/main" id="{277BA7B5-969F-97FA-876B-9353DE62E89F}"/>
+                <a16:creationId xmlns:a16="http://schemas.microsoft.com/office/drawing/2014/main" xmlns="" id="{277BA7B5-969F-97FA-876B-9353DE62E89F}"/>
               </a:ext>
             </a:extLst>
           </p:cNvPr>
@@ -10582,7 +10582,7 @@
           <p:cNvPr id="45" name="Rectangle 68">
             <a:extLst>
               <a:ext uri="{FF2B5EF4-FFF2-40B4-BE49-F238E27FC236}">
-                <a16:creationId xmlns="" xmlns:a16="http://schemas.microsoft.com/office/drawing/2014/main" id="{2E170935-075B-E9F1-39F5-718251B4ECCC}"/>
+                <a16:creationId xmlns:a16="http://schemas.microsoft.com/office/drawing/2014/main" xmlns="" id="{2E170935-075B-E9F1-39F5-718251B4ECCC}"/>
               </a:ext>
             </a:extLst>
           </p:cNvPr>
@@ -10657,7 +10657,7 @@
     <a:masterClrMapping/>
   </p:clrMapOvr>
   <mc:AlternateContent xmlns:mc="http://schemas.openxmlformats.org/markup-compatibility/2006">
-    <mc:Choice xmlns:p159="http://schemas.microsoft.com/office/powerpoint/2015/09/main" xmlns="" Requires="p159">
+    <mc:Choice xmlns="" xmlns:p159="http://schemas.microsoft.com/office/powerpoint/2015/09/main" Requires="p159">
       <p:transition xmlns:p14="http://schemas.microsoft.com/office/powerpoint/2010/main" spd="slow" p14:dur="2000">
         <p159:morph option="byObject"/>
       </p:transition>
@@ -11961,7 +11961,7 @@
           <p:cNvPr id="6" name="Imagen 5">
             <a:extLst>
               <a:ext uri="{FF2B5EF4-FFF2-40B4-BE49-F238E27FC236}">
-                <a16:creationId xmlns:a16="http://schemas.microsoft.com/office/drawing/2014/main" xmlns="" id="{AECF0F1D-C308-BF13-5B7D-2AF3F7F37ED8}"/>
+                <a16:creationId xmlns="" xmlns:a16="http://schemas.microsoft.com/office/drawing/2014/main" id="{AECF0F1D-C308-BF13-5B7D-2AF3F7F37ED8}"/>
               </a:ext>
             </a:extLst>
           </p:cNvPr>
@@ -11991,7 +11991,7 @@
           <p:cNvPr id="29" name="Elipse 28">
             <a:extLst>
               <a:ext uri="{FF2B5EF4-FFF2-40B4-BE49-F238E27FC236}">
-                <a16:creationId xmlns:a16="http://schemas.microsoft.com/office/drawing/2014/main" xmlns="" id="{D409A869-E3F3-BD1E-56AD-23DD57DA9900}"/>
+                <a16:creationId xmlns="" xmlns:a16="http://schemas.microsoft.com/office/drawing/2014/main" id="{D409A869-E3F3-BD1E-56AD-23DD57DA9900}"/>
               </a:ext>
             </a:extLst>
           </p:cNvPr>
@@ -12052,7 +12052,7 @@
           <p:cNvPr id="30" name="Elipse 11">
             <a:extLst>
               <a:ext uri="{FF2B5EF4-FFF2-40B4-BE49-F238E27FC236}">
-                <a16:creationId xmlns:a16="http://schemas.microsoft.com/office/drawing/2014/main" xmlns="" id="{9809322B-D16D-7581-2FF2-1FB36C37C381}"/>
+                <a16:creationId xmlns="" xmlns:a16="http://schemas.microsoft.com/office/drawing/2014/main" id="{9809322B-D16D-7581-2FF2-1FB36C37C381}"/>
               </a:ext>
             </a:extLst>
           </p:cNvPr>
@@ -12112,7 +12112,7 @@
           <p:cNvPr id="2" name="Imagen 1">
             <a:extLst>
               <a:ext uri="{FF2B5EF4-FFF2-40B4-BE49-F238E27FC236}">
-                <a16:creationId xmlns:a16="http://schemas.microsoft.com/office/drawing/2014/main" xmlns="" id="{D12FEC8B-F836-FC77-8973-F379E2719902}"/>
+                <a16:creationId xmlns="" xmlns:a16="http://schemas.microsoft.com/office/drawing/2014/main" id="{D12FEC8B-F836-FC77-8973-F379E2719902}"/>
               </a:ext>
             </a:extLst>
           </p:cNvPr>
@@ -12142,7 +12142,7 @@
           <p:cNvPr id="3" name="Título 1">
             <a:extLst>
               <a:ext uri="{FF2B5EF4-FFF2-40B4-BE49-F238E27FC236}">
-                <a16:creationId xmlns:a16="http://schemas.microsoft.com/office/drawing/2014/main" xmlns="" id="{4F3CB707-2FAF-B9D2-DE82-A33A22EDA69A}"/>
+                <a16:creationId xmlns="" xmlns:a16="http://schemas.microsoft.com/office/drawing/2014/main" id="{4F3CB707-2FAF-B9D2-DE82-A33A22EDA69A}"/>
               </a:ext>
             </a:extLst>
           </p:cNvPr>
@@ -12209,7 +12209,7 @@
           <p:cNvPr id="4" name="Grupo 3">
             <a:extLst>
               <a:ext uri="{FF2B5EF4-FFF2-40B4-BE49-F238E27FC236}">
-                <a16:creationId xmlns:a16="http://schemas.microsoft.com/office/drawing/2014/main" xmlns="" id="{40D242EC-C551-2379-5531-DD6DFF7049A1}"/>
+                <a16:creationId xmlns="" xmlns:a16="http://schemas.microsoft.com/office/drawing/2014/main" id="{40D242EC-C551-2379-5531-DD6DFF7049A1}"/>
               </a:ext>
             </a:extLst>
           </p:cNvPr>
@@ -12229,7 +12229,7 @@
             <p:cNvPr id="5" name="Título 1">
               <a:extLst>
                 <a:ext uri="{FF2B5EF4-FFF2-40B4-BE49-F238E27FC236}">
-                  <a16:creationId xmlns:a16="http://schemas.microsoft.com/office/drawing/2014/main" xmlns="" id="{55257F63-9592-FE8C-B657-605DAA492B1F}"/>
+                  <a16:creationId xmlns="" xmlns:a16="http://schemas.microsoft.com/office/drawing/2014/main" id="{55257F63-9592-FE8C-B657-605DAA492B1F}"/>
                 </a:ext>
               </a:extLst>
             </p:cNvPr>
@@ -12307,7 +12307,7 @@
             <p:cNvPr id="11" name="Conector recto 10">
               <a:extLst>
                 <a:ext uri="{FF2B5EF4-FFF2-40B4-BE49-F238E27FC236}">
-                  <a16:creationId xmlns:a16="http://schemas.microsoft.com/office/drawing/2014/main" xmlns="" id="{353D40E2-101E-5774-4744-4104291C31F0}"/>
+                  <a16:creationId xmlns="" xmlns:a16="http://schemas.microsoft.com/office/drawing/2014/main" id="{353D40E2-101E-5774-4744-4104291C31F0}"/>
                 </a:ext>
               </a:extLst>
             </p:cNvPr>
@@ -12391,7 +12391,7 @@
           <p:cNvPr id="2" name="Imagen 1">
             <a:extLst>
               <a:ext uri="{FF2B5EF4-FFF2-40B4-BE49-F238E27FC236}">
-                <a16:creationId xmlns:a16="http://schemas.microsoft.com/office/drawing/2014/main" xmlns="" id="{8495C0A0-4965-B406-97D2-0C73E97D488B}"/>
+                <a16:creationId xmlns="" xmlns:a16="http://schemas.microsoft.com/office/drawing/2014/main" id="{8495C0A0-4965-B406-97D2-0C73E97D488B}"/>
               </a:ext>
             </a:extLst>
           </p:cNvPr>
@@ -12421,7 +12421,7 @@
           <p:cNvPr id="3" name="Marcador de número de diapositiva 3">
             <a:extLst>
               <a:ext uri="{FF2B5EF4-FFF2-40B4-BE49-F238E27FC236}">
-                <a16:creationId xmlns:a16="http://schemas.microsoft.com/office/drawing/2014/main" xmlns="" id="{958FBA5A-A58E-C697-8203-4F8B9AE81A4E}"/>
+                <a16:creationId xmlns="" xmlns:a16="http://schemas.microsoft.com/office/drawing/2014/main" id="{958FBA5A-A58E-C697-8203-4F8B9AE81A4E}"/>
               </a:ext>
             </a:extLst>
           </p:cNvPr>
@@ -12455,7 +12455,7 @@
           <p:cNvPr id="23" name="Título 1">
             <a:extLst>
               <a:ext uri="{FF2B5EF4-FFF2-40B4-BE49-F238E27FC236}">
-                <a16:creationId xmlns:a16="http://schemas.microsoft.com/office/drawing/2014/main" xmlns="" id="{E1DD3CF2-B58E-FFFA-CC44-24E153BAAA08}"/>
+                <a16:creationId xmlns="" xmlns:a16="http://schemas.microsoft.com/office/drawing/2014/main" id="{E1DD3CF2-B58E-FFFA-CC44-24E153BAAA08}"/>
               </a:ext>
             </a:extLst>
           </p:cNvPr>
@@ -12525,7 +12525,7 @@
           <p:cNvPr id="24" name="Título 1">
             <a:extLst>
               <a:ext uri="{FF2B5EF4-FFF2-40B4-BE49-F238E27FC236}">
-                <a16:creationId xmlns:a16="http://schemas.microsoft.com/office/drawing/2014/main" xmlns="" id="{96653C20-5D73-6AC7-AD4D-29A9D6D74E1B}"/>
+                <a16:creationId xmlns="" xmlns:a16="http://schemas.microsoft.com/office/drawing/2014/main" id="{96653C20-5D73-6AC7-AD4D-29A9D6D74E1B}"/>
               </a:ext>
             </a:extLst>
           </p:cNvPr>
@@ -12594,7 +12594,7 @@
           <p:cNvPr id="39" name="Rectángulo redondeado 8">
             <a:extLst>
               <a:ext uri="{FF2B5EF4-FFF2-40B4-BE49-F238E27FC236}">
-                <a16:creationId xmlns="" xmlns:a16="http://schemas.microsoft.com/office/drawing/2014/main" id="{277BA7B5-969F-97FA-876B-9353DE62E89F}"/>
+                <a16:creationId xmlns:a16="http://schemas.microsoft.com/office/drawing/2014/main" xmlns="" id="{277BA7B5-969F-97FA-876B-9353DE62E89F}"/>
               </a:ext>
             </a:extLst>
           </p:cNvPr>
@@ -12648,7 +12648,7 @@
           <p:cNvPr id="40" name="Rectangle 68">
             <a:extLst>
               <a:ext uri="{FF2B5EF4-FFF2-40B4-BE49-F238E27FC236}">
-                <a16:creationId xmlns="" xmlns:a16="http://schemas.microsoft.com/office/drawing/2014/main" id="{2E170935-075B-E9F1-39F5-718251B4ECCC}"/>
+                <a16:creationId xmlns:a16="http://schemas.microsoft.com/office/drawing/2014/main" xmlns="" id="{2E170935-075B-E9F1-39F5-718251B4ECCC}"/>
               </a:ext>
             </a:extLst>
           </p:cNvPr>
@@ -12787,7 +12787,7 @@
     <a:masterClrMapping/>
   </p:clrMapOvr>
   <mc:AlternateContent xmlns:mc="http://schemas.openxmlformats.org/markup-compatibility/2006">
-    <mc:Choice xmlns:p159="http://schemas.microsoft.com/office/powerpoint/2015/09/main" xmlns="" Requires="p159">
+    <mc:Choice xmlns="" xmlns:p159="http://schemas.microsoft.com/office/powerpoint/2015/09/main" Requires="p159">
       <p:transition xmlns:p14="http://schemas.microsoft.com/office/powerpoint/2010/main" spd="slow" p14:dur="2000">
         <p159:morph option="byObject"/>
       </p:transition>
@@ -12912,7 +12912,7 @@
           <p:cNvPr id="2" name="Imagen 1">
             <a:extLst>
               <a:ext uri="{FF2B5EF4-FFF2-40B4-BE49-F238E27FC236}">
-                <a16:creationId xmlns:a16="http://schemas.microsoft.com/office/drawing/2014/main" xmlns="" id="{8495C0A0-4965-B406-97D2-0C73E97D488B}"/>
+                <a16:creationId xmlns="" xmlns:a16="http://schemas.microsoft.com/office/drawing/2014/main" id="{8495C0A0-4965-B406-97D2-0C73E97D488B}"/>
               </a:ext>
             </a:extLst>
           </p:cNvPr>
@@ -12942,7 +12942,7 @@
           <p:cNvPr id="3" name="Marcador de número de diapositiva 3">
             <a:extLst>
               <a:ext uri="{FF2B5EF4-FFF2-40B4-BE49-F238E27FC236}">
-                <a16:creationId xmlns:a16="http://schemas.microsoft.com/office/drawing/2014/main" xmlns="" id="{958FBA5A-A58E-C697-8203-4F8B9AE81A4E}"/>
+                <a16:creationId xmlns="" xmlns:a16="http://schemas.microsoft.com/office/drawing/2014/main" id="{958FBA5A-A58E-C697-8203-4F8B9AE81A4E}"/>
               </a:ext>
             </a:extLst>
           </p:cNvPr>
@@ -12976,7 +12976,7 @@
           <p:cNvPr id="23" name="Título 1">
             <a:extLst>
               <a:ext uri="{FF2B5EF4-FFF2-40B4-BE49-F238E27FC236}">
-                <a16:creationId xmlns:a16="http://schemas.microsoft.com/office/drawing/2014/main" xmlns="" id="{E1DD3CF2-B58E-FFFA-CC44-24E153BAAA08}"/>
+                <a16:creationId xmlns="" xmlns:a16="http://schemas.microsoft.com/office/drawing/2014/main" id="{E1DD3CF2-B58E-FFFA-CC44-24E153BAAA08}"/>
               </a:ext>
             </a:extLst>
           </p:cNvPr>
@@ -13046,7 +13046,7 @@
           <p:cNvPr id="24" name="Título 1">
             <a:extLst>
               <a:ext uri="{FF2B5EF4-FFF2-40B4-BE49-F238E27FC236}">
-                <a16:creationId xmlns:a16="http://schemas.microsoft.com/office/drawing/2014/main" xmlns="" id="{96653C20-5D73-6AC7-AD4D-29A9D6D74E1B}"/>
+                <a16:creationId xmlns="" xmlns:a16="http://schemas.microsoft.com/office/drawing/2014/main" id="{96653C20-5D73-6AC7-AD4D-29A9D6D74E1B}"/>
               </a:ext>
             </a:extLst>
           </p:cNvPr>
@@ -13115,7 +13115,7 @@
           <p:cNvPr id="39" name="Rectángulo redondeado 8">
             <a:extLst>
               <a:ext uri="{FF2B5EF4-FFF2-40B4-BE49-F238E27FC236}">
-                <a16:creationId xmlns="" xmlns:a16="http://schemas.microsoft.com/office/drawing/2014/main" id="{277BA7B5-969F-97FA-876B-9353DE62E89F}"/>
+                <a16:creationId xmlns:a16="http://schemas.microsoft.com/office/drawing/2014/main" xmlns="" id="{277BA7B5-969F-97FA-876B-9353DE62E89F}"/>
               </a:ext>
             </a:extLst>
           </p:cNvPr>
@@ -13169,7 +13169,7 @@
           <p:cNvPr id="40" name="Rectangle 68">
             <a:extLst>
               <a:ext uri="{FF2B5EF4-FFF2-40B4-BE49-F238E27FC236}">
-                <a16:creationId xmlns="" xmlns:a16="http://schemas.microsoft.com/office/drawing/2014/main" id="{2E170935-075B-E9F1-39F5-718251B4ECCC}"/>
+                <a16:creationId xmlns:a16="http://schemas.microsoft.com/office/drawing/2014/main" xmlns="" id="{2E170935-075B-E9F1-39F5-718251B4ECCC}"/>
               </a:ext>
             </a:extLst>
           </p:cNvPr>
@@ -13290,7 +13290,7 @@
     <a:masterClrMapping/>
   </p:clrMapOvr>
   <mc:AlternateContent xmlns:mc="http://schemas.openxmlformats.org/markup-compatibility/2006">
-    <mc:Choice xmlns:p159="http://schemas.microsoft.com/office/powerpoint/2015/09/main" xmlns="" Requires="p159">
+    <mc:Choice xmlns="" xmlns:p159="http://schemas.microsoft.com/office/powerpoint/2015/09/main" Requires="p159">
       <p:transition xmlns:p14="http://schemas.microsoft.com/office/powerpoint/2010/main" spd="slow" p14:dur="2000">
         <p159:morph option="byObject"/>
       </p:transition>
@@ -13415,7 +13415,7 @@
           <p:cNvPr id="20" name="Rectángulo redondeado 19">
             <a:extLst>
               <a:ext uri="{FF2B5EF4-FFF2-40B4-BE49-F238E27FC236}">
-                <a16:creationId xmlns="" xmlns:a16="http://schemas.microsoft.com/office/drawing/2014/main" id="{BF09CAA8-8053-E0A6-DC26-426D1F02D061}"/>
+                <a16:creationId xmlns:a16="http://schemas.microsoft.com/office/drawing/2014/main" xmlns="" id="{BF09CAA8-8053-E0A6-DC26-426D1F02D061}"/>
               </a:ext>
             </a:extLst>
           </p:cNvPr>
@@ -13478,7 +13478,7 @@
           <p:cNvPr id="16" name="Título 1">
             <a:extLst>
               <a:ext uri="{FF2B5EF4-FFF2-40B4-BE49-F238E27FC236}">
-                <a16:creationId xmlns="" xmlns:a16="http://schemas.microsoft.com/office/drawing/2014/main" id="{D5FD1066-7FA1-9BF9-22F0-F52B6DDCD8D0}"/>
+                <a16:creationId xmlns:a16="http://schemas.microsoft.com/office/drawing/2014/main" xmlns="" id="{D5FD1066-7FA1-9BF9-22F0-F52B6DDCD8D0}"/>
               </a:ext>
             </a:extLst>
           </p:cNvPr>
@@ -13529,7 +13529,7 @@
           <p:cNvPr id="17" name="Subtítulo 2">
             <a:extLst>
               <a:ext uri="{FF2B5EF4-FFF2-40B4-BE49-F238E27FC236}">
-                <a16:creationId xmlns="" xmlns:a16="http://schemas.microsoft.com/office/drawing/2014/main" id="{3DFC87B0-799A-C4EE-D680-F89FA1274BED}"/>
+                <a16:creationId xmlns:a16="http://schemas.microsoft.com/office/drawing/2014/main" xmlns="" id="{3DFC87B0-799A-C4EE-D680-F89FA1274BED}"/>
               </a:ext>
             </a:extLst>
           </p:cNvPr>
@@ -13585,7 +13585,7 @@
           <p:cNvPr id="2" name="Rectángulo redondeado 1">
             <a:extLst>
               <a:ext uri="{FF2B5EF4-FFF2-40B4-BE49-F238E27FC236}">
-                <a16:creationId xmlns="" xmlns:a16="http://schemas.microsoft.com/office/drawing/2014/main" id="{CCD3B001-675A-A776-763B-388CE2698D74}"/>
+                <a16:creationId xmlns:a16="http://schemas.microsoft.com/office/drawing/2014/main" xmlns="" id="{CCD3B001-675A-A776-763B-388CE2698D74}"/>
               </a:ext>
             </a:extLst>
           </p:cNvPr>
@@ -13648,7 +13648,7 @@
           <p:cNvPr id="4" name="Rectángulo redondeado 3">
             <a:extLst>
               <a:ext uri="{FF2B5EF4-FFF2-40B4-BE49-F238E27FC236}">
-                <a16:creationId xmlns="" xmlns:a16="http://schemas.microsoft.com/office/drawing/2014/main" id="{B199D41E-253C-2151-DFD2-3A1DCD8F14EF}"/>
+                <a16:creationId xmlns:a16="http://schemas.microsoft.com/office/drawing/2014/main" xmlns="" id="{B199D41E-253C-2151-DFD2-3A1DCD8F14EF}"/>
               </a:ext>
             </a:extLst>
           </p:cNvPr>
@@ -13711,7 +13711,7 @@
           <p:cNvPr id="5" name="Rectángulo redondeado 4">
             <a:extLst>
               <a:ext uri="{FF2B5EF4-FFF2-40B4-BE49-F238E27FC236}">
-                <a16:creationId xmlns="" xmlns:a16="http://schemas.microsoft.com/office/drawing/2014/main" id="{F919647C-EC8E-9977-5829-F9FA9DBC3A4B}"/>
+                <a16:creationId xmlns:a16="http://schemas.microsoft.com/office/drawing/2014/main" xmlns="" id="{F919647C-EC8E-9977-5829-F9FA9DBC3A4B}"/>
               </a:ext>
             </a:extLst>
           </p:cNvPr>
@@ -13774,7 +13774,7 @@
           <p:cNvPr id="7" name="Rectángulo redondeado 6">
             <a:extLst>
               <a:ext uri="{FF2B5EF4-FFF2-40B4-BE49-F238E27FC236}">
-                <a16:creationId xmlns="" xmlns:a16="http://schemas.microsoft.com/office/drawing/2014/main" id="{0EA01A99-EEE2-756B-9ECE-EC32D3ABF85E}"/>
+                <a16:creationId xmlns:a16="http://schemas.microsoft.com/office/drawing/2014/main" xmlns="" id="{0EA01A99-EEE2-756B-9ECE-EC32D3ABF85E}"/>
               </a:ext>
             </a:extLst>
           </p:cNvPr>
@@ -13837,7 +13837,7 @@
           <p:cNvPr id="11" name="Rectángulo redondeado 10">
             <a:extLst>
               <a:ext uri="{FF2B5EF4-FFF2-40B4-BE49-F238E27FC236}">
-                <a16:creationId xmlns="" xmlns:a16="http://schemas.microsoft.com/office/drawing/2014/main" id="{2F78498A-2720-6921-8930-22F7C28739A5}"/>
+                <a16:creationId xmlns:a16="http://schemas.microsoft.com/office/drawing/2014/main" xmlns="" id="{2F78498A-2720-6921-8930-22F7C28739A5}"/>
               </a:ext>
             </a:extLst>
           </p:cNvPr>
@@ -13899,7 +13899,7 @@
           <p:cNvPr id="15" name="Rectángulo redondeado 14">
             <a:extLst>
               <a:ext uri="{FF2B5EF4-FFF2-40B4-BE49-F238E27FC236}">
-                <a16:creationId xmlns="" xmlns:a16="http://schemas.microsoft.com/office/drawing/2014/main" id="{77327BB8-C8AD-194D-4E04-00122A71646B}"/>
+                <a16:creationId xmlns:a16="http://schemas.microsoft.com/office/drawing/2014/main" xmlns="" id="{77327BB8-C8AD-194D-4E04-00122A71646B}"/>
               </a:ext>
             </a:extLst>
           </p:cNvPr>
@@ -13961,7 +13961,7 @@
           <p:cNvPr id="18" name="Rectángulo redondeado 17">
             <a:extLst>
               <a:ext uri="{FF2B5EF4-FFF2-40B4-BE49-F238E27FC236}">
-                <a16:creationId xmlns="" xmlns:a16="http://schemas.microsoft.com/office/drawing/2014/main" id="{A82886BF-19BB-9236-ADD9-7C2A1A689330}"/>
+                <a16:creationId xmlns:a16="http://schemas.microsoft.com/office/drawing/2014/main" xmlns="" id="{A82886BF-19BB-9236-ADD9-7C2A1A689330}"/>
               </a:ext>
             </a:extLst>
           </p:cNvPr>
@@ -14023,7 +14023,7 @@
           <p:cNvPr id="19" name="Rectángulo redondeado 18">
             <a:extLst>
               <a:ext uri="{FF2B5EF4-FFF2-40B4-BE49-F238E27FC236}">
-                <a16:creationId xmlns="" xmlns:a16="http://schemas.microsoft.com/office/drawing/2014/main" id="{6EA072CD-9F3D-4795-5D92-A409228E5D0A}"/>
+                <a16:creationId xmlns:a16="http://schemas.microsoft.com/office/drawing/2014/main" xmlns="" id="{6EA072CD-9F3D-4795-5D92-A409228E5D0A}"/>
               </a:ext>
             </a:extLst>
           </p:cNvPr>
@@ -14085,7 +14085,7 @@
           <p:cNvPr id="30" name="Subtítulo 2">
             <a:extLst>
               <a:ext uri="{FF2B5EF4-FFF2-40B4-BE49-F238E27FC236}">
-                <a16:creationId xmlns="" xmlns:a16="http://schemas.microsoft.com/office/drawing/2014/main" id="{A01E837A-D726-E0FC-6B75-F180334C145E}"/>
+                <a16:creationId xmlns:a16="http://schemas.microsoft.com/office/drawing/2014/main" xmlns="" id="{A01E837A-D726-E0FC-6B75-F180334C145E}"/>
               </a:ext>
             </a:extLst>
           </p:cNvPr>
@@ -14328,7 +14328,7 @@
           <p:cNvPr id="34" name="Subtítulo 2">
             <a:extLst>
               <a:ext uri="{FF2B5EF4-FFF2-40B4-BE49-F238E27FC236}">
-                <a16:creationId xmlns="" xmlns:a16="http://schemas.microsoft.com/office/drawing/2014/main" id="{F863594F-03E1-D5FE-967D-FC23EBCEBC46}"/>
+                <a16:creationId xmlns:a16="http://schemas.microsoft.com/office/drawing/2014/main" xmlns="" id="{F863594F-03E1-D5FE-967D-FC23EBCEBC46}"/>
               </a:ext>
             </a:extLst>
           </p:cNvPr>
@@ -14571,7 +14571,7 @@
           <p:cNvPr id="45" name="Subtítulo 2">
             <a:extLst>
               <a:ext uri="{FF2B5EF4-FFF2-40B4-BE49-F238E27FC236}">
-                <a16:creationId xmlns="" xmlns:a16="http://schemas.microsoft.com/office/drawing/2014/main" id="{BAC2461A-A8F4-6E7D-591F-A715605CB681}"/>
+                <a16:creationId xmlns:a16="http://schemas.microsoft.com/office/drawing/2014/main" xmlns="" id="{BAC2461A-A8F4-6E7D-591F-A715605CB681}"/>
               </a:ext>
             </a:extLst>
           </p:cNvPr>
@@ -14814,7 +14814,7 @@
           <p:cNvPr id="47" name="Subtítulo 2">
             <a:extLst>
               <a:ext uri="{FF2B5EF4-FFF2-40B4-BE49-F238E27FC236}">
-                <a16:creationId xmlns="" xmlns:a16="http://schemas.microsoft.com/office/drawing/2014/main" id="{9E63FB36-E116-AEAC-39ED-BAE30F51867C}"/>
+                <a16:creationId xmlns:a16="http://schemas.microsoft.com/office/drawing/2014/main" xmlns="" id="{9E63FB36-E116-AEAC-39ED-BAE30F51867C}"/>
               </a:ext>
             </a:extLst>
           </p:cNvPr>
@@ -15036,7 +15036,7 @@
           <p:cNvPr id="48" name="Subtítulo 2">
             <a:extLst>
               <a:ext uri="{FF2B5EF4-FFF2-40B4-BE49-F238E27FC236}">
-                <a16:creationId xmlns="" xmlns:a16="http://schemas.microsoft.com/office/drawing/2014/main" id="{DF3BBE98-CE18-7410-A42D-05AF2CF3A2A6}"/>
+                <a16:creationId xmlns:a16="http://schemas.microsoft.com/office/drawing/2014/main" xmlns="" id="{DF3BBE98-CE18-7410-A42D-05AF2CF3A2A6}"/>
               </a:ext>
             </a:extLst>
           </p:cNvPr>
@@ -15279,7 +15279,7 @@
           <p:cNvPr id="49" name="Subtítulo 2">
             <a:extLst>
               <a:ext uri="{FF2B5EF4-FFF2-40B4-BE49-F238E27FC236}">
-                <a16:creationId xmlns="" xmlns:a16="http://schemas.microsoft.com/office/drawing/2014/main" id="{C81EEB7D-A645-3EE7-6E59-FE643DB0CCB1}"/>
+                <a16:creationId xmlns:a16="http://schemas.microsoft.com/office/drawing/2014/main" xmlns="" id="{C81EEB7D-A645-3EE7-6E59-FE643DB0CCB1}"/>
               </a:ext>
             </a:extLst>
           </p:cNvPr>
@@ -15522,7 +15522,7 @@
           <p:cNvPr id="50" name="Subtítulo 2">
             <a:extLst>
               <a:ext uri="{FF2B5EF4-FFF2-40B4-BE49-F238E27FC236}">
-                <a16:creationId xmlns="" xmlns:a16="http://schemas.microsoft.com/office/drawing/2014/main" id="{1E13DC0E-9361-9034-2A30-6DBBEC58B20D}"/>
+                <a16:creationId xmlns:a16="http://schemas.microsoft.com/office/drawing/2014/main" xmlns="" id="{1E13DC0E-9361-9034-2A30-6DBBEC58B20D}"/>
               </a:ext>
             </a:extLst>
           </p:cNvPr>
@@ -15765,7 +15765,7 @@
           <p:cNvPr id="51" name="Subtítulo 2">
             <a:extLst>
               <a:ext uri="{FF2B5EF4-FFF2-40B4-BE49-F238E27FC236}">
-                <a16:creationId xmlns="" xmlns:a16="http://schemas.microsoft.com/office/drawing/2014/main" id="{AB1EF8A2-8534-BEE3-A084-8B5E6BDB1310}"/>
+                <a16:creationId xmlns:a16="http://schemas.microsoft.com/office/drawing/2014/main" xmlns="" id="{AB1EF8A2-8534-BEE3-A084-8B5E6BDB1310}"/>
               </a:ext>
             </a:extLst>
           </p:cNvPr>
@@ -16019,7 +16019,7 @@
           <p:cNvPr id="23" name="Rectángulo redondeado 6">
             <a:extLst>
               <a:ext uri="{FF2B5EF4-FFF2-40B4-BE49-F238E27FC236}">
-                <a16:creationId xmlns="" xmlns:a16="http://schemas.microsoft.com/office/drawing/2014/main" id="{0EA01A99-EEE2-756B-9ECE-EC32D3ABF85E}"/>
+                <a16:creationId xmlns:a16="http://schemas.microsoft.com/office/drawing/2014/main" xmlns="" id="{0EA01A99-EEE2-756B-9ECE-EC32D3ABF85E}"/>
               </a:ext>
             </a:extLst>
           </p:cNvPr>
@@ -16082,7 +16082,7 @@
           <p:cNvPr id="24" name="Rectángulo redondeado 18">
             <a:extLst>
               <a:ext uri="{FF2B5EF4-FFF2-40B4-BE49-F238E27FC236}">
-                <a16:creationId xmlns="" xmlns:a16="http://schemas.microsoft.com/office/drawing/2014/main" id="{6EA072CD-9F3D-4795-5D92-A409228E5D0A}"/>
+                <a16:creationId xmlns:a16="http://schemas.microsoft.com/office/drawing/2014/main" xmlns="" id="{6EA072CD-9F3D-4795-5D92-A409228E5D0A}"/>
               </a:ext>
             </a:extLst>
           </p:cNvPr>
@@ -16144,7 +16144,7 @@
           <p:cNvPr id="25" name="Subtítulo 2">
             <a:extLst>
               <a:ext uri="{FF2B5EF4-FFF2-40B4-BE49-F238E27FC236}">
-                <a16:creationId xmlns="" xmlns:a16="http://schemas.microsoft.com/office/drawing/2014/main" id="{9E63FB36-E116-AEAC-39ED-BAE30F51867C}"/>
+                <a16:creationId xmlns:a16="http://schemas.microsoft.com/office/drawing/2014/main" xmlns="" id="{9E63FB36-E116-AEAC-39ED-BAE30F51867C}"/>
               </a:ext>
             </a:extLst>
           </p:cNvPr>
@@ -16366,7 +16366,7 @@
           <p:cNvPr id="26" name="Subtítulo 2">
             <a:extLst>
               <a:ext uri="{FF2B5EF4-FFF2-40B4-BE49-F238E27FC236}">
-                <a16:creationId xmlns="" xmlns:a16="http://schemas.microsoft.com/office/drawing/2014/main" id="{AB1EF8A2-8534-BEE3-A084-8B5E6BDB1310}"/>
+                <a16:creationId xmlns:a16="http://schemas.microsoft.com/office/drawing/2014/main" xmlns="" id="{AB1EF8A2-8534-BEE3-A084-8B5E6BDB1310}"/>
               </a:ext>
             </a:extLst>
           </p:cNvPr>
@@ -16626,7 +16626,7 @@
     <a:masterClrMapping/>
   </p:clrMapOvr>
   <mc:AlternateContent xmlns:mc="http://schemas.openxmlformats.org/markup-compatibility/2006">
-    <mc:Choice xmlns="" xmlns:p159="http://schemas.microsoft.com/office/powerpoint/2015/09/main" Requires="p159">
+    <mc:Choice xmlns:p159="http://schemas.microsoft.com/office/powerpoint/2015/09/main" xmlns="" Requires="p159">
       <p:transition xmlns:p14="http://schemas.microsoft.com/office/powerpoint/2010/main" spd="slow" p14:dur="2000">
         <p159:morph option="byObject"/>
       </p:transition>
@@ -16662,7 +16662,7 @@
           <p:cNvPr id="2" name="Imagen 1">
             <a:extLst>
               <a:ext uri="{FF2B5EF4-FFF2-40B4-BE49-F238E27FC236}">
-                <a16:creationId xmlns:a16="http://schemas.microsoft.com/office/drawing/2014/main" xmlns="" id="{8495C0A0-4965-B406-97D2-0C73E97D488B}"/>
+                <a16:creationId xmlns="" xmlns:a16="http://schemas.microsoft.com/office/drawing/2014/main" id="{8495C0A0-4965-B406-97D2-0C73E97D488B}"/>
               </a:ext>
             </a:extLst>
           </p:cNvPr>
@@ -16692,7 +16692,7 @@
           <p:cNvPr id="3" name="Marcador de número de diapositiva 3">
             <a:extLst>
               <a:ext uri="{FF2B5EF4-FFF2-40B4-BE49-F238E27FC236}">
-                <a16:creationId xmlns:a16="http://schemas.microsoft.com/office/drawing/2014/main" xmlns="" id="{958FBA5A-A58E-C697-8203-4F8B9AE81A4E}"/>
+                <a16:creationId xmlns="" xmlns:a16="http://schemas.microsoft.com/office/drawing/2014/main" id="{958FBA5A-A58E-C697-8203-4F8B9AE81A4E}"/>
               </a:ext>
             </a:extLst>
           </p:cNvPr>
@@ -16726,7 +16726,7 @@
           <p:cNvPr id="23" name="Título 1">
             <a:extLst>
               <a:ext uri="{FF2B5EF4-FFF2-40B4-BE49-F238E27FC236}">
-                <a16:creationId xmlns:a16="http://schemas.microsoft.com/office/drawing/2014/main" xmlns="" id="{E1DD3CF2-B58E-FFFA-CC44-24E153BAAA08}"/>
+                <a16:creationId xmlns="" xmlns:a16="http://schemas.microsoft.com/office/drawing/2014/main" id="{E1DD3CF2-B58E-FFFA-CC44-24E153BAAA08}"/>
               </a:ext>
             </a:extLst>
           </p:cNvPr>
@@ -17110,7 +17110,7 @@
           </a:ln>
           <a:extLst>
             <a:ext uri="{C572A759-6A51-4108-AA02-DFA0A04FC94B}">
-              <ma14:wrappingTextBoxFlag xmlns="" xmlns:m="http://schemas.openxmlformats.org/officeDocument/2006/math" xmlns:a14="http://schemas.microsoft.com/office/drawing/2010/main" xmlns:ma14="http://schemas.microsoft.com/office/mac/drawingml/2011/main" val="1"/>
+              <ma14:wrappingTextBoxFlag xmlns:ma14="http://schemas.microsoft.com/office/mac/drawingml/2011/main" xmlns:a14="http://schemas.microsoft.com/office/drawing/2010/main" xmlns:m="http://schemas.openxmlformats.org/officeDocument/2006/math" xmlns="" val="1"/>
             </a:ext>
           </a:extLst>
         </p:spPr>
@@ -17157,7 +17157,7 @@
           </a:ln>
           <a:extLst>
             <a:ext uri="{C572A759-6A51-4108-AA02-DFA0A04FC94B}">
-              <ma14:wrappingTextBoxFlag xmlns="" xmlns:m="http://schemas.openxmlformats.org/officeDocument/2006/math" xmlns:a14="http://schemas.microsoft.com/office/drawing/2010/main" xmlns:ma14="http://schemas.microsoft.com/office/mac/drawingml/2011/main" val="1"/>
+              <ma14:wrappingTextBoxFlag xmlns:ma14="http://schemas.microsoft.com/office/mac/drawingml/2011/main" xmlns:a14="http://schemas.microsoft.com/office/drawing/2010/main" xmlns:m="http://schemas.openxmlformats.org/officeDocument/2006/math" xmlns="" val="1"/>
             </a:ext>
           </a:extLst>
         </p:spPr>
@@ -18692,7 +18692,7 @@
           </a:ln>
           <a:extLst>
             <a:ext uri="{C572A759-6A51-4108-AA02-DFA0A04FC94B}">
-              <ma14:wrappingTextBoxFlag xmlns="" xmlns:m="http://schemas.openxmlformats.org/officeDocument/2006/math" xmlns:a14="http://schemas.microsoft.com/office/drawing/2010/main" xmlns:ma14="http://schemas.microsoft.com/office/mac/drawingml/2011/main" val="1"/>
+              <ma14:wrappingTextBoxFlag xmlns:ma14="http://schemas.microsoft.com/office/mac/drawingml/2011/main" xmlns:a14="http://schemas.microsoft.com/office/drawing/2010/main" xmlns:m="http://schemas.openxmlformats.org/officeDocument/2006/math" xmlns="" val="1"/>
             </a:ext>
           </a:extLst>
         </p:spPr>
@@ -18752,7 +18752,7 @@
           </a:ln>
           <a:extLst>
             <a:ext uri="{C572A759-6A51-4108-AA02-DFA0A04FC94B}">
-              <ma14:wrappingTextBoxFlag xmlns="" xmlns:m="http://schemas.openxmlformats.org/officeDocument/2006/math" xmlns:a14="http://schemas.microsoft.com/office/drawing/2010/main" xmlns:ma14="http://schemas.microsoft.com/office/mac/drawingml/2011/main" val="1"/>
+              <ma14:wrappingTextBoxFlag xmlns:ma14="http://schemas.microsoft.com/office/mac/drawingml/2011/main" xmlns:a14="http://schemas.microsoft.com/office/drawing/2010/main" xmlns:m="http://schemas.openxmlformats.org/officeDocument/2006/math" xmlns="" val="1"/>
             </a:ext>
           </a:extLst>
         </p:spPr>
@@ -18875,7 +18875,7 @@
             <a:effectLst/>
             <a:extLst>
               <a:ext uri="{C572A759-6A51-4108-AA02-DFA0A04FC94B}">
-                <ma14:wrappingTextBoxFlag xmlns="" xmlns:m="http://schemas.openxmlformats.org/officeDocument/2006/math" xmlns:a14="http://schemas.microsoft.com/office/drawing/2010/main" xmlns:ma14="http://schemas.microsoft.com/office/mac/drawingml/2011/main" val="1"/>
+                <ma14:wrappingTextBoxFlag xmlns:ma14="http://schemas.microsoft.com/office/mac/drawingml/2011/main" xmlns:a14="http://schemas.microsoft.com/office/drawing/2010/main" xmlns:m="http://schemas.openxmlformats.org/officeDocument/2006/math" xmlns="" val="1"/>
               </a:ext>
             </a:extLst>
           </p:spPr>
@@ -18972,7 +18972,7 @@
             <a:effectLst/>
             <a:extLst>
               <a:ext uri="{C572A759-6A51-4108-AA02-DFA0A04FC94B}">
-                <ma14:wrappingTextBoxFlag xmlns="" xmlns:m="http://schemas.openxmlformats.org/officeDocument/2006/math" xmlns:a14="http://schemas.microsoft.com/office/drawing/2010/main" xmlns:ma14="http://schemas.microsoft.com/office/mac/drawingml/2011/main" val="1"/>
+                <ma14:wrappingTextBoxFlag xmlns:ma14="http://schemas.microsoft.com/office/mac/drawingml/2011/main" xmlns:a14="http://schemas.microsoft.com/office/drawing/2010/main" xmlns:m="http://schemas.openxmlformats.org/officeDocument/2006/math" xmlns="" val="1"/>
               </a:ext>
             </a:extLst>
           </p:spPr>
@@ -19025,7 +19025,7 @@
             <a:effectLst/>
             <a:extLst>
               <a:ext uri="{C572A759-6A51-4108-AA02-DFA0A04FC94B}">
-                <ma14:wrappingTextBoxFlag xmlns="" xmlns:m="http://schemas.openxmlformats.org/officeDocument/2006/math" xmlns:a14="http://schemas.microsoft.com/office/drawing/2010/main" xmlns:ma14="http://schemas.microsoft.com/office/mac/drawingml/2011/main" val="1"/>
+                <ma14:wrappingTextBoxFlag xmlns:ma14="http://schemas.microsoft.com/office/mac/drawingml/2011/main" xmlns:a14="http://schemas.microsoft.com/office/drawing/2010/main" xmlns:m="http://schemas.openxmlformats.org/officeDocument/2006/math" xmlns="" val="1"/>
               </a:ext>
             </a:extLst>
           </p:spPr>
@@ -19149,7 +19149,7 @@
     <a:masterClrMapping/>
   </p:clrMapOvr>
   <mc:AlternateContent xmlns:mc="http://schemas.openxmlformats.org/markup-compatibility/2006">
-    <mc:Choice xmlns:p159="http://schemas.microsoft.com/office/powerpoint/2015/09/main" xmlns="" Requires="p159">
+    <mc:Choice xmlns="" xmlns:p159="http://schemas.microsoft.com/office/powerpoint/2015/09/main" Requires="p159">
       <p:transition xmlns:p14="http://schemas.microsoft.com/office/powerpoint/2010/main" spd="slow" p14:dur="2000">
         <p159:morph option="byObject"/>
       </p:transition>
@@ -20487,7 +20487,7 @@
           <p:cNvPr id="2" name="Imagen 1">
             <a:extLst>
               <a:ext uri="{FF2B5EF4-FFF2-40B4-BE49-F238E27FC236}">
-                <a16:creationId xmlns:a16="http://schemas.microsoft.com/office/drawing/2014/main" xmlns="" id="{8495C0A0-4965-B406-97D2-0C73E97D488B}"/>
+                <a16:creationId xmlns="" xmlns:a16="http://schemas.microsoft.com/office/drawing/2014/main" id="{8495C0A0-4965-B406-97D2-0C73E97D488B}"/>
               </a:ext>
             </a:extLst>
           </p:cNvPr>
@@ -20517,7 +20517,7 @@
           <p:cNvPr id="3" name="Marcador de número de diapositiva 3">
             <a:extLst>
               <a:ext uri="{FF2B5EF4-FFF2-40B4-BE49-F238E27FC236}">
-                <a16:creationId xmlns:a16="http://schemas.microsoft.com/office/drawing/2014/main" xmlns="" id="{958FBA5A-A58E-C697-8203-4F8B9AE81A4E}"/>
+                <a16:creationId xmlns="" xmlns:a16="http://schemas.microsoft.com/office/drawing/2014/main" id="{958FBA5A-A58E-C697-8203-4F8B9AE81A4E}"/>
               </a:ext>
             </a:extLst>
           </p:cNvPr>
@@ -20551,7 +20551,7 @@
           <p:cNvPr id="23" name="Título 1">
             <a:extLst>
               <a:ext uri="{FF2B5EF4-FFF2-40B4-BE49-F238E27FC236}">
-                <a16:creationId xmlns:a16="http://schemas.microsoft.com/office/drawing/2014/main" xmlns="" id="{E1DD3CF2-B58E-FFFA-CC44-24E153BAAA08}"/>
+                <a16:creationId xmlns="" xmlns:a16="http://schemas.microsoft.com/office/drawing/2014/main" id="{E1DD3CF2-B58E-FFFA-CC44-24E153BAAA08}"/>
               </a:ext>
             </a:extLst>
           </p:cNvPr>
@@ -20709,7 +20709,7 @@
             <a:effectLst/>
             <a:extLst>
               <a:ext uri="{C572A759-6A51-4108-AA02-DFA0A04FC94B}">
-                <ma14:wrappingTextBoxFlag xmlns="" xmlns:m="http://schemas.openxmlformats.org/officeDocument/2006/math" xmlns:a14="http://schemas.microsoft.com/office/drawing/2010/main" xmlns:ma14="http://schemas.microsoft.com/office/mac/drawingml/2011/main" val="1"/>
+                <ma14:wrappingTextBoxFlag xmlns:ma14="http://schemas.microsoft.com/office/mac/drawingml/2011/main" xmlns:a14="http://schemas.microsoft.com/office/drawing/2010/main" xmlns:m="http://schemas.openxmlformats.org/officeDocument/2006/math" xmlns="" val="1"/>
               </a:ext>
             </a:extLst>
           </p:spPr>
@@ -20806,7 +20806,7 @@
             <a:effectLst/>
             <a:extLst>
               <a:ext uri="{C572A759-6A51-4108-AA02-DFA0A04FC94B}">
-                <ma14:wrappingTextBoxFlag xmlns="" xmlns:m="http://schemas.openxmlformats.org/officeDocument/2006/math" xmlns:a14="http://schemas.microsoft.com/office/drawing/2010/main" xmlns:ma14="http://schemas.microsoft.com/office/mac/drawingml/2011/main" val="1"/>
+                <ma14:wrappingTextBoxFlag xmlns:ma14="http://schemas.microsoft.com/office/mac/drawingml/2011/main" xmlns:a14="http://schemas.microsoft.com/office/drawing/2010/main" xmlns:m="http://schemas.openxmlformats.org/officeDocument/2006/math" xmlns="" val="1"/>
               </a:ext>
             </a:extLst>
           </p:spPr>
@@ -20859,7 +20859,7 @@
             <a:effectLst/>
             <a:extLst>
               <a:ext uri="{C572A759-6A51-4108-AA02-DFA0A04FC94B}">
-                <ma14:wrappingTextBoxFlag xmlns="" xmlns:m="http://schemas.openxmlformats.org/officeDocument/2006/math" xmlns:a14="http://schemas.microsoft.com/office/drawing/2010/main" xmlns:ma14="http://schemas.microsoft.com/office/mac/drawingml/2011/main" val="1"/>
+                <ma14:wrappingTextBoxFlag xmlns:ma14="http://schemas.microsoft.com/office/mac/drawingml/2011/main" xmlns:a14="http://schemas.microsoft.com/office/drawing/2010/main" xmlns:m="http://schemas.openxmlformats.org/officeDocument/2006/math" xmlns="" val="1"/>
               </a:ext>
             </a:extLst>
           </p:spPr>
@@ -20910,7 +20910,7 @@
           </a:ln>
           <a:extLst>
             <a:ext uri="{C572A759-6A51-4108-AA02-DFA0A04FC94B}">
-              <ma14:wrappingTextBoxFlag xmlns="" xmlns:m="http://schemas.openxmlformats.org/officeDocument/2006/math" xmlns:a14="http://schemas.microsoft.com/office/drawing/2010/main" xmlns:ma14="http://schemas.microsoft.com/office/mac/drawingml/2011/main" val="1"/>
+              <ma14:wrappingTextBoxFlag xmlns:ma14="http://schemas.microsoft.com/office/mac/drawingml/2011/main" xmlns:a14="http://schemas.microsoft.com/office/drawing/2010/main" xmlns:m="http://schemas.openxmlformats.org/officeDocument/2006/math" xmlns="" val="1"/>
             </a:ext>
           </a:extLst>
         </p:spPr>
@@ -20964,7 +20964,7 @@
           </a:ln>
           <a:extLst>
             <a:ext uri="{C572A759-6A51-4108-AA02-DFA0A04FC94B}">
-              <ma14:wrappingTextBoxFlag xmlns="" xmlns:m="http://schemas.openxmlformats.org/officeDocument/2006/math" xmlns:a14="http://schemas.microsoft.com/office/drawing/2010/main" xmlns:ma14="http://schemas.microsoft.com/office/mac/drawingml/2011/main" val="1"/>
+              <ma14:wrappingTextBoxFlag xmlns:ma14="http://schemas.microsoft.com/office/mac/drawingml/2011/main" xmlns:a14="http://schemas.microsoft.com/office/drawing/2010/main" xmlns:m="http://schemas.openxmlformats.org/officeDocument/2006/math" xmlns="" val="1"/>
             </a:ext>
           </a:extLst>
         </p:spPr>
@@ -21039,7 +21039,7 @@
           </a:ln>
           <a:extLst>
             <a:ext uri="{C572A759-6A51-4108-AA02-DFA0A04FC94B}">
-              <ma14:wrappingTextBoxFlag xmlns="" xmlns:m="http://schemas.openxmlformats.org/officeDocument/2006/math" xmlns:a14="http://schemas.microsoft.com/office/drawing/2010/main" xmlns:ma14="http://schemas.microsoft.com/office/mac/drawingml/2011/main" val="1"/>
+              <ma14:wrappingTextBoxFlag xmlns:ma14="http://schemas.microsoft.com/office/mac/drawingml/2011/main" xmlns:a14="http://schemas.microsoft.com/office/drawing/2010/main" xmlns:m="http://schemas.openxmlformats.org/officeDocument/2006/math" xmlns="" val="1"/>
             </a:ext>
           </a:extLst>
         </p:spPr>
@@ -21100,7 +21100,7 @@
           </a:ln>
           <a:extLst>
             <a:ext uri="{C572A759-6A51-4108-AA02-DFA0A04FC94B}">
-              <ma14:wrappingTextBoxFlag xmlns="" xmlns:m="http://schemas.openxmlformats.org/officeDocument/2006/math" xmlns:a14="http://schemas.microsoft.com/office/drawing/2010/main" xmlns:ma14="http://schemas.microsoft.com/office/mac/drawingml/2011/main" val="1"/>
+              <ma14:wrappingTextBoxFlag xmlns:ma14="http://schemas.microsoft.com/office/mac/drawingml/2011/main" xmlns:a14="http://schemas.microsoft.com/office/drawing/2010/main" xmlns:m="http://schemas.openxmlformats.org/officeDocument/2006/math" xmlns="" val="1"/>
             </a:ext>
           </a:extLst>
         </p:spPr>
@@ -21180,7 +21180,7 @@
             <a:effectLst/>
             <a:extLst>
               <a:ext uri="{C572A759-6A51-4108-AA02-DFA0A04FC94B}">
-                <ma14:wrappingTextBoxFlag xmlns="" xmlns:m="http://schemas.openxmlformats.org/officeDocument/2006/math" xmlns:a14="http://schemas.microsoft.com/office/drawing/2010/main" xmlns:ma14="http://schemas.microsoft.com/office/mac/drawingml/2011/main" val="1"/>
+                <ma14:wrappingTextBoxFlag xmlns:ma14="http://schemas.microsoft.com/office/mac/drawingml/2011/main" xmlns:a14="http://schemas.microsoft.com/office/drawing/2010/main" xmlns:m="http://schemas.openxmlformats.org/officeDocument/2006/math" xmlns="" val="1"/>
               </a:ext>
             </a:extLst>
           </p:spPr>
@@ -21373,7 +21373,7 @@
           </a:ln>
           <a:extLst>
             <a:ext uri="{C572A759-6A51-4108-AA02-DFA0A04FC94B}">
-              <ma14:wrappingTextBoxFlag xmlns="" xmlns:m="http://schemas.openxmlformats.org/officeDocument/2006/math" xmlns:a14="http://schemas.microsoft.com/office/drawing/2010/main" xmlns:ma14="http://schemas.microsoft.com/office/mac/drawingml/2011/main" val="1"/>
+              <ma14:wrappingTextBoxFlag xmlns:ma14="http://schemas.microsoft.com/office/mac/drawingml/2011/main" xmlns:a14="http://schemas.microsoft.com/office/drawing/2010/main" xmlns:m="http://schemas.openxmlformats.org/officeDocument/2006/math" xmlns="" val="1"/>
             </a:ext>
           </a:extLst>
         </p:spPr>
@@ -21423,7 +21423,7 @@
           </a:ln>
           <a:extLst>
             <a:ext uri="{C572A759-6A51-4108-AA02-DFA0A04FC94B}">
-              <ma14:wrappingTextBoxFlag xmlns="" xmlns:m="http://schemas.openxmlformats.org/officeDocument/2006/math" xmlns:a14="http://schemas.microsoft.com/office/drawing/2010/main" xmlns:ma14="http://schemas.microsoft.com/office/mac/drawingml/2011/main" val="1"/>
+              <ma14:wrappingTextBoxFlag xmlns:ma14="http://schemas.microsoft.com/office/mac/drawingml/2011/main" xmlns:a14="http://schemas.microsoft.com/office/drawing/2010/main" xmlns:m="http://schemas.openxmlformats.org/officeDocument/2006/math" xmlns="" val="1"/>
             </a:ext>
           </a:extLst>
         </p:spPr>
@@ -21456,7 +21456,7 @@
           <p:cNvPr id="24" name="Rectángulo redondeado 8">
             <a:extLst>
               <a:ext uri="{FF2B5EF4-FFF2-40B4-BE49-F238E27FC236}">
-                <a16:creationId xmlns="" xmlns:a16="http://schemas.microsoft.com/office/drawing/2014/main" id="{277BA7B5-969F-97FA-876B-9353DE62E89F}"/>
+                <a16:creationId xmlns:a16="http://schemas.microsoft.com/office/drawing/2014/main" xmlns="" id="{277BA7B5-969F-97FA-876B-9353DE62E89F}"/>
               </a:ext>
             </a:extLst>
           </p:cNvPr>
@@ -21510,7 +21510,7 @@
           <p:cNvPr id="26" name="Rectangle 68">
             <a:extLst>
               <a:ext uri="{FF2B5EF4-FFF2-40B4-BE49-F238E27FC236}">
-                <a16:creationId xmlns="" xmlns:a16="http://schemas.microsoft.com/office/drawing/2014/main" id="{2E170935-075B-E9F1-39F5-718251B4ECCC}"/>
+                <a16:creationId xmlns:a16="http://schemas.microsoft.com/office/drawing/2014/main" xmlns="" id="{2E170935-075B-E9F1-39F5-718251B4ECCC}"/>
               </a:ext>
             </a:extLst>
           </p:cNvPr>
@@ -21570,7 +21570,7 @@
     <a:masterClrMapping/>
   </p:clrMapOvr>
   <mc:AlternateContent xmlns:mc="http://schemas.openxmlformats.org/markup-compatibility/2006">
-    <mc:Choice xmlns:p159="http://schemas.microsoft.com/office/powerpoint/2015/09/main" xmlns="" Requires="p159">
+    <mc:Choice xmlns="" xmlns:p159="http://schemas.microsoft.com/office/powerpoint/2015/09/main" Requires="p159">
       <p:transition xmlns:p14="http://schemas.microsoft.com/office/powerpoint/2010/main" spd="slow" p14:dur="2000">
         <p159:morph option="byObject"/>
       </p:transition>
@@ -22079,7 +22079,7 @@
           <p:cNvPr id="2" name="Imagen 1">
             <a:extLst>
               <a:ext uri="{FF2B5EF4-FFF2-40B4-BE49-F238E27FC236}">
-                <a16:creationId xmlns:a16="http://schemas.microsoft.com/office/drawing/2014/main" xmlns="" id="{8495C0A0-4965-B406-97D2-0C73E97D488B}"/>
+                <a16:creationId xmlns="" xmlns:a16="http://schemas.microsoft.com/office/drawing/2014/main" id="{8495C0A0-4965-B406-97D2-0C73E97D488B}"/>
               </a:ext>
             </a:extLst>
           </p:cNvPr>
@@ -22109,7 +22109,7 @@
           <p:cNvPr id="3" name="Marcador de número de diapositiva 3">
             <a:extLst>
               <a:ext uri="{FF2B5EF4-FFF2-40B4-BE49-F238E27FC236}">
-                <a16:creationId xmlns:a16="http://schemas.microsoft.com/office/drawing/2014/main" xmlns="" id="{958FBA5A-A58E-C697-8203-4F8B9AE81A4E}"/>
+                <a16:creationId xmlns="" xmlns:a16="http://schemas.microsoft.com/office/drawing/2014/main" id="{958FBA5A-A58E-C697-8203-4F8B9AE81A4E}"/>
               </a:ext>
             </a:extLst>
           </p:cNvPr>
@@ -22143,7 +22143,7 @@
           <p:cNvPr id="23" name="Título 1">
             <a:extLst>
               <a:ext uri="{FF2B5EF4-FFF2-40B4-BE49-F238E27FC236}">
-                <a16:creationId xmlns:a16="http://schemas.microsoft.com/office/drawing/2014/main" xmlns="" id="{E1DD3CF2-B58E-FFFA-CC44-24E153BAAA08}"/>
+                <a16:creationId xmlns="" xmlns:a16="http://schemas.microsoft.com/office/drawing/2014/main" id="{E1DD3CF2-B58E-FFFA-CC44-24E153BAAA08}"/>
               </a:ext>
             </a:extLst>
           </p:cNvPr>
@@ -22312,7 +22312,7 @@
             <a:effectLst/>
             <a:extLst>
               <a:ext uri="{C572A759-6A51-4108-AA02-DFA0A04FC94B}">
-                <ma14:wrappingTextBoxFlag xmlns="" xmlns:m="http://schemas.openxmlformats.org/officeDocument/2006/math" xmlns:a14="http://schemas.microsoft.com/office/drawing/2010/main" xmlns:ma14="http://schemas.microsoft.com/office/mac/drawingml/2011/main" val="1"/>
+                <ma14:wrappingTextBoxFlag xmlns:ma14="http://schemas.microsoft.com/office/mac/drawingml/2011/main" xmlns:a14="http://schemas.microsoft.com/office/drawing/2010/main" xmlns:m="http://schemas.openxmlformats.org/officeDocument/2006/math" xmlns="" val="1"/>
               </a:ext>
             </a:extLst>
           </p:spPr>
@@ -22409,7 +22409,7 @@
             <a:effectLst/>
             <a:extLst>
               <a:ext uri="{C572A759-6A51-4108-AA02-DFA0A04FC94B}">
-                <ma14:wrappingTextBoxFlag xmlns="" xmlns:m="http://schemas.openxmlformats.org/officeDocument/2006/math" xmlns:a14="http://schemas.microsoft.com/office/drawing/2010/main" xmlns:ma14="http://schemas.microsoft.com/office/mac/drawingml/2011/main" val="1"/>
+                <ma14:wrappingTextBoxFlag xmlns:ma14="http://schemas.microsoft.com/office/mac/drawingml/2011/main" xmlns:a14="http://schemas.microsoft.com/office/drawing/2010/main" xmlns:m="http://schemas.openxmlformats.org/officeDocument/2006/math" xmlns="" val="1"/>
               </a:ext>
             </a:extLst>
           </p:spPr>
@@ -22462,7 +22462,7 @@
             <a:effectLst/>
             <a:extLst>
               <a:ext uri="{C572A759-6A51-4108-AA02-DFA0A04FC94B}">
-                <ma14:wrappingTextBoxFlag xmlns="" xmlns:m="http://schemas.openxmlformats.org/officeDocument/2006/math" xmlns:a14="http://schemas.microsoft.com/office/drawing/2010/main" xmlns:ma14="http://schemas.microsoft.com/office/mac/drawingml/2011/main" val="1"/>
+                <ma14:wrappingTextBoxFlag xmlns:ma14="http://schemas.microsoft.com/office/mac/drawingml/2011/main" xmlns:a14="http://schemas.microsoft.com/office/drawing/2010/main" xmlns:m="http://schemas.openxmlformats.org/officeDocument/2006/math" xmlns="" val="1"/>
               </a:ext>
             </a:extLst>
           </p:spPr>
@@ -22553,7 +22553,7 @@
           </a:ln>
           <a:extLst>
             <a:ext uri="{C572A759-6A51-4108-AA02-DFA0A04FC94B}">
-              <ma14:wrappingTextBoxFlag xmlns="" xmlns:m="http://schemas.openxmlformats.org/officeDocument/2006/math" xmlns:a14="http://schemas.microsoft.com/office/drawing/2010/main" xmlns:ma14="http://schemas.microsoft.com/office/mac/drawingml/2011/main" val="1"/>
+              <ma14:wrappingTextBoxFlag xmlns:ma14="http://schemas.microsoft.com/office/mac/drawingml/2011/main" xmlns:a14="http://schemas.microsoft.com/office/drawing/2010/main" xmlns:m="http://schemas.openxmlformats.org/officeDocument/2006/math" xmlns="" val="1"/>
             </a:ext>
           </a:extLst>
         </p:spPr>
@@ -22650,7 +22650,7 @@
           </a:ln>
           <a:extLst>
             <a:ext uri="{C572A759-6A51-4108-AA02-DFA0A04FC94B}">
-              <ma14:wrappingTextBoxFlag xmlns="" xmlns:m="http://schemas.openxmlformats.org/officeDocument/2006/math" xmlns:a14="http://schemas.microsoft.com/office/drawing/2010/main" xmlns:ma14="http://schemas.microsoft.com/office/mac/drawingml/2011/main" val="1"/>
+              <ma14:wrappingTextBoxFlag xmlns:ma14="http://schemas.microsoft.com/office/mac/drawingml/2011/main" xmlns:a14="http://schemas.microsoft.com/office/drawing/2010/main" xmlns:m="http://schemas.openxmlformats.org/officeDocument/2006/math" xmlns="" val="1"/>
             </a:ext>
           </a:extLst>
         </p:spPr>
@@ -22697,7 +22697,7 @@
           </a:ln>
           <a:extLst>
             <a:ext uri="{C572A759-6A51-4108-AA02-DFA0A04FC94B}">
-              <ma14:wrappingTextBoxFlag xmlns="" xmlns:m="http://schemas.openxmlformats.org/officeDocument/2006/math" xmlns:a14="http://schemas.microsoft.com/office/drawing/2010/main" xmlns:ma14="http://schemas.microsoft.com/office/mac/drawingml/2011/main" val="1"/>
+              <ma14:wrappingTextBoxFlag xmlns:ma14="http://schemas.microsoft.com/office/mac/drawingml/2011/main" xmlns:a14="http://schemas.microsoft.com/office/drawing/2010/main" xmlns:m="http://schemas.openxmlformats.org/officeDocument/2006/math" xmlns="" val="1"/>
             </a:ext>
           </a:extLst>
         </p:spPr>
@@ -22744,7 +22744,7 @@
           </a:ln>
           <a:extLst>
             <a:ext uri="{C572A759-6A51-4108-AA02-DFA0A04FC94B}">
-              <ma14:wrappingTextBoxFlag xmlns="" xmlns:m="http://schemas.openxmlformats.org/officeDocument/2006/math" xmlns:a14="http://schemas.microsoft.com/office/drawing/2010/main" xmlns:ma14="http://schemas.microsoft.com/office/mac/drawingml/2011/main" val="1"/>
+              <ma14:wrappingTextBoxFlag xmlns:ma14="http://schemas.microsoft.com/office/mac/drawingml/2011/main" xmlns:a14="http://schemas.microsoft.com/office/drawing/2010/main" xmlns:m="http://schemas.openxmlformats.org/officeDocument/2006/math" xmlns="" val="1"/>
             </a:ext>
           </a:extLst>
         </p:spPr>
@@ -22792,7 +22792,7 @@
     <a:masterClrMapping/>
   </p:clrMapOvr>
   <mc:AlternateContent xmlns:mc="http://schemas.openxmlformats.org/markup-compatibility/2006">
-    <mc:Choice xmlns:p159="http://schemas.microsoft.com/office/powerpoint/2015/09/main" xmlns="" Requires="p159">
+    <mc:Choice xmlns="" xmlns:p159="http://schemas.microsoft.com/office/powerpoint/2015/09/main" Requires="p159">
       <p:transition xmlns:p14="http://schemas.microsoft.com/office/powerpoint/2010/main" spd="slow" p14:dur="2000">
         <p159:morph option="byObject"/>
       </p:transition>
@@ -22996,7 +22996,7 @@
           <p:cNvPr id="3" name="Imagen 2">
             <a:extLst>
               <a:ext uri="{FF2B5EF4-FFF2-40B4-BE49-F238E27FC236}">
-                <a16:creationId xmlns:a16="http://schemas.microsoft.com/office/drawing/2014/main" xmlns="" id="{08C4E3FE-E8E8-1FA2-3CB0-D1CC422A969E}"/>
+                <a16:creationId xmlns="" xmlns:a16="http://schemas.microsoft.com/office/drawing/2014/main" id="{08C4E3FE-E8E8-1FA2-3CB0-D1CC422A969E}"/>
               </a:ext>
             </a:extLst>
           </p:cNvPr>
@@ -23026,7 +23026,7 @@
           <p:cNvPr id="6" name="Título 1">
             <a:extLst>
               <a:ext uri="{FF2B5EF4-FFF2-40B4-BE49-F238E27FC236}">
-                <a16:creationId xmlns:a16="http://schemas.microsoft.com/office/drawing/2014/main" xmlns="" id="{A781DE42-8E67-5535-4B61-B54CCAF4FD76}"/>
+                <a16:creationId xmlns="" xmlns:a16="http://schemas.microsoft.com/office/drawing/2014/main" id="{A781DE42-8E67-5535-4B61-B54CCAF4FD76}"/>
               </a:ext>
             </a:extLst>
           </p:cNvPr>
@@ -23093,7 +23093,7 @@
           <p:cNvPr id="10" name="Grupo 9">
             <a:extLst>
               <a:ext uri="{FF2B5EF4-FFF2-40B4-BE49-F238E27FC236}">
-                <a16:creationId xmlns:a16="http://schemas.microsoft.com/office/drawing/2014/main" xmlns="" id="{CB5B3A35-7130-A49C-C69E-40809DEAAE50}"/>
+                <a16:creationId xmlns="" xmlns:a16="http://schemas.microsoft.com/office/drawing/2014/main" id="{CB5B3A35-7130-A49C-C69E-40809DEAAE50}"/>
               </a:ext>
             </a:extLst>
           </p:cNvPr>
@@ -23113,7 +23113,7 @@
             <p:cNvPr id="11" name="Título 1">
               <a:extLst>
                 <a:ext uri="{FF2B5EF4-FFF2-40B4-BE49-F238E27FC236}">
-                  <a16:creationId xmlns:a16="http://schemas.microsoft.com/office/drawing/2014/main" xmlns="" id="{9052FAA3-FC71-D2FA-5C6D-C3DD73479ED2}"/>
+                  <a16:creationId xmlns="" xmlns:a16="http://schemas.microsoft.com/office/drawing/2014/main" id="{9052FAA3-FC71-D2FA-5C6D-C3DD73479ED2}"/>
                 </a:ext>
               </a:extLst>
             </p:cNvPr>
@@ -23191,7 +23191,7 @@
             <p:cNvPr id="12" name="Conector recto 11">
               <a:extLst>
                 <a:ext uri="{FF2B5EF4-FFF2-40B4-BE49-F238E27FC236}">
-                  <a16:creationId xmlns:a16="http://schemas.microsoft.com/office/drawing/2014/main" xmlns="" id="{83D0C0AC-18AE-92F1-6EEF-AA6E84060C51}"/>
+                  <a16:creationId xmlns="" xmlns:a16="http://schemas.microsoft.com/office/drawing/2014/main" id="{83D0C0AC-18AE-92F1-6EEF-AA6E84060C51}"/>
                 </a:ext>
               </a:extLst>
             </p:cNvPr>
@@ -23235,7 +23235,7 @@
           <p:cNvPr id="2" name="Imagen 1">
             <a:extLst>
               <a:ext uri="{FF2B5EF4-FFF2-40B4-BE49-F238E27FC236}">
-                <a16:creationId xmlns:a16="http://schemas.microsoft.com/office/drawing/2014/main" xmlns="" id="{61002D73-D11F-4B9E-E226-ECF6035D87F9}"/>
+                <a16:creationId xmlns="" xmlns:a16="http://schemas.microsoft.com/office/drawing/2014/main" id="{61002D73-D11F-4B9E-E226-ECF6035D87F9}"/>
               </a:ext>
             </a:extLst>
           </p:cNvPr>
@@ -23305,7 +23305,7 @@
           <p:cNvPr id="4" name="Imagen 3">
             <a:extLst>
               <a:ext uri="{FF2B5EF4-FFF2-40B4-BE49-F238E27FC236}">
-                <a16:creationId xmlns:a16="http://schemas.microsoft.com/office/drawing/2014/main" xmlns="" id="{0B1AC92D-FAC6-C0C3-5BCB-D7D23C4AB437}"/>
+                <a16:creationId xmlns="" xmlns:a16="http://schemas.microsoft.com/office/drawing/2014/main" id="{0B1AC92D-FAC6-C0C3-5BCB-D7D23C4AB437}"/>
               </a:ext>
             </a:extLst>
           </p:cNvPr>
@@ -23335,7 +23335,7 @@
           <p:cNvPr id="5" name="Marcador de número de diapositiva 1">
             <a:extLst>
               <a:ext uri="{FF2B5EF4-FFF2-40B4-BE49-F238E27FC236}">
-                <a16:creationId xmlns:a16="http://schemas.microsoft.com/office/drawing/2014/main" xmlns="" id="{D1645094-022F-7C85-36BD-67DFCC763737}"/>
+                <a16:creationId xmlns="" xmlns:a16="http://schemas.microsoft.com/office/drawing/2014/main" id="{D1645094-022F-7C85-36BD-67DFCC763737}"/>
               </a:ext>
             </a:extLst>
           </p:cNvPr>
@@ -23369,7 +23369,7 @@
           <p:cNvPr id="6" name="Imagen 5">
             <a:extLst>
               <a:ext uri="{FF2B5EF4-FFF2-40B4-BE49-F238E27FC236}">
-                <a16:creationId xmlns:a16="http://schemas.microsoft.com/office/drawing/2014/main" xmlns="" id="{3473B13D-74FC-357C-F045-253D698D62A7}"/>
+                <a16:creationId xmlns="" xmlns:a16="http://schemas.microsoft.com/office/drawing/2014/main" id="{3473B13D-74FC-357C-F045-253D698D62A7}"/>
               </a:ext>
             </a:extLst>
           </p:cNvPr>
@@ -23398,7 +23398,7 @@
           <p:cNvPr id="7" name="Título 1">
             <a:extLst>
               <a:ext uri="{FF2B5EF4-FFF2-40B4-BE49-F238E27FC236}">
-                <a16:creationId xmlns:a16="http://schemas.microsoft.com/office/drawing/2014/main" xmlns="" id="{7DD223F1-F30E-89AD-C8C4-DE13D12FB758}"/>
+                <a16:creationId xmlns="" xmlns:a16="http://schemas.microsoft.com/office/drawing/2014/main" id="{7DD223F1-F30E-89AD-C8C4-DE13D12FB758}"/>
               </a:ext>
             </a:extLst>
           </p:cNvPr>
@@ -23467,7 +23467,7 @@
           <p:cNvPr id="8" name="Subtítulo 2">
             <a:extLst>
               <a:ext uri="{FF2B5EF4-FFF2-40B4-BE49-F238E27FC236}">
-                <a16:creationId xmlns:a16="http://schemas.microsoft.com/office/drawing/2014/main" xmlns="" id="{5D682688-5411-696C-B2B8-8ED7D18272D5}"/>
+                <a16:creationId xmlns="" xmlns:a16="http://schemas.microsoft.com/office/drawing/2014/main" id="{5D682688-5411-696C-B2B8-8ED7D18272D5}"/>
               </a:ext>
             </a:extLst>
           </p:cNvPr>
@@ -23742,7 +23742,7 @@
           <p:cNvPr id="9" name="Imagen 8">
             <a:extLst>
               <a:ext uri="{FF2B5EF4-FFF2-40B4-BE49-F238E27FC236}">
-                <a16:creationId xmlns:a16="http://schemas.microsoft.com/office/drawing/2014/main" xmlns="" id="{5A4D31D0-3890-6220-F7F2-2687A7B93C4A}"/>
+                <a16:creationId xmlns="" xmlns:a16="http://schemas.microsoft.com/office/drawing/2014/main" id="{5A4D31D0-3890-6220-F7F2-2687A7B93C4A}"/>
               </a:ext>
             </a:extLst>
           </p:cNvPr>
@@ -23778,7 +23778,7 @@
     <a:masterClrMapping/>
   </p:clrMapOvr>
   <mc:AlternateContent xmlns:mc="http://schemas.openxmlformats.org/markup-compatibility/2006">
-    <mc:Choice xmlns:p159="http://schemas.microsoft.com/office/powerpoint/2015/09/main" xmlns="" Requires="p159">
+    <mc:Choice xmlns="" xmlns:p159="http://schemas.microsoft.com/office/powerpoint/2015/09/main" Requires="p159">
       <p:transition xmlns:p14="http://schemas.microsoft.com/office/powerpoint/2010/main" spd="slow" p14:dur="2000">
         <p159:morph option="byObject"/>
       </p:transition>
@@ -23821,7 +23821,7 @@
           <p:cNvPr id="2" name="Imagen 1">
             <a:extLst>
               <a:ext uri="{FF2B5EF4-FFF2-40B4-BE49-F238E27FC236}">
-                <a16:creationId xmlns="" xmlns:a16="http://schemas.microsoft.com/office/drawing/2014/main" id="{A89976BF-81E3-0BB4-E23C-0F3E82E259B2}"/>
+                <a16:creationId xmlns:a16="http://schemas.microsoft.com/office/drawing/2014/main" xmlns="" id="{A89976BF-81E3-0BB4-E23C-0F3E82E259B2}"/>
               </a:ext>
             </a:extLst>
           </p:cNvPr>
@@ -23851,7 +23851,7 @@
           <p:cNvPr id="3" name="Marcador de número de diapositiva 1">
             <a:extLst>
               <a:ext uri="{FF2B5EF4-FFF2-40B4-BE49-F238E27FC236}">
-                <a16:creationId xmlns="" xmlns:a16="http://schemas.microsoft.com/office/drawing/2014/main" id="{6682DB9E-EC44-4022-2A84-11D741E1EC80}"/>
+                <a16:creationId xmlns:a16="http://schemas.microsoft.com/office/drawing/2014/main" xmlns="" id="{6682DB9E-EC44-4022-2A84-11D741E1EC80}"/>
               </a:ext>
             </a:extLst>
           </p:cNvPr>
@@ -23885,7 +23885,7 @@
           <p:cNvPr id="4" name="Elipse 3">
             <a:extLst>
               <a:ext uri="{FF2B5EF4-FFF2-40B4-BE49-F238E27FC236}">
-                <a16:creationId xmlns="" xmlns:a16="http://schemas.microsoft.com/office/drawing/2014/main" id="{2527BB5A-BCBA-5188-E85B-E358F93A118E}"/>
+                <a16:creationId xmlns:a16="http://schemas.microsoft.com/office/drawing/2014/main" xmlns="" id="{2527BB5A-BCBA-5188-E85B-E358F93A118E}"/>
               </a:ext>
             </a:extLst>
           </p:cNvPr>
@@ -23944,7 +23944,7 @@
           <p:cNvPr id="5" name="Arco 4">
             <a:extLst>
               <a:ext uri="{FF2B5EF4-FFF2-40B4-BE49-F238E27FC236}">
-                <a16:creationId xmlns="" xmlns:a16="http://schemas.microsoft.com/office/drawing/2014/main" id="{3CE62381-FE74-40DD-6568-6C74B6F6752F}"/>
+                <a16:creationId xmlns:a16="http://schemas.microsoft.com/office/drawing/2014/main" xmlns="" id="{3CE62381-FE74-40DD-6568-6C74B6F6752F}"/>
               </a:ext>
             </a:extLst>
           </p:cNvPr>
@@ -23999,7 +23999,7 @@
           <p:cNvPr id="6" name="Título 1">
             <a:extLst>
               <a:ext uri="{FF2B5EF4-FFF2-40B4-BE49-F238E27FC236}">
-                <a16:creationId xmlns="" xmlns:a16="http://schemas.microsoft.com/office/drawing/2014/main" id="{879545AB-1526-629E-6BE3-8F268906AB67}"/>
+                <a16:creationId xmlns:a16="http://schemas.microsoft.com/office/drawing/2014/main" xmlns="" id="{879545AB-1526-629E-6BE3-8F268906AB67}"/>
               </a:ext>
             </a:extLst>
           </p:cNvPr>
@@ -24071,7 +24071,7 @@
           <p:cNvPr id="7" name="Rectángulo redondeado 6">
             <a:extLst>
               <a:ext uri="{FF2B5EF4-FFF2-40B4-BE49-F238E27FC236}">
-                <a16:creationId xmlns="" xmlns:a16="http://schemas.microsoft.com/office/drawing/2014/main" id="{137B0D0A-A29C-0B61-2591-D65A4676E536}"/>
+                <a16:creationId xmlns:a16="http://schemas.microsoft.com/office/drawing/2014/main" xmlns="" id="{137B0D0A-A29C-0B61-2591-D65A4676E536}"/>
               </a:ext>
             </a:extLst>
           </p:cNvPr>
@@ -24134,7 +24134,7 @@
           <p:cNvPr id="8" name="Subtítulo 2">
             <a:extLst>
               <a:ext uri="{FF2B5EF4-FFF2-40B4-BE49-F238E27FC236}">
-                <a16:creationId xmlns="" xmlns:a16="http://schemas.microsoft.com/office/drawing/2014/main" id="{B8BAD5A8-DD94-A3A2-1A39-E5E0BE50116F}"/>
+                <a16:creationId xmlns:a16="http://schemas.microsoft.com/office/drawing/2014/main" xmlns="" id="{B8BAD5A8-DD94-A3A2-1A39-E5E0BE50116F}"/>
               </a:ext>
             </a:extLst>
           </p:cNvPr>
@@ -24353,7 +24353,7 @@
           <p:cNvPr id="9" name="Elipse 8">
             <a:extLst>
               <a:ext uri="{FF2B5EF4-FFF2-40B4-BE49-F238E27FC236}">
-                <a16:creationId xmlns="" xmlns:a16="http://schemas.microsoft.com/office/drawing/2014/main" id="{7F438EA0-8C3E-9BE9-658B-F897B0887492}"/>
+                <a16:creationId xmlns:a16="http://schemas.microsoft.com/office/drawing/2014/main" xmlns="" id="{7F438EA0-8C3E-9BE9-658B-F897B0887492}"/>
               </a:ext>
             </a:extLst>
           </p:cNvPr>
@@ -24413,7 +24413,7 @@
           <p:cNvPr id="10" name="Título 1">
             <a:extLst>
               <a:ext uri="{FF2B5EF4-FFF2-40B4-BE49-F238E27FC236}">
-                <a16:creationId xmlns="" xmlns:a16="http://schemas.microsoft.com/office/drawing/2014/main" id="{168EB54D-4292-3090-C99B-B515276D2A88}"/>
+                <a16:creationId xmlns:a16="http://schemas.microsoft.com/office/drawing/2014/main" xmlns="" id="{168EB54D-4292-3090-C99B-B515276D2A88}"/>
               </a:ext>
             </a:extLst>
           </p:cNvPr>
@@ -24482,7 +24482,7 @@
           <p:cNvPr id="11" name="Elipse 10">
             <a:extLst>
               <a:ext uri="{FF2B5EF4-FFF2-40B4-BE49-F238E27FC236}">
-                <a16:creationId xmlns="" xmlns:a16="http://schemas.microsoft.com/office/drawing/2014/main" id="{9AA3CD14-6CF6-0A31-6141-7801A735A3A0}"/>
+                <a16:creationId xmlns:a16="http://schemas.microsoft.com/office/drawing/2014/main" xmlns="" id="{9AA3CD14-6CF6-0A31-6141-7801A735A3A0}"/>
               </a:ext>
             </a:extLst>
           </p:cNvPr>
@@ -24537,7 +24537,7 @@
           <p:cNvPr id="12" name="Rectángulo redondeado 11">
             <a:extLst>
               <a:ext uri="{FF2B5EF4-FFF2-40B4-BE49-F238E27FC236}">
-                <a16:creationId xmlns="" xmlns:a16="http://schemas.microsoft.com/office/drawing/2014/main" id="{D6D84980-CDB5-69E2-B43E-E32912E1F1F3}"/>
+                <a16:creationId xmlns:a16="http://schemas.microsoft.com/office/drawing/2014/main" xmlns="" id="{D6D84980-CDB5-69E2-B43E-E32912E1F1F3}"/>
               </a:ext>
             </a:extLst>
           </p:cNvPr>
@@ -24600,7 +24600,7 @@
           <p:cNvPr id="13" name="Subtítulo 2">
             <a:extLst>
               <a:ext uri="{FF2B5EF4-FFF2-40B4-BE49-F238E27FC236}">
-                <a16:creationId xmlns="" xmlns:a16="http://schemas.microsoft.com/office/drawing/2014/main" id="{055EB05C-8354-4C3C-F3D7-AE9CAE0F4E93}"/>
+                <a16:creationId xmlns:a16="http://schemas.microsoft.com/office/drawing/2014/main" xmlns="" id="{055EB05C-8354-4C3C-F3D7-AE9CAE0F4E93}"/>
               </a:ext>
             </a:extLst>
           </p:cNvPr>
@@ -24819,7 +24819,7 @@
           <p:cNvPr id="14" name="Título 1">
             <a:extLst>
               <a:ext uri="{FF2B5EF4-FFF2-40B4-BE49-F238E27FC236}">
-                <a16:creationId xmlns="" xmlns:a16="http://schemas.microsoft.com/office/drawing/2014/main" id="{6038ECAA-C3A7-6960-0F0C-2462859869D8}"/>
+                <a16:creationId xmlns:a16="http://schemas.microsoft.com/office/drawing/2014/main" xmlns="" id="{6038ECAA-C3A7-6960-0F0C-2462859869D8}"/>
               </a:ext>
             </a:extLst>
           </p:cNvPr>
@@ -24877,7 +24877,7 @@
           <p:cNvPr id="15" name="Rectángulo redondeado 14">
             <a:extLst>
               <a:ext uri="{FF2B5EF4-FFF2-40B4-BE49-F238E27FC236}">
-                <a16:creationId xmlns="" xmlns:a16="http://schemas.microsoft.com/office/drawing/2014/main" id="{9BD31989-AA3F-CC7D-B685-72EFF0C0024D}"/>
+                <a16:creationId xmlns:a16="http://schemas.microsoft.com/office/drawing/2014/main" xmlns="" id="{9BD31989-AA3F-CC7D-B685-72EFF0C0024D}"/>
               </a:ext>
             </a:extLst>
           </p:cNvPr>
@@ -24940,7 +24940,7 @@
           <p:cNvPr id="16" name="Subtítulo 2">
             <a:extLst>
               <a:ext uri="{FF2B5EF4-FFF2-40B4-BE49-F238E27FC236}">
-                <a16:creationId xmlns="" xmlns:a16="http://schemas.microsoft.com/office/drawing/2014/main" id="{C3368A1A-585A-C4D0-F5E5-A871ADD6C39E}"/>
+                <a16:creationId xmlns:a16="http://schemas.microsoft.com/office/drawing/2014/main" xmlns="" id="{C3368A1A-585A-C4D0-F5E5-A871ADD6C39E}"/>
               </a:ext>
             </a:extLst>
           </p:cNvPr>
@@ -25159,7 +25159,7 @@
           <p:cNvPr id="17" name="Elipse 16">
             <a:extLst>
               <a:ext uri="{FF2B5EF4-FFF2-40B4-BE49-F238E27FC236}">
-                <a16:creationId xmlns="" xmlns:a16="http://schemas.microsoft.com/office/drawing/2014/main" id="{BFA1DFB0-7740-0354-313F-015EBE370BA2}"/>
+                <a16:creationId xmlns:a16="http://schemas.microsoft.com/office/drawing/2014/main" xmlns="" id="{BFA1DFB0-7740-0354-313F-015EBE370BA2}"/>
               </a:ext>
             </a:extLst>
           </p:cNvPr>
@@ -25219,7 +25219,7 @@
           <p:cNvPr id="18" name="Título 1">
             <a:extLst>
               <a:ext uri="{FF2B5EF4-FFF2-40B4-BE49-F238E27FC236}">
-                <a16:creationId xmlns="" xmlns:a16="http://schemas.microsoft.com/office/drawing/2014/main" id="{96008CF0-2271-C661-FADF-D5A4469071E3}"/>
+                <a16:creationId xmlns:a16="http://schemas.microsoft.com/office/drawing/2014/main" xmlns="" id="{96008CF0-2271-C661-FADF-D5A4469071E3}"/>
               </a:ext>
             </a:extLst>
           </p:cNvPr>
@@ -25288,7 +25288,7 @@
           <p:cNvPr id="19" name="Elipse 18">
             <a:extLst>
               <a:ext uri="{FF2B5EF4-FFF2-40B4-BE49-F238E27FC236}">
-                <a16:creationId xmlns="" xmlns:a16="http://schemas.microsoft.com/office/drawing/2014/main" id="{7910B3C6-DF48-6C8D-D947-F4F995CFB7E5}"/>
+                <a16:creationId xmlns:a16="http://schemas.microsoft.com/office/drawing/2014/main" xmlns="" id="{7910B3C6-DF48-6C8D-D947-F4F995CFB7E5}"/>
               </a:ext>
             </a:extLst>
           </p:cNvPr>
@@ -25343,7 +25343,7 @@
           <p:cNvPr id="20" name="Rectángulo redondeado 19">
             <a:extLst>
               <a:ext uri="{FF2B5EF4-FFF2-40B4-BE49-F238E27FC236}">
-                <a16:creationId xmlns="" xmlns:a16="http://schemas.microsoft.com/office/drawing/2014/main" id="{D1A4FB82-3585-7ACF-15F5-62D95631752C}"/>
+                <a16:creationId xmlns:a16="http://schemas.microsoft.com/office/drawing/2014/main" xmlns="" id="{D1A4FB82-3585-7ACF-15F5-62D95631752C}"/>
               </a:ext>
             </a:extLst>
           </p:cNvPr>
@@ -25406,7 +25406,7 @@
           <p:cNvPr id="21" name="Subtítulo 2">
             <a:extLst>
               <a:ext uri="{FF2B5EF4-FFF2-40B4-BE49-F238E27FC236}">
-                <a16:creationId xmlns="" xmlns:a16="http://schemas.microsoft.com/office/drawing/2014/main" id="{2AD96977-7116-5331-3259-03CD9CCC410F}"/>
+                <a16:creationId xmlns:a16="http://schemas.microsoft.com/office/drawing/2014/main" xmlns="" id="{2AD96977-7116-5331-3259-03CD9CCC410F}"/>
               </a:ext>
             </a:extLst>
           </p:cNvPr>
@@ -25625,7 +25625,7 @@
           <p:cNvPr id="22" name="Elipse 21">
             <a:extLst>
               <a:ext uri="{FF2B5EF4-FFF2-40B4-BE49-F238E27FC236}">
-                <a16:creationId xmlns="" xmlns:a16="http://schemas.microsoft.com/office/drawing/2014/main" id="{ED7B31C5-0A8C-FFEE-02FB-4966B067E247}"/>
+                <a16:creationId xmlns:a16="http://schemas.microsoft.com/office/drawing/2014/main" xmlns="" id="{ED7B31C5-0A8C-FFEE-02FB-4966B067E247}"/>
               </a:ext>
             </a:extLst>
           </p:cNvPr>
@@ -25686,7 +25686,7 @@
           <p:cNvPr id="23" name="Título 1">
             <a:extLst>
               <a:ext uri="{FF2B5EF4-FFF2-40B4-BE49-F238E27FC236}">
-                <a16:creationId xmlns="" xmlns:a16="http://schemas.microsoft.com/office/drawing/2014/main" id="{6CE2E120-24A5-EE2F-2829-06329F6047FE}"/>
+                <a16:creationId xmlns:a16="http://schemas.microsoft.com/office/drawing/2014/main" xmlns="" id="{6CE2E120-24A5-EE2F-2829-06329F6047FE}"/>
               </a:ext>
             </a:extLst>
           </p:cNvPr>
@@ -25755,7 +25755,7 @@
           <p:cNvPr id="24" name="Elipse 23">
             <a:extLst>
               <a:ext uri="{FF2B5EF4-FFF2-40B4-BE49-F238E27FC236}">
-                <a16:creationId xmlns="" xmlns:a16="http://schemas.microsoft.com/office/drawing/2014/main" id="{3AA435DD-C928-C06E-F877-24C385FFBECE}"/>
+                <a16:creationId xmlns:a16="http://schemas.microsoft.com/office/drawing/2014/main" xmlns="" id="{3AA435DD-C928-C06E-F877-24C385FFBECE}"/>
               </a:ext>
             </a:extLst>
           </p:cNvPr>
@@ -25810,7 +25810,7 @@
           <p:cNvPr id="25" name="Elipse 24">
             <a:extLst>
               <a:ext uri="{FF2B5EF4-FFF2-40B4-BE49-F238E27FC236}">
-                <a16:creationId xmlns="" xmlns:a16="http://schemas.microsoft.com/office/drawing/2014/main" id="{6E47DE25-3D02-94CC-D88F-D254E18CDCA3}"/>
+                <a16:creationId xmlns:a16="http://schemas.microsoft.com/office/drawing/2014/main" xmlns="" id="{6E47DE25-3D02-94CC-D88F-D254E18CDCA3}"/>
               </a:ext>
             </a:extLst>
           </p:cNvPr>
@@ -25890,7 +25890,7 @@
           <p:cNvPr id="26" name="Elipse 25">
             <a:extLst>
               <a:ext uri="{FF2B5EF4-FFF2-40B4-BE49-F238E27FC236}">
-                <a16:creationId xmlns="" xmlns:a16="http://schemas.microsoft.com/office/drawing/2014/main" id="{FC230D37-BB00-A54F-080B-42738B4CF225}"/>
+                <a16:creationId xmlns:a16="http://schemas.microsoft.com/office/drawing/2014/main" xmlns="" id="{FC230D37-BB00-A54F-080B-42738B4CF225}"/>
               </a:ext>
             </a:extLst>
           </p:cNvPr>
@@ -25945,7 +25945,7 @@
           <p:cNvPr id="27" name="Rectangle 78">
             <a:extLst>
               <a:ext uri="{FF2B5EF4-FFF2-40B4-BE49-F238E27FC236}">
-                <a16:creationId xmlns="" xmlns:a16="http://schemas.microsoft.com/office/drawing/2014/main" id="{9917C0CC-F1C1-E40B-2625-9CB2FB5A201B}"/>
+                <a16:creationId xmlns:a16="http://schemas.microsoft.com/office/drawing/2014/main" xmlns="" id="{9917C0CC-F1C1-E40B-2625-9CB2FB5A201B}"/>
               </a:ext>
             </a:extLst>
           </p:cNvPr>
@@ -25997,7 +25997,7 @@
           <p:cNvPr id="28" name="Rectangle 80">
             <a:extLst>
               <a:ext uri="{FF2B5EF4-FFF2-40B4-BE49-F238E27FC236}">
-                <a16:creationId xmlns="" xmlns:a16="http://schemas.microsoft.com/office/drawing/2014/main" id="{6F58F33C-F096-9544-7F40-DAA35FF4A9D1}"/>
+                <a16:creationId xmlns:a16="http://schemas.microsoft.com/office/drawing/2014/main" xmlns="" id="{6F58F33C-F096-9544-7F40-DAA35FF4A9D1}"/>
               </a:ext>
             </a:extLst>
           </p:cNvPr>
@@ -26049,7 +26049,7 @@
           <p:cNvPr id="29" name="Rectangle 86">
             <a:extLst>
               <a:ext uri="{FF2B5EF4-FFF2-40B4-BE49-F238E27FC236}">
-                <a16:creationId xmlns="" xmlns:a16="http://schemas.microsoft.com/office/drawing/2014/main" id="{80813F94-534A-BBF3-016E-4CB0165AE6A1}"/>
+                <a16:creationId xmlns:a16="http://schemas.microsoft.com/office/drawing/2014/main" xmlns="" id="{80813F94-534A-BBF3-016E-4CB0165AE6A1}"/>
               </a:ext>
             </a:extLst>
           </p:cNvPr>
@@ -26101,7 +26101,7 @@
           <p:cNvPr id="30" name="Rectangle 88">
             <a:extLst>
               <a:ext uri="{FF2B5EF4-FFF2-40B4-BE49-F238E27FC236}">
-                <a16:creationId xmlns="" xmlns:a16="http://schemas.microsoft.com/office/drawing/2014/main" id="{49C3102C-4EB5-8C86-B36C-83375BF8BDB5}"/>
+                <a16:creationId xmlns:a16="http://schemas.microsoft.com/office/drawing/2014/main" xmlns="" id="{49C3102C-4EB5-8C86-B36C-83375BF8BDB5}"/>
               </a:ext>
             </a:extLst>
           </p:cNvPr>
@@ -26153,7 +26153,7 @@
           <p:cNvPr id="31" name="Título 1">
             <a:extLst>
               <a:ext uri="{FF2B5EF4-FFF2-40B4-BE49-F238E27FC236}">
-                <a16:creationId xmlns="" xmlns:a16="http://schemas.microsoft.com/office/drawing/2014/main" id="{59E10D39-BD82-D617-88B3-BF0EB0AF0A1D}"/>
+                <a16:creationId xmlns:a16="http://schemas.microsoft.com/office/drawing/2014/main" xmlns="" id="{59E10D39-BD82-D617-88B3-BF0EB0AF0A1D}"/>
               </a:ext>
             </a:extLst>
           </p:cNvPr>
@@ -26514,7 +26514,7 @@
           <p:cNvPr id="2" name="Marcador de número de diapositiva 1">
             <a:extLst>
               <a:ext uri="{FF2B5EF4-FFF2-40B4-BE49-F238E27FC236}">
-                <a16:creationId xmlns="" xmlns:a16="http://schemas.microsoft.com/office/drawing/2014/main" id="{B59F924D-5E9F-135F-AD9F-3317A129E302}"/>
+                <a16:creationId xmlns:a16="http://schemas.microsoft.com/office/drawing/2014/main" xmlns="" id="{B59F924D-5E9F-135F-AD9F-3317A129E302}"/>
               </a:ext>
             </a:extLst>
           </p:cNvPr>
@@ -26548,7 +26548,7 @@
           <p:cNvPr id="3" name="Imagen 2">
             <a:extLst>
               <a:ext uri="{FF2B5EF4-FFF2-40B4-BE49-F238E27FC236}">
-                <a16:creationId xmlns="" xmlns:a16="http://schemas.microsoft.com/office/drawing/2014/main" id="{3E46917C-C4C0-3976-1C0F-38456FEDD5DC}"/>
+                <a16:creationId xmlns:a16="http://schemas.microsoft.com/office/drawing/2014/main" xmlns="" id="{3E46917C-C4C0-3976-1C0F-38456FEDD5DC}"/>
               </a:ext>
             </a:extLst>
           </p:cNvPr>
@@ -26578,7 +26578,7 @@
           <p:cNvPr id="4" name="Título 1">
             <a:extLst>
               <a:ext uri="{FF2B5EF4-FFF2-40B4-BE49-F238E27FC236}">
-                <a16:creationId xmlns="" xmlns:a16="http://schemas.microsoft.com/office/drawing/2014/main" id="{3A85FA2B-91CE-EC75-C3AE-F7F8C70EBBA3}"/>
+                <a16:creationId xmlns:a16="http://schemas.microsoft.com/office/drawing/2014/main" xmlns="" id="{3A85FA2B-91CE-EC75-C3AE-F7F8C70EBBA3}"/>
               </a:ext>
             </a:extLst>
           </p:cNvPr>
@@ -26648,7 +26648,7 @@
           <p:cNvPr id="5" name="Título 1">
             <a:extLst>
               <a:ext uri="{FF2B5EF4-FFF2-40B4-BE49-F238E27FC236}">
-                <a16:creationId xmlns="" xmlns:a16="http://schemas.microsoft.com/office/drawing/2014/main" id="{570386F6-29EB-76AF-10EB-AC169D26CC9E}"/>
+                <a16:creationId xmlns:a16="http://schemas.microsoft.com/office/drawing/2014/main" xmlns="" id="{570386F6-29EB-76AF-10EB-AC169D26CC9E}"/>
               </a:ext>
             </a:extLst>
           </p:cNvPr>
@@ -26717,7 +26717,7 @@
           <p:cNvPr id="7" name="Elipse 6">
             <a:extLst>
               <a:ext uri="{FF2B5EF4-FFF2-40B4-BE49-F238E27FC236}">
-                <a16:creationId xmlns="" xmlns:a16="http://schemas.microsoft.com/office/drawing/2014/main" id="{3353EE34-6C7E-AE7E-7B20-C7E440F210E7}"/>
+                <a16:creationId xmlns:a16="http://schemas.microsoft.com/office/drawing/2014/main" xmlns="" id="{3353EE34-6C7E-AE7E-7B20-C7E440F210E7}"/>
               </a:ext>
             </a:extLst>
           </p:cNvPr>
@@ -26778,7 +26778,7 @@
           <p:cNvPr id="8" name="Table 3">
             <a:extLst>
               <a:ext uri="{FF2B5EF4-FFF2-40B4-BE49-F238E27FC236}">
-                <a16:creationId xmlns="" xmlns:a16="http://schemas.microsoft.com/office/drawing/2014/main" id="{422A8208-A563-A55B-5344-09BD741BE766}"/>
+                <a16:creationId xmlns:a16="http://schemas.microsoft.com/office/drawing/2014/main" xmlns="" id="{422A8208-A563-A55B-5344-09BD741BE766}"/>
               </a:ext>
             </a:extLst>
           </p:cNvPr>
@@ -26807,7 +26807,7 @@
                 <a:gridCol w="2283520">
                   <a:extLst>
                     <a:ext uri="{9D8B030D-6E8A-4147-A177-3AD203B41FA5}">
-                      <a16:colId xmlns="" xmlns:a16="http://schemas.microsoft.com/office/drawing/2014/main" val="3102874728"/>
+                      <a16:colId xmlns:a16="http://schemas.microsoft.com/office/drawing/2014/main" xmlns="" val="3102874728"/>
                     </a:ext>
                   </a:extLst>
                 </a:gridCol>
@@ -26816,7 +26816,7 @@
                 <a:gridCol w="2283520">
                   <a:extLst>
                     <a:ext uri="{9D8B030D-6E8A-4147-A177-3AD203B41FA5}">
-                      <a16:colId xmlns="" xmlns:a16="http://schemas.microsoft.com/office/drawing/2014/main" val="3824228278"/>
+                      <a16:colId xmlns:a16="http://schemas.microsoft.com/office/drawing/2014/main" xmlns="" val="3824228278"/>
                     </a:ext>
                   </a:extLst>
                 </a:gridCol>
@@ -27142,7 +27142,7 @@
                 </a:tc>
                 <a:extLst>
                   <a:ext uri="{0D108BD9-81ED-4DB2-BD59-A6C34878D82A}">
-                    <a16:rowId xmlns="" xmlns:a16="http://schemas.microsoft.com/office/drawing/2014/main" val="4006425940"/>
+                    <a16:rowId xmlns:a16="http://schemas.microsoft.com/office/drawing/2014/main" xmlns="" val="4006425940"/>
                   </a:ext>
                 </a:extLst>
               </a:tr>
@@ -27535,7 +27535,7 @@
                 </a:tc>
                 <a:extLst>
                   <a:ext uri="{0D108BD9-81ED-4DB2-BD59-A6C34878D82A}">
-                    <a16:rowId xmlns="" xmlns:a16="http://schemas.microsoft.com/office/drawing/2014/main" val="2195307831"/>
+                    <a16:rowId xmlns:a16="http://schemas.microsoft.com/office/drawing/2014/main" xmlns="" val="2195307831"/>
                   </a:ext>
                 </a:extLst>
               </a:tr>
@@ -27874,7 +27874,7 @@
                 </a:tc>
                 <a:extLst>
                   <a:ext uri="{0D108BD9-81ED-4DB2-BD59-A6C34878D82A}">
-                    <a16:rowId xmlns="" xmlns:a16="http://schemas.microsoft.com/office/drawing/2014/main" val="4228649827"/>
+                    <a16:rowId xmlns:a16="http://schemas.microsoft.com/office/drawing/2014/main" xmlns="" val="4228649827"/>
                   </a:ext>
                 </a:extLst>
               </a:tr>
@@ -28213,7 +28213,7 @@
                 </a:tc>
                 <a:extLst>
                   <a:ext uri="{0D108BD9-81ED-4DB2-BD59-A6C34878D82A}">
-                    <a16:rowId xmlns="" xmlns:a16="http://schemas.microsoft.com/office/drawing/2014/main" val="2880154858"/>
+                    <a16:rowId xmlns:a16="http://schemas.microsoft.com/office/drawing/2014/main" xmlns="" val="2880154858"/>
                   </a:ext>
                 </a:extLst>
               </a:tr>
@@ -28552,7 +28552,7 @@
                 </a:tc>
                 <a:extLst>
                   <a:ext uri="{0D108BD9-81ED-4DB2-BD59-A6C34878D82A}">
-                    <a16:rowId xmlns="" xmlns:a16="http://schemas.microsoft.com/office/drawing/2014/main" val="941017362"/>
+                    <a16:rowId xmlns:a16="http://schemas.microsoft.com/office/drawing/2014/main" xmlns="" val="941017362"/>
                   </a:ext>
                 </a:extLst>
               </a:tr>
@@ -28651,7 +28651,7 @@
           <p:cNvPr id="12" name="Rectangle 68">
             <a:extLst>
               <a:ext uri="{FF2B5EF4-FFF2-40B4-BE49-F238E27FC236}">
-                <a16:creationId xmlns="" xmlns:a16="http://schemas.microsoft.com/office/drawing/2014/main" id="{2E170935-075B-E9F1-39F5-718251B4ECCC}"/>
+                <a16:creationId xmlns:a16="http://schemas.microsoft.com/office/drawing/2014/main" xmlns="" id="{2E170935-075B-E9F1-39F5-718251B4ECCC}"/>
               </a:ext>
             </a:extLst>
           </p:cNvPr>
@@ -28705,7 +28705,7 @@
           <p:cNvPr id="13" name="Rectangle 68">
             <a:extLst>
               <a:ext uri="{FF2B5EF4-FFF2-40B4-BE49-F238E27FC236}">
-                <a16:creationId xmlns="" xmlns:a16="http://schemas.microsoft.com/office/drawing/2014/main" id="{2E170935-075B-E9F1-39F5-718251B4ECCC}"/>
+                <a16:creationId xmlns:a16="http://schemas.microsoft.com/office/drawing/2014/main" xmlns="" id="{2E170935-075B-E9F1-39F5-718251B4ECCC}"/>
               </a:ext>
             </a:extLst>
           </p:cNvPr>
@@ -28764,6 +28764,18 @@
   <p:clrMapOvr>
     <a:masterClrMapping/>
   </p:clrMapOvr>
+  <mc:AlternateContent xmlns:mc="http://schemas.openxmlformats.org/markup-compatibility/2006">
+    <mc:Choice xmlns:p14="http://schemas.microsoft.com/office/powerpoint/2010/main" Requires="p14">
+      <p:transition spd="med" p14:dur="700">
+        <p:fade/>
+      </p:transition>
+    </mc:Choice>
+    <mc:Fallback>
+      <p:transition spd="med">
+        <p:fade/>
+      </p:transition>
+    </mc:Fallback>
+  </mc:AlternateContent>
   <p:timing>
     <p:tnLst>
       <p:par>
@@ -28923,7 +28935,7 @@
           <p:cNvPr id="16" name="Título 1">
             <a:extLst>
               <a:ext uri="{FF2B5EF4-FFF2-40B4-BE49-F238E27FC236}">
-                <a16:creationId xmlns:a16="http://schemas.microsoft.com/office/drawing/2014/main" xmlns="" id="{D5FD1066-7FA1-9BF9-22F0-F52B6DDCD8D0}"/>
+                <a16:creationId xmlns="" xmlns:a16="http://schemas.microsoft.com/office/drawing/2014/main" id="{D5FD1066-7FA1-9BF9-22F0-F52B6DDCD8D0}"/>
               </a:ext>
             </a:extLst>
           </p:cNvPr>
@@ -28974,7 +28986,7 @@
           <p:cNvPr id="22" name="Rectángulo redondeado 6">
             <a:extLst>
               <a:ext uri="{FF2B5EF4-FFF2-40B4-BE49-F238E27FC236}">
-                <a16:creationId xmlns:a16="http://schemas.microsoft.com/office/drawing/2014/main" xmlns="" id="{26D7AF7E-B913-6BE4-A0F6-19FB812B7B73}"/>
+                <a16:creationId xmlns="" xmlns:a16="http://schemas.microsoft.com/office/drawing/2014/main" id="{26D7AF7E-B913-6BE4-A0F6-19FB812B7B73}"/>
               </a:ext>
             </a:extLst>
           </p:cNvPr>
@@ -29036,7 +29048,7 @@
           <p:cNvPr id="23" name="Subtítulo 2">
             <a:extLst>
               <a:ext uri="{FF2B5EF4-FFF2-40B4-BE49-F238E27FC236}">
-                <a16:creationId xmlns:a16="http://schemas.microsoft.com/office/drawing/2014/main" xmlns="" id="{6C7DD623-9AB0-2F39-9DFB-476DB903F2EF}"/>
+                <a16:creationId xmlns="" xmlns:a16="http://schemas.microsoft.com/office/drawing/2014/main" id="{6C7DD623-9AB0-2F39-9DFB-476DB903F2EF}"/>
               </a:ext>
             </a:extLst>
           </p:cNvPr>
@@ -29253,7 +29265,7 @@
           <p:cNvPr id="24" name="Rectángulo redondeado 30">
             <a:extLst>
               <a:ext uri="{FF2B5EF4-FFF2-40B4-BE49-F238E27FC236}">
-                <a16:creationId xmlns:a16="http://schemas.microsoft.com/office/drawing/2014/main" xmlns="" id="{80BB5CA9-6BAF-7E14-AA22-D2BAD29E8C87}"/>
+                <a16:creationId xmlns="" xmlns:a16="http://schemas.microsoft.com/office/drawing/2014/main" id="{80BB5CA9-6BAF-7E14-AA22-D2BAD29E8C87}"/>
               </a:ext>
             </a:extLst>
           </p:cNvPr>
@@ -29315,7 +29327,7 @@
           <p:cNvPr id="25" name="Subtítulo 2">
             <a:extLst>
               <a:ext uri="{FF2B5EF4-FFF2-40B4-BE49-F238E27FC236}">
-                <a16:creationId xmlns:a16="http://schemas.microsoft.com/office/drawing/2014/main" xmlns="" id="{2823FBAE-8D0D-34B3-24D4-48BB96A3622B}"/>
+                <a16:creationId xmlns="" xmlns:a16="http://schemas.microsoft.com/office/drawing/2014/main" id="{2823FBAE-8D0D-34B3-24D4-48BB96A3622B}"/>
               </a:ext>
             </a:extLst>
           </p:cNvPr>
@@ -29532,7 +29544,7 @@
           <p:cNvPr id="26" name="Rectángulo redondeado 30">
             <a:extLst>
               <a:ext uri="{FF2B5EF4-FFF2-40B4-BE49-F238E27FC236}">
-                <a16:creationId xmlns:a16="http://schemas.microsoft.com/office/drawing/2014/main" xmlns="" id="{80BB5CA9-6BAF-7E14-AA22-D2BAD29E8C87}"/>
+                <a16:creationId xmlns="" xmlns:a16="http://schemas.microsoft.com/office/drawing/2014/main" id="{80BB5CA9-6BAF-7E14-AA22-D2BAD29E8C87}"/>
               </a:ext>
             </a:extLst>
           </p:cNvPr>
@@ -29594,7 +29606,7 @@
           <p:cNvPr id="27" name="Subtítulo 2">
             <a:extLst>
               <a:ext uri="{FF2B5EF4-FFF2-40B4-BE49-F238E27FC236}">
-                <a16:creationId xmlns:a16="http://schemas.microsoft.com/office/drawing/2014/main" xmlns="" id="{2823FBAE-8D0D-34B3-24D4-48BB96A3622B}"/>
+                <a16:creationId xmlns="" xmlns:a16="http://schemas.microsoft.com/office/drawing/2014/main" id="{2823FBAE-8D0D-34B3-24D4-48BB96A3622B}"/>
               </a:ext>
             </a:extLst>
           </p:cNvPr>
@@ -29903,7 +29915,7 @@
           <p:cNvPr id="31" name="Rectángulo redondeado 6">
             <a:extLst>
               <a:ext uri="{FF2B5EF4-FFF2-40B4-BE49-F238E27FC236}">
-                <a16:creationId xmlns:a16="http://schemas.microsoft.com/office/drawing/2014/main" xmlns="" id="{26D7AF7E-B913-6BE4-A0F6-19FB812B7B73}"/>
+                <a16:creationId xmlns="" xmlns:a16="http://schemas.microsoft.com/office/drawing/2014/main" id="{26D7AF7E-B913-6BE4-A0F6-19FB812B7B73}"/>
               </a:ext>
             </a:extLst>
           </p:cNvPr>
@@ -29965,7 +29977,7 @@
           <p:cNvPr id="32" name="Subtítulo 2">
             <a:extLst>
               <a:ext uri="{FF2B5EF4-FFF2-40B4-BE49-F238E27FC236}">
-                <a16:creationId xmlns:a16="http://schemas.microsoft.com/office/drawing/2014/main" xmlns="" id="{6C7DD623-9AB0-2F39-9DFB-476DB903F2EF}"/>
+                <a16:creationId xmlns="" xmlns:a16="http://schemas.microsoft.com/office/drawing/2014/main" id="{6C7DD623-9AB0-2F39-9DFB-476DB903F2EF}"/>
               </a:ext>
             </a:extLst>
           </p:cNvPr>
@@ -30182,7 +30194,7 @@
           <p:cNvPr id="33" name="Rectángulo redondeado 30">
             <a:extLst>
               <a:ext uri="{FF2B5EF4-FFF2-40B4-BE49-F238E27FC236}">
-                <a16:creationId xmlns:a16="http://schemas.microsoft.com/office/drawing/2014/main" xmlns="" id="{80BB5CA9-6BAF-7E14-AA22-D2BAD29E8C87}"/>
+                <a16:creationId xmlns="" xmlns:a16="http://schemas.microsoft.com/office/drawing/2014/main" id="{80BB5CA9-6BAF-7E14-AA22-D2BAD29E8C87}"/>
               </a:ext>
             </a:extLst>
           </p:cNvPr>
@@ -30244,7 +30256,7 @@
           <p:cNvPr id="35" name="Subtítulo 2">
             <a:extLst>
               <a:ext uri="{FF2B5EF4-FFF2-40B4-BE49-F238E27FC236}">
-                <a16:creationId xmlns:a16="http://schemas.microsoft.com/office/drawing/2014/main" xmlns="" id="{2823FBAE-8D0D-34B3-24D4-48BB96A3622B}"/>
+                <a16:creationId xmlns="" xmlns:a16="http://schemas.microsoft.com/office/drawing/2014/main" id="{2823FBAE-8D0D-34B3-24D4-48BB96A3622B}"/>
               </a:ext>
             </a:extLst>
           </p:cNvPr>
@@ -30461,7 +30473,7 @@
           <p:cNvPr id="36" name="Rectángulo redondeado 30">
             <a:extLst>
               <a:ext uri="{FF2B5EF4-FFF2-40B4-BE49-F238E27FC236}">
-                <a16:creationId xmlns:a16="http://schemas.microsoft.com/office/drawing/2014/main" xmlns="" id="{80BB5CA9-6BAF-7E14-AA22-D2BAD29E8C87}"/>
+                <a16:creationId xmlns="" xmlns:a16="http://schemas.microsoft.com/office/drawing/2014/main" id="{80BB5CA9-6BAF-7E14-AA22-D2BAD29E8C87}"/>
               </a:ext>
             </a:extLst>
           </p:cNvPr>
@@ -30523,7 +30535,7 @@
           <p:cNvPr id="37" name="Subtítulo 2">
             <a:extLst>
               <a:ext uri="{FF2B5EF4-FFF2-40B4-BE49-F238E27FC236}">
-                <a16:creationId xmlns:a16="http://schemas.microsoft.com/office/drawing/2014/main" xmlns="" id="{2823FBAE-8D0D-34B3-24D4-48BB96A3622B}"/>
+                <a16:creationId xmlns="" xmlns:a16="http://schemas.microsoft.com/office/drawing/2014/main" id="{2823FBAE-8D0D-34B3-24D4-48BB96A3622B}"/>
               </a:ext>
             </a:extLst>
           </p:cNvPr>
@@ -30838,7 +30850,7 @@
     <a:masterClrMapping/>
   </p:clrMapOvr>
   <mc:AlternateContent xmlns:mc="http://schemas.openxmlformats.org/markup-compatibility/2006">
-    <mc:Choice xmlns:p159="http://schemas.microsoft.com/office/powerpoint/2015/09/main" xmlns="" Requires="p159">
+    <mc:Choice xmlns="" xmlns:p159="http://schemas.microsoft.com/office/powerpoint/2015/09/main" Requires="p159">
       <p:transition xmlns:p14="http://schemas.microsoft.com/office/powerpoint/2010/main" spd="slow" p14:dur="2000">
         <p159:morph option="byObject"/>
       </p:transition>
@@ -30874,7 +30886,7 @@
           <p:cNvPr id="16" name="Título 1">
             <a:extLst>
               <a:ext uri="{FF2B5EF4-FFF2-40B4-BE49-F238E27FC236}">
-                <a16:creationId xmlns:a16="http://schemas.microsoft.com/office/drawing/2014/main" xmlns="" id="{D5FD1066-7FA1-9BF9-22F0-F52B6DDCD8D0}"/>
+                <a16:creationId xmlns="" xmlns:a16="http://schemas.microsoft.com/office/drawing/2014/main" id="{D5FD1066-7FA1-9BF9-22F0-F52B6DDCD8D0}"/>
               </a:ext>
             </a:extLst>
           </p:cNvPr>
@@ -30925,7 +30937,7 @@
           <p:cNvPr id="24" name="Rectángulo redondeado 30">
             <a:extLst>
               <a:ext uri="{FF2B5EF4-FFF2-40B4-BE49-F238E27FC236}">
-                <a16:creationId xmlns:a16="http://schemas.microsoft.com/office/drawing/2014/main" xmlns="" id="{80BB5CA9-6BAF-7E14-AA22-D2BAD29E8C87}"/>
+                <a16:creationId xmlns="" xmlns:a16="http://schemas.microsoft.com/office/drawing/2014/main" id="{80BB5CA9-6BAF-7E14-AA22-D2BAD29E8C87}"/>
               </a:ext>
             </a:extLst>
           </p:cNvPr>
@@ -30987,7 +30999,7 @@
           <p:cNvPr id="25" name="Subtítulo 2">
             <a:extLst>
               <a:ext uri="{FF2B5EF4-FFF2-40B4-BE49-F238E27FC236}">
-                <a16:creationId xmlns:a16="http://schemas.microsoft.com/office/drawing/2014/main" xmlns="" id="{2823FBAE-8D0D-34B3-24D4-48BB96A3622B}"/>
+                <a16:creationId xmlns="" xmlns:a16="http://schemas.microsoft.com/office/drawing/2014/main" id="{2823FBAE-8D0D-34B3-24D4-48BB96A3622B}"/>
               </a:ext>
             </a:extLst>
           </p:cNvPr>
@@ -31204,7 +31216,7 @@
           <p:cNvPr id="26" name="Rectángulo redondeado 30">
             <a:extLst>
               <a:ext uri="{FF2B5EF4-FFF2-40B4-BE49-F238E27FC236}">
-                <a16:creationId xmlns:a16="http://schemas.microsoft.com/office/drawing/2014/main" xmlns="" id="{80BB5CA9-6BAF-7E14-AA22-D2BAD29E8C87}"/>
+                <a16:creationId xmlns="" xmlns:a16="http://schemas.microsoft.com/office/drawing/2014/main" id="{80BB5CA9-6BAF-7E14-AA22-D2BAD29E8C87}"/>
               </a:ext>
             </a:extLst>
           </p:cNvPr>
@@ -31266,7 +31278,7 @@
           <p:cNvPr id="27" name="Subtítulo 2">
             <a:extLst>
               <a:ext uri="{FF2B5EF4-FFF2-40B4-BE49-F238E27FC236}">
-                <a16:creationId xmlns:a16="http://schemas.microsoft.com/office/drawing/2014/main" xmlns="" id="{2823FBAE-8D0D-34B3-24D4-48BB96A3622B}"/>
+                <a16:creationId xmlns="" xmlns:a16="http://schemas.microsoft.com/office/drawing/2014/main" id="{2823FBAE-8D0D-34B3-24D4-48BB96A3622B}"/>
               </a:ext>
             </a:extLst>
           </p:cNvPr>
@@ -31497,7 +31509,7 @@
           </a:ln>
           <a:extLst>
             <a:ext uri="{C572A759-6A51-4108-AA02-DFA0A04FC94B}">
-              <ma14:wrappingTextBoxFlag xmlns="" xmlns:m="http://schemas.openxmlformats.org/officeDocument/2006/math" xmlns:a14="http://schemas.microsoft.com/office/drawing/2010/main" xmlns:ma14="http://schemas.microsoft.com/office/mac/drawingml/2011/main" val="1"/>
+              <ma14:wrappingTextBoxFlag xmlns:ma14="http://schemas.microsoft.com/office/mac/drawingml/2011/main" xmlns:a14="http://schemas.microsoft.com/office/drawing/2010/main" xmlns:m="http://schemas.openxmlformats.org/officeDocument/2006/math" xmlns="" val="1"/>
             </a:ext>
           </a:extLst>
         </p:spPr>
@@ -31579,7 +31591,7 @@
           </a:ln>
           <a:extLst>
             <a:ext uri="{C572A759-6A51-4108-AA02-DFA0A04FC94B}">
-              <ma14:wrappingTextBoxFlag xmlns="" xmlns:m="http://schemas.openxmlformats.org/officeDocument/2006/math" xmlns:a14="http://schemas.microsoft.com/office/drawing/2010/main" xmlns:ma14="http://schemas.microsoft.com/office/mac/drawingml/2011/main" val="1"/>
+              <ma14:wrappingTextBoxFlag xmlns:ma14="http://schemas.microsoft.com/office/mac/drawingml/2011/main" xmlns:a14="http://schemas.microsoft.com/office/drawing/2010/main" xmlns:m="http://schemas.openxmlformats.org/officeDocument/2006/math" xmlns="" val="1"/>
             </a:ext>
           </a:extLst>
         </p:spPr>
@@ -31781,7 +31793,7 @@
           </a:ln>
           <a:extLst>
             <a:ext uri="{C572A759-6A51-4108-AA02-DFA0A04FC94B}">
-              <ma14:wrappingTextBoxFlag xmlns="" xmlns:m="http://schemas.openxmlformats.org/officeDocument/2006/math" xmlns:a14="http://schemas.microsoft.com/office/drawing/2010/main" xmlns:ma14="http://schemas.microsoft.com/office/mac/drawingml/2011/main" val="1"/>
+              <ma14:wrappingTextBoxFlag xmlns:ma14="http://schemas.microsoft.com/office/mac/drawingml/2011/main" xmlns:a14="http://schemas.microsoft.com/office/drawing/2010/main" xmlns:m="http://schemas.openxmlformats.org/officeDocument/2006/math" xmlns="" val="1"/>
             </a:ext>
           </a:extLst>
         </p:spPr>
@@ -31829,7 +31841,7 @@
           </a:ln>
           <a:extLst>
             <a:ext uri="{C572A759-6A51-4108-AA02-DFA0A04FC94B}">
-              <ma14:wrappingTextBoxFlag xmlns="" xmlns:m="http://schemas.openxmlformats.org/officeDocument/2006/math" xmlns:a14="http://schemas.microsoft.com/office/drawing/2010/main" xmlns:ma14="http://schemas.microsoft.com/office/mac/drawingml/2011/main" val="1"/>
+              <ma14:wrappingTextBoxFlag xmlns:ma14="http://schemas.microsoft.com/office/mac/drawingml/2011/main" xmlns:a14="http://schemas.microsoft.com/office/drawing/2010/main" xmlns:m="http://schemas.openxmlformats.org/officeDocument/2006/math" xmlns="" val="1"/>
             </a:ext>
           </a:extLst>
         </p:spPr>
@@ -31941,7 +31953,7 @@
           </a:ln>
           <a:extLst>
             <a:ext uri="{C572A759-6A51-4108-AA02-DFA0A04FC94B}">
-              <ma14:wrappingTextBoxFlag xmlns="" xmlns:m="http://schemas.openxmlformats.org/officeDocument/2006/math" xmlns:a14="http://schemas.microsoft.com/office/drawing/2010/main" xmlns:ma14="http://schemas.microsoft.com/office/mac/drawingml/2011/main" val="1"/>
+              <ma14:wrappingTextBoxFlag xmlns:ma14="http://schemas.microsoft.com/office/mac/drawingml/2011/main" xmlns:a14="http://schemas.microsoft.com/office/drawing/2010/main" xmlns:m="http://schemas.openxmlformats.org/officeDocument/2006/math" xmlns="" val="1"/>
             </a:ext>
           </a:extLst>
         </p:spPr>
@@ -31989,7 +32001,7 @@
           </a:ln>
           <a:extLst>
             <a:ext uri="{C572A759-6A51-4108-AA02-DFA0A04FC94B}">
-              <ma14:wrappingTextBoxFlag xmlns="" xmlns:m="http://schemas.openxmlformats.org/officeDocument/2006/math" xmlns:a14="http://schemas.microsoft.com/office/drawing/2010/main" xmlns:ma14="http://schemas.microsoft.com/office/mac/drawingml/2011/main" val="1"/>
+              <ma14:wrappingTextBoxFlag xmlns:ma14="http://schemas.microsoft.com/office/mac/drawingml/2011/main" xmlns:a14="http://schemas.microsoft.com/office/drawing/2010/main" xmlns:m="http://schemas.openxmlformats.org/officeDocument/2006/math" xmlns="" val="1"/>
             </a:ext>
           </a:extLst>
         </p:spPr>
@@ -32165,7 +32177,7 @@
           </a:ln>
           <a:extLst>
             <a:ext uri="{C572A759-6A51-4108-AA02-DFA0A04FC94B}">
-              <ma14:wrappingTextBoxFlag xmlns="" xmlns:m="http://schemas.openxmlformats.org/officeDocument/2006/math" xmlns:a14="http://schemas.microsoft.com/office/drawing/2010/main" xmlns:ma14="http://schemas.microsoft.com/office/mac/drawingml/2011/main" val="1"/>
+              <ma14:wrappingTextBoxFlag xmlns:ma14="http://schemas.microsoft.com/office/mac/drawingml/2011/main" xmlns:a14="http://schemas.microsoft.com/office/drawing/2010/main" xmlns:m="http://schemas.openxmlformats.org/officeDocument/2006/math" xmlns="" val="1"/>
             </a:ext>
           </a:extLst>
         </p:spPr>
@@ -32245,7 +32257,7 @@
           </a:ln>
           <a:extLst>
             <a:ext uri="{C572A759-6A51-4108-AA02-DFA0A04FC94B}">
-              <ma14:wrappingTextBoxFlag xmlns="" xmlns:m="http://schemas.openxmlformats.org/officeDocument/2006/math" xmlns:a14="http://schemas.microsoft.com/office/drawing/2010/main" xmlns:ma14="http://schemas.microsoft.com/office/mac/drawingml/2011/main" val="1"/>
+              <ma14:wrappingTextBoxFlag xmlns:ma14="http://schemas.microsoft.com/office/mac/drawingml/2011/main" xmlns:a14="http://schemas.microsoft.com/office/drawing/2010/main" xmlns:m="http://schemas.openxmlformats.org/officeDocument/2006/math" xmlns="" val="1"/>
             </a:ext>
           </a:extLst>
         </p:spPr>
@@ -32389,7 +32401,7 @@
           </a:ln>
           <a:extLst>
             <a:ext uri="{C572A759-6A51-4108-AA02-DFA0A04FC94B}">
-              <ma14:wrappingTextBoxFlag xmlns="" xmlns:m="http://schemas.openxmlformats.org/officeDocument/2006/math" xmlns:a14="http://schemas.microsoft.com/office/drawing/2010/main" xmlns:ma14="http://schemas.microsoft.com/office/mac/drawingml/2011/main" val="1"/>
+              <ma14:wrappingTextBoxFlag xmlns:ma14="http://schemas.microsoft.com/office/mac/drawingml/2011/main" xmlns:a14="http://schemas.microsoft.com/office/drawing/2010/main" xmlns:m="http://schemas.openxmlformats.org/officeDocument/2006/math" xmlns="" val="1"/>
             </a:ext>
           </a:extLst>
         </p:spPr>
@@ -32437,7 +32449,7 @@
           </a:ln>
           <a:extLst>
             <a:ext uri="{C572A759-6A51-4108-AA02-DFA0A04FC94B}">
-              <ma14:wrappingTextBoxFlag xmlns="" xmlns:m="http://schemas.openxmlformats.org/officeDocument/2006/math" xmlns:a14="http://schemas.microsoft.com/office/drawing/2010/main" xmlns:ma14="http://schemas.microsoft.com/office/mac/drawingml/2011/main" val="1"/>
+              <ma14:wrappingTextBoxFlag xmlns:ma14="http://schemas.microsoft.com/office/mac/drawingml/2011/main" xmlns:a14="http://schemas.microsoft.com/office/drawing/2010/main" xmlns:m="http://schemas.openxmlformats.org/officeDocument/2006/math" xmlns="" val="1"/>
             </a:ext>
           </a:extLst>
         </p:spPr>
@@ -32477,7 +32489,7 @@
     <a:masterClrMapping/>
   </p:clrMapOvr>
   <mc:AlternateContent xmlns:mc="http://schemas.openxmlformats.org/markup-compatibility/2006">
-    <mc:Choice xmlns:p159="http://schemas.microsoft.com/office/powerpoint/2015/09/main" xmlns="" Requires="p159">
+    <mc:Choice xmlns="" xmlns:p159="http://schemas.microsoft.com/office/powerpoint/2015/09/main" Requires="p159">
       <p:transition xmlns:p14="http://schemas.microsoft.com/office/powerpoint/2010/main" spd="slow" p14:dur="2000">
         <p159:morph option="byObject"/>
       </p:transition>
@@ -33756,7 +33768,7 @@
           <p:cNvPr id="16" name="Título 1">
             <a:extLst>
               <a:ext uri="{FF2B5EF4-FFF2-40B4-BE49-F238E27FC236}">
-                <a16:creationId xmlns:a16="http://schemas.microsoft.com/office/drawing/2014/main" xmlns="" id="{D5FD1066-7FA1-9BF9-22F0-F52B6DDCD8D0}"/>
+                <a16:creationId xmlns="" xmlns:a16="http://schemas.microsoft.com/office/drawing/2014/main" id="{D5FD1066-7FA1-9BF9-22F0-F52B6DDCD8D0}"/>
               </a:ext>
             </a:extLst>
           </p:cNvPr>
@@ -33807,7 +33819,7 @@
           <p:cNvPr id="29" name="Rectángulo redondeado 1">
             <a:extLst>
               <a:ext uri="{FF2B5EF4-FFF2-40B4-BE49-F238E27FC236}">
-                <a16:creationId xmlns="" xmlns:a16="http://schemas.microsoft.com/office/drawing/2014/main" id="{CCD3B001-675A-A776-763B-388CE2698D74}"/>
+                <a16:creationId xmlns:a16="http://schemas.microsoft.com/office/drawing/2014/main" xmlns="" id="{CCD3B001-675A-A776-763B-388CE2698D74}"/>
               </a:ext>
             </a:extLst>
           </p:cNvPr>
@@ -33870,7 +33882,7 @@
           <p:cNvPr id="24" name="Rectángulo redondeado 30">
             <a:extLst>
               <a:ext uri="{FF2B5EF4-FFF2-40B4-BE49-F238E27FC236}">
-                <a16:creationId xmlns:a16="http://schemas.microsoft.com/office/drawing/2014/main" xmlns="" id="{80BB5CA9-6BAF-7E14-AA22-D2BAD29E8C87}"/>
+                <a16:creationId xmlns="" xmlns:a16="http://schemas.microsoft.com/office/drawing/2014/main" id="{80BB5CA9-6BAF-7E14-AA22-D2BAD29E8C87}"/>
               </a:ext>
             </a:extLst>
           </p:cNvPr>
@@ -33932,7 +33944,7 @@
           <p:cNvPr id="25" name="Subtítulo 2">
             <a:extLst>
               <a:ext uri="{FF2B5EF4-FFF2-40B4-BE49-F238E27FC236}">
-                <a16:creationId xmlns:a16="http://schemas.microsoft.com/office/drawing/2014/main" xmlns="" id="{2823FBAE-8D0D-34B3-24D4-48BB96A3622B}"/>
+                <a16:creationId xmlns="" xmlns:a16="http://schemas.microsoft.com/office/drawing/2014/main" id="{2823FBAE-8D0D-34B3-24D4-48BB96A3622B}"/>
               </a:ext>
             </a:extLst>
           </p:cNvPr>
@@ -34149,7 +34161,7 @@
           <p:cNvPr id="33" name="Rectángulo redondeado 1">
             <a:extLst>
               <a:ext uri="{FF2B5EF4-FFF2-40B4-BE49-F238E27FC236}">
-                <a16:creationId xmlns="" xmlns:a16="http://schemas.microsoft.com/office/drawing/2014/main" id="{CCD3B001-675A-A776-763B-388CE2698D74}"/>
+                <a16:creationId xmlns:a16="http://schemas.microsoft.com/office/drawing/2014/main" xmlns="" id="{CCD3B001-675A-A776-763B-388CE2698D74}"/>
               </a:ext>
             </a:extLst>
           </p:cNvPr>
@@ -34212,7 +34224,7 @@
           <p:cNvPr id="26" name="Rectángulo redondeado 30">
             <a:extLst>
               <a:ext uri="{FF2B5EF4-FFF2-40B4-BE49-F238E27FC236}">
-                <a16:creationId xmlns:a16="http://schemas.microsoft.com/office/drawing/2014/main" xmlns="" id="{80BB5CA9-6BAF-7E14-AA22-D2BAD29E8C87}"/>
+                <a16:creationId xmlns="" xmlns:a16="http://schemas.microsoft.com/office/drawing/2014/main" id="{80BB5CA9-6BAF-7E14-AA22-D2BAD29E8C87}"/>
               </a:ext>
             </a:extLst>
           </p:cNvPr>
@@ -34274,7 +34286,7 @@
           <p:cNvPr id="27" name="Subtítulo 2">
             <a:extLst>
               <a:ext uri="{FF2B5EF4-FFF2-40B4-BE49-F238E27FC236}">
-                <a16:creationId xmlns:a16="http://schemas.microsoft.com/office/drawing/2014/main" xmlns="" id="{2823FBAE-8D0D-34B3-24D4-48BB96A3622B}"/>
+                <a16:creationId xmlns="" xmlns:a16="http://schemas.microsoft.com/office/drawing/2014/main" id="{2823FBAE-8D0D-34B3-24D4-48BB96A3622B}"/>
               </a:ext>
             </a:extLst>
           </p:cNvPr>
@@ -34491,7 +34503,7 @@
           <p:cNvPr id="32" name="Subtítulo 2">
             <a:extLst>
               <a:ext uri="{FF2B5EF4-FFF2-40B4-BE49-F238E27FC236}">
-                <a16:creationId xmlns="" xmlns:a16="http://schemas.microsoft.com/office/drawing/2014/main" id="{A01E837A-D726-E0FC-6B75-F180334C145E}"/>
+                <a16:creationId xmlns:a16="http://schemas.microsoft.com/office/drawing/2014/main" xmlns="" id="{A01E837A-D726-E0FC-6B75-F180334C145E}"/>
               </a:ext>
             </a:extLst>
           </p:cNvPr>
@@ -34814,7 +34826,7 @@
           <p:cNvPr id="35" name="Subtítulo 2">
             <a:extLst>
               <a:ext uri="{FF2B5EF4-FFF2-40B4-BE49-F238E27FC236}">
-                <a16:creationId xmlns="" xmlns:a16="http://schemas.microsoft.com/office/drawing/2014/main" id="{A01E837A-D726-E0FC-6B75-F180334C145E}"/>
+                <a16:creationId xmlns:a16="http://schemas.microsoft.com/office/drawing/2014/main" xmlns="" id="{A01E837A-D726-E0FC-6B75-F180334C145E}"/>
               </a:ext>
             </a:extLst>
           </p:cNvPr>
@@ -35189,7 +35201,7 @@
     <a:masterClrMapping/>
   </p:clrMapOvr>
   <mc:AlternateContent xmlns:mc="http://schemas.openxmlformats.org/markup-compatibility/2006">
-    <mc:Choice xmlns:p159="http://schemas.microsoft.com/office/powerpoint/2015/09/main" xmlns="" Requires="p159">
+    <mc:Choice xmlns="" xmlns:p159="http://schemas.microsoft.com/office/powerpoint/2015/09/main" Requires="p159">
       <p:transition xmlns:p14="http://schemas.microsoft.com/office/powerpoint/2010/main" spd="slow" p14:dur="2000">
         <p159:morph option="byObject"/>
       </p:transition>
@@ -35232,7 +35244,7 @@
           <p:cNvPr id="2" name="Imagen 1">
             <a:extLst>
               <a:ext uri="{FF2B5EF4-FFF2-40B4-BE49-F238E27FC236}">
-                <a16:creationId xmlns:a16="http://schemas.microsoft.com/office/drawing/2014/main" xmlns="" id="{8495C0A0-4965-B406-97D2-0C73E97D488B}"/>
+                <a16:creationId xmlns="" xmlns:a16="http://schemas.microsoft.com/office/drawing/2014/main" id="{8495C0A0-4965-B406-97D2-0C73E97D488B}"/>
               </a:ext>
             </a:extLst>
           </p:cNvPr>
@@ -35262,7 +35274,7 @@
           <p:cNvPr id="3" name="Marcador de número de diapositiva 3">
             <a:extLst>
               <a:ext uri="{FF2B5EF4-FFF2-40B4-BE49-F238E27FC236}">
-                <a16:creationId xmlns:a16="http://schemas.microsoft.com/office/drawing/2014/main" xmlns="" id="{958FBA5A-A58E-C697-8203-4F8B9AE81A4E}"/>
+                <a16:creationId xmlns="" xmlns:a16="http://schemas.microsoft.com/office/drawing/2014/main" id="{958FBA5A-A58E-C697-8203-4F8B9AE81A4E}"/>
               </a:ext>
             </a:extLst>
           </p:cNvPr>
@@ -35296,7 +35308,7 @@
           <p:cNvPr id="23" name="Título 1">
             <a:extLst>
               <a:ext uri="{FF2B5EF4-FFF2-40B4-BE49-F238E27FC236}">
-                <a16:creationId xmlns:a16="http://schemas.microsoft.com/office/drawing/2014/main" xmlns="" id="{E1DD3CF2-B58E-FFFA-CC44-24E153BAAA08}"/>
+                <a16:creationId xmlns="" xmlns:a16="http://schemas.microsoft.com/office/drawing/2014/main" id="{E1DD3CF2-B58E-FFFA-CC44-24E153BAAA08}"/>
               </a:ext>
             </a:extLst>
           </p:cNvPr>
@@ -35366,7 +35378,7 @@
           <p:cNvPr id="24" name="Título 1">
             <a:extLst>
               <a:ext uri="{FF2B5EF4-FFF2-40B4-BE49-F238E27FC236}">
-                <a16:creationId xmlns:a16="http://schemas.microsoft.com/office/drawing/2014/main" xmlns="" id="{96653C20-5D73-6AC7-AD4D-29A9D6D74E1B}"/>
+                <a16:creationId xmlns="" xmlns:a16="http://schemas.microsoft.com/office/drawing/2014/main" id="{96653C20-5D73-6AC7-AD4D-29A9D6D74E1B}"/>
               </a:ext>
             </a:extLst>
           </p:cNvPr>
@@ -36780,7 +36792,7 @@
           </a:ln>
           <a:extLst>
             <a:ext uri="{C572A759-6A51-4108-AA02-DFA0A04FC94B}">
-              <ma14:wrappingTextBoxFlag xmlns="" xmlns:m="http://schemas.openxmlformats.org/officeDocument/2006/math" xmlns:a14="http://schemas.microsoft.com/office/drawing/2010/main" xmlns:ma14="http://schemas.microsoft.com/office/mac/drawingml/2011/main" val="1"/>
+              <ma14:wrappingTextBoxFlag xmlns:ma14="http://schemas.microsoft.com/office/mac/drawingml/2011/main" xmlns:a14="http://schemas.microsoft.com/office/drawing/2010/main" xmlns:m="http://schemas.openxmlformats.org/officeDocument/2006/math" xmlns="" val="1"/>
             </a:ext>
           </a:extLst>
         </p:spPr>
@@ -36831,7 +36843,7 @@
           </a:ln>
           <a:extLst>
             <a:ext uri="{C572A759-6A51-4108-AA02-DFA0A04FC94B}">
-              <ma14:wrappingTextBoxFlag xmlns="" xmlns:m="http://schemas.openxmlformats.org/officeDocument/2006/math" xmlns:a14="http://schemas.microsoft.com/office/drawing/2010/main" xmlns:ma14="http://schemas.microsoft.com/office/mac/drawingml/2011/main" val="1"/>
+              <ma14:wrappingTextBoxFlag xmlns:ma14="http://schemas.microsoft.com/office/mac/drawingml/2011/main" xmlns:a14="http://schemas.microsoft.com/office/drawing/2010/main" xmlns:m="http://schemas.openxmlformats.org/officeDocument/2006/math" xmlns="" val="1"/>
             </a:ext>
           </a:extLst>
         </p:spPr>
@@ -36882,7 +36894,7 @@
           </a:ln>
           <a:extLst>
             <a:ext uri="{C572A759-6A51-4108-AA02-DFA0A04FC94B}">
-              <ma14:wrappingTextBoxFlag xmlns="" xmlns:m="http://schemas.openxmlformats.org/officeDocument/2006/math" xmlns:a14="http://schemas.microsoft.com/office/drawing/2010/main" xmlns:ma14="http://schemas.microsoft.com/office/mac/drawingml/2011/main" val="1"/>
+              <ma14:wrappingTextBoxFlag xmlns:ma14="http://schemas.microsoft.com/office/mac/drawingml/2011/main" xmlns:a14="http://schemas.microsoft.com/office/drawing/2010/main" xmlns:m="http://schemas.openxmlformats.org/officeDocument/2006/math" xmlns="" val="1"/>
             </a:ext>
           </a:extLst>
         </p:spPr>
@@ -37046,7 +37058,7 @@
           </a:ln>
           <a:extLst>
             <a:ext uri="{C572A759-6A51-4108-AA02-DFA0A04FC94B}">
-              <ma14:wrappingTextBoxFlag xmlns="" xmlns:m="http://schemas.openxmlformats.org/officeDocument/2006/math" xmlns:a14="http://schemas.microsoft.com/office/drawing/2010/main" xmlns:ma14="http://schemas.microsoft.com/office/mac/drawingml/2011/main" val="1"/>
+              <ma14:wrappingTextBoxFlag xmlns:ma14="http://schemas.microsoft.com/office/mac/drawingml/2011/main" xmlns:a14="http://schemas.microsoft.com/office/drawing/2010/main" xmlns:m="http://schemas.openxmlformats.org/officeDocument/2006/math" xmlns="" val="1"/>
             </a:ext>
           </a:extLst>
         </p:spPr>
@@ -37355,7 +37367,7 @@
           </a:ln>
           <a:extLst>
             <a:ext uri="{C572A759-6A51-4108-AA02-DFA0A04FC94B}">
-              <ma14:wrappingTextBoxFlag xmlns="" xmlns:m="http://schemas.openxmlformats.org/officeDocument/2006/math" xmlns:a14="http://schemas.microsoft.com/office/drawing/2010/main" xmlns:ma14="http://schemas.microsoft.com/office/mac/drawingml/2011/main" val="1"/>
+              <ma14:wrappingTextBoxFlag xmlns:ma14="http://schemas.microsoft.com/office/mac/drawingml/2011/main" xmlns:a14="http://schemas.microsoft.com/office/drawing/2010/main" xmlns:m="http://schemas.openxmlformats.org/officeDocument/2006/math" xmlns="" val="1"/>
             </a:ext>
           </a:extLst>
         </p:spPr>
@@ -37406,7 +37418,7 @@
           </a:ln>
           <a:extLst>
             <a:ext uri="{C572A759-6A51-4108-AA02-DFA0A04FC94B}">
-              <ma14:wrappingTextBoxFlag xmlns="" xmlns:m="http://schemas.openxmlformats.org/officeDocument/2006/math" xmlns:a14="http://schemas.microsoft.com/office/drawing/2010/main" xmlns:ma14="http://schemas.microsoft.com/office/mac/drawingml/2011/main" val="1"/>
+              <ma14:wrappingTextBoxFlag xmlns:ma14="http://schemas.microsoft.com/office/mac/drawingml/2011/main" xmlns:a14="http://schemas.microsoft.com/office/drawing/2010/main" xmlns:m="http://schemas.openxmlformats.org/officeDocument/2006/math" xmlns="" val="1"/>
             </a:ext>
           </a:extLst>
         </p:spPr>
@@ -37598,7 +37610,7 @@
           </a:ln>
           <a:extLst>
             <a:ext uri="{C572A759-6A51-4108-AA02-DFA0A04FC94B}">
-              <ma14:wrappingTextBoxFlag xmlns="" xmlns:m="http://schemas.openxmlformats.org/officeDocument/2006/math" xmlns:a14="http://schemas.microsoft.com/office/drawing/2010/main" xmlns:ma14="http://schemas.microsoft.com/office/mac/drawingml/2011/main" val="1"/>
+              <ma14:wrappingTextBoxFlag xmlns:ma14="http://schemas.microsoft.com/office/mac/drawingml/2011/main" xmlns:a14="http://schemas.microsoft.com/office/drawing/2010/main" xmlns:m="http://schemas.openxmlformats.org/officeDocument/2006/math" xmlns="" val="1"/>
             </a:ext>
           </a:extLst>
         </p:spPr>
@@ -37650,7 +37662,7 @@
           <p:cNvPr id="39" name="Rectángulo redondeado 8">
             <a:extLst>
               <a:ext uri="{FF2B5EF4-FFF2-40B4-BE49-F238E27FC236}">
-                <a16:creationId xmlns="" xmlns:a16="http://schemas.microsoft.com/office/drawing/2014/main" id="{277BA7B5-969F-97FA-876B-9353DE62E89F}"/>
+                <a16:creationId xmlns:a16="http://schemas.microsoft.com/office/drawing/2014/main" xmlns="" id="{277BA7B5-969F-97FA-876B-9353DE62E89F}"/>
               </a:ext>
             </a:extLst>
           </p:cNvPr>
@@ -37704,7 +37716,7 @@
           <p:cNvPr id="40" name="Rectangle 68">
             <a:extLst>
               <a:ext uri="{FF2B5EF4-FFF2-40B4-BE49-F238E27FC236}">
-                <a16:creationId xmlns="" xmlns:a16="http://schemas.microsoft.com/office/drawing/2014/main" id="{2E170935-075B-E9F1-39F5-718251B4ECCC}"/>
+                <a16:creationId xmlns:a16="http://schemas.microsoft.com/office/drawing/2014/main" xmlns="" id="{2E170935-075B-E9F1-39F5-718251B4ECCC}"/>
               </a:ext>
             </a:extLst>
           </p:cNvPr>
@@ -37823,7 +37835,7 @@
     <a:masterClrMapping/>
   </p:clrMapOvr>
   <mc:AlternateContent xmlns:mc="http://schemas.openxmlformats.org/markup-compatibility/2006">
-    <mc:Choice xmlns:p159="http://schemas.microsoft.com/office/powerpoint/2015/09/main" xmlns="" Requires="p159">
+    <mc:Choice xmlns="" xmlns:p159="http://schemas.microsoft.com/office/powerpoint/2015/09/main" Requires="p159">
       <p:transition xmlns:p14="http://schemas.microsoft.com/office/powerpoint/2010/main" spd="slow" p14:dur="2000">
         <p159:morph option="byObject"/>
       </p:transition>
@@ -40612,11 +40624,6 @@
 
 <file path=customXml/item1.xml><?xml version="1.0" encoding="utf-8"?>
 <?mso-contentType ?>
-<spe:Receivers xmlns:spe="http://schemas.microsoft.com/sharepoint/events"/>
-</file>
-
-<file path=customXml/item2.xml><?xml version="1.0" encoding="utf-8"?>
-<?mso-contentType ?>
 <FormTemplates xmlns="http://schemas.microsoft.com/sharepoint/v3/contenttype/forms">
   <Display>DocumentLibraryForm</Display>
   <Edit>DocumentLibraryForm</Edit>
@@ -40624,80 +40631,12 @@
 </FormTemplates>
 </file>
 
-<file path=customXml/item3.xml><?xml version="1.0" encoding="utf-8"?>
-<p:properties xmlns:p="http://schemas.microsoft.com/office/2006/metadata/properties" xmlns:xsi="http://www.w3.org/2001/XMLSchema-instance" xmlns:pc="http://schemas.microsoft.com/office/infopath/2007/PartnerControls">
-  <documentManagement>
-    <TaxCatchAll xmlns="0d112806-a571-4b5c-9687-83175e2be7e0">
-      <Value>100</Value>
-      <Value>410</Value>
-      <Value>3</Value>
-      <Value>2</Value>
-      <Value>54</Value>
-      <Value>85</Value>
-    </TaxCatchAll>
-    <jf7e3681a28b49cbb02ac7c0053f9030 xmlns="0d112806-a571-4b5c-9687-83175e2be7e0">
-      <Terms xmlns="http://schemas.microsoft.com/office/infopath/2007/PartnerControls">
-        <TermInfo xmlns="http://schemas.microsoft.com/office/infopath/2007/PartnerControls">
-          <TermName xmlns="http://schemas.microsoft.com/office/infopath/2007/PartnerControls">Artefactos de marca</TermName>
-          <TermId xmlns="http://schemas.microsoft.com/office/infopath/2007/PartnerControls">8ee79862-260e-4ece-b336-79e88acc770f</TermId>
-        </TermInfo>
-      </Terms>
-    </jf7e3681a28b49cbb02ac7c0053f9030>
-    <EstatusVigenciaRetencion xmlns="0d112806-a571-4b5c-9687-83175e2be7e0">En proceso</EstatusVigenciaRetencion>
-    <BanderaAviso xmlns="0d112806-a571-4b5c-9687-83175e2be7e0">0</BanderaAviso>
-    <p7c0553556804494a200f658a7be40bb xmlns="0d112806-a571-4b5c-9687-83175e2be7e0">
-      <Terms xmlns="http://schemas.microsoft.com/office/infopath/2007/PartnerControls"/>
-    </p7c0553556804494a200f658a7be40bb>
-    <p99903d2540a45ee9a3299a0b877a2fa xmlns="0d112806-a571-4b5c-9687-83175e2be7e0">
-      <Terms xmlns="http://schemas.microsoft.com/office/infopath/2007/PartnerControls">
-        <TermInfo xmlns="http://schemas.microsoft.com/office/infopath/2007/PartnerControls">
-          <TermName xmlns="http://schemas.microsoft.com/office/infopath/2007/PartnerControls">Uso interno</TermName>
-          <TermId xmlns="http://schemas.microsoft.com/office/infopath/2007/PartnerControls">394084ff-5794-49bc-be44-73be0f39b062</TermId>
-        </TermInfo>
-      </Terms>
-    </p99903d2540a45ee9a3299a0b877a2fa>
-    <h4dfef7ba72949018326fb9ce4d0a291 xmlns="0d112806-a571-4b5c-9687-83175e2be7e0">
-      <Terms xmlns="http://schemas.microsoft.com/office/infopath/2007/PartnerControls">
-        <TermInfo xmlns="http://schemas.microsoft.com/office/infopath/2007/PartnerControls">
-          <TermName xmlns="http://schemas.microsoft.com/office/infopath/2007/PartnerControls">Plantilla</TermName>
-          <TermId xmlns="http://schemas.microsoft.com/office/infopath/2007/PartnerControls">d5e1061d-919e-4442-88e7-3049796b4315</TermId>
-        </TermInfo>
-      </Terms>
-    </h4dfef7ba72949018326fb9ce4d0a291>
-    <VersionDocumento xmlns="0d112806-a571-4b5c-9687-83175e2be7e0">1</VersionDocumento>
-    <PeriodoVigenciaOp xmlns="0d112806-a571-4b5c-9687-83175e2be7e0">5 años</PeriodoVigenciaOp>
-    <Acciones xmlns="0d112806-a571-4b5c-9687-83175e2be7e0" xsi:nil="true"/>
-    <ebe43492e85446a78a91ba8fc80b6dc0 xmlns="0d112806-a571-4b5c-9687-83175e2be7e0">
-      <Terms xmlns="http://schemas.microsoft.com/office/infopath/2007/PartnerControls">
-        <TermInfo xmlns="http://schemas.microsoft.com/office/infopath/2007/PartnerControls">
-          <TermName xmlns="http://schemas.microsoft.com/office/infopath/2007/PartnerControls">Marketing</TermName>
-          <TermId xmlns="http://schemas.microsoft.com/office/infopath/2007/PartnerControls">9df7ab70-40b0-4076-8e0b-a73a90c2278a</TermId>
-        </TermInfo>
-      </Terms>
-    </ebe43492e85446a78a91ba8fc80b6dc0>
-    <FechaUltimaActualizacion xmlns="0d112806-a571-4b5c-9687-83175e2be7e0">2023-04-25T05:00:00+00:00</FechaUltimaActualizacion>
-    <j14b7e14421c46c7bd9164aa7bc27f64 xmlns="0d112806-a571-4b5c-9687-83175e2be7e0">
-      <Terms xmlns="http://schemas.microsoft.com/office/infopath/2007/PartnerControls">
-        <TermInfo xmlns="http://schemas.microsoft.com/office/infopath/2007/PartnerControls">
-          <TermName xmlns="http://schemas.microsoft.com/office/infopath/2007/PartnerControls">Corporativo</TermName>
-          <TermId xmlns="http://schemas.microsoft.com/office/infopath/2007/PartnerControls">71edeffe-accb-475b-a642-bfb9a76fd90b</TermId>
-        </TermInfo>
-      </Terms>
-    </j14b7e14421c46c7bd9164aa7bc27f64>
-    <Título_x0020__x0028_CentralAxity_x0029_ xmlns="0d112806-a571-4b5c-9687-83175e2be7e0">Plantilla PowerPoint Corporativa</Título_x0020__x0028_CentralAxity_x0029_>
-    <h5ed8971cb164a0da78e87f7bb125ff3 xmlns="0d112806-a571-4b5c-9687-83175e2be7e0">
-      <Terms xmlns="http://schemas.microsoft.com/office/infopath/2007/PartnerControls">
-        <TermInfo xmlns="http://schemas.microsoft.com/office/infopath/2007/PartnerControls">
-          <TermName xmlns="http://schemas.microsoft.com/office/infopath/2007/PartnerControls">sonia.reyes@axity.com</TermName>
-          <TermId xmlns="http://schemas.microsoft.com/office/infopath/2007/PartnerControls">5ef0832a-0176-4c98-9fa8-63ba5e52a41a</TermId>
-        </TermInfo>
-      </Terms>
-    </h5ed8971cb164a0da78e87f7bb125ff3>
-  </documentManagement>
-</p:properties>
+<file path=customXml/item2.xml><?xml version="1.0" encoding="utf-8"?>
+<?mso-contentType ?>
+<spe:Receivers xmlns:spe="http://schemas.microsoft.com/sharepoint/events"/>
 </file>
 
-<file path=customXml/item4.xml><?xml version="1.0" encoding="utf-8"?>
+<file path=customXml/item3.xml><?xml version="1.0" encoding="utf-8"?>
 <ct:contentTypeSchema xmlns:ct="http://schemas.microsoft.com/office/2006/metadata/contentType" xmlns:ma="http://schemas.microsoft.com/office/2006/metadata/properties/metaAttributes" ct:_="" ma:_="" ma:contentTypeName="Documento CentralAxity" ma:contentTypeID="0x0101005A854A2E6B3FC44BBB7F26F86BC45764002E846109D8A79B4CB1EC976CD11B6E35" ma:contentTypeVersion="50" ma:contentTypeDescription="Documento incorporado a las directivas de la CentralAxity" ma:contentTypeScope="" ma:versionID="597f588e411d17887b088d4f21d28ad0">
   <xsd:schema xmlns:xsd="http://www.w3.org/2001/XMLSchema" xmlns:xs="http://www.w3.org/2001/XMLSchema" xmlns:p="http://schemas.microsoft.com/office/2006/metadata/properties" xmlns:ns1="http://schemas.microsoft.com/sharepoint/v3" xmlns:ns2="0d112806-a571-4b5c-9687-83175e2be7e0" xmlns:ns3="5715b14d-6155-4883-b773-4a6f0b526cee" xmlns:ns4="494b7d94-68f9-41b0-9fd8-f8ea6ae98d38" targetNamespace="http://schemas.microsoft.com/office/2006/metadata/properties" ma:root="true" ma:fieldsID="02c9543a257ef598f71b0847a18c2884" ns1:_="" ns2:_="" ns3:_="" ns4:_="">
     <xsd:import namespace="http://schemas.microsoft.com/sharepoint/v3"/>
@@ -41028,7 +40967,88 @@
 </ct:contentTypeSchema>
 </file>
 
+<file path=customXml/item4.xml><?xml version="1.0" encoding="utf-8"?>
+<p:properties xmlns:p="http://schemas.microsoft.com/office/2006/metadata/properties" xmlns:xsi="http://www.w3.org/2001/XMLSchema-instance" xmlns:pc="http://schemas.microsoft.com/office/infopath/2007/PartnerControls">
+  <documentManagement>
+    <TaxCatchAll xmlns="0d112806-a571-4b5c-9687-83175e2be7e0">
+      <Value>100</Value>
+      <Value>410</Value>
+      <Value>3</Value>
+      <Value>2</Value>
+      <Value>54</Value>
+      <Value>85</Value>
+    </TaxCatchAll>
+    <jf7e3681a28b49cbb02ac7c0053f9030 xmlns="0d112806-a571-4b5c-9687-83175e2be7e0">
+      <Terms xmlns="http://schemas.microsoft.com/office/infopath/2007/PartnerControls">
+        <TermInfo xmlns="http://schemas.microsoft.com/office/infopath/2007/PartnerControls">
+          <TermName xmlns="http://schemas.microsoft.com/office/infopath/2007/PartnerControls">Artefactos de marca</TermName>
+          <TermId xmlns="http://schemas.microsoft.com/office/infopath/2007/PartnerControls">8ee79862-260e-4ece-b336-79e88acc770f</TermId>
+        </TermInfo>
+      </Terms>
+    </jf7e3681a28b49cbb02ac7c0053f9030>
+    <EstatusVigenciaRetencion xmlns="0d112806-a571-4b5c-9687-83175e2be7e0">En proceso</EstatusVigenciaRetencion>
+    <BanderaAviso xmlns="0d112806-a571-4b5c-9687-83175e2be7e0">0</BanderaAviso>
+    <p7c0553556804494a200f658a7be40bb xmlns="0d112806-a571-4b5c-9687-83175e2be7e0">
+      <Terms xmlns="http://schemas.microsoft.com/office/infopath/2007/PartnerControls"/>
+    </p7c0553556804494a200f658a7be40bb>
+    <p99903d2540a45ee9a3299a0b877a2fa xmlns="0d112806-a571-4b5c-9687-83175e2be7e0">
+      <Terms xmlns="http://schemas.microsoft.com/office/infopath/2007/PartnerControls">
+        <TermInfo xmlns="http://schemas.microsoft.com/office/infopath/2007/PartnerControls">
+          <TermName xmlns="http://schemas.microsoft.com/office/infopath/2007/PartnerControls">Uso interno</TermName>
+          <TermId xmlns="http://schemas.microsoft.com/office/infopath/2007/PartnerControls">394084ff-5794-49bc-be44-73be0f39b062</TermId>
+        </TermInfo>
+      </Terms>
+    </p99903d2540a45ee9a3299a0b877a2fa>
+    <h4dfef7ba72949018326fb9ce4d0a291 xmlns="0d112806-a571-4b5c-9687-83175e2be7e0">
+      <Terms xmlns="http://schemas.microsoft.com/office/infopath/2007/PartnerControls">
+        <TermInfo xmlns="http://schemas.microsoft.com/office/infopath/2007/PartnerControls">
+          <TermName xmlns="http://schemas.microsoft.com/office/infopath/2007/PartnerControls">Plantilla</TermName>
+          <TermId xmlns="http://schemas.microsoft.com/office/infopath/2007/PartnerControls">d5e1061d-919e-4442-88e7-3049796b4315</TermId>
+        </TermInfo>
+      </Terms>
+    </h4dfef7ba72949018326fb9ce4d0a291>
+    <VersionDocumento xmlns="0d112806-a571-4b5c-9687-83175e2be7e0">1</VersionDocumento>
+    <PeriodoVigenciaOp xmlns="0d112806-a571-4b5c-9687-83175e2be7e0">5 años</PeriodoVigenciaOp>
+    <Acciones xmlns="0d112806-a571-4b5c-9687-83175e2be7e0" xsi:nil="true"/>
+    <ebe43492e85446a78a91ba8fc80b6dc0 xmlns="0d112806-a571-4b5c-9687-83175e2be7e0">
+      <Terms xmlns="http://schemas.microsoft.com/office/infopath/2007/PartnerControls">
+        <TermInfo xmlns="http://schemas.microsoft.com/office/infopath/2007/PartnerControls">
+          <TermName xmlns="http://schemas.microsoft.com/office/infopath/2007/PartnerControls">Marketing</TermName>
+          <TermId xmlns="http://schemas.microsoft.com/office/infopath/2007/PartnerControls">9df7ab70-40b0-4076-8e0b-a73a90c2278a</TermId>
+        </TermInfo>
+      </Terms>
+    </ebe43492e85446a78a91ba8fc80b6dc0>
+    <FechaUltimaActualizacion xmlns="0d112806-a571-4b5c-9687-83175e2be7e0">2023-04-25T05:00:00+00:00</FechaUltimaActualizacion>
+    <j14b7e14421c46c7bd9164aa7bc27f64 xmlns="0d112806-a571-4b5c-9687-83175e2be7e0">
+      <Terms xmlns="http://schemas.microsoft.com/office/infopath/2007/PartnerControls">
+        <TermInfo xmlns="http://schemas.microsoft.com/office/infopath/2007/PartnerControls">
+          <TermName xmlns="http://schemas.microsoft.com/office/infopath/2007/PartnerControls">Corporativo</TermName>
+          <TermId xmlns="http://schemas.microsoft.com/office/infopath/2007/PartnerControls">71edeffe-accb-475b-a642-bfb9a76fd90b</TermId>
+        </TermInfo>
+      </Terms>
+    </j14b7e14421c46c7bd9164aa7bc27f64>
+    <Título_x0020__x0028_CentralAxity_x0029_ xmlns="0d112806-a571-4b5c-9687-83175e2be7e0">Plantilla PowerPoint Corporativa</Título_x0020__x0028_CentralAxity_x0029_>
+    <h5ed8971cb164a0da78e87f7bb125ff3 xmlns="0d112806-a571-4b5c-9687-83175e2be7e0">
+      <Terms xmlns="http://schemas.microsoft.com/office/infopath/2007/PartnerControls">
+        <TermInfo xmlns="http://schemas.microsoft.com/office/infopath/2007/PartnerControls">
+          <TermName xmlns="http://schemas.microsoft.com/office/infopath/2007/PartnerControls">sonia.reyes@axity.com</TermName>
+          <TermId xmlns="http://schemas.microsoft.com/office/infopath/2007/PartnerControls">5ef0832a-0176-4c98-9fa8-63ba5e52a41a</TermId>
+        </TermInfo>
+      </Terms>
+    </h5ed8971cb164a0da78e87f7bb125ff3>
+  </documentManagement>
+</p:properties>
+</file>
+
 <file path=customXml/itemProps1.xml><?xml version="1.0" encoding="utf-8"?>
+<ds:datastoreItem xmlns:ds="http://schemas.openxmlformats.org/officeDocument/2006/customXml" ds:itemID="{E35C8FFE-5946-45D2-8509-5F55C5B9ED1B}">
+  <ds:schemaRefs>
+    <ds:schemaRef ds:uri="http://schemas.microsoft.com/sharepoint/v3/contenttype/forms"/>
+  </ds:schemaRefs>
+</ds:datastoreItem>
+</file>
+
+<file path=customXml/itemProps2.xml><?xml version="1.0" encoding="utf-8"?>
 <ds:datastoreItem xmlns:ds="http://schemas.openxmlformats.org/officeDocument/2006/customXml" ds:itemID="{4715E428-4D5D-44BE-8CDF-D0767275E30E}">
   <ds:schemaRefs>
     <ds:schemaRef ds:uri="http://schemas.microsoft.com/sharepoint/events"/>
@@ -41036,34 +41056,7 @@
 </ds:datastoreItem>
 </file>
 
-<file path=customXml/itemProps2.xml><?xml version="1.0" encoding="utf-8"?>
-<ds:datastoreItem xmlns:ds="http://schemas.openxmlformats.org/officeDocument/2006/customXml" ds:itemID="{E35C8FFE-5946-45D2-8509-5F55C5B9ED1B}">
-  <ds:schemaRefs>
-    <ds:schemaRef ds:uri="http://schemas.microsoft.com/sharepoint/v3/contenttype/forms"/>
-  </ds:schemaRefs>
-</ds:datastoreItem>
-</file>
-
 <file path=customXml/itemProps3.xml><?xml version="1.0" encoding="utf-8"?>
-<ds:datastoreItem xmlns:ds="http://schemas.openxmlformats.org/officeDocument/2006/customXml" ds:itemID="{2D0DF8DB-B03C-4353-B44A-DA8E261EF087}">
-  <ds:schemaRefs>
-    <ds:schemaRef ds:uri="http://schemas.microsoft.com/office/2006/documentManagement/types"/>
-    <ds:schemaRef ds:uri="http://schemas.microsoft.com/sharepoint/v3"/>
-    <ds:schemaRef ds:uri="0d112806-a571-4b5c-9687-83175e2be7e0"/>
-    <ds:schemaRef ds:uri="http://www.w3.org/XML/1998/namespace"/>
-    <ds:schemaRef ds:uri="http://purl.org/dc/terms/"/>
-    <ds:schemaRef ds:uri="5715b14d-6155-4883-b773-4a6f0b526cee"/>
-    <ds:schemaRef ds:uri="http://purl.org/dc/dcmitype/"/>
-    <ds:schemaRef ds:uri="494b7d94-68f9-41b0-9fd8-f8ea6ae98d38"/>
-    <ds:schemaRef ds:uri="http://schemas.openxmlformats.org/package/2006/metadata/core-properties"/>
-    <ds:schemaRef ds:uri="http://schemas.microsoft.com/office/infopath/2007/PartnerControls"/>
-    <ds:schemaRef ds:uri="http://schemas.microsoft.com/office/2006/metadata/properties"/>
-    <ds:schemaRef ds:uri="http://purl.org/dc/elements/1.1/"/>
-  </ds:schemaRefs>
-</ds:datastoreItem>
-</file>
-
-<file path=customXml/itemProps4.xml><?xml version="1.0" encoding="utf-8"?>
 <ds:datastoreItem xmlns:ds="http://schemas.openxmlformats.org/officeDocument/2006/customXml" ds:itemID="{F691990F-56CB-48C0-A899-B2AAEA1FE2B5}">
   <ds:schemaRefs>
     <ds:schemaRef ds:uri="http://schemas.microsoft.com/office/2006/metadata/contentType"/>
@@ -41082,4 +41075,23 @@
     <ds:schemaRef ds:uri="http://schemas.microsoft.com/internal/obd"/>
   </ds:schemaRefs>
 </ds:datastoreItem>
+</file>
+
+<file path=customXml/itemProps4.xml><?xml version="1.0" encoding="utf-8"?>
+<ds:datastoreItem xmlns:ds="http://schemas.openxmlformats.org/officeDocument/2006/customXml" ds:itemID="{2D0DF8DB-B03C-4353-B44A-DA8E261EF087}">
+  <ds:schemaRefs>
+    <ds:schemaRef ds:uri="http://schemas.microsoft.com/office/2006/documentManagement/types"/>
+    <ds:schemaRef ds:uri="http://schemas.microsoft.com/sharepoint/v3"/>
+    <ds:schemaRef ds:uri="0d112806-a571-4b5c-9687-83175e2be7e0"/>
+    <ds:schemaRef ds:uri="http://www.w3.org/XML/1998/namespace"/>
+    <ds:schemaRef ds:uri="http://purl.org/dc/terms/"/>
+    <ds:schemaRef ds:uri="5715b14d-6155-4883-b773-4a6f0b526cee"/>
+    <ds:schemaRef ds:uri="http://purl.org/dc/dcmitype/"/>
+    <ds:schemaRef ds:uri="494b7d94-68f9-41b0-9fd8-f8ea6ae98d38"/>
+    <ds:schemaRef ds:uri="http://schemas.openxmlformats.org/package/2006/metadata/core-properties"/>
+    <ds:schemaRef ds:uri="http://schemas.microsoft.com/office/infopath/2007/PartnerControls"/>
+    <ds:schemaRef ds:uri="http://schemas.microsoft.com/office/2006/metadata/properties"/>
+    <ds:schemaRef ds:uri="http://purl.org/dc/elements/1.1/"/>
+  </ds:schemaRefs>
+</ds:datastoreItem>
 </file>
--- a/Diapositivas/Parte 02.Regresión/Sección 02.1.Simple Linear Regression/Simple_Linear_Regression.pptx
+++ b/Diapositivas/Parte 02.Regresión/Sección 02.1.Simple Linear Regression/Simple_Linear_Regression.pptx
@@ -5319,7 +5319,7 @@
           <a:p>
             <a:fld id="{6C73E373-4A5A-9F47-B78B-3F6D862D2DA4}" type="datetimeFigureOut">
               <a:rPr lang="es-CO" smtClean="0"/>
-              <a:t>22/06/2023</a:t>
+              <a:t>23/06/2023</a:t>
             </a:fld>
             <a:endParaRPr lang="es-CO"/>
           </a:p>
@@ -5609,7 +5609,7 @@
           <p:cNvPr id="7" name="Imagen 6">
             <a:extLst>
               <a:ext uri="{FF2B5EF4-FFF2-40B4-BE49-F238E27FC236}">
-                <a16:creationId xmlns="" xmlns:a16="http://schemas.microsoft.com/office/drawing/2014/main" id="{36B54177-B7DF-1DD9-8875-D4168F53E154}"/>
+                <a16:creationId xmlns:a16="http://schemas.microsoft.com/office/drawing/2014/main" xmlns="" id="{36B54177-B7DF-1DD9-8875-D4168F53E154}"/>
               </a:ext>
             </a:extLst>
           </p:cNvPr>
@@ -5639,7 +5639,7 @@
           <p:cNvPr id="2" name="Título 1">
             <a:extLst>
               <a:ext uri="{FF2B5EF4-FFF2-40B4-BE49-F238E27FC236}">
-                <a16:creationId xmlns="" xmlns:a16="http://schemas.microsoft.com/office/drawing/2014/main" id="{3029E411-989D-8CFA-0371-904E9B56BB90}"/>
+                <a16:creationId xmlns:a16="http://schemas.microsoft.com/office/drawing/2014/main" xmlns="" id="{3029E411-989D-8CFA-0371-904E9B56BB90}"/>
               </a:ext>
             </a:extLst>
           </p:cNvPr>
@@ -5680,7 +5680,7 @@
           <p:cNvPr id="3" name="Subtítulo 2">
             <a:extLst>
               <a:ext uri="{FF2B5EF4-FFF2-40B4-BE49-F238E27FC236}">
-                <a16:creationId xmlns="" xmlns:a16="http://schemas.microsoft.com/office/drawing/2014/main" id="{68801E2D-CF21-2ADE-8396-CC12B5A246AC}"/>
+                <a16:creationId xmlns:a16="http://schemas.microsoft.com/office/drawing/2014/main" xmlns="" id="{68801E2D-CF21-2ADE-8396-CC12B5A246AC}"/>
               </a:ext>
             </a:extLst>
           </p:cNvPr>
@@ -5754,7 +5754,7 @@
           <p:cNvPr id="4" name="Marcador de fecha 3">
             <a:extLst>
               <a:ext uri="{FF2B5EF4-FFF2-40B4-BE49-F238E27FC236}">
-                <a16:creationId xmlns="" xmlns:a16="http://schemas.microsoft.com/office/drawing/2014/main" id="{C7D9C27E-71A0-A8E6-7D94-D52F81CE5F69}"/>
+                <a16:creationId xmlns:a16="http://schemas.microsoft.com/office/drawing/2014/main" xmlns="" id="{C7D9C27E-71A0-A8E6-7D94-D52F81CE5F69}"/>
               </a:ext>
             </a:extLst>
           </p:cNvPr>
@@ -5781,7 +5781,7 @@
             <a:fld id="{4ED1245C-EDA9-0F49-9277-480AED948C75}" type="datetimeFigureOut">
               <a:rPr lang="es-MX" smtClean="0"/>
               <a:pPr/>
-              <a:t>22/06/2023</a:t>
+              <a:t>23/06/2023</a:t>
             </a:fld>
             <a:endParaRPr lang="es-MX"/>
           </a:p>
@@ -5792,7 +5792,7 @@
           <p:cNvPr id="5" name="Marcador de pie de página 4">
             <a:extLst>
               <a:ext uri="{FF2B5EF4-FFF2-40B4-BE49-F238E27FC236}">
-                <a16:creationId xmlns="" xmlns:a16="http://schemas.microsoft.com/office/drawing/2014/main" id="{4C83CED7-3270-999D-99EC-4B2B5F4289C9}"/>
+                <a16:creationId xmlns:a16="http://schemas.microsoft.com/office/drawing/2014/main" xmlns="" id="{4C83CED7-3270-999D-99EC-4B2B5F4289C9}"/>
               </a:ext>
             </a:extLst>
           </p:cNvPr>
@@ -5825,7 +5825,7 @@
           <p:cNvPr id="6" name="Marcador de número de diapositiva 5">
             <a:extLst>
               <a:ext uri="{FF2B5EF4-FFF2-40B4-BE49-F238E27FC236}">
-                <a16:creationId xmlns="" xmlns:a16="http://schemas.microsoft.com/office/drawing/2014/main" id="{0DC7CE21-D4CA-6449-E0EA-746968CC779A}"/>
+                <a16:creationId xmlns:a16="http://schemas.microsoft.com/office/drawing/2014/main" xmlns="" id="{0DC7CE21-D4CA-6449-E0EA-746968CC779A}"/>
               </a:ext>
             </a:extLst>
           </p:cNvPr>
@@ -5893,7 +5893,7 @@
           <p:cNvPr id="2" name="Título 1">
             <a:extLst>
               <a:ext uri="{FF2B5EF4-FFF2-40B4-BE49-F238E27FC236}">
-                <a16:creationId xmlns="" xmlns:a16="http://schemas.microsoft.com/office/drawing/2014/main" id="{C4018A1D-A95A-249C-60D7-BFEC9560650F}"/>
+                <a16:creationId xmlns:a16="http://schemas.microsoft.com/office/drawing/2014/main" xmlns="" id="{C4018A1D-A95A-249C-60D7-BFEC9560650F}"/>
               </a:ext>
             </a:extLst>
           </p:cNvPr>
@@ -5930,7 +5930,7 @@
           <p:cNvPr id="3" name="Marcador de texto 2">
             <a:extLst>
               <a:ext uri="{FF2B5EF4-FFF2-40B4-BE49-F238E27FC236}">
-                <a16:creationId xmlns="" xmlns:a16="http://schemas.microsoft.com/office/drawing/2014/main" id="{7DA112BB-1B55-D3DA-D7D7-35DE1AC52464}"/>
+                <a16:creationId xmlns:a16="http://schemas.microsoft.com/office/drawing/2014/main" xmlns="" id="{7DA112BB-1B55-D3DA-D7D7-35DE1AC52464}"/>
               </a:ext>
             </a:extLst>
           </p:cNvPr>
@@ -6055,7 +6055,7 @@
           <p:cNvPr id="4" name="Marcador de fecha 3">
             <a:extLst>
               <a:ext uri="{FF2B5EF4-FFF2-40B4-BE49-F238E27FC236}">
-                <a16:creationId xmlns="" xmlns:a16="http://schemas.microsoft.com/office/drawing/2014/main" id="{E844E3D2-E945-19C6-68D7-AA7AC54FF7A6}"/>
+                <a16:creationId xmlns:a16="http://schemas.microsoft.com/office/drawing/2014/main" xmlns="" id="{E844E3D2-E945-19C6-68D7-AA7AC54FF7A6}"/>
               </a:ext>
             </a:extLst>
           </p:cNvPr>
@@ -6073,7 +6073,7 @@
           <a:p>
             <a:fld id="{4ED1245C-EDA9-0F49-9277-480AED948C75}" type="datetimeFigureOut">
               <a:rPr lang="es-MX" smtClean="0"/>
-              <a:t>22/06/2023</a:t>
+              <a:t>23/06/2023</a:t>
             </a:fld>
             <a:endParaRPr lang="es-MX"/>
           </a:p>
@@ -6084,7 +6084,7 @@
           <p:cNvPr id="5" name="Marcador de pie de página 4">
             <a:extLst>
               <a:ext uri="{FF2B5EF4-FFF2-40B4-BE49-F238E27FC236}">
-                <a16:creationId xmlns="" xmlns:a16="http://schemas.microsoft.com/office/drawing/2014/main" id="{56FC48AC-4463-729E-ABA1-FB3D3EFA26E7}"/>
+                <a16:creationId xmlns:a16="http://schemas.microsoft.com/office/drawing/2014/main" xmlns="" id="{56FC48AC-4463-729E-ABA1-FB3D3EFA26E7}"/>
               </a:ext>
             </a:extLst>
           </p:cNvPr>
@@ -6109,7 +6109,7 @@
           <p:cNvPr id="6" name="Marcador de número de diapositiva 5">
             <a:extLst>
               <a:ext uri="{FF2B5EF4-FFF2-40B4-BE49-F238E27FC236}">
-                <a16:creationId xmlns="" xmlns:a16="http://schemas.microsoft.com/office/drawing/2014/main" id="{7FB46B77-03B3-EF69-5002-A7FF12752807}"/>
+                <a16:creationId xmlns:a16="http://schemas.microsoft.com/office/drawing/2014/main" xmlns="" id="{7FB46B77-03B3-EF69-5002-A7FF12752807}"/>
               </a:ext>
             </a:extLst>
           </p:cNvPr>
@@ -6168,7 +6168,7 @@
           <p:cNvPr id="8" name="Imagen 7">
             <a:extLst>
               <a:ext uri="{FF2B5EF4-FFF2-40B4-BE49-F238E27FC236}">
-                <a16:creationId xmlns="" xmlns:a16="http://schemas.microsoft.com/office/drawing/2014/main" id="{FDAF5A4A-1B68-98B0-A191-8BD2A6F09150}"/>
+                <a16:creationId xmlns:a16="http://schemas.microsoft.com/office/drawing/2014/main" xmlns="" id="{FDAF5A4A-1B68-98B0-A191-8BD2A6F09150}"/>
               </a:ext>
             </a:extLst>
           </p:cNvPr>
@@ -6209,7 +6209,7 @@
           <a:p>
             <a:fld id="{8B636DD7-9EC0-2343-87F4-811CC24B63A7}" type="datetimeFigureOut">
               <a:rPr lang="es-MX" smtClean="0"/>
-              <a:t>22/06/2023</a:t>
+              <a:t>23/06/2023</a:t>
             </a:fld>
             <a:endParaRPr lang="es-MX"/>
           </a:p>
@@ -6268,7 +6268,7 @@
     <a:masterClrMapping/>
   </p:clrMapOvr>
   <mc:AlternateContent xmlns:mc="http://schemas.openxmlformats.org/markup-compatibility/2006">
-    <mc:Choice xmlns="" xmlns:p159="http://schemas.microsoft.com/office/powerpoint/2015/09/main" Requires="p159">
+    <mc:Choice xmlns:p159="http://schemas.microsoft.com/office/powerpoint/2015/09/main" xmlns="" Requires="p159">
       <p:transition xmlns:p14="http://schemas.microsoft.com/office/powerpoint/2010/main" spd="slow" p14:dur="2000">
         <p159:morph option="byObject"/>
       </p:transition>
@@ -6304,7 +6304,7 @@
           <p:cNvPr id="7" name="Imagen 6">
             <a:extLst>
               <a:ext uri="{FF2B5EF4-FFF2-40B4-BE49-F238E27FC236}">
-                <a16:creationId xmlns="" xmlns:a16="http://schemas.microsoft.com/office/drawing/2014/main" id="{66AD6CAE-8F01-422E-B0BA-3045B167AEAF}"/>
+                <a16:creationId xmlns:a16="http://schemas.microsoft.com/office/drawing/2014/main" xmlns="" id="{66AD6CAE-8F01-422E-B0BA-3045B167AEAF}"/>
               </a:ext>
             </a:extLst>
           </p:cNvPr>
@@ -6439,7 +6439,7 @@
           <a:p>
             <a:fld id="{8B636DD7-9EC0-2343-87F4-811CC24B63A7}" type="datetimeFigureOut">
               <a:rPr lang="es-MX" smtClean="0"/>
-              <a:t>22/06/2023</a:t>
+              <a:t>23/06/2023</a:t>
             </a:fld>
             <a:endParaRPr lang="es-MX"/>
           </a:p>
@@ -6492,7 +6492,7 @@
           <p:cNvPr id="10" name="Imagen 9">
             <a:extLst>
               <a:ext uri="{FF2B5EF4-FFF2-40B4-BE49-F238E27FC236}">
-                <a16:creationId xmlns="" xmlns:a16="http://schemas.microsoft.com/office/drawing/2014/main" id="{11028E90-7017-3801-0152-2A4D9D428AAF}"/>
+                <a16:creationId xmlns:a16="http://schemas.microsoft.com/office/drawing/2014/main" xmlns="" id="{11028E90-7017-3801-0152-2A4D9D428AAF}"/>
               </a:ext>
             </a:extLst>
           </p:cNvPr>
@@ -6527,7 +6527,7 @@
     <a:masterClrMapping/>
   </p:clrMapOvr>
   <mc:AlternateContent xmlns:mc="http://schemas.openxmlformats.org/markup-compatibility/2006">
-    <mc:Choice xmlns="" xmlns:p159="http://schemas.microsoft.com/office/powerpoint/2015/09/main" Requires="p159">
+    <mc:Choice xmlns:p159="http://schemas.microsoft.com/office/powerpoint/2015/09/main" xmlns="" Requires="p159">
       <p:transition xmlns:p14="http://schemas.microsoft.com/office/powerpoint/2010/main" spd="slow" p14:dur="2000">
         <p159:morph option="byObject"/>
       </p:transition>
@@ -6575,7 +6575,7 @@
           <a:p>
             <a:fld id="{8B636DD7-9EC0-2343-87F4-811CC24B63A7}" type="datetimeFigureOut">
               <a:rPr lang="es-MX" smtClean="0"/>
-              <a:t>22/06/2023</a:t>
+              <a:t>23/06/2023</a:t>
             </a:fld>
             <a:endParaRPr lang="es-MX"/>
           </a:p>
@@ -6628,7 +6628,7 @@
           <p:cNvPr id="10" name="Imagen 9">
             <a:extLst>
               <a:ext uri="{FF2B5EF4-FFF2-40B4-BE49-F238E27FC236}">
-                <a16:creationId xmlns="" xmlns:a16="http://schemas.microsoft.com/office/drawing/2014/main" id="{B4AC21E6-3AB4-AA3E-EED5-BEA73B4160C8}"/>
+                <a16:creationId xmlns:a16="http://schemas.microsoft.com/office/drawing/2014/main" xmlns="" id="{B4AC21E6-3AB4-AA3E-EED5-BEA73B4160C8}"/>
               </a:ext>
             </a:extLst>
           </p:cNvPr>
@@ -6657,7 +6657,7 @@
           <p:cNvPr id="5" name="Título 1">
             <a:extLst>
               <a:ext uri="{FF2B5EF4-FFF2-40B4-BE49-F238E27FC236}">
-                <a16:creationId xmlns="" xmlns:a16="http://schemas.microsoft.com/office/drawing/2014/main" id="{74D66EB4-E928-04A5-17AC-B4C4FAF01B68}"/>
+                <a16:creationId xmlns:a16="http://schemas.microsoft.com/office/drawing/2014/main" xmlns="" id="{74D66EB4-E928-04A5-17AC-B4C4FAF01B68}"/>
               </a:ext>
             </a:extLst>
           </p:cNvPr>
@@ -6700,7 +6700,7 @@
     <a:masterClrMapping/>
   </p:clrMapOvr>
   <mc:AlternateContent xmlns:mc="http://schemas.openxmlformats.org/markup-compatibility/2006">
-    <mc:Choice xmlns="" xmlns:p159="http://schemas.microsoft.com/office/powerpoint/2015/09/main" Requires="p159">
+    <mc:Choice xmlns:p159="http://schemas.microsoft.com/office/powerpoint/2015/09/main" xmlns="" Requires="p159">
       <p:transition xmlns:p14="http://schemas.microsoft.com/office/powerpoint/2010/main" spd="slow" p14:dur="2000">
         <p159:morph option="byObject"/>
       </p:transition>
@@ -6748,7 +6748,7 @@
           <a:p>
             <a:fld id="{8B636DD7-9EC0-2343-87F4-811CC24B63A7}" type="datetimeFigureOut">
               <a:rPr lang="es-MX" smtClean="0"/>
-              <a:t>22/06/2023</a:t>
+              <a:t>23/06/2023</a:t>
             </a:fld>
             <a:endParaRPr lang="es-MX"/>
           </a:p>
@@ -6801,7 +6801,7 @@
           <p:cNvPr id="5" name="Imagen 4">
             <a:extLst>
               <a:ext uri="{FF2B5EF4-FFF2-40B4-BE49-F238E27FC236}">
-                <a16:creationId xmlns="" xmlns:a16="http://schemas.microsoft.com/office/drawing/2014/main" id="{CFD1EF8D-21B9-3C6D-CAEB-887F2C4B10FA}"/>
+                <a16:creationId xmlns:a16="http://schemas.microsoft.com/office/drawing/2014/main" xmlns="" id="{CFD1EF8D-21B9-3C6D-CAEB-887F2C4B10FA}"/>
               </a:ext>
             </a:extLst>
           </p:cNvPr>
@@ -6830,7 +6830,7 @@
           <p:cNvPr id="6" name="Título 1">
             <a:extLst>
               <a:ext uri="{FF2B5EF4-FFF2-40B4-BE49-F238E27FC236}">
-                <a16:creationId xmlns="" xmlns:a16="http://schemas.microsoft.com/office/drawing/2014/main" id="{BDA5DC36-6B14-E774-2FD3-FD49BCF6F742}"/>
+                <a16:creationId xmlns:a16="http://schemas.microsoft.com/office/drawing/2014/main" xmlns="" id="{BDA5DC36-6B14-E774-2FD3-FD49BCF6F742}"/>
               </a:ext>
             </a:extLst>
           </p:cNvPr>
@@ -6877,7 +6877,7 @@
     <a:masterClrMapping/>
   </p:clrMapOvr>
   <mc:AlternateContent xmlns:mc="http://schemas.openxmlformats.org/markup-compatibility/2006">
-    <mc:Choice xmlns="" xmlns:p159="http://schemas.microsoft.com/office/powerpoint/2015/09/main" Requires="p159">
+    <mc:Choice xmlns:p159="http://schemas.microsoft.com/office/powerpoint/2015/09/main" xmlns="" Requires="p159">
       <p:transition xmlns:p14="http://schemas.microsoft.com/office/powerpoint/2010/main" spd="slow" p14:dur="2000">
         <p159:morph option="byObject"/>
       </p:transition>
@@ -6913,7 +6913,7 @@
           <p:cNvPr id="7" name="Imagen 6">
             <a:extLst>
               <a:ext uri="{FF2B5EF4-FFF2-40B4-BE49-F238E27FC236}">
-                <a16:creationId xmlns="" xmlns:a16="http://schemas.microsoft.com/office/drawing/2014/main" id="{7E36882C-E608-66B8-8A42-26DD6B67138C}"/>
+                <a16:creationId xmlns:a16="http://schemas.microsoft.com/office/drawing/2014/main" xmlns="" id="{7E36882C-E608-66B8-8A42-26DD6B67138C}"/>
               </a:ext>
             </a:extLst>
           </p:cNvPr>
@@ -6943,7 +6943,7 @@
           <p:cNvPr id="2" name="Título 1">
             <a:extLst>
               <a:ext uri="{FF2B5EF4-FFF2-40B4-BE49-F238E27FC236}">
-                <a16:creationId xmlns="" xmlns:a16="http://schemas.microsoft.com/office/drawing/2014/main" id="{A319E2F3-3E92-F0B7-289B-ECE5123D9814}"/>
+                <a16:creationId xmlns:a16="http://schemas.microsoft.com/office/drawing/2014/main" xmlns="" id="{A319E2F3-3E92-F0B7-289B-ECE5123D9814}"/>
               </a:ext>
             </a:extLst>
           </p:cNvPr>
@@ -6979,7 +6979,7 @@
           <p:cNvPr id="3" name="Marcador de contenido 2">
             <a:extLst>
               <a:ext uri="{FF2B5EF4-FFF2-40B4-BE49-F238E27FC236}">
-                <a16:creationId xmlns="" xmlns:a16="http://schemas.microsoft.com/office/drawing/2014/main" id="{917E9B9D-3312-7614-E939-8BBA89447845}"/>
+                <a16:creationId xmlns:a16="http://schemas.microsoft.com/office/drawing/2014/main" xmlns="" id="{917E9B9D-3312-7614-E939-8BBA89447845}"/>
               </a:ext>
             </a:extLst>
           </p:cNvPr>
@@ -7036,7 +7036,7 @@
           <p:cNvPr id="4" name="Marcador de fecha 3">
             <a:extLst>
               <a:ext uri="{FF2B5EF4-FFF2-40B4-BE49-F238E27FC236}">
-                <a16:creationId xmlns="" xmlns:a16="http://schemas.microsoft.com/office/drawing/2014/main" id="{9561BD46-81DF-C525-880C-B60F549977C9}"/>
+                <a16:creationId xmlns:a16="http://schemas.microsoft.com/office/drawing/2014/main" xmlns="" id="{9561BD46-81DF-C525-880C-B60F549977C9}"/>
               </a:ext>
             </a:extLst>
           </p:cNvPr>
@@ -7054,7 +7054,7 @@
           <a:p>
             <a:fld id="{4ED1245C-EDA9-0F49-9277-480AED948C75}" type="datetimeFigureOut">
               <a:rPr lang="es-MX" smtClean="0"/>
-              <a:t>22/06/2023</a:t>
+              <a:t>23/06/2023</a:t>
             </a:fld>
             <a:endParaRPr lang="es-MX"/>
           </a:p>
@@ -7065,7 +7065,7 @@
           <p:cNvPr id="5" name="Marcador de pie de página 4">
             <a:extLst>
               <a:ext uri="{FF2B5EF4-FFF2-40B4-BE49-F238E27FC236}">
-                <a16:creationId xmlns="" xmlns:a16="http://schemas.microsoft.com/office/drawing/2014/main" id="{B48141E5-38F4-5870-C465-013B716EE584}"/>
+                <a16:creationId xmlns:a16="http://schemas.microsoft.com/office/drawing/2014/main" xmlns="" id="{B48141E5-38F4-5870-C465-013B716EE584}"/>
               </a:ext>
             </a:extLst>
           </p:cNvPr>
@@ -7090,7 +7090,7 @@
           <p:cNvPr id="6" name="Marcador de número de diapositiva 5">
             <a:extLst>
               <a:ext uri="{FF2B5EF4-FFF2-40B4-BE49-F238E27FC236}">
-                <a16:creationId xmlns="" xmlns:a16="http://schemas.microsoft.com/office/drawing/2014/main" id="{6D3EFEE5-200A-753E-B6FD-9311CB9BAAFF}"/>
+                <a16:creationId xmlns:a16="http://schemas.microsoft.com/office/drawing/2014/main" xmlns="" id="{6D3EFEE5-200A-753E-B6FD-9311CB9BAAFF}"/>
               </a:ext>
             </a:extLst>
           </p:cNvPr>
@@ -7149,7 +7149,7 @@
           <p:cNvPr id="6" name="Imagen 5">
             <a:extLst>
               <a:ext uri="{FF2B5EF4-FFF2-40B4-BE49-F238E27FC236}">
-                <a16:creationId xmlns="" xmlns:a16="http://schemas.microsoft.com/office/drawing/2014/main" id="{85B76E4B-994E-FE80-0264-CD7AEB4265E3}"/>
+                <a16:creationId xmlns:a16="http://schemas.microsoft.com/office/drawing/2014/main" xmlns="" id="{85B76E4B-994E-FE80-0264-CD7AEB4265E3}"/>
               </a:ext>
             </a:extLst>
           </p:cNvPr>
@@ -7179,7 +7179,7 @@
           <p:cNvPr id="2" name="Título 1">
             <a:extLst>
               <a:ext uri="{FF2B5EF4-FFF2-40B4-BE49-F238E27FC236}">
-                <a16:creationId xmlns="" xmlns:a16="http://schemas.microsoft.com/office/drawing/2014/main" id="{F58AE75E-BF38-0C63-F39F-95D19FDCC331}"/>
+                <a16:creationId xmlns:a16="http://schemas.microsoft.com/office/drawing/2014/main" xmlns="" id="{F58AE75E-BF38-0C63-F39F-95D19FDCC331}"/>
               </a:ext>
             </a:extLst>
           </p:cNvPr>
@@ -7211,7 +7211,7 @@
           <p:cNvPr id="3" name="Marcador de fecha 2">
             <a:extLst>
               <a:ext uri="{FF2B5EF4-FFF2-40B4-BE49-F238E27FC236}">
-                <a16:creationId xmlns="" xmlns:a16="http://schemas.microsoft.com/office/drawing/2014/main" id="{C0849DC6-910E-1212-87E9-5D91EDF04321}"/>
+                <a16:creationId xmlns:a16="http://schemas.microsoft.com/office/drawing/2014/main" xmlns="" id="{C0849DC6-910E-1212-87E9-5D91EDF04321}"/>
               </a:ext>
             </a:extLst>
           </p:cNvPr>
@@ -7229,7 +7229,7 @@
           <a:p>
             <a:fld id="{4ED1245C-EDA9-0F49-9277-480AED948C75}" type="datetimeFigureOut">
               <a:rPr lang="es-MX" smtClean="0"/>
-              <a:t>22/06/2023</a:t>
+              <a:t>23/06/2023</a:t>
             </a:fld>
             <a:endParaRPr lang="es-MX"/>
           </a:p>
@@ -7240,7 +7240,7 @@
           <p:cNvPr id="4" name="Marcador de pie de página 3">
             <a:extLst>
               <a:ext uri="{FF2B5EF4-FFF2-40B4-BE49-F238E27FC236}">
-                <a16:creationId xmlns="" xmlns:a16="http://schemas.microsoft.com/office/drawing/2014/main" id="{6AC465A2-B629-9EFC-663F-3F807AD61A95}"/>
+                <a16:creationId xmlns:a16="http://schemas.microsoft.com/office/drawing/2014/main" xmlns="" id="{6AC465A2-B629-9EFC-663F-3F807AD61A95}"/>
               </a:ext>
             </a:extLst>
           </p:cNvPr>
@@ -7265,7 +7265,7 @@
           <p:cNvPr id="5" name="Marcador de número de diapositiva 4">
             <a:extLst>
               <a:ext uri="{FF2B5EF4-FFF2-40B4-BE49-F238E27FC236}">
-                <a16:creationId xmlns="" xmlns:a16="http://schemas.microsoft.com/office/drawing/2014/main" id="{7149893F-AB4A-EA91-D670-6E8677716A99}"/>
+                <a16:creationId xmlns:a16="http://schemas.microsoft.com/office/drawing/2014/main" xmlns="" id="{7149893F-AB4A-EA91-D670-6E8677716A99}"/>
               </a:ext>
             </a:extLst>
           </p:cNvPr>
@@ -7324,7 +7324,7 @@
           <p:cNvPr id="2" name="Marcador de fecha 1">
             <a:extLst>
               <a:ext uri="{FF2B5EF4-FFF2-40B4-BE49-F238E27FC236}">
-                <a16:creationId xmlns="" xmlns:a16="http://schemas.microsoft.com/office/drawing/2014/main" id="{3D8DCD30-7661-12EB-6BF3-7D6889A8D7E7}"/>
+                <a16:creationId xmlns:a16="http://schemas.microsoft.com/office/drawing/2014/main" xmlns="" id="{3D8DCD30-7661-12EB-6BF3-7D6889A8D7E7}"/>
               </a:ext>
             </a:extLst>
           </p:cNvPr>
@@ -7342,7 +7342,7 @@
           <a:p>
             <a:fld id="{4ED1245C-EDA9-0F49-9277-480AED948C75}" type="datetimeFigureOut">
               <a:rPr lang="es-MX" smtClean="0"/>
-              <a:t>22/06/2023</a:t>
+              <a:t>23/06/2023</a:t>
             </a:fld>
             <a:endParaRPr lang="es-MX"/>
           </a:p>
@@ -7353,7 +7353,7 @@
           <p:cNvPr id="3" name="Marcador de pie de página 2">
             <a:extLst>
               <a:ext uri="{FF2B5EF4-FFF2-40B4-BE49-F238E27FC236}">
-                <a16:creationId xmlns="" xmlns:a16="http://schemas.microsoft.com/office/drawing/2014/main" id="{BCE383F0-BCD5-365A-30DE-4A37BDDD44D8}"/>
+                <a16:creationId xmlns:a16="http://schemas.microsoft.com/office/drawing/2014/main" xmlns="" id="{BCE383F0-BCD5-365A-30DE-4A37BDDD44D8}"/>
               </a:ext>
             </a:extLst>
           </p:cNvPr>
@@ -7378,7 +7378,7 @@
           <p:cNvPr id="4" name="Marcador de número de diapositiva 3">
             <a:extLst>
               <a:ext uri="{FF2B5EF4-FFF2-40B4-BE49-F238E27FC236}">
-                <a16:creationId xmlns="" xmlns:a16="http://schemas.microsoft.com/office/drawing/2014/main" id="{3062DF9B-A73E-907D-5239-FDDD3489CEF2}"/>
+                <a16:creationId xmlns:a16="http://schemas.microsoft.com/office/drawing/2014/main" xmlns="" id="{3062DF9B-A73E-907D-5239-FDDD3489CEF2}"/>
               </a:ext>
             </a:extLst>
           </p:cNvPr>
@@ -7442,7 +7442,7 @@
           <p:cNvPr id="2" name="Marcador de título 1">
             <a:extLst>
               <a:ext uri="{FF2B5EF4-FFF2-40B4-BE49-F238E27FC236}">
-                <a16:creationId xmlns="" xmlns:a16="http://schemas.microsoft.com/office/drawing/2014/main" id="{33F02CBE-7D56-9524-5799-3D4C40AEE1EF}"/>
+                <a16:creationId xmlns:a16="http://schemas.microsoft.com/office/drawing/2014/main" xmlns="" id="{33F02CBE-7D56-9524-5799-3D4C40AEE1EF}"/>
               </a:ext>
             </a:extLst>
           </p:cNvPr>
@@ -7480,7 +7480,7 @@
           <p:cNvPr id="3" name="Marcador de texto 2">
             <a:extLst>
               <a:ext uri="{FF2B5EF4-FFF2-40B4-BE49-F238E27FC236}">
-                <a16:creationId xmlns="" xmlns:a16="http://schemas.microsoft.com/office/drawing/2014/main" id="{A9053B17-0988-26D7-1416-D61D74DBE858}"/>
+                <a16:creationId xmlns:a16="http://schemas.microsoft.com/office/drawing/2014/main" xmlns="" id="{A9053B17-0988-26D7-1416-D61D74DBE858}"/>
               </a:ext>
             </a:extLst>
           </p:cNvPr>
@@ -7547,7 +7547,7 @@
           <p:cNvPr id="4" name="Marcador de fecha 3">
             <a:extLst>
               <a:ext uri="{FF2B5EF4-FFF2-40B4-BE49-F238E27FC236}">
-                <a16:creationId xmlns="" xmlns:a16="http://schemas.microsoft.com/office/drawing/2014/main" id="{3CFF87E4-E3EB-6979-BA49-637760E7BBC3}"/>
+                <a16:creationId xmlns:a16="http://schemas.microsoft.com/office/drawing/2014/main" xmlns="" id="{3CFF87E4-E3EB-6979-BA49-637760E7BBC3}"/>
               </a:ext>
             </a:extLst>
           </p:cNvPr>
@@ -7587,7 +7587,7 @@
             <a:fld id="{4ED1245C-EDA9-0F49-9277-480AED948C75}" type="datetimeFigureOut">
               <a:rPr lang="es-MX" smtClean="0"/>
               <a:pPr/>
-              <a:t>22/06/2023</a:t>
+              <a:t>23/06/2023</a:t>
             </a:fld>
             <a:endParaRPr lang="es-MX"/>
           </a:p>
@@ -7598,7 +7598,7 @@
           <p:cNvPr id="5" name="Marcador de pie de página 4">
             <a:extLst>
               <a:ext uri="{FF2B5EF4-FFF2-40B4-BE49-F238E27FC236}">
-                <a16:creationId xmlns="" xmlns:a16="http://schemas.microsoft.com/office/drawing/2014/main" id="{6143CCC9-3353-516C-3DED-6C05973EB5B8}"/>
+                <a16:creationId xmlns:a16="http://schemas.microsoft.com/office/drawing/2014/main" xmlns="" id="{6143CCC9-3353-516C-3DED-6C05973EB5B8}"/>
               </a:ext>
             </a:extLst>
           </p:cNvPr>
@@ -7644,7 +7644,7 @@
           <p:cNvPr id="6" name="Marcador de número de diapositiva 5">
             <a:extLst>
               <a:ext uri="{FF2B5EF4-FFF2-40B4-BE49-F238E27FC236}">
-                <a16:creationId xmlns="" xmlns:a16="http://schemas.microsoft.com/office/drawing/2014/main" id="{751E5BC1-66C6-23A3-45FC-6B13BC2B4A2D}"/>
+                <a16:creationId xmlns:a16="http://schemas.microsoft.com/office/drawing/2014/main" xmlns="" id="{751E5BC1-66C6-23A3-45FC-6B13BC2B4A2D}"/>
               </a:ext>
             </a:extLst>
           </p:cNvPr>
@@ -8014,7 +8014,7 @@
           <p:cNvPr id="3" name="Imagen 2">
             <a:extLst>
               <a:ext uri="{FF2B5EF4-FFF2-40B4-BE49-F238E27FC236}">
-                <a16:creationId xmlns="" xmlns:a16="http://schemas.microsoft.com/office/drawing/2014/main" id="{B7DCC1AE-CBB9-4F76-A8E3-CF73CD4FFFAE}"/>
+                <a16:creationId xmlns:a16="http://schemas.microsoft.com/office/drawing/2014/main" xmlns="" id="{B7DCC1AE-CBB9-4F76-A8E3-CF73CD4FFFAE}"/>
               </a:ext>
             </a:extLst>
           </p:cNvPr>
@@ -8043,7 +8043,7 @@
           <p:cNvPr id="15" name="Rectángulo 14">
             <a:extLst>
               <a:ext uri="{FF2B5EF4-FFF2-40B4-BE49-F238E27FC236}">
-                <a16:creationId xmlns="" xmlns:a16="http://schemas.microsoft.com/office/drawing/2014/main" id="{B0381972-7714-18E2-8087-DC6EBF8C2989}"/>
+                <a16:creationId xmlns:a16="http://schemas.microsoft.com/office/drawing/2014/main" xmlns="" id="{B0381972-7714-18E2-8087-DC6EBF8C2989}"/>
               </a:ext>
             </a:extLst>
           </p:cNvPr>
@@ -8162,7 +8162,7 @@
           <p:cNvPr id="2" name="Imagen 1">
             <a:extLst>
               <a:ext uri="{FF2B5EF4-FFF2-40B4-BE49-F238E27FC236}">
-                <a16:creationId xmlns="" xmlns:a16="http://schemas.microsoft.com/office/drawing/2014/main" id="{8495C0A0-4965-B406-97D2-0C73E97D488B}"/>
+                <a16:creationId xmlns:a16="http://schemas.microsoft.com/office/drawing/2014/main" xmlns="" id="{8495C0A0-4965-B406-97D2-0C73E97D488B}"/>
               </a:ext>
             </a:extLst>
           </p:cNvPr>
@@ -8179,7 +8179,7 @@
         </p:blipFill>
         <p:spPr>
           <a:xfrm>
-            <a:off x="0" y="-394558"/>
+            <a:off x="0" y="5502"/>
             <a:ext cx="12192000" cy="6858000"/>
           </a:xfrm>
           <a:prstGeom prst="rect">
@@ -8192,7 +8192,7 @@
           <p:cNvPr id="3" name="Marcador de número de diapositiva 3">
             <a:extLst>
               <a:ext uri="{FF2B5EF4-FFF2-40B4-BE49-F238E27FC236}">
-                <a16:creationId xmlns="" xmlns:a16="http://schemas.microsoft.com/office/drawing/2014/main" id="{958FBA5A-A58E-C697-8203-4F8B9AE81A4E}"/>
+                <a16:creationId xmlns:a16="http://schemas.microsoft.com/office/drawing/2014/main" xmlns="" id="{958FBA5A-A58E-C697-8203-4F8B9AE81A4E}"/>
               </a:ext>
             </a:extLst>
           </p:cNvPr>
@@ -8226,7 +8226,7 @@
           <p:cNvPr id="23" name="Título 1">
             <a:extLst>
               <a:ext uri="{FF2B5EF4-FFF2-40B4-BE49-F238E27FC236}">
-                <a16:creationId xmlns="" xmlns:a16="http://schemas.microsoft.com/office/drawing/2014/main" id="{E1DD3CF2-B58E-FFFA-CC44-24E153BAAA08}"/>
+                <a16:creationId xmlns:a16="http://schemas.microsoft.com/office/drawing/2014/main" xmlns="" id="{E1DD3CF2-B58E-FFFA-CC44-24E153BAAA08}"/>
               </a:ext>
             </a:extLst>
           </p:cNvPr>
@@ -8296,7 +8296,7 @@
           <p:cNvPr id="24" name="Título 1">
             <a:extLst>
               <a:ext uri="{FF2B5EF4-FFF2-40B4-BE49-F238E27FC236}">
-                <a16:creationId xmlns="" xmlns:a16="http://schemas.microsoft.com/office/drawing/2014/main" id="{96653C20-5D73-6AC7-AD4D-29A9D6D74E1B}"/>
+                <a16:creationId xmlns:a16="http://schemas.microsoft.com/office/drawing/2014/main" xmlns="" id="{96653C20-5D73-6AC7-AD4D-29A9D6D74E1B}"/>
               </a:ext>
             </a:extLst>
           </p:cNvPr>
@@ -8437,7 +8437,7 @@
           </a:ln>
           <a:extLst>
             <a:ext uri="{C572A759-6A51-4108-AA02-DFA0A04FC94B}">
-              <ma14:wrappingTextBoxFlag xmlns:ma14="http://schemas.microsoft.com/office/mac/drawingml/2011/main" xmlns:a14="http://schemas.microsoft.com/office/drawing/2010/main" xmlns:m="http://schemas.openxmlformats.org/officeDocument/2006/math" xmlns="" val="1"/>
+              <ma14:wrappingTextBoxFlag xmlns="" xmlns:m="http://schemas.openxmlformats.org/officeDocument/2006/math" xmlns:a14="http://schemas.microsoft.com/office/drawing/2010/main" xmlns:ma14="http://schemas.microsoft.com/office/mac/drawingml/2011/main" val="1"/>
             </a:ext>
           </a:extLst>
         </p:spPr>
@@ -8484,7 +8484,7 @@
           </a:ln>
           <a:extLst>
             <a:ext uri="{C572A759-6A51-4108-AA02-DFA0A04FC94B}">
-              <ma14:wrappingTextBoxFlag xmlns:ma14="http://schemas.microsoft.com/office/mac/drawingml/2011/main" xmlns:a14="http://schemas.microsoft.com/office/drawing/2010/main" xmlns:m="http://schemas.openxmlformats.org/officeDocument/2006/math" xmlns="" val="1"/>
+              <ma14:wrappingTextBoxFlag xmlns="" xmlns:m="http://schemas.openxmlformats.org/officeDocument/2006/math" xmlns:a14="http://schemas.microsoft.com/office/drawing/2010/main" xmlns:ma14="http://schemas.microsoft.com/office/mac/drawingml/2011/main" val="1"/>
             </a:ext>
           </a:extLst>
         </p:spPr>
@@ -10148,7 +10148,7 @@
           </a:ln>
           <a:extLst>
             <a:ext uri="{C572A759-6A51-4108-AA02-DFA0A04FC94B}">
-              <ma14:wrappingTextBoxFlag xmlns:ma14="http://schemas.microsoft.com/office/mac/drawingml/2011/main" xmlns:a14="http://schemas.microsoft.com/office/drawing/2010/main" xmlns:m="http://schemas.openxmlformats.org/officeDocument/2006/math" xmlns="" val="1"/>
+              <ma14:wrappingTextBoxFlag xmlns="" xmlns:m="http://schemas.openxmlformats.org/officeDocument/2006/math" xmlns:a14="http://schemas.microsoft.com/office/drawing/2010/main" xmlns:ma14="http://schemas.microsoft.com/office/mac/drawingml/2011/main" val="1"/>
             </a:ext>
           </a:extLst>
         </p:spPr>
@@ -10202,7 +10202,7 @@
           </a:ln>
           <a:extLst>
             <a:ext uri="{C572A759-6A51-4108-AA02-DFA0A04FC94B}">
-              <ma14:wrappingTextBoxFlag xmlns:ma14="http://schemas.microsoft.com/office/mac/drawingml/2011/main" xmlns:a14="http://schemas.microsoft.com/office/drawing/2010/main" xmlns:m="http://schemas.openxmlformats.org/officeDocument/2006/math" xmlns="" val="1"/>
+              <ma14:wrappingTextBoxFlag xmlns="" xmlns:m="http://schemas.openxmlformats.org/officeDocument/2006/math" xmlns:a14="http://schemas.microsoft.com/office/drawing/2010/main" xmlns:ma14="http://schemas.microsoft.com/office/mac/drawingml/2011/main" val="1"/>
             </a:ext>
           </a:extLst>
         </p:spPr>
@@ -10528,7 +10528,7 @@
           <p:cNvPr id="44" name="Rectángulo redondeado 8">
             <a:extLst>
               <a:ext uri="{FF2B5EF4-FFF2-40B4-BE49-F238E27FC236}">
-                <a16:creationId xmlns:a16="http://schemas.microsoft.com/office/drawing/2014/main" xmlns="" id="{277BA7B5-969F-97FA-876B-9353DE62E89F}"/>
+                <a16:creationId xmlns="" xmlns:a16="http://schemas.microsoft.com/office/drawing/2014/main" id="{277BA7B5-969F-97FA-876B-9353DE62E89F}"/>
               </a:ext>
             </a:extLst>
           </p:cNvPr>
@@ -10582,7 +10582,7 @@
           <p:cNvPr id="45" name="Rectangle 68">
             <a:extLst>
               <a:ext uri="{FF2B5EF4-FFF2-40B4-BE49-F238E27FC236}">
-                <a16:creationId xmlns:a16="http://schemas.microsoft.com/office/drawing/2014/main" xmlns="" id="{2E170935-075B-E9F1-39F5-718251B4ECCC}"/>
+                <a16:creationId xmlns="" xmlns:a16="http://schemas.microsoft.com/office/drawing/2014/main" id="{2E170935-075B-E9F1-39F5-718251B4ECCC}"/>
               </a:ext>
             </a:extLst>
           </p:cNvPr>
@@ -10657,7 +10657,7 @@
     <a:masterClrMapping/>
   </p:clrMapOvr>
   <mc:AlternateContent xmlns:mc="http://schemas.openxmlformats.org/markup-compatibility/2006">
-    <mc:Choice xmlns="" xmlns:p159="http://schemas.microsoft.com/office/powerpoint/2015/09/main" Requires="p159">
+    <mc:Choice xmlns:p159="http://schemas.microsoft.com/office/powerpoint/2015/09/main" xmlns="" Requires="p159">
       <p:transition xmlns:p14="http://schemas.microsoft.com/office/powerpoint/2010/main" spd="slow" p14:dur="2000">
         <p159:morph option="byObject"/>
       </p:transition>
@@ -11961,7 +11961,7 @@
           <p:cNvPr id="6" name="Imagen 5">
             <a:extLst>
               <a:ext uri="{FF2B5EF4-FFF2-40B4-BE49-F238E27FC236}">
-                <a16:creationId xmlns="" xmlns:a16="http://schemas.microsoft.com/office/drawing/2014/main" id="{AECF0F1D-C308-BF13-5B7D-2AF3F7F37ED8}"/>
+                <a16:creationId xmlns:a16="http://schemas.microsoft.com/office/drawing/2014/main" xmlns="" id="{AECF0F1D-C308-BF13-5B7D-2AF3F7F37ED8}"/>
               </a:ext>
             </a:extLst>
           </p:cNvPr>
@@ -11991,7 +11991,7 @@
           <p:cNvPr id="29" name="Elipse 28">
             <a:extLst>
               <a:ext uri="{FF2B5EF4-FFF2-40B4-BE49-F238E27FC236}">
-                <a16:creationId xmlns="" xmlns:a16="http://schemas.microsoft.com/office/drawing/2014/main" id="{D409A869-E3F3-BD1E-56AD-23DD57DA9900}"/>
+                <a16:creationId xmlns:a16="http://schemas.microsoft.com/office/drawing/2014/main" xmlns="" id="{D409A869-E3F3-BD1E-56AD-23DD57DA9900}"/>
               </a:ext>
             </a:extLst>
           </p:cNvPr>
@@ -12052,7 +12052,7 @@
           <p:cNvPr id="30" name="Elipse 11">
             <a:extLst>
               <a:ext uri="{FF2B5EF4-FFF2-40B4-BE49-F238E27FC236}">
-                <a16:creationId xmlns="" xmlns:a16="http://schemas.microsoft.com/office/drawing/2014/main" id="{9809322B-D16D-7581-2FF2-1FB36C37C381}"/>
+                <a16:creationId xmlns:a16="http://schemas.microsoft.com/office/drawing/2014/main" xmlns="" id="{9809322B-D16D-7581-2FF2-1FB36C37C381}"/>
               </a:ext>
             </a:extLst>
           </p:cNvPr>
@@ -12112,7 +12112,7 @@
           <p:cNvPr id="2" name="Imagen 1">
             <a:extLst>
               <a:ext uri="{FF2B5EF4-FFF2-40B4-BE49-F238E27FC236}">
-                <a16:creationId xmlns="" xmlns:a16="http://schemas.microsoft.com/office/drawing/2014/main" id="{D12FEC8B-F836-FC77-8973-F379E2719902}"/>
+                <a16:creationId xmlns:a16="http://schemas.microsoft.com/office/drawing/2014/main" xmlns="" id="{D12FEC8B-F836-FC77-8973-F379E2719902}"/>
               </a:ext>
             </a:extLst>
           </p:cNvPr>
@@ -12142,7 +12142,7 @@
           <p:cNvPr id="3" name="Título 1">
             <a:extLst>
               <a:ext uri="{FF2B5EF4-FFF2-40B4-BE49-F238E27FC236}">
-                <a16:creationId xmlns="" xmlns:a16="http://schemas.microsoft.com/office/drawing/2014/main" id="{4F3CB707-2FAF-B9D2-DE82-A33A22EDA69A}"/>
+                <a16:creationId xmlns:a16="http://schemas.microsoft.com/office/drawing/2014/main" xmlns="" id="{4F3CB707-2FAF-B9D2-DE82-A33A22EDA69A}"/>
               </a:ext>
             </a:extLst>
           </p:cNvPr>
@@ -12209,7 +12209,7 @@
           <p:cNvPr id="4" name="Grupo 3">
             <a:extLst>
               <a:ext uri="{FF2B5EF4-FFF2-40B4-BE49-F238E27FC236}">
-                <a16:creationId xmlns="" xmlns:a16="http://schemas.microsoft.com/office/drawing/2014/main" id="{40D242EC-C551-2379-5531-DD6DFF7049A1}"/>
+                <a16:creationId xmlns:a16="http://schemas.microsoft.com/office/drawing/2014/main" xmlns="" id="{40D242EC-C551-2379-5531-DD6DFF7049A1}"/>
               </a:ext>
             </a:extLst>
           </p:cNvPr>
@@ -12229,7 +12229,7 @@
             <p:cNvPr id="5" name="Título 1">
               <a:extLst>
                 <a:ext uri="{FF2B5EF4-FFF2-40B4-BE49-F238E27FC236}">
-                  <a16:creationId xmlns="" xmlns:a16="http://schemas.microsoft.com/office/drawing/2014/main" id="{55257F63-9592-FE8C-B657-605DAA492B1F}"/>
+                  <a16:creationId xmlns:a16="http://schemas.microsoft.com/office/drawing/2014/main" xmlns="" id="{55257F63-9592-FE8C-B657-605DAA492B1F}"/>
                 </a:ext>
               </a:extLst>
             </p:cNvPr>
@@ -12307,7 +12307,7 @@
             <p:cNvPr id="11" name="Conector recto 10">
               <a:extLst>
                 <a:ext uri="{FF2B5EF4-FFF2-40B4-BE49-F238E27FC236}">
-                  <a16:creationId xmlns="" xmlns:a16="http://schemas.microsoft.com/office/drawing/2014/main" id="{353D40E2-101E-5774-4744-4104291C31F0}"/>
+                  <a16:creationId xmlns:a16="http://schemas.microsoft.com/office/drawing/2014/main" xmlns="" id="{353D40E2-101E-5774-4744-4104291C31F0}"/>
                 </a:ext>
               </a:extLst>
             </p:cNvPr>
@@ -12391,7 +12391,7 @@
           <p:cNvPr id="2" name="Imagen 1">
             <a:extLst>
               <a:ext uri="{FF2B5EF4-FFF2-40B4-BE49-F238E27FC236}">
-                <a16:creationId xmlns="" xmlns:a16="http://schemas.microsoft.com/office/drawing/2014/main" id="{8495C0A0-4965-B406-97D2-0C73E97D488B}"/>
+                <a16:creationId xmlns:a16="http://schemas.microsoft.com/office/drawing/2014/main" xmlns="" id="{8495C0A0-4965-B406-97D2-0C73E97D488B}"/>
               </a:ext>
             </a:extLst>
           </p:cNvPr>
@@ -12408,7 +12408,7 @@
         </p:blipFill>
         <p:spPr>
           <a:xfrm>
-            <a:off x="0" y="-394558"/>
+            <a:off x="0" y="5496"/>
             <a:ext cx="12192000" cy="6858000"/>
           </a:xfrm>
           <a:prstGeom prst="rect">
@@ -12421,7 +12421,7 @@
           <p:cNvPr id="3" name="Marcador de número de diapositiva 3">
             <a:extLst>
               <a:ext uri="{FF2B5EF4-FFF2-40B4-BE49-F238E27FC236}">
-                <a16:creationId xmlns="" xmlns:a16="http://schemas.microsoft.com/office/drawing/2014/main" id="{958FBA5A-A58E-C697-8203-4F8B9AE81A4E}"/>
+                <a16:creationId xmlns:a16="http://schemas.microsoft.com/office/drawing/2014/main" xmlns="" id="{958FBA5A-A58E-C697-8203-4F8B9AE81A4E}"/>
               </a:ext>
             </a:extLst>
           </p:cNvPr>
@@ -12455,7 +12455,7 @@
           <p:cNvPr id="23" name="Título 1">
             <a:extLst>
               <a:ext uri="{FF2B5EF4-FFF2-40B4-BE49-F238E27FC236}">
-                <a16:creationId xmlns="" xmlns:a16="http://schemas.microsoft.com/office/drawing/2014/main" id="{E1DD3CF2-B58E-FFFA-CC44-24E153BAAA08}"/>
+                <a16:creationId xmlns:a16="http://schemas.microsoft.com/office/drawing/2014/main" xmlns="" id="{E1DD3CF2-B58E-FFFA-CC44-24E153BAAA08}"/>
               </a:ext>
             </a:extLst>
           </p:cNvPr>
@@ -12525,7 +12525,7 @@
           <p:cNvPr id="24" name="Título 1">
             <a:extLst>
               <a:ext uri="{FF2B5EF4-FFF2-40B4-BE49-F238E27FC236}">
-                <a16:creationId xmlns="" xmlns:a16="http://schemas.microsoft.com/office/drawing/2014/main" id="{96653C20-5D73-6AC7-AD4D-29A9D6D74E1B}"/>
+                <a16:creationId xmlns:a16="http://schemas.microsoft.com/office/drawing/2014/main" xmlns="" id="{96653C20-5D73-6AC7-AD4D-29A9D6D74E1B}"/>
               </a:ext>
             </a:extLst>
           </p:cNvPr>
@@ -12594,7 +12594,7 @@
           <p:cNvPr id="39" name="Rectángulo redondeado 8">
             <a:extLst>
               <a:ext uri="{FF2B5EF4-FFF2-40B4-BE49-F238E27FC236}">
-                <a16:creationId xmlns:a16="http://schemas.microsoft.com/office/drawing/2014/main" xmlns="" id="{277BA7B5-969F-97FA-876B-9353DE62E89F}"/>
+                <a16:creationId xmlns="" xmlns:a16="http://schemas.microsoft.com/office/drawing/2014/main" id="{277BA7B5-969F-97FA-876B-9353DE62E89F}"/>
               </a:ext>
             </a:extLst>
           </p:cNvPr>
@@ -12648,7 +12648,7 @@
           <p:cNvPr id="40" name="Rectangle 68">
             <a:extLst>
               <a:ext uri="{FF2B5EF4-FFF2-40B4-BE49-F238E27FC236}">
-                <a16:creationId xmlns:a16="http://schemas.microsoft.com/office/drawing/2014/main" xmlns="" id="{2E170935-075B-E9F1-39F5-718251B4ECCC}"/>
+                <a16:creationId xmlns="" xmlns:a16="http://schemas.microsoft.com/office/drawing/2014/main" id="{2E170935-075B-E9F1-39F5-718251B4ECCC}"/>
               </a:ext>
             </a:extLst>
           </p:cNvPr>
@@ -12787,7 +12787,7 @@
     <a:masterClrMapping/>
   </p:clrMapOvr>
   <mc:AlternateContent xmlns:mc="http://schemas.openxmlformats.org/markup-compatibility/2006">
-    <mc:Choice xmlns="" xmlns:p159="http://schemas.microsoft.com/office/powerpoint/2015/09/main" Requires="p159">
+    <mc:Choice xmlns:p159="http://schemas.microsoft.com/office/powerpoint/2015/09/main" xmlns="" Requires="p159">
       <p:transition xmlns:p14="http://schemas.microsoft.com/office/powerpoint/2010/main" spd="slow" p14:dur="2000">
         <p159:morph option="byObject"/>
       </p:transition>
@@ -12912,7 +12912,7 @@
           <p:cNvPr id="2" name="Imagen 1">
             <a:extLst>
               <a:ext uri="{FF2B5EF4-FFF2-40B4-BE49-F238E27FC236}">
-                <a16:creationId xmlns="" xmlns:a16="http://schemas.microsoft.com/office/drawing/2014/main" id="{8495C0A0-4965-B406-97D2-0C73E97D488B}"/>
+                <a16:creationId xmlns:a16="http://schemas.microsoft.com/office/drawing/2014/main" xmlns="" id="{8495C0A0-4965-B406-97D2-0C73E97D488B}"/>
               </a:ext>
             </a:extLst>
           </p:cNvPr>
@@ -12929,7 +12929,7 @@
         </p:blipFill>
         <p:spPr>
           <a:xfrm>
-            <a:off x="0" y="-394558"/>
+            <a:off x="0" y="5500"/>
             <a:ext cx="12192000" cy="6858000"/>
           </a:xfrm>
           <a:prstGeom prst="rect">
@@ -12942,7 +12942,7 @@
           <p:cNvPr id="3" name="Marcador de número de diapositiva 3">
             <a:extLst>
               <a:ext uri="{FF2B5EF4-FFF2-40B4-BE49-F238E27FC236}">
-                <a16:creationId xmlns="" xmlns:a16="http://schemas.microsoft.com/office/drawing/2014/main" id="{958FBA5A-A58E-C697-8203-4F8B9AE81A4E}"/>
+                <a16:creationId xmlns:a16="http://schemas.microsoft.com/office/drawing/2014/main" xmlns="" id="{958FBA5A-A58E-C697-8203-4F8B9AE81A4E}"/>
               </a:ext>
             </a:extLst>
           </p:cNvPr>
@@ -12976,7 +12976,7 @@
           <p:cNvPr id="23" name="Título 1">
             <a:extLst>
               <a:ext uri="{FF2B5EF4-FFF2-40B4-BE49-F238E27FC236}">
-                <a16:creationId xmlns="" xmlns:a16="http://schemas.microsoft.com/office/drawing/2014/main" id="{E1DD3CF2-B58E-FFFA-CC44-24E153BAAA08}"/>
+                <a16:creationId xmlns:a16="http://schemas.microsoft.com/office/drawing/2014/main" xmlns="" id="{E1DD3CF2-B58E-FFFA-CC44-24E153BAAA08}"/>
               </a:ext>
             </a:extLst>
           </p:cNvPr>
@@ -13046,7 +13046,7 @@
           <p:cNvPr id="24" name="Título 1">
             <a:extLst>
               <a:ext uri="{FF2B5EF4-FFF2-40B4-BE49-F238E27FC236}">
-                <a16:creationId xmlns="" xmlns:a16="http://schemas.microsoft.com/office/drawing/2014/main" id="{96653C20-5D73-6AC7-AD4D-29A9D6D74E1B}"/>
+                <a16:creationId xmlns:a16="http://schemas.microsoft.com/office/drawing/2014/main" xmlns="" id="{96653C20-5D73-6AC7-AD4D-29A9D6D74E1B}"/>
               </a:ext>
             </a:extLst>
           </p:cNvPr>
@@ -13115,7 +13115,7 @@
           <p:cNvPr id="39" name="Rectángulo redondeado 8">
             <a:extLst>
               <a:ext uri="{FF2B5EF4-FFF2-40B4-BE49-F238E27FC236}">
-                <a16:creationId xmlns:a16="http://schemas.microsoft.com/office/drawing/2014/main" xmlns="" id="{277BA7B5-969F-97FA-876B-9353DE62E89F}"/>
+                <a16:creationId xmlns="" xmlns:a16="http://schemas.microsoft.com/office/drawing/2014/main" id="{277BA7B5-969F-97FA-876B-9353DE62E89F}"/>
               </a:ext>
             </a:extLst>
           </p:cNvPr>
@@ -13169,7 +13169,7 @@
           <p:cNvPr id="40" name="Rectangle 68">
             <a:extLst>
               <a:ext uri="{FF2B5EF4-FFF2-40B4-BE49-F238E27FC236}">
-                <a16:creationId xmlns:a16="http://schemas.microsoft.com/office/drawing/2014/main" xmlns="" id="{2E170935-075B-E9F1-39F5-718251B4ECCC}"/>
+                <a16:creationId xmlns="" xmlns:a16="http://schemas.microsoft.com/office/drawing/2014/main" id="{2E170935-075B-E9F1-39F5-718251B4ECCC}"/>
               </a:ext>
             </a:extLst>
           </p:cNvPr>
@@ -13290,7 +13290,7 @@
     <a:masterClrMapping/>
   </p:clrMapOvr>
   <mc:AlternateContent xmlns:mc="http://schemas.openxmlformats.org/markup-compatibility/2006">
-    <mc:Choice xmlns="" xmlns:p159="http://schemas.microsoft.com/office/powerpoint/2015/09/main" Requires="p159">
+    <mc:Choice xmlns:p159="http://schemas.microsoft.com/office/powerpoint/2015/09/main" xmlns="" Requires="p159">
       <p:transition xmlns:p14="http://schemas.microsoft.com/office/powerpoint/2010/main" spd="slow" p14:dur="2000">
         <p159:morph option="byObject"/>
       </p:transition>
@@ -13415,7 +13415,7 @@
           <p:cNvPr id="20" name="Rectángulo redondeado 19">
             <a:extLst>
               <a:ext uri="{FF2B5EF4-FFF2-40B4-BE49-F238E27FC236}">
-                <a16:creationId xmlns:a16="http://schemas.microsoft.com/office/drawing/2014/main" xmlns="" id="{BF09CAA8-8053-E0A6-DC26-426D1F02D061}"/>
+                <a16:creationId xmlns="" xmlns:a16="http://schemas.microsoft.com/office/drawing/2014/main" id="{BF09CAA8-8053-E0A6-DC26-426D1F02D061}"/>
               </a:ext>
             </a:extLst>
           </p:cNvPr>
@@ -13478,7 +13478,7 @@
           <p:cNvPr id="16" name="Título 1">
             <a:extLst>
               <a:ext uri="{FF2B5EF4-FFF2-40B4-BE49-F238E27FC236}">
-                <a16:creationId xmlns:a16="http://schemas.microsoft.com/office/drawing/2014/main" xmlns="" id="{D5FD1066-7FA1-9BF9-22F0-F52B6DDCD8D0}"/>
+                <a16:creationId xmlns="" xmlns:a16="http://schemas.microsoft.com/office/drawing/2014/main" id="{D5FD1066-7FA1-9BF9-22F0-F52B6DDCD8D0}"/>
               </a:ext>
             </a:extLst>
           </p:cNvPr>
@@ -13529,7 +13529,7 @@
           <p:cNvPr id="17" name="Subtítulo 2">
             <a:extLst>
               <a:ext uri="{FF2B5EF4-FFF2-40B4-BE49-F238E27FC236}">
-                <a16:creationId xmlns:a16="http://schemas.microsoft.com/office/drawing/2014/main" xmlns="" id="{3DFC87B0-799A-C4EE-D680-F89FA1274BED}"/>
+                <a16:creationId xmlns="" xmlns:a16="http://schemas.microsoft.com/office/drawing/2014/main" id="{3DFC87B0-799A-C4EE-D680-F89FA1274BED}"/>
               </a:ext>
             </a:extLst>
           </p:cNvPr>
@@ -13585,7 +13585,7 @@
           <p:cNvPr id="2" name="Rectángulo redondeado 1">
             <a:extLst>
               <a:ext uri="{FF2B5EF4-FFF2-40B4-BE49-F238E27FC236}">
-                <a16:creationId xmlns:a16="http://schemas.microsoft.com/office/drawing/2014/main" xmlns="" id="{CCD3B001-675A-A776-763B-388CE2698D74}"/>
+                <a16:creationId xmlns="" xmlns:a16="http://schemas.microsoft.com/office/drawing/2014/main" id="{CCD3B001-675A-A776-763B-388CE2698D74}"/>
               </a:ext>
             </a:extLst>
           </p:cNvPr>
@@ -13648,7 +13648,7 @@
           <p:cNvPr id="4" name="Rectángulo redondeado 3">
             <a:extLst>
               <a:ext uri="{FF2B5EF4-FFF2-40B4-BE49-F238E27FC236}">
-                <a16:creationId xmlns:a16="http://schemas.microsoft.com/office/drawing/2014/main" xmlns="" id="{B199D41E-253C-2151-DFD2-3A1DCD8F14EF}"/>
+                <a16:creationId xmlns="" xmlns:a16="http://schemas.microsoft.com/office/drawing/2014/main" id="{B199D41E-253C-2151-DFD2-3A1DCD8F14EF}"/>
               </a:ext>
             </a:extLst>
           </p:cNvPr>
@@ -13711,7 +13711,7 @@
           <p:cNvPr id="5" name="Rectángulo redondeado 4">
             <a:extLst>
               <a:ext uri="{FF2B5EF4-FFF2-40B4-BE49-F238E27FC236}">
-                <a16:creationId xmlns:a16="http://schemas.microsoft.com/office/drawing/2014/main" xmlns="" id="{F919647C-EC8E-9977-5829-F9FA9DBC3A4B}"/>
+                <a16:creationId xmlns="" xmlns:a16="http://schemas.microsoft.com/office/drawing/2014/main" id="{F919647C-EC8E-9977-5829-F9FA9DBC3A4B}"/>
               </a:ext>
             </a:extLst>
           </p:cNvPr>
@@ -13774,7 +13774,7 @@
           <p:cNvPr id="7" name="Rectángulo redondeado 6">
             <a:extLst>
               <a:ext uri="{FF2B5EF4-FFF2-40B4-BE49-F238E27FC236}">
-                <a16:creationId xmlns:a16="http://schemas.microsoft.com/office/drawing/2014/main" xmlns="" id="{0EA01A99-EEE2-756B-9ECE-EC32D3ABF85E}"/>
+                <a16:creationId xmlns="" xmlns:a16="http://schemas.microsoft.com/office/drawing/2014/main" id="{0EA01A99-EEE2-756B-9ECE-EC32D3ABF85E}"/>
               </a:ext>
             </a:extLst>
           </p:cNvPr>
@@ -13837,7 +13837,7 @@
           <p:cNvPr id="11" name="Rectángulo redondeado 10">
             <a:extLst>
               <a:ext uri="{FF2B5EF4-FFF2-40B4-BE49-F238E27FC236}">
-                <a16:creationId xmlns:a16="http://schemas.microsoft.com/office/drawing/2014/main" xmlns="" id="{2F78498A-2720-6921-8930-22F7C28739A5}"/>
+                <a16:creationId xmlns="" xmlns:a16="http://schemas.microsoft.com/office/drawing/2014/main" id="{2F78498A-2720-6921-8930-22F7C28739A5}"/>
               </a:ext>
             </a:extLst>
           </p:cNvPr>
@@ -13899,7 +13899,7 @@
           <p:cNvPr id="15" name="Rectángulo redondeado 14">
             <a:extLst>
               <a:ext uri="{FF2B5EF4-FFF2-40B4-BE49-F238E27FC236}">
-                <a16:creationId xmlns:a16="http://schemas.microsoft.com/office/drawing/2014/main" xmlns="" id="{77327BB8-C8AD-194D-4E04-00122A71646B}"/>
+                <a16:creationId xmlns="" xmlns:a16="http://schemas.microsoft.com/office/drawing/2014/main" id="{77327BB8-C8AD-194D-4E04-00122A71646B}"/>
               </a:ext>
             </a:extLst>
           </p:cNvPr>
@@ -13961,7 +13961,7 @@
           <p:cNvPr id="18" name="Rectángulo redondeado 17">
             <a:extLst>
               <a:ext uri="{FF2B5EF4-FFF2-40B4-BE49-F238E27FC236}">
-                <a16:creationId xmlns:a16="http://schemas.microsoft.com/office/drawing/2014/main" xmlns="" id="{A82886BF-19BB-9236-ADD9-7C2A1A689330}"/>
+                <a16:creationId xmlns="" xmlns:a16="http://schemas.microsoft.com/office/drawing/2014/main" id="{A82886BF-19BB-9236-ADD9-7C2A1A689330}"/>
               </a:ext>
             </a:extLst>
           </p:cNvPr>
@@ -14023,7 +14023,7 @@
           <p:cNvPr id="19" name="Rectángulo redondeado 18">
             <a:extLst>
               <a:ext uri="{FF2B5EF4-FFF2-40B4-BE49-F238E27FC236}">
-                <a16:creationId xmlns:a16="http://schemas.microsoft.com/office/drawing/2014/main" xmlns="" id="{6EA072CD-9F3D-4795-5D92-A409228E5D0A}"/>
+                <a16:creationId xmlns="" xmlns:a16="http://schemas.microsoft.com/office/drawing/2014/main" id="{6EA072CD-9F3D-4795-5D92-A409228E5D0A}"/>
               </a:ext>
             </a:extLst>
           </p:cNvPr>
@@ -14085,7 +14085,7 @@
           <p:cNvPr id="30" name="Subtítulo 2">
             <a:extLst>
               <a:ext uri="{FF2B5EF4-FFF2-40B4-BE49-F238E27FC236}">
-                <a16:creationId xmlns:a16="http://schemas.microsoft.com/office/drawing/2014/main" xmlns="" id="{A01E837A-D726-E0FC-6B75-F180334C145E}"/>
+                <a16:creationId xmlns="" xmlns:a16="http://schemas.microsoft.com/office/drawing/2014/main" id="{A01E837A-D726-E0FC-6B75-F180334C145E}"/>
               </a:ext>
             </a:extLst>
           </p:cNvPr>
@@ -14328,7 +14328,7 @@
           <p:cNvPr id="34" name="Subtítulo 2">
             <a:extLst>
               <a:ext uri="{FF2B5EF4-FFF2-40B4-BE49-F238E27FC236}">
-                <a16:creationId xmlns:a16="http://schemas.microsoft.com/office/drawing/2014/main" xmlns="" id="{F863594F-03E1-D5FE-967D-FC23EBCEBC46}"/>
+                <a16:creationId xmlns="" xmlns:a16="http://schemas.microsoft.com/office/drawing/2014/main" id="{F863594F-03E1-D5FE-967D-FC23EBCEBC46}"/>
               </a:ext>
             </a:extLst>
           </p:cNvPr>
@@ -14571,7 +14571,7 @@
           <p:cNvPr id="45" name="Subtítulo 2">
             <a:extLst>
               <a:ext uri="{FF2B5EF4-FFF2-40B4-BE49-F238E27FC236}">
-                <a16:creationId xmlns:a16="http://schemas.microsoft.com/office/drawing/2014/main" xmlns="" id="{BAC2461A-A8F4-6E7D-591F-A715605CB681}"/>
+                <a16:creationId xmlns="" xmlns:a16="http://schemas.microsoft.com/office/drawing/2014/main" id="{BAC2461A-A8F4-6E7D-591F-A715605CB681}"/>
               </a:ext>
             </a:extLst>
           </p:cNvPr>
@@ -14814,7 +14814,7 @@
           <p:cNvPr id="47" name="Subtítulo 2">
             <a:extLst>
               <a:ext uri="{FF2B5EF4-FFF2-40B4-BE49-F238E27FC236}">
-                <a16:creationId xmlns:a16="http://schemas.microsoft.com/office/drawing/2014/main" xmlns="" id="{9E63FB36-E116-AEAC-39ED-BAE30F51867C}"/>
+                <a16:creationId xmlns="" xmlns:a16="http://schemas.microsoft.com/office/drawing/2014/main" id="{9E63FB36-E116-AEAC-39ED-BAE30F51867C}"/>
               </a:ext>
             </a:extLst>
           </p:cNvPr>
@@ -15036,7 +15036,7 @@
           <p:cNvPr id="48" name="Subtítulo 2">
             <a:extLst>
               <a:ext uri="{FF2B5EF4-FFF2-40B4-BE49-F238E27FC236}">
-                <a16:creationId xmlns:a16="http://schemas.microsoft.com/office/drawing/2014/main" xmlns="" id="{DF3BBE98-CE18-7410-A42D-05AF2CF3A2A6}"/>
+                <a16:creationId xmlns="" xmlns:a16="http://schemas.microsoft.com/office/drawing/2014/main" id="{DF3BBE98-CE18-7410-A42D-05AF2CF3A2A6}"/>
               </a:ext>
             </a:extLst>
           </p:cNvPr>
@@ -15279,7 +15279,7 @@
           <p:cNvPr id="49" name="Subtítulo 2">
             <a:extLst>
               <a:ext uri="{FF2B5EF4-FFF2-40B4-BE49-F238E27FC236}">
-                <a16:creationId xmlns:a16="http://schemas.microsoft.com/office/drawing/2014/main" xmlns="" id="{C81EEB7D-A645-3EE7-6E59-FE643DB0CCB1}"/>
+                <a16:creationId xmlns="" xmlns:a16="http://schemas.microsoft.com/office/drawing/2014/main" id="{C81EEB7D-A645-3EE7-6E59-FE643DB0CCB1}"/>
               </a:ext>
             </a:extLst>
           </p:cNvPr>
@@ -15522,7 +15522,7 @@
           <p:cNvPr id="50" name="Subtítulo 2">
             <a:extLst>
               <a:ext uri="{FF2B5EF4-FFF2-40B4-BE49-F238E27FC236}">
-                <a16:creationId xmlns:a16="http://schemas.microsoft.com/office/drawing/2014/main" xmlns="" id="{1E13DC0E-9361-9034-2A30-6DBBEC58B20D}"/>
+                <a16:creationId xmlns="" xmlns:a16="http://schemas.microsoft.com/office/drawing/2014/main" id="{1E13DC0E-9361-9034-2A30-6DBBEC58B20D}"/>
               </a:ext>
             </a:extLst>
           </p:cNvPr>
@@ -15765,7 +15765,7 @@
           <p:cNvPr id="51" name="Subtítulo 2">
             <a:extLst>
               <a:ext uri="{FF2B5EF4-FFF2-40B4-BE49-F238E27FC236}">
-                <a16:creationId xmlns:a16="http://schemas.microsoft.com/office/drawing/2014/main" xmlns="" id="{AB1EF8A2-8534-BEE3-A084-8B5E6BDB1310}"/>
+                <a16:creationId xmlns="" xmlns:a16="http://schemas.microsoft.com/office/drawing/2014/main" id="{AB1EF8A2-8534-BEE3-A084-8B5E6BDB1310}"/>
               </a:ext>
             </a:extLst>
           </p:cNvPr>
@@ -16019,7 +16019,7 @@
           <p:cNvPr id="23" name="Rectángulo redondeado 6">
             <a:extLst>
               <a:ext uri="{FF2B5EF4-FFF2-40B4-BE49-F238E27FC236}">
-                <a16:creationId xmlns:a16="http://schemas.microsoft.com/office/drawing/2014/main" xmlns="" id="{0EA01A99-EEE2-756B-9ECE-EC32D3ABF85E}"/>
+                <a16:creationId xmlns="" xmlns:a16="http://schemas.microsoft.com/office/drawing/2014/main" id="{0EA01A99-EEE2-756B-9ECE-EC32D3ABF85E}"/>
               </a:ext>
             </a:extLst>
           </p:cNvPr>
@@ -16082,7 +16082,7 @@
           <p:cNvPr id="24" name="Rectángulo redondeado 18">
             <a:extLst>
               <a:ext uri="{FF2B5EF4-FFF2-40B4-BE49-F238E27FC236}">
-                <a16:creationId xmlns:a16="http://schemas.microsoft.com/office/drawing/2014/main" xmlns="" id="{6EA072CD-9F3D-4795-5D92-A409228E5D0A}"/>
+                <a16:creationId xmlns="" xmlns:a16="http://schemas.microsoft.com/office/drawing/2014/main" id="{6EA072CD-9F3D-4795-5D92-A409228E5D0A}"/>
               </a:ext>
             </a:extLst>
           </p:cNvPr>
@@ -16144,7 +16144,7 @@
           <p:cNvPr id="25" name="Subtítulo 2">
             <a:extLst>
               <a:ext uri="{FF2B5EF4-FFF2-40B4-BE49-F238E27FC236}">
-                <a16:creationId xmlns:a16="http://schemas.microsoft.com/office/drawing/2014/main" xmlns="" id="{9E63FB36-E116-AEAC-39ED-BAE30F51867C}"/>
+                <a16:creationId xmlns="" xmlns:a16="http://schemas.microsoft.com/office/drawing/2014/main" id="{9E63FB36-E116-AEAC-39ED-BAE30F51867C}"/>
               </a:ext>
             </a:extLst>
           </p:cNvPr>
@@ -16366,7 +16366,7 @@
           <p:cNvPr id="26" name="Subtítulo 2">
             <a:extLst>
               <a:ext uri="{FF2B5EF4-FFF2-40B4-BE49-F238E27FC236}">
-                <a16:creationId xmlns:a16="http://schemas.microsoft.com/office/drawing/2014/main" xmlns="" id="{AB1EF8A2-8534-BEE3-A084-8B5E6BDB1310}"/>
+                <a16:creationId xmlns="" xmlns:a16="http://schemas.microsoft.com/office/drawing/2014/main" id="{AB1EF8A2-8534-BEE3-A084-8B5E6BDB1310}"/>
               </a:ext>
             </a:extLst>
           </p:cNvPr>
@@ -16626,7 +16626,7 @@
     <a:masterClrMapping/>
   </p:clrMapOvr>
   <mc:AlternateContent xmlns:mc="http://schemas.openxmlformats.org/markup-compatibility/2006">
-    <mc:Choice xmlns:p159="http://schemas.microsoft.com/office/powerpoint/2015/09/main" xmlns="" Requires="p159">
+    <mc:Choice xmlns="" xmlns:p159="http://schemas.microsoft.com/office/powerpoint/2015/09/main" Requires="p159">
       <p:transition xmlns:p14="http://schemas.microsoft.com/office/powerpoint/2010/main" spd="slow" p14:dur="2000">
         <p159:morph option="byObject"/>
       </p:transition>
@@ -16662,7 +16662,7 @@
           <p:cNvPr id="2" name="Imagen 1">
             <a:extLst>
               <a:ext uri="{FF2B5EF4-FFF2-40B4-BE49-F238E27FC236}">
-                <a16:creationId xmlns="" xmlns:a16="http://schemas.microsoft.com/office/drawing/2014/main" id="{8495C0A0-4965-B406-97D2-0C73E97D488B}"/>
+                <a16:creationId xmlns:a16="http://schemas.microsoft.com/office/drawing/2014/main" xmlns="" id="{8495C0A0-4965-B406-97D2-0C73E97D488B}"/>
               </a:ext>
             </a:extLst>
           </p:cNvPr>
@@ -16679,7 +16679,7 @@
         </p:blipFill>
         <p:spPr>
           <a:xfrm>
-            <a:off x="0" y="-394558"/>
+            <a:off x="0" y="5496"/>
             <a:ext cx="12192000" cy="6858000"/>
           </a:xfrm>
           <a:prstGeom prst="rect">
@@ -16692,7 +16692,7 @@
           <p:cNvPr id="3" name="Marcador de número de diapositiva 3">
             <a:extLst>
               <a:ext uri="{FF2B5EF4-FFF2-40B4-BE49-F238E27FC236}">
-                <a16:creationId xmlns="" xmlns:a16="http://schemas.microsoft.com/office/drawing/2014/main" id="{958FBA5A-A58E-C697-8203-4F8B9AE81A4E}"/>
+                <a16:creationId xmlns:a16="http://schemas.microsoft.com/office/drawing/2014/main" xmlns="" id="{958FBA5A-A58E-C697-8203-4F8B9AE81A4E}"/>
               </a:ext>
             </a:extLst>
           </p:cNvPr>
@@ -16726,7 +16726,7 @@
           <p:cNvPr id="23" name="Título 1">
             <a:extLst>
               <a:ext uri="{FF2B5EF4-FFF2-40B4-BE49-F238E27FC236}">
-                <a16:creationId xmlns="" xmlns:a16="http://schemas.microsoft.com/office/drawing/2014/main" id="{E1DD3CF2-B58E-FFFA-CC44-24E153BAAA08}"/>
+                <a16:creationId xmlns:a16="http://schemas.microsoft.com/office/drawing/2014/main" xmlns="" id="{E1DD3CF2-B58E-FFFA-CC44-24E153BAAA08}"/>
               </a:ext>
             </a:extLst>
           </p:cNvPr>
@@ -17110,7 +17110,7 @@
           </a:ln>
           <a:extLst>
             <a:ext uri="{C572A759-6A51-4108-AA02-DFA0A04FC94B}">
-              <ma14:wrappingTextBoxFlag xmlns:ma14="http://schemas.microsoft.com/office/mac/drawingml/2011/main" xmlns:a14="http://schemas.microsoft.com/office/drawing/2010/main" xmlns:m="http://schemas.openxmlformats.org/officeDocument/2006/math" xmlns="" val="1"/>
+              <ma14:wrappingTextBoxFlag xmlns="" xmlns:m="http://schemas.openxmlformats.org/officeDocument/2006/math" xmlns:a14="http://schemas.microsoft.com/office/drawing/2010/main" xmlns:ma14="http://schemas.microsoft.com/office/mac/drawingml/2011/main" val="1"/>
             </a:ext>
           </a:extLst>
         </p:spPr>
@@ -17157,7 +17157,7 @@
           </a:ln>
           <a:extLst>
             <a:ext uri="{C572A759-6A51-4108-AA02-DFA0A04FC94B}">
-              <ma14:wrappingTextBoxFlag xmlns:ma14="http://schemas.microsoft.com/office/mac/drawingml/2011/main" xmlns:a14="http://schemas.microsoft.com/office/drawing/2010/main" xmlns:m="http://schemas.openxmlformats.org/officeDocument/2006/math" xmlns="" val="1"/>
+              <ma14:wrappingTextBoxFlag xmlns="" xmlns:m="http://schemas.openxmlformats.org/officeDocument/2006/math" xmlns:a14="http://schemas.microsoft.com/office/drawing/2010/main" xmlns:ma14="http://schemas.microsoft.com/office/mac/drawingml/2011/main" val="1"/>
             </a:ext>
           </a:extLst>
         </p:spPr>
@@ -18692,7 +18692,7 @@
           </a:ln>
           <a:extLst>
             <a:ext uri="{C572A759-6A51-4108-AA02-DFA0A04FC94B}">
-              <ma14:wrappingTextBoxFlag xmlns:ma14="http://schemas.microsoft.com/office/mac/drawingml/2011/main" xmlns:a14="http://schemas.microsoft.com/office/drawing/2010/main" xmlns:m="http://schemas.openxmlformats.org/officeDocument/2006/math" xmlns="" val="1"/>
+              <ma14:wrappingTextBoxFlag xmlns="" xmlns:m="http://schemas.openxmlformats.org/officeDocument/2006/math" xmlns:a14="http://schemas.microsoft.com/office/drawing/2010/main" xmlns:ma14="http://schemas.microsoft.com/office/mac/drawingml/2011/main" val="1"/>
             </a:ext>
           </a:extLst>
         </p:spPr>
@@ -18752,7 +18752,7 @@
           </a:ln>
           <a:extLst>
             <a:ext uri="{C572A759-6A51-4108-AA02-DFA0A04FC94B}">
-              <ma14:wrappingTextBoxFlag xmlns:ma14="http://schemas.microsoft.com/office/mac/drawingml/2011/main" xmlns:a14="http://schemas.microsoft.com/office/drawing/2010/main" xmlns:m="http://schemas.openxmlformats.org/officeDocument/2006/math" xmlns="" val="1"/>
+              <ma14:wrappingTextBoxFlag xmlns="" xmlns:m="http://schemas.openxmlformats.org/officeDocument/2006/math" xmlns:a14="http://schemas.microsoft.com/office/drawing/2010/main" xmlns:ma14="http://schemas.microsoft.com/office/mac/drawingml/2011/main" val="1"/>
             </a:ext>
           </a:extLst>
         </p:spPr>
@@ -18875,7 +18875,7 @@
             <a:effectLst/>
             <a:extLst>
               <a:ext uri="{C572A759-6A51-4108-AA02-DFA0A04FC94B}">
-                <ma14:wrappingTextBoxFlag xmlns:ma14="http://schemas.microsoft.com/office/mac/drawingml/2011/main" xmlns:a14="http://schemas.microsoft.com/office/drawing/2010/main" xmlns:m="http://schemas.openxmlformats.org/officeDocument/2006/math" xmlns="" val="1"/>
+                <ma14:wrappingTextBoxFlag xmlns="" xmlns:m="http://schemas.openxmlformats.org/officeDocument/2006/math" xmlns:a14="http://schemas.microsoft.com/office/drawing/2010/main" xmlns:ma14="http://schemas.microsoft.com/office/mac/drawingml/2011/main" val="1"/>
               </a:ext>
             </a:extLst>
           </p:spPr>
@@ -18972,7 +18972,7 @@
             <a:effectLst/>
             <a:extLst>
               <a:ext uri="{C572A759-6A51-4108-AA02-DFA0A04FC94B}">
-                <ma14:wrappingTextBoxFlag xmlns:ma14="http://schemas.microsoft.com/office/mac/drawingml/2011/main" xmlns:a14="http://schemas.microsoft.com/office/drawing/2010/main" xmlns:m="http://schemas.openxmlformats.org/officeDocument/2006/math" xmlns="" val="1"/>
+                <ma14:wrappingTextBoxFlag xmlns="" xmlns:m="http://schemas.openxmlformats.org/officeDocument/2006/math" xmlns:a14="http://schemas.microsoft.com/office/drawing/2010/main" xmlns:ma14="http://schemas.microsoft.com/office/mac/drawingml/2011/main" val="1"/>
               </a:ext>
             </a:extLst>
           </p:spPr>
@@ -19025,7 +19025,7 @@
             <a:effectLst/>
             <a:extLst>
               <a:ext uri="{C572A759-6A51-4108-AA02-DFA0A04FC94B}">
-                <ma14:wrappingTextBoxFlag xmlns:ma14="http://schemas.microsoft.com/office/mac/drawingml/2011/main" xmlns:a14="http://schemas.microsoft.com/office/drawing/2010/main" xmlns:m="http://schemas.openxmlformats.org/officeDocument/2006/math" xmlns="" val="1"/>
+                <ma14:wrappingTextBoxFlag xmlns="" xmlns:m="http://schemas.openxmlformats.org/officeDocument/2006/math" xmlns:a14="http://schemas.microsoft.com/office/drawing/2010/main" xmlns:ma14="http://schemas.microsoft.com/office/mac/drawingml/2011/main" val="1"/>
               </a:ext>
             </a:extLst>
           </p:spPr>
@@ -19149,7 +19149,7 @@
     <a:masterClrMapping/>
   </p:clrMapOvr>
   <mc:AlternateContent xmlns:mc="http://schemas.openxmlformats.org/markup-compatibility/2006">
-    <mc:Choice xmlns="" xmlns:p159="http://schemas.microsoft.com/office/powerpoint/2015/09/main" Requires="p159">
+    <mc:Choice xmlns:p159="http://schemas.microsoft.com/office/powerpoint/2015/09/main" xmlns="" Requires="p159">
       <p:transition xmlns:p14="http://schemas.microsoft.com/office/powerpoint/2010/main" spd="slow" p14:dur="2000">
         <p159:morph option="byObject"/>
       </p:transition>
@@ -20487,7 +20487,7 @@
           <p:cNvPr id="2" name="Imagen 1">
             <a:extLst>
               <a:ext uri="{FF2B5EF4-FFF2-40B4-BE49-F238E27FC236}">
-                <a16:creationId xmlns="" xmlns:a16="http://schemas.microsoft.com/office/drawing/2014/main" id="{8495C0A0-4965-B406-97D2-0C73E97D488B}"/>
+                <a16:creationId xmlns:a16="http://schemas.microsoft.com/office/drawing/2014/main" xmlns="" id="{8495C0A0-4965-B406-97D2-0C73E97D488B}"/>
               </a:ext>
             </a:extLst>
           </p:cNvPr>
@@ -20504,7 +20504,7 @@
         </p:blipFill>
         <p:spPr>
           <a:xfrm>
-            <a:off x="0" y="-394558"/>
+            <a:off x="0" y="5498"/>
             <a:ext cx="12192000" cy="6858000"/>
           </a:xfrm>
           <a:prstGeom prst="rect">
@@ -20517,7 +20517,7 @@
           <p:cNvPr id="3" name="Marcador de número de diapositiva 3">
             <a:extLst>
               <a:ext uri="{FF2B5EF4-FFF2-40B4-BE49-F238E27FC236}">
-                <a16:creationId xmlns="" xmlns:a16="http://schemas.microsoft.com/office/drawing/2014/main" id="{958FBA5A-A58E-C697-8203-4F8B9AE81A4E}"/>
+                <a16:creationId xmlns:a16="http://schemas.microsoft.com/office/drawing/2014/main" xmlns="" id="{958FBA5A-A58E-C697-8203-4F8B9AE81A4E}"/>
               </a:ext>
             </a:extLst>
           </p:cNvPr>
@@ -20551,7 +20551,7 @@
           <p:cNvPr id="23" name="Título 1">
             <a:extLst>
               <a:ext uri="{FF2B5EF4-FFF2-40B4-BE49-F238E27FC236}">
-                <a16:creationId xmlns="" xmlns:a16="http://schemas.microsoft.com/office/drawing/2014/main" id="{E1DD3CF2-B58E-FFFA-CC44-24E153BAAA08}"/>
+                <a16:creationId xmlns:a16="http://schemas.microsoft.com/office/drawing/2014/main" xmlns="" id="{E1DD3CF2-B58E-FFFA-CC44-24E153BAAA08}"/>
               </a:ext>
             </a:extLst>
           </p:cNvPr>
@@ -20709,7 +20709,7 @@
             <a:effectLst/>
             <a:extLst>
               <a:ext uri="{C572A759-6A51-4108-AA02-DFA0A04FC94B}">
-                <ma14:wrappingTextBoxFlag xmlns:ma14="http://schemas.microsoft.com/office/mac/drawingml/2011/main" xmlns:a14="http://schemas.microsoft.com/office/drawing/2010/main" xmlns:m="http://schemas.openxmlformats.org/officeDocument/2006/math" xmlns="" val="1"/>
+                <ma14:wrappingTextBoxFlag xmlns="" xmlns:m="http://schemas.openxmlformats.org/officeDocument/2006/math" xmlns:a14="http://schemas.microsoft.com/office/drawing/2010/main" xmlns:ma14="http://schemas.microsoft.com/office/mac/drawingml/2011/main" val="1"/>
               </a:ext>
             </a:extLst>
           </p:spPr>
@@ -20806,7 +20806,7 @@
             <a:effectLst/>
             <a:extLst>
               <a:ext uri="{C572A759-6A51-4108-AA02-DFA0A04FC94B}">
-                <ma14:wrappingTextBoxFlag xmlns:ma14="http://schemas.microsoft.com/office/mac/drawingml/2011/main" xmlns:a14="http://schemas.microsoft.com/office/drawing/2010/main" xmlns:m="http://schemas.openxmlformats.org/officeDocument/2006/math" xmlns="" val="1"/>
+                <ma14:wrappingTextBoxFlag xmlns="" xmlns:m="http://schemas.openxmlformats.org/officeDocument/2006/math" xmlns:a14="http://schemas.microsoft.com/office/drawing/2010/main" xmlns:ma14="http://schemas.microsoft.com/office/mac/drawingml/2011/main" val="1"/>
               </a:ext>
             </a:extLst>
           </p:spPr>
@@ -20859,7 +20859,7 @@
             <a:effectLst/>
             <a:extLst>
               <a:ext uri="{C572A759-6A51-4108-AA02-DFA0A04FC94B}">
-                <ma14:wrappingTextBoxFlag xmlns:ma14="http://schemas.microsoft.com/office/mac/drawingml/2011/main" xmlns:a14="http://schemas.microsoft.com/office/drawing/2010/main" xmlns:m="http://schemas.openxmlformats.org/officeDocument/2006/math" xmlns="" val="1"/>
+                <ma14:wrappingTextBoxFlag xmlns="" xmlns:m="http://schemas.openxmlformats.org/officeDocument/2006/math" xmlns:a14="http://schemas.microsoft.com/office/drawing/2010/main" xmlns:ma14="http://schemas.microsoft.com/office/mac/drawingml/2011/main" val="1"/>
               </a:ext>
             </a:extLst>
           </p:spPr>
@@ -20910,7 +20910,7 @@
           </a:ln>
           <a:extLst>
             <a:ext uri="{C572A759-6A51-4108-AA02-DFA0A04FC94B}">
-              <ma14:wrappingTextBoxFlag xmlns:ma14="http://schemas.microsoft.com/office/mac/drawingml/2011/main" xmlns:a14="http://schemas.microsoft.com/office/drawing/2010/main" xmlns:m="http://schemas.openxmlformats.org/officeDocument/2006/math" xmlns="" val="1"/>
+              <ma14:wrappingTextBoxFlag xmlns="" xmlns:m="http://schemas.openxmlformats.org/officeDocument/2006/math" xmlns:a14="http://schemas.microsoft.com/office/drawing/2010/main" xmlns:ma14="http://schemas.microsoft.com/office/mac/drawingml/2011/main" val="1"/>
             </a:ext>
           </a:extLst>
         </p:spPr>
@@ -20964,7 +20964,7 @@
           </a:ln>
           <a:extLst>
             <a:ext uri="{C572A759-6A51-4108-AA02-DFA0A04FC94B}">
-              <ma14:wrappingTextBoxFlag xmlns:ma14="http://schemas.microsoft.com/office/mac/drawingml/2011/main" xmlns:a14="http://schemas.microsoft.com/office/drawing/2010/main" xmlns:m="http://schemas.openxmlformats.org/officeDocument/2006/math" xmlns="" val="1"/>
+              <ma14:wrappingTextBoxFlag xmlns="" xmlns:m="http://schemas.openxmlformats.org/officeDocument/2006/math" xmlns:a14="http://schemas.microsoft.com/office/drawing/2010/main" xmlns:ma14="http://schemas.microsoft.com/office/mac/drawingml/2011/main" val="1"/>
             </a:ext>
           </a:extLst>
         </p:spPr>
@@ -21039,7 +21039,7 @@
           </a:ln>
           <a:extLst>
             <a:ext uri="{C572A759-6A51-4108-AA02-DFA0A04FC94B}">
-              <ma14:wrappingTextBoxFlag xmlns:ma14="http://schemas.microsoft.com/office/mac/drawingml/2011/main" xmlns:a14="http://schemas.microsoft.com/office/drawing/2010/main" xmlns:m="http://schemas.openxmlformats.org/officeDocument/2006/math" xmlns="" val="1"/>
+              <ma14:wrappingTextBoxFlag xmlns="" xmlns:m="http://schemas.openxmlformats.org/officeDocument/2006/math" xmlns:a14="http://schemas.microsoft.com/office/drawing/2010/main" xmlns:ma14="http://schemas.microsoft.com/office/mac/drawingml/2011/main" val="1"/>
             </a:ext>
           </a:extLst>
         </p:spPr>
@@ -21100,7 +21100,7 @@
           </a:ln>
           <a:extLst>
             <a:ext uri="{C572A759-6A51-4108-AA02-DFA0A04FC94B}">
-              <ma14:wrappingTextBoxFlag xmlns:ma14="http://schemas.microsoft.com/office/mac/drawingml/2011/main" xmlns:a14="http://schemas.microsoft.com/office/drawing/2010/main" xmlns:m="http://schemas.openxmlformats.org/officeDocument/2006/math" xmlns="" val="1"/>
+              <ma14:wrappingTextBoxFlag xmlns="" xmlns:m="http://schemas.openxmlformats.org/officeDocument/2006/math" xmlns:a14="http://schemas.microsoft.com/office/drawing/2010/main" xmlns:ma14="http://schemas.microsoft.com/office/mac/drawingml/2011/main" val="1"/>
             </a:ext>
           </a:extLst>
         </p:spPr>
@@ -21180,7 +21180,7 @@
             <a:effectLst/>
             <a:extLst>
               <a:ext uri="{C572A759-6A51-4108-AA02-DFA0A04FC94B}">
-                <ma14:wrappingTextBoxFlag xmlns:ma14="http://schemas.microsoft.com/office/mac/drawingml/2011/main" xmlns:a14="http://schemas.microsoft.com/office/drawing/2010/main" xmlns:m="http://schemas.openxmlformats.org/officeDocument/2006/math" xmlns="" val="1"/>
+                <ma14:wrappingTextBoxFlag xmlns="" xmlns:m="http://schemas.openxmlformats.org/officeDocument/2006/math" xmlns:a14="http://schemas.microsoft.com/office/drawing/2010/main" xmlns:ma14="http://schemas.microsoft.com/office/mac/drawingml/2011/main" val="1"/>
               </a:ext>
             </a:extLst>
           </p:spPr>
@@ -21373,7 +21373,7 @@
           </a:ln>
           <a:extLst>
             <a:ext uri="{C572A759-6A51-4108-AA02-DFA0A04FC94B}">
-              <ma14:wrappingTextBoxFlag xmlns:ma14="http://schemas.microsoft.com/office/mac/drawingml/2011/main" xmlns:a14="http://schemas.microsoft.com/office/drawing/2010/main" xmlns:m="http://schemas.openxmlformats.org/officeDocument/2006/math" xmlns="" val="1"/>
+              <ma14:wrappingTextBoxFlag xmlns="" xmlns:m="http://schemas.openxmlformats.org/officeDocument/2006/math" xmlns:a14="http://schemas.microsoft.com/office/drawing/2010/main" xmlns:ma14="http://schemas.microsoft.com/office/mac/drawingml/2011/main" val="1"/>
             </a:ext>
           </a:extLst>
         </p:spPr>
@@ -21423,7 +21423,7 @@
           </a:ln>
           <a:extLst>
             <a:ext uri="{C572A759-6A51-4108-AA02-DFA0A04FC94B}">
-              <ma14:wrappingTextBoxFlag xmlns:ma14="http://schemas.microsoft.com/office/mac/drawingml/2011/main" xmlns:a14="http://schemas.microsoft.com/office/drawing/2010/main" xmlns:m="http://schemas.openxmlformats.org/officeDocument/2006/math" xmlns="" val="1"/>
+              <ma14:wrappingTextBoxFlag xmlns="" xmlns:m="http://schemas.openxmlformats.org/officeDocument/2006/math" xmlns:a14="http://schemas.microsoft.com/office/drawing/2010/main" xmlns:ma14="http://schemas.microsoft.com/office/mac/drawingml/2011/main" val="1"/>
             </a:ext>
           </a:extLst>
         </p:spPr>
@@ -21456,7 +21456,7 @@
           <p:cNvPr id="24" name="Rectángulo redondeado 8">
             <a:extLst>
               <a:ext uri="{FF2B5EF4-FFF2-40B4-BE49-F238E27FC236}">
-                <a16:creationId xmlns:a16="http://schemas.microsoft.com/office/drawing/2014/main" xmlns="" id="{277BA7B5-969F-97FA-876B-9353DE62E89F}"/>
+                <a16:creationId xmlns="" xmlns:a16="http://schemas.microsoft.com/office/drawing/2014/main" id="{277BA7B5-969F-97FA-876B-9353DE62E89F}"/>
               </a:ext>
             </a:extLst>
           </p:cNvPr>
@@ -21510,7 +21510,7 @@
           <p:cNvPr id="26" name="Rectangle 68">
             <a:extLst>
               <a:ext uri="{FF2B5EF4-FFF2-40B4-BE49-F238E27FC236}">
-                <a16:creationId xmlns:a16="http://schemas.microsoft.com/office/drawing/2014/main" xmlns="" id="{2E170935-075B-E9F1-39F5-718251B4ECCC}"/>
+                <a16:creationId xmlns="" xmlns:a16="http://schemas.microsoft.com/office/drawing/2014/main" id="{2E170935-075B-E9F1-39F5-718251B4ECCC}"/>
               </a:ext>
             </a:extLst>
           </p:cNvPr>
@@ -21570,7 +21570,7 @@
     <a:masterClrMapping/>
   </p:clrMapOvr>
   <mc:AlternateContent xmlns:mc="http://schemas.openxmlformats.org/markup-compatibility/2006">
-    <mc:Choice xmlns="" xmlns:p159="http://schemas.microsoft.com/office/powerpoint/2015/09/main" Requires="p159">
+    <mc:Choice xmlns:p159="http://schemas.microsoft.com/office/powerpoint/2015/09/main" xmlns="" Requires="p159">
       <p:transition xmlns:p14="http://schemas.microsoft.com/office/powerpoint/2010/main" spd="slow" p14:dur="2000">
         <p159:morph option="byObject"/>
       </p:transition>
@@ -22079,7 +22079,7 @@
           <p:cNvPr id="2" name="Imagen 1">
             <a:extLst>
               <a:ext uri="{FF2B5EF4-FFF2-40B4-BE49-F238E27FC236}">
-                <a16:creationId xmlns="" xmlns:a16="http://schemas.microsoft.com/office/drawing/2014/main" id="{8495C0A0-4965-B406-97D2-0C73E97D488B}"/>
+                <a16:creationId xmlns:a16="http://schemas.microsoft.com/office/drawing/2014/main" xmlns="" id="{8495C0A0-4965-B406-97D2-0C73E97D488B}"/>
               </a:ext>
             </a:extLst>
           </p:cNvPr>
@@ -22096,7 +22096,7 @@
         </p:blipFill>
         <p:spPr>
           <a:xfrm>
-            <a:off x="0" y="-394558"/>
+            <a:off x="0" y="5501"/>
             <a:ext cx="12192000" cy="6858000"/>
           </a:xfrm>
           <a:prstGeom prst="rect">
@@ -22109,7 +22109,7 @@
           <p:cNvPr id="3" name="Marcador de número de diapositiva 3">
             <a:extLst>
               <a:ext uri="{FF2B5EF4-FFF2-40B4-BE49-F238E27FC236}">
-                <a16:creationId xmlns="" xmlns:a16="http://schemas.microsoft.com/office/drawing/2014/main" id="{958FBA5A-A58E-C697-8203-4F8B9AE81A4E}"/>
+                <a16:creationId xmlns:a16="http://schemas.microsoft.com/office/drawing/2014/main" xmlns="" id="{958FBA5A-A58E-C697-8203-4F8B9AE81A4E}"/>
               </a:ext>
             </a:extLst>
           </p:cNvPr>
@@ -22143,7 +22143,7 @@
           <p:cNvPr id="23" name="Título 1">
             <a:extLst>
               <a:ext uri="{FF2B5EF4-FFF2-40B4-BE49-F238E27FC236}">
-                <a16:creationId xmlns="" xmlns:a16="http://schemas.microsoft.com/office/drawing/2014/main" id="{E1DD3CF2-B58E-FFFA-CC44-24E153BAAA08}"/>
+                <a16:creationId xmlns:a16="http://schemas.microsoft.com/office/drawing/2014/main" xmlns="" id="{E1DD3CF2-B58E-FFFA-CC44-24E153BAAA08}"/>
               </a:ext>
             </a:extLst>
           </p:cNvPr>
@@ -22312,7 +22312,7 @@
             <a:effectLst/>
             <a:extLst>
               <a:ext uri="{C572A759-6A51-4108-AA02-DFA0A04FC94B}">
-                <ma14:wrappingTextBoxFlag xmlns:ma14="http://schemas.microsoft.com/office/mac/drawingml/2011/main" xmlns:a14="http://schemas.microsoft.com/office/drawing/2010/main" xmlns:m="http://schemas.openxmlformats.org/officeDocument/2006/math" xmlns="" val="1"/>
+                <ma14:wrappingTextBoxFlag xmlns="" xmlns:m="http://schemas.openxmlformats.org/officeDocument/2006/math" xmlns:a14="http://schemas.microsoft.com/office/drawing/2010/main" xmlns:ma14="http://schemas.microsoft.com/office/mac/drawingml/2011/main" val="1"/>
               </a:ext>
             </a:extLst>
           </p:spPr>
@@ -22409,7 +22409,7 @@
             <a:effectLst/>
             <a:extLst>
               <a:ext uri="{C572A759-6A51-4108-AA02-DFA0A04FC94B}">
-                <ma14:wrappingTextBoxFlag xmlns:ma14="http://schemas.microsoft.com/office/mac/drawingml/2011/main" xmlns:a14="http://schemas.microsoft.com/office/drawing/2010/main" xmlns:m="http://schemas.openxmlformats.org/officeDocument/2006/math" xmlns="" val="1"/>
+                <ma14:wrappingTextBoxFlag xmlns="" xmlns:m="http://schemas.openxmlformats.org/officeDocument/2006/math" xmlns:a14="http://schemas.microsoft.com/office/drawing/2010/main" xmlns:ma14="http://schemas.microsoft.com/office/mac/drawingml/2011/main" val="1"/>
               </a:ext>
             </a:extLst>
           </p:spPr>
@@ -22462,7 +22462,7 @@
             <a:effectLst/>
             <a:extLst>
               <a:ext uri="{C572A759-6A51-4108-AA02-DFA0A04FC94B}">
-                <ma14:wrappingTextBoxFlag xmlns:ma14="http://schemas.microsoft.com/office/mac/drawingml/2011/main" xmlns:a14="http://schemas.microsoft.com/office/drawing/2010/main" xmlns:m="http://schemas.openxmlformats.org/officeDocument/2006/math" xmlns="" val="1"/>
+                <ma14:wrappingTextBoxFlag xmlns="" xmlns:m="http://schemas.openxmlformats.org/officeDocument/2006/math" xmlns:a14="http://schemas.microsoft.com/office/drawing/2010/main" xmlns:ma14="http://schemas.microsoft.com/office/mac/drawingml/2011/main" val="1"/>
               </a:ext>
             </a:extLst>
           </p:spPr>
@@ -22553,7 +22553,7 @@
           </a:ln>
           <a:extLst>
             <a:ext uri="{C572A759-6A51-4108-AA02-DFA0A04FC94B}">
-              <ma14:wrappingTextBoxFlag xmlns:ma14="http://schemas.microsoft.com/office/mac/drawingml/2011/main" xmlns:a14="http://schemas.microsoft.com/office/drawing/2010/main" xmlns:m="http://schemas.openxmlformats.org/officeDocument/2006/math" xmlns="" val="1"/>
+              <ma14:wrappingTextBoxFlag xmlns="" xmlns:m="http://schemas.openxmlformats.org/officeDocument/2006/math" xmlns:a14="http://schemas.microsoft.com/office/drawing/2010/main" xmlns:ma14="http://schemas.microsoft.com/office/mac/drawingml/2011/main" val="1"/>
             </a:ext>
           </a:extLst>
         </p:spPr>
@@ -22650,7 +22650,7 @@
           </a:ln>
           <a:extLst>
             <a:ext uri="{C572A759-6A51-4108-AA02-DFA0A04FC94B}">
-              <ma14:wrappingTextBoxFlag xmlns:ma14="http://schemas.microsoft.com/office/mac/drawingml/2011/main" xmlns:a14="http://schemas.microsoft.com/office/drawing/2010/main" xmlns:m="http://schemas.openxmlformats.org/officeDocument/2006/math" xmlns="" val="1"/>
+              <ma14:wrappingTextBoxFlag xmlns="" xmlns:m="http://schemas.openxmlformats.org/officeDocument/2006/math" xmlns:a14="http://schemas.microsoft.com/office/drawing/2010/main" xmlns:ma14="http://schemas.microsoft.com/office/mac/drawingml/2011/main" val="1"/>
             </a:ext>
           </a:extLst>
         </p:spPr>
@@ -22697,7 +22697,7 @@
           </a:ln>
           <a:extLst>
             <a:ext uri="{C572A759-6A51-4108-AA02-DFA0A04FC94B}">
-              <ma14:wrappingTextBoxFlag xmlns:ma14="http://schemas.microsoft.com/office/mac/drawingml/2011/main" xmlns:a14="http://schemas.microsoft.com/office/drawing/2010/main" xmlns:m="http://schemas.openxmlformats.org/officeDocument/2006/math" xmlns="" val="1"/>
+              <ma14:wrappingTextBoxFlag xmlns="" xmlns:m="http://schemas.openxmlformats.org/officeDocument/2006/math" xmlns:a14="http://schemas.microsoft.com/office/drawing/2010/main" xmlns:ma14="http://schemas.microsoft.com/office/mac/drawingml/2011/main" val="1"/>
             </a:ext>
           </a:extLst>
         </p:spPr>
@@ -22744,7 +22744,7 @@
           </a:ln>
           <a:extLst>
             <a:ext uri="{C572A759-6A51-4108-AA02-DFA0A04FC94B}">
-              <ma14:wrappingTextBoxFlag xmlns:ma14="http://schemas.microsoft.com/office/mac/drawingml/2011/main" xmlns:a14="http://schemas.microsoft.com/office/drawing/2010/main" xmlns:m="http://schemas.openxmlformats.org/officeDocument/2006/math" xmlns="" val="1"/>
+              <ma14:wrappingTextBoxFlag xmlns="" xmlns:m="http://schemas.openxmlformats.org/officeDocument/2006/math" xmlns:a14="http://schemas.microsoft.com/office/drawing/2010/main" xmlns:ma14="http://schemas.microsoft.com/office/mac/drawingml/2011/main" val="1"/>
             </a:ext>
           </a:extLst>
         </p:spPr>
@@ -22792,7 +22792,7 @@
     <a:masterClrMapping/>
   </p:clrMapOvr>
   <mc:AlternateContent xmlns:mc="http://schemas.openxmlformats.org/markup-compatibility/2006">
-    <mc:Choice xmlns="" xmlns:p159="http://schemas.microsoft.com/office/powerpoint/2015/09/main" Requires="p159">
+    <mc:Choice xmlns:p159="http://schemas.microsoft.com/office/powerpoint/2015/09/main" xmlns="" Requires="p159">
       <p:transition xmlns:p14="http://schemas.microsoft.com/office/powerpoint/2010/main" spd="slow" p14:dur="2000">
         <p159:morph option="byObject"/>
       </p:transition>
@@ -22996,7 +22996,7 @@
           <p:cNvPr id="3" name="Imagen 2">
             <a:extLst>
               <a:ext uri="{FF2B5EF4-FFF2-40B4-BE49-F238E27FC236}">
-                <a16:creationId xmlns="" xmlns:a16="http://schemas.microsoft.com/office/drawing/2014/main" id="{08C4E3FE-E8E8-1FA2-3CB0-D1CC422A969E}"/>
+                <a16:creationId xmlns:a16="http://schemas.microsoft.com/office/drawing/2014/main" xmlns="" id="{08C4E3FE-E8E8-1FA2-3CB0-D1CC422A969E}"/>
               </a:ext>
             </a:extLst>
           </p:cNvPr>
@@ -23026,7 +23026,7 @@
           <p:cNvPr id="6" name="Título 1">
             <a:extLst>
               <a:ext uri="{FF2B5EF4-FFF2-40B4-BE49-F238E27FC236}">
-                <a16:creationId xmlns="" xmlns:a16="http://schemas.microsoft.com/office/drawing/2014/main" id="{A781DE42-8E67-5535-4B61-B54CCAF4FD76}"/>
+                <a16:creationId xmlns:a16="http://schemas.microsoft.com/office/drawing/2014/main" xmlns="" id="{A781DE42-8E67-5535-4B61-B54CCAF4FD76}"/>
               </a:ext>
             </a:extLst>
           </p:cNvPr>
@@ -23093,7 +23093,7 @@
           <p:cNvPr id="10" name="Grupo 9">
             <a:extLst>
               <a:ext uri="{FF2B5EF4-FFF2-40B4-BE49-F238E27FC236}">
-                <a16:creationId xmlns="" xmlns:a16="http://schemas.microsoft.com/office/drawing/2014/main" id="{CB5B3A35-7130-A49C-C69E-40809DEAAE50}"/>
+                <a16:creationId xmlns:a16="http://schemas.microsoft.com/office/drawing/2014/main" xmlns="" id="{CB5B3A35-7130-A49C-C69E-40809DEAAE50}"/>
               </a:ext>
             </a:extLst>
           </p:cNvPr>
@@ -23113,7 +23113,7 @@
             <p:cNvPr id="11" name="Título 1">
               <a:extLst>
                 <a:ext uri="{FF2B5EF4-FFF2-40B4-BE49-F238E27FC236}">
-                  <a16:creationId xmlns="" xmlns:a16="http://schemas.microsoft.com/office/drawing/2014/main" id="{9052FAA3-FC71-D2FA-5C6D-C3DD73479ED2}"/>
+                  <a16:creationId xmlns:a16="http://schemas.microsoft.com/office/drawing/2014/main" xmlns="" id="{9052FAA3-FC71-D2FA-5C6D-C3DD73479ED2}"/>
                 </a:ext>
               </a:extLst>
             </p:cNvPr>
@@ -23191,7 +23191,7 @@
             <p:cNvPr id="12" name="Conector recto 11">
               <a:extLst>
                 <a:ext uri="{FF2B5EF4-FFF2-40B4-BE49-F238E27FC236}">
-                  <a16:creationId xmlns="" xmlns:a16="http://schemas.microsoft.com/office/drawing/2014/main" id="{83D0C0AC-18AE-92F1-6EEF-AA6E84060C51}"/>
+                  <a16:creationId xmlns:a16="http://schemas.microsoft.com/office/drawing/2014/main" xmlns="" id="{83D0C0AC-18AE-92F1-6EEF-AA6E84060C51}"/>
                 </a:ext>
               </a:extLst>
             </p:cNvPr>
@@ -23235,7 +23235,7 @@
           <p:cNvPr id="2" name="Imagen 1">
             <a:extLst>
               <a:ext uri="{FF2B5EF4-FFF2-40B4-BE49-F238E27FC236}">
-                <a16:creationId xmlns="" xmlns:a16="http://schemas.microsoft.com/office/drawing/2014/main" id="{61002D73-D11F-4B9E-E226-ECF6035D87F9}"/>
+                <a16:creationId xmlns:a16="http://schemas.microsoft.com/office/drawing/2014/main" xmlns="" id="{61002D73-D11F-4B9E-E226-ECF6035D87F9}"/>
               </a:ext>
             </a:extLst>
           </p:cNvPr>
@@ -23305,7 +23305,7 @@
           <p:cNvPr id="4" name="Imagen 3">
             <a:extLst>
               <a:ext uri="{FF2B5EF4-FFF2-40B4-BE49-F238E27FC236}">
-                <a16:creationId xmlns="" xmlns:a16="http://schemas.microsoft.com/office/drawing/2014/main" id="{0B1AC92D-FAC6-C0C3-5BCB-D7D23C4AB437}"/>
+                <a16:creationId xmlns:a16="http://schemas.microsoft.com/office/drawing/2014/main" xmlns="" id="{0B1AC92D-FAC6-C0C3-5BCB-D7D23C4AB437}"/>
               </a:ext>
             </a:extLst>
           </p:cNvPr>
@@ -23335,7 +23335,7 @@
           <p:cNvPr id="5" name="Marcador de número de diapositiva 1">
             <a:extLst>
               <a:ext uri="{FF2B5EF4-FFF2-40B4-BE49-F238E27FC236}">
-                <a16:creationId xmlns="" xmlns:a16="http://schemas.microsoft.com/office/drawing/2014/main" id="{D1645094-022F-7C85-36BD-67DFCC763737}"/>
+                <a16:creationId xmlns:a16="http://schemas.microsoft.com/office/drawing/2014/main" xmlns="" id="{D1645094-022F-7C85-36BD-67DFCC763737}"/>
               </a:ext>
             </a:extLst>
           </p:cNvPr>
@@ -23369,7 +23369,7 @@
           <p:cNvPr id="6" name="Imagen 5">
             <a:extLst>
               <a:ext uri="{FF2B5EF4-FFF2-40B4-BE49-F238E27FC236}">
-                <a16:creationId xmlns="" xmlns:a16="http://schemas.microsoft.com/office/drawing/2014/main" id="{3473B13D-74FC-357C-F045-253D698D62A7}"/>
+                <a16:creationId xmlns:a16="http://schemas.microsoft.com/office/drawing/2014/main" xmlns="" id="{3473B13D-74FC-357C-F045-253D698D62A7}"/>
               </a:ext>
             </a:extLst>
           </p:cNvPr>
@@ -23398,7 +23398,7 @@
           <p:cNvPr id="7" name="Título 1">
             <a:extLst>
               <a:ext uri="{FF2B5EF4-FFF2-40B4-BE49-F238E27FC236}">
-                <a16:creationId xmlns="" xmlns:a16="http://schemas.microsoft.com/office/drawing/2014/main" id="{7DD223F1-F30E-89AD-C8C4-DE13D12FB758}"/>
+                <a16:creationId xmlns:a16="http://schemas.microsoft.com/office/drawing/2014/main" xmlns="" id="{7DD223F1-F30E-89AD-C8C4-DE13D12FB758}"/>
               </a:ext>
             </a:extLst>
           </p:cNvPr>
@@ -23467,7 +23467,7 @@
           <p:cNvPr id="8" name="Subtítulo 2">
             <a:extLst>
               <a:ext uri="{FF2B5EF4-FFF2-40B4-BE49-F238E27FC236}">
-                <a16:creationId xmlns="" xmlns:a16="http://schemas.microsoft.com/office/drawing/2014/main" id="{5D682688-5411-696C-B2B8-8ED7D18272D5}"/>
+                <a16:creationId xmlns:a16="http://schemas.microsoft.com/office/drawing/2014/main" xmlns="" id="{5D682688-5411-696C-B2B8-8ED7D18272D5}"/>
               </a:ext>
             </a:extLst>
           </p:cNvPr>
@@ -23742,7 +23742,7 @@
           <p:cNvPr id="9" name="Imagen 8">
             <a:extLst>
               <a:ext uri="{FF2B5EF4-FFF2-40B4-BE49-F238E27FC236}">
-                <a16:creationId xmlns="" xmlns:a16="http://schemas.microsoft.com/office/drawing/2014/main" id="{5A4D31D0-3890-6220-F7F2-2687A7B93C4A}"/>
+                <a16:creationId xmlns:a16="http://schemas.microsoft.com/office/drawing/2014/main" xmlns="" id="{5A4D31D0-3890-6220-F7F2-2687A7B93C4A}"/>
               </a:ext>
             </a:extLst>
           </p:cNvPr>
@@ -23778,7 +23778,7 @@
     <a:masterClrMapping/>
   </p:clrMapOvr>
   <mc:AlternateContent xmlns:mc="http://schemas.openxmlformats.org/markup-compatibility/2006">
-    <mc:Choice xmlns="" xmlns:p159="http://schemas.microsoft.com/office/powerpoint/2015/09/main" Requires="p159">
+    <mc:Choice xmlns:p159="http://schemas.microsoft.com/office/powerpoint/2015/09/main" xmlns="" Requires="p159">
       <p:transition xmlns:p14="http://schemas.microsoft.com/office/powerpoint/2010/main" spd="slow" p14:dur="2000">
         <p159:morph option="byObject"/>
       </p:transition>
@@ -23821,7 +23821,7 @@
           <p:cNvPr id="2" name="Imagen 1">
             <a:extLst>
               <a:ext uri="{FF2B5EF4-FFF2-40B4-BE49-F238E27FC236}">
-                <a16:creationId xmlns:a16="http://schemas.microsoft.com/office/drawing/2014/main" xmlns="" id="{A89976BF-81E3-0BB4-E23C-0F3E82E259B2}"/>
+                <a16:creationId xmlns="" xmlns:a16="http://schemas.microsoft.com/office/drawing/2014/main" id="{A89976BF-81E3-0BB4-E23C-0F3E82E259B2}"/>
               </a:ext>
             </a:extLst>
           </p:cNvPr>
@@ -23851,7 +23851,7 @@
           <p:cNvPr id="3" name="Marcador de número de diapositiva 1">
             <a:extLst>
               <a:ext uri="{FF2B5EF4-FFF2-40B4-BE49-F238E27FC236}">
-                <a16:creationId xmlns:a16="http://schemas.microsoft.com/office/drawing/2014/main" xmlns="" id="{6682DB9E-EC44-4022-2A84-11D741E1EC80}"/>
+                <a16:creationId xmlns="" xmlns:a16="http://schemas.microsoft.com/office/drawing/2014/main" id="{6682DB9E-EC44-4022-2A84-11D741E1EC80}"/>
               </a:ext>
             </a:extLst>
           </p:cNvPr>
@@ -23885,7 +23885,7 @@
           <p:cNvPr id="4" name="Elipse 3">
             <a:extLst>
               <a:ext uri="{FF2B5EF4-FFF2-40B4-BE49-F238E27FC236}">
-                <a16:creationId xmlns:a16="http://schemas.microsoft.com/office/drawing/2014/main" xmlns="" id="{2527BB5A-BCBA-5188-E85B-E358F93A118E}"/>
+                <a16:creationId xmlns="" xmlns:a16="http://schemas.microsoft.com/office/drawing/2014/main" id="{2527BB5A-BCBA-5188-E85B-E358F93A118E}"/>
               </a:ext>
             </a:extLst>
           </p:cNvPr>
@@ -23944,7 +23944,7 @@
           <p:cNvPr id="5" name="Arco 4">
             <a:extLst>
               <a:ext uri="{FF2B5EF4-FFF2-40B4-BE49-F238E27FC236}">
-                <a16:creationId xmlns:a16="http://schemas.microsoft.com/office/drawing/2014/main" xmlns="" id="{3CE62381-FE74-40DD-6568-6C74B6F6752F}"/>
+                <a16:creationId xmlns="" xmlns:a16="http://schemas.microsoft.com/office/drawing/2014/main" id="{3CE62381-FE74-40DD-6568-6C74B6F6752F}"/>
               </a:ext>
             </a:extLst>
           </p:cNvPr>
@@ -23999,7 +23999,7 @@
           <p:cNvPr id="6" name="Título 1">
             <a:extLst>
               <a:ext uri="{FF2B5EF4-FFF2-40B4-BE49-F238E27FC236}">
-                <a16:creationId xmlns:a16="http://schemas.microsoft.com/office/drawing/2014/main" xmlns="" id="{879545AB-1526-629E-6BE3-8F268906AB67}"/>
+                <a16:creationId xmlns="" xmlns:a16="http://schemas.microsoft.com/office/drawing/2014/main" id="{879545AB-1526-629E-6BE3-8F268906AB67}"/>
               </a:ext>
             </a:extLst>
           </p:cNvPr>
@@ -24071,7 +24071,7 @@
           <p:cNvPr id="7" name="Rectángulo redondeado 6">
             <a:extLst>
               <a:ext uri="{FF2B5EF4-FFF2-40B4-BE49-F238E27FC236}">
-                <a16:creationId xmlns:a16="http://schemas.microsoft.com/office/drawing/2014/main" xmlns="" id="{137B0D0A-A29C-0B61-2591-D65A4676E536}"/>
+                <a16:creationId xmlns="" xmlns:a16="http://schemas.microsoft.com/office/drawing/2014/main" id="{137B0D0A-A29C-0B61-2591-D65A4676E536}"/>
               </a:ext>
             </a:extLst>
           </p:cNvPr>
@@ -24134,7 +24134,7 @@
           <p:cNvPr id="8" name="Subtítulo 2">
             <a:extLst>
               <a:ext uri="{FF2B5EF4-FFF2-40B4-BE49-F238E27FC236}">
-                <a16:creationId xmlns:a16="http://schemas.microsoft.com/office/drawing/2014/main" xmlns="" id="{B8BAD5A8-DD94-A3A2-1A39-E5E0BE50116F}"/>
+                <a16:creationId xmlns="" xmlns:a16="http://schemas.microsoft.com/office/drawing/2014/main" id="{B8BAD5A8-DD94-A3A2-1A39-E5E0BE50116F}"/>
               </a:ext>
             </a:extLst>
           </p:cNvPr>
@@ -24353,7 +24353,7 @@
           <p:cNvPr id="9" name="Elipse 8">
             <a:extLst>
               <a:ext uri="{FF2B5EF4-FFF2-40B4-BE49-F238E27FC236}">
-                <a16:creationId xmlns:a16="http://schemas.microsoft.com/office/drawing/2014/main" xmlns="" id="{7F438EA0-8C3E-9BE9-658B-F897B0887492}"/>
+                <a16:creationId xmlns="" xmlns:a16="http://schemas.microsoft.com/office/drawing/2014/main" id="{7F438EA0-8C3E-9BE9-658B-F897B0887492}"/>
               </a:ext>
             </a:extLst>
           </p:cNvPr>
@@ -24413,7 +24413,7 @@
           <p:cNvPr id="10" name="Título 1">
             <a:extLst>
               <a:ext uri="{FF2B5EF4-FFF2-40B4-BE49-F238E27FC236}">
-                <a16:creationId xmlns:a16="http://schemas.microsoft.com/office/drawing/2014/main" xmlns="" id="{168EB54D-4292-3090-C99B-B515276D2A88}"/>
+                <a16:creationId xmlns="" xmlns:a16="http://schemas.microsoft.com/office/drawing/2014/main" id="{168EB54D-4292-3090-C99B-B515276D2A88}"/>
               </a:ext>
             </a:extLst>
           </p:cNvPr>
@@ -24482,7 +24482,7 @@
           <p:cNvPr id="11" name="Elipse 10">
             <a:extLst>
               <a:ext uri="{FF2B5EF4-FFF2-40B4-BE49-F238E27FC236}">
-                <a16:creationId xmlns:a16="http://schemas.microsoft.com/office/drawing/2014/main" xmlns="" id="{9AA3CD14-6CF6-0A31-6141-7801A735A3A0}"/>
+                <a16:creationId xmlns="" xmlns:a16="http://schemas.microsoft.com/office/drawing/2014/main" id="{9AA3CD14-6CF6-0A31-6141-7801A735A3A0}"/>
               </a:ext>
             </a:extLst>
           </p:cNvPr>
@@ -24537,7 +24537,7 @@
           <p:cNvPr id="12" name="Rectángulo redondeado 11">
             <a:extLst>
               <a:ext uri="{FF2B5EF4-FFF2-40B4-BE49-F238E27FC236}">
-                <a16:creationId xmlns:a16="http://schemas.microsoft.com/office/drawing/2014/main" xmlns="" id="{D6D84980-CDB5-69E2-B43E-E32912E1F1F3}"/>
+                <a16:creationId xmlns="" xmlns:a16="http://schemas.microsoft.com/office/drawing/2014/main" id="{D6D84980-CDB5-69E2-B43E-E32912E1F1F3}"/>
               </a:ext>
             </a:extLst>
           </p:cNvPr>
@@ -24600,7 +24600,7 @@
           <p:cNvPr id="13" name="Subtítulo 2">
             <a:extLst>
               <a:ext uri="{FF2B5EF4-FFF2-40B4-BE49-F238E27FC236}">
-                <a16:creationId xmlns:a16="http://schemas.microsoft.com/office/drawing/2014/main" xmlns="" id="{055EB05C-8354-4C3C-F3D7-AE9CAE0F4E93}"/>
+                <a16:creationId xmlns="" xmlns:a16="http://schemas.microsoft.com/office/drawing/2014/main" id="{055EB05C-8354-4C3C-F3D7-AE9CAE0F4E93}"/>
               </a:ext>
             </a:extLst>
           </p:cNvPr>
@@ -24819,7 +24819,7 @@
           <p:cNvPr id="14" name="Título 1">
             <a:extLst>
               <a:ext uri="{FF2B5EF4-FFF2-40B4-BE49-F238E27FC236}">
-                <a16:creationId xmlns:a16="http://schemas.microsoft.com/office/drawing/2014/main" xmlns="" id="{6038ECAA-C3A7-6960-0F0C-2462859869D8}"/>
+                <a16:creationId xmlns="" xmlns:a16="http://schemas.microsoft.com/office/drawing/2014/main" id="{6038ECAA-C3A7-6960-0F0C-2462859869D8}"/>
               </a:ext>
             </a:extLst>
           </p:cNvPr>
@@ -24877,7 +24877,7 @@
           <p:cNvPr id="15" name="Rectángulo redondeado 14">
             <a:extLst>
               <a:ext uri="{FF2B5EF4-FFF2-40B4-BE49-F238E27FC236}">
-                <a16:creationId xmlns:a16="http://schemas.microsoft.com/office/drawing/2014/main" xmlns="" id="{9BD31989-AA3F-CC7D-B685-72EFF0C0024D}"/>
+                <a16:creationId xmlns="" xmlns:a16="http://schemas.microsoft.com/office/drawing/2014/main" id="{9BD31989-AA3F-CC7D-B685-72EFF0C0024D}"/>
               </a:ext>
             </a:extLst>
           </p:cNvPr>
@@ -24940,7 +24940,7 @@
           <p:cNvPr id="16" name="Subtítulo 2">
             <a:extLst>
               <a:ext uri="{FF2B5EF4-FFF2-40B4-BE49-F238E27FC236}">
-                <a16:creationId xmlns:a16="http://schemas.microsoft.com/office/drawing/2014/main" xmlns="" id="{C3368A1A-585A-C4D0-F5E5-A871ADD6C39E}"/>
+                <a16:creationId xmlns="" xmlns:a16="http://schemas.microsoft.com/office/drawing/2014/main" id="{C3368A1A-585A-C4D0-F5E5-A871ADD6C39E}"/>
               </a:ext>
             </a:extLst>
           </p:cNvPr>
@@ -25159,7 +25159,7 @@
           <p:cNvPr id="17" name="Elipse 16">
             <a:extLst>
               <a:ext uri="{FF2B5EF4-FFF2-40B4-BE49-F238E27FC236}">
-                <a16:creationId xmlns:a16="http://schemas.microsoft.com/office/drawing/2014/main" xmlns="" id="{BFA1DFB0-7740-0354-313F-015EBE370BA2}"/>
+                <a16:creationId xmlns="" xmlns:a16="http://schemas.microsoft.com/office/drawing/2014/main" id="{BFA1DFB0-7740-0354-313F-015EBE370BA2}"/>
               </a:ext>
             </a:extLst>
           </p:cNvPr>
@@ -25219,7 +25219,7 @@
           <p:cNvPr id="18" name="Título 1">
             <a:extLst>
               <a:ext uri="{FF2B5EF4-FFF2-40B4-BE49-F238E27FC236}">
-                <a16:creationId xmlns:a16="http://schemas.microsoft.com/office/drawing/2014/main" xmlns="" id="{96008CF0-2271-C661-FADF-D5A4469071E3}"/>
+                <a16:creationId xmlns="" xmlns:a16="http://schemas.microsoft.com/office/drawing/2014/main" id="{96008CF0-2271-C661-FADF-D5A4469071E3}"/>
               </a:ext>
             </a:extLst>
           </p:cNvPr>
@@ -25288,7 +25288,7 @@
           <p:cNvPr id="19" name="Elipse 18">
             <a:extLst>
               <a:ext uri="{FF2B5EF4-FFF2-40B4-BE49-F238E27FC236}">
-                <a16:creationId xmlns:a16="http://schemas.microsoft.com/office/drawing/2014/main" xmlns="" id="{7910B3C6-DF48-6C8D-D947-F4F995CFB7E5}"/>
+                <a16:creationId xmlns="" xmlns:a16="http://schemas.microsoft.com/office/drawing/2014/main" id="{7910B3C6-DF48-6C8D-D947-F4F995CFB7E5}"/>
               </a:ext>
             </a:extLst>
           </p:cNvPr>
@@ -25343,7 +25343,7 @@
           <p:cNvPr id="20" name="Rectángulo redondeado 19">
             <a:extLst>
               <a:ext uri="{FF2B5EF4-FFF2-40B4-BE49-F238E27FC236}">
-                <a16:creationId xmlns:a16="http://schemas.microsoft.com/office/drawing/2014/main" xmlns="" id="{D1A4FB82-3585-7ACF-15F5-62D95631752C}"/>
+                <a16:creationId xmlns="" xmlns:a16="http://schemas.microsoft.com/office/drawing/2014/main" id="{D1A4FB82-3585-7ACF-15F5-62D95631752C}"/>
               </a:ext>
             </a:extLst>
           </p:cNvPr>
@@ -25406,7 +25406,7 @@
           <p:cNvPr id="21" name="Subtítulo 2">
             <a:extLst>
               <a:ext uri="{FF2B5EF4-FFF2-40B4-BE49-F238E27FC236}">
-                <a16:creationId xmlns:a16="http://schemas.microsoft.com/office/drawing/2014/main" xmlns="" id="{2AD96977-7116-5331-3259-03CD9CCC410F}"/>
+                <a16:creationId xmlns="" xmlns:a16="http://schemas.microsoft.com/office/drawing/2014/main" id="{2AD96977-7116-5331-3259-03CD9CCC410F}"/>
               </a:ext>
             </a:extLst>
           </p:cNvPr>
@@ -25625,7 +25625,7 @@
           <p:cNvPr id="22" name="Elipse 21">
             <a:extLst>
               <a:ext uri="{FF2B5EF4-FFF2-40B4-BE49-F238E27FC236}">
-                <a16:creationId xmlns:a16="http://schemas.microsoft.com/office/drawing/2014/main" xmlns="" id="{ED7B31C5-0A8C-FFEE-02FB-4966B067E247}"/>
+                <a16:creationId xmlns="" xmlns:a16="http://schemas.microsoft.com/office/drawing/2014/main" id="{ED7B31C5-0A8C-FFEE-02FB-4966B067E247}"/>
               </a:ext>
             </a:extLst>
           </p:cNvPr>
@@ -25686,7 +25686,7 @@
           <p:cNvPr id="23" name="Título 1">
             <a:extLst>
               <a:ext uri="{FF2B5EF4-FFF2-40B4-BE49-F238E27FC236}">
-                <a16:creationId xmlns:a16="http://schemas.microsoft.com/office/drawing/2014/main" xmlns="" id="{6CE2E120-24A5-EE2F-2829-06329F6047FE}"/>
+                <a16:creationId xmlns="" xmlns:a16="http://schemas.microsoft.com/office/drawing/2014/main" id="{6CE2E120-24A5-EE2F-2829-06329F6047FE}"/>
               </a:ext>
             </a:extLst>
           </p:cNvPr>
@@ -25755,7 +25755,7 @@
           <p:cNvPr id="24" name="Elipse 23">
             <a:extLst>
               <a:ext uri="{FF2B5EF4-FFF2-40B4-BE49-F238E27FC236}">
-                <a16:creationId xmlns:a16="http://schemas.microsoft.com/office/drawing/2014/main" xmlns="" id="{3AA435DD-C928-C06E-F877-24C385FFBECE}"/>
+                <a16:creationId xmlns="" xmlns:a16="http://schemas.microsoft.com/office/drawing/2014/main" id="{3AA435DD-C928-C06E-F877-24C385FFBECE}"/>
               </a:ext>
             </a:extLst>
           </p:cNvPr>
@@ -25810,7 +25810,7 @@
           <p:cNvPr id="25" name="Elipse 24">
             <a:extLst>
               <a:ext uri="{FF2B5EF4-FFF2-40B4-BE49-F238E27FC236}">
-                <a16:creationId xmlns:a16="http://schemas.microsoft.com/office/drawing/2014/main" xmlns="" id="{6E47DE25-3D02-94CC-D88F-D254E18CDCA3}"/>
+                <a16:creationId xmlns="" xmlns:a16="http://schemas.microsoft.com/office/drawing/2014/main" id="{6E47DE25-3D02-94CC-D88F-D254E18CDCA3}"/>
               </a:ext>
             </a:extLst>
           </p:cNvPr>
@@ -25890,7 +25890,7 @@
           <p:cNvPr id="26" name="Elipse 25">
             <a:extLst>
               <a:ext uri="{FF2B5EF4-FFF2-40B4-BE49-F238E27FC236}">
-                <a16:creationId xmlns:a16="http://schemas.microsoft.com/office/drawing/2014/main" xmlns="" id="{FC230D37-BB00-A54F-080B-42738B4CF225}"/>
+                <a16:creationId xmlns="" xmlns:a16="http://schemas.microsoft.com/office/drawing/2014/main" id="{FC230D37-BB00-A54F-080B-42738B4CF225}"/>
               </a:ext>
             </a:extLst>
           </p:cNvPr>
@@ -25945,7 +25945,7 @@
           <p:cNvPr id="27" name="Rectangle 78">
             <a:extLst>
               <a:ext uri="{FF2B5EF4-FFF2-40B4-BE49-F238E27FC236}">
-                <a16:creationId xmlns:a16="http://schemas.microsoft.com/office/drawing/2014/main" xmlns="" id="{9917C0CC-F1C1-E40B-2625-9CB2FB5A201B}"/>
+                <a16:creationId xmlns="" xmlns:a16="http://schemas.microsoft.com/office/drawing/2014/main" id="{9917C0CC-F1C1-E40B-2625-9CB2FB5A201B}"/>
               </a:ext>
             </a:extLst>
           </p:cNvPr>
@@ -25997,7 +25997,7 @@
           <p:cNvPr id="28" name="Rectangle 80">
             <a:extLst>
               <a:ext uri="{FF2B5EF4-FFF2-40B4-BE49-F238E27FC236}">
-                <a16:creationId xmlns:a16="http://schemas.microsoft.com/office/drawing/2014/main" xmlns="" id="{6F58F33C-F096-9544-7F40-DAA35FF4A9D1}"/>
+                <a16:creationId xmlns="" xmlns:a16="http://schemas.microsoft.com/office/drawing/2014/main" id="{6F58F33C-F096-9544-7F40-DAA35FF4A9D1}"/>
               </a:ext>
             </a:extLst>
           </p:cNvPr>
@@ -26049,7 +26049,7 @@
           <p:cNvPr id="29" name="Rectangle 86">
             <a:extLst>
               <a:ext uri="{FF2B5EF4-FFF2-40B4-BE49-F238E27FC236}">
-                <a16:creationId xmlns:a16="http://schemas.microsoft.com/office/drawing/2014/main" xmlns="" id="{80813F94-534A-BBF3-016E-4CB0165AE6A1}"/>
+                <a16:creationId xmlns="" xmlns:a16="http://schemas.microsoft.com/office/drawing/2014/main" id="{80813F94-534A-BBF3-016E-4CB0165AE6A1}"/>
               </a:ext>
             </a:extLst>
           </p:cNvPr>
@@ -26101,7 +26101,7 @@
           <p:cNvPr id="30" name="Rectangle 88">
             <a:extLst>
               <a:ext uri="{FF2B5EF4-FFF2-40B4-BE49-F238E27FC236}">
-                <a16:creationId xmlns:a16="http://schemas.microsoft.com/office/drawing/2014/main" xmlns="" id="{49C3102C-4EB5-8C86-B36C-83375BF8BDB5}"/>
+                <a16:creationId xmlns="" xmlns:a16="http://schemas.microsoft.com/office/drawing/2014/main" id="{49C3102C-4EB5-8C86-B36C-83375BF8BDB5}"/>
               </a:ext>
             </a:extLst>
           </p:cNvPr>
@@ -26153,7 +26153,7 @@
           <p:cNvPr id="31" name="Título 1">
             <a:extLst>
               <a:ext uri="{FF2B5EF4-FFF2-40B4-BE49-F238E27FC236}">
-                <a16:creationId xmlns:a16="http://schemas.microsoft.com/office/drawing/2014/main" xmlns="" id="{59E10D39-BD82-D617-88B3-BF0EB0AF0A1D}"/>
+                <a16:creationId xmlns="" xmlns:a16="http://schemas.microsoft.com/office/drawing/2014/main" id="{59E10D39-BD82-D617-88B3-BF0EB0AF0A1D}"/>
               </a:ext>
             </a:extLst>
           </p:cNvPr>
@@ -26514,7 +26514,7 @@
           <p:cNvPr id="2" name="Marcador de número de diapositiva 1">
             <a:extLst>
               <a:ext uri="{FF2B5EF4-FFF2-40B4-BE49-F238E27FC236}">
-                <a16:creationId xmlns:a16="http://schemas.microsoft.com/office/drawing/2014/main" xmlns="" id="{B59F924D-5E9F-135F-AD9F-3317A129E302}"/>
+                <a16:creationId xmlns="" xmlns:a16="http://schemas.microsoft.com/office/drawing/2014/main" id="{B59F924D-5E9F-135F-AD9F-3317A129E302}"/>
               </a:ext>
             </a:extLst>
           </p:cNvPr>
@@ -26548,7 +26548,7 @@
           <p:cNvPr id="3" name="Imagen 2">
             <a:extLst>
               <a:ext uri="{FF2B5EF4-FFF2-40B4-BE49-F238E27FC236}">
-                <a16:creationId xmlns:a16="http://schemas.microsoft.com/office/drawing/2014/main" xmlns="" id="{3E46917C-C4C0-3976-1C0F-38456FEDD5DC}"/>
+                <a16:creationId xmlns="" xmlns:a16="http://schemas.microsoft.com/office/drawing/2014/main" id="{3E46917C-C4C0-3976-1C0F-38456FEDD5DC}"/>
               </a:ext>
             </a:extLst>
           </p:cNvPr>
@@ -26565,7 +26565,7 @@
         </p:blipFill>
         <p:spPr>
           <a:xfrm>
-            <a:off x="0" y="-17253"/>
+            <a:off x="0" y="-2965"/>
             <a:ext cx="12192000" cy="6858000"/>
           </a:xfrm>
           <a:prstGeom prst="rect">
@@ -26578,7 +26578,7 @@
           <p:cNvPr id="4" name="Título 1">
             <a:extLst>
               <a:ext uri="{FF2B5EF4-FFF2-40B4-BE49-F238E27FC236}">
-                <a16:creationId xmlns:a16="http://schemas.microsoft.com/office/drawing/2014/main" xmlns="" id="{3A85FA2B-91CE-EC75-C3AE-F7F8C70EBBA3}"/>
+                <a16:creationId xmlns="" xmlns:a16="http://schemas.microsoft.com/office/drawing/2014/main" id="{3A85FA2B-91CE-EC75-C3AE-F7F8C70EBBA3}"/>
               </a:ext>
             </a:extLst>
           </p:cNvPr>
@@ -26648,7 +26648,7 @@
           <p:cNvPr id="5" name="Título 1">
             <a:extLst>
               <a:ext uri="{FF2B5EF4-FFF2-40B4-BE49-F238E27FC236}">
-                <a16:creationId xmlns:a16="http://schemas.microsoft.com/office/drawing/2014/main" xmlns="" id="{570386F6-29EB-76AF-10EB-AC169D26CC9E}"/>
+                <a16:creationId xmlns="" xmlns:a16="http://schemas.microsoft.com/office/drawing/2014/main" id="{570386F6-29EB-76AF-10EB-AC169D26CC9E}"/>
               </a:ext>
             </a:extLst>
           </p:cNvPr>
@@ -26717,7 +26717,7 @@
           <p:cNvPr id="7" name="Elipse 6">
             <a:extLst>
               <a:ext uri="{FF2B5EF4-FFF2-40B4-BE49-F238E27FC236}">
-                <a16:creationId xmlns:a16="http://schemas.microsoft.com/office/drawing/2014/main" xmlns="" id="{3353EE34-6C7E-AE7E-7B20-C7E440F210E7}"/>
+                <a16:creationId xmlns="" xmlns:a16="http://schemas.microsoft.com/office/drawing/2014/main" id="{3353EE34-6C7E-AE7E-7B20-C7E440F210E7}"/>
               </a:ext>
             </a:extLst>
           </p:cNvPr>
@@ -26778,7 +26778,7 @@
           <p:cNvPr id="8" name="Table 3">
             <a:extLst>
               <a:ext uri="{FF2B5EF4-FFF2-40B4-BE49-F238E27FC236}">
-                <a16:creationId xmlns:a16="http://schemas.microsoft.com/office/drawing/2014/main" xmlns="" id="{422A8208-A563-A55B-5344-09BD741BE766}"/>
+                <a16:creationId xmlns="" xmlns:a16="http://schemas.microsoft.com/office/drawing/2014/main" id="{422A8208-A563-A55B-5344-09BD741BE766}"/>
               </a:ext>
             </a:extLst>
           </p:cNvPr>
@@ -26807,7 +26807,7 @@
                 <a:gridCol w="2283520">
                   <a:extLst>
                     <a:ext uri="{9D8B030D-6E8A-4147-A177-3AD203B41FA5}">
-                      <a16:colId xmlns:a16="http://schemas.microsoft.com/office/drawing/2014/main" xmlns="" val="3102874728"/>
+                      <a16:colId xmlns="" xmlns:a16="http://schemas.microsoft.com/office/drawing/2014/main" val="3102874728"/>
                     </a:ext>
                   </a:extLst>
                 </a:gridCol>
@@ -26816,7 +26816,7 @@
                 <a:gridCol w="2283520">
                   <a:extLst>
                     <a:ext uri="{9D8B030D-6E8A-4147-A177-3AD203B41FA5}">
-                      <a16:colId xmlns:a16="http://schemas.microsoft.com/office/drawing/2014/main" xmlns="" val="3824228278"/>
+                      <a16:colId xmlns="" xmlns:a16="http://schemas.microsoft.com/office/drawing/2014/main" val="3824228278"/>
                     </a:ext>
                   </a:extLst>
                 </a:gridCol>
@@ -27142,7 +27142,7 @@
                 </a:tc>
                 <a:extLst>
                   <a:ext uri="{0D108BD9-81ED-4DB2-BD59-A6C34878D82A}">
-                    <a16:rowId xmlns:a16="http://schemas.microsoft.com/office/drawing/2014/main" xmlns="" val="4006425940"/>
+                    <a16:rowId xmlns="" xmlns:a16="http://schemas.microsoft.com/office/drawing/2014/main" val="4006425940"/>
                   </a:ext>
                 </a:extLst>
               </a:tr>
@@ -27535,7 +27535,7 @@
                 </a:tc>
                 <a:extLst>
                   <a:ext uri="{0D108BD9-81ED-4DB2-BD59-A6C34878D82A}">
-                    <a16:rowId xmlns:a16="http://schemas.microsoft.com/office/drawing/2014/main" xmlns="" val="2195307831"/>
+                    <a16:rowId xmlns="" xmlns:a16="http://schemas.microsoft.com/office/drawing/2014/main" val="2195307831"/>
                   </a:ext>
                 </a:extLst>
               </a:tr>
@@ -27874,7 +27874,7 @@
                 </a:tc>
                 <a:extLst>
                   <a:ext uri="{0D108BD9-81ED-4DB2-BD59-A6C34878D82A}">
-                    <a16:rowId xmlns:a16="http://schemas.microsoft.com/office/drawing/2014/main" xmlns="" val="4228649827"/>
+                    <a16:rowId xmlns="" xmlns:a16="http://schemas.microsoft.com/office/drawing/2014/main" val="4228649827"/>
                   </a:ext>
                 </a:extLst>
               </a:tr>
@@ -28213,7 +28213,7 @@
                 </a:tc>
                 <a:extLst>
                   <a:ext uri="{0D108BD9-81ED-4DB2-BD59-A6C34878D82A}">
-                    <a16:rowId xmlns:a16="http://schemas.microsoft.com/office/drawing/2014/main" xmlns="" val="2880154858"/>
+                    <a16:rowId xmlns="" xmlns:a16="http://schemas.microsoft.com/office/drawing/2014/main" val="2880154858"/>
                   </a:ext>
                 </a:extLst>
               </a:tr>
@@ -28552,7 +28552,7 @@
                 </a:tc>
                 <a:extLst>
                   <a:ext uri="{0D108BD9-81ED-4DB2-BD59-A6C34878D82A}">
-                    <a16:rowId xmlns:a16="http://schemas.microsoft.com/office/drawing/2014/main" xmlns="" val="941017362"/>
+                    <a16:rowId xmlns="" xmlns:a16="http://schemas.microsoft.com/office/drawing/2014/main" val="941017362"/>
                   </a:ext>
                 </a:extLst>
               </a:tr>
@@ -28651,7 +28651,7 @@
           <p:cNvPr id="12" name="Rectangle 68">
             <a:extLst>
               <a:ext uri="{FF2B5EF4-FFF2-40B4-BE49-F238E27FC236}">
-                <a16:creationId xmlns:a16="http://schemas.microsoft.com/office/drawing/2014/main" xmlns="" id="{2E170935-075B-E9F1-39F5-718251B4ECCC}"/>
+                <a16:creationId xmlns="" xmlns:a16="http://schemas.microsoft.com/office/drawing/2014/main" id="{2E170935-075B-E9F1-39F5-718251B4ECCC}"/>
               </a:ext>
             </a:extLst>
           </p:cNvPr>
@@ -28705,7 +28705,7 @@
           <p:cNvPr id="13" name="Rectangle 68">
             <a:extLst>
               <a:ext uri="{FF2B5EF4-FFF2-40B4-BE49-F238E27FC236}">
-                <a16:creationId xmlns:a16="http://schemas.microsoft.com/office/drawing/2014/main" xmlns="" id="{2E170935-075B-E9F1-39F5-718251B4ECCC}"/>
+                <a16:creationId xmlns="" xmlns:a16="http://schemas.microsoft.com/office/drawing/2014/main" id="{2E170935-075B-E9F1-39F5-718251B4ECCC}"/>
               </a:ext>
             </a:extLst>
           </p:cNvPr>
@@ -28764,13 +28764,13 @@
   <p:clrMapOvr>
     <a:masterClrMapping/>
   </p:clrMapOvr>
-  <mc:AlternateContent xmlns:mc="http://schemas.openxmlformats.org/markup-compatibility/2006">
-    <mc:Choice xmlns:p14="http://schemas.microsoft.com/office/powerpoint/2010/main" Requires="p14">
+  <mc:AlternateContent xmlns:mc="http://schemas.openxmlformats.org/markup-compatibility/2006" xmlns:p14="http://schemas.microsoft.com/office/powerpoint/2010/main">
+    <mc:Choice Requires="p14">
       <p:transition spd="med" p14:dur="700">
         <p:fade/>
       </p:transition>
     </mc:Choice>
-    <mc:Fallback>
+    <mc:Fallback xmlns="">
       <p:transition spd="med">
         <p:fade/>
       </p:transition>
@@ -28935,7 +28935,7 @@
           <p:cNvPr id="16" name="Título 1">
             <a:extLst>
               <a:ext uri="{FF2B5EF4-FFF2-40B4-BE49-F238E27FC236}">
-                <a16:creationId xmlns="" xmlns:a16="http://schemas.microsoft.com/office/drawing/2014/main" id="{D5FD1066-7FA1-9BF9-22F0-F52B6DDCD8D0}"/>
+                <a16:creationId xmlns:a16="http://schemas.microsoft.com/office/drawing/2014/main" xmlns="" id="{D5FD1066-7FA1-9BF9-22F0-F52B6DDCD8D0}"/>
               </a:ext>
             </a:extLst>
           </p:cNvPr>
@@ -28986,7 +28986,7 @@
           <p:cNvPr id="22" name="Rectángulo redondeado 6">
             <a:extLst>
               <a:ext uri="{FF2B5EF4-FFF2-40B4-BE49-F238E27FC236}">
-                <a16:creationId xmlns="" xmlns:a16="http://schemas.microsoft.com/office/drawing/2014/main" id="{26D7AF7E-B913-6BE4-A0F6-19FB812B7B73}"/>
+                <a16:creationId xmlns:a16="http://schemas.microsoft.com/office/drawing/2014/main" xmlns="" id="{26D7AF7E-B913-6BE4-A0F6-19FB812B7B73}"/>
               </a:ext>
             </a:extLst>
           </p:cNvPr>
@@ -29048,7 +29048,7 @@
           <p:cNvPr id="23" name="Subtítulo 2">
             <a:extLst>
               <a:ext uri="{FF2B5EF4-FFF2-40B4-BE49-F238E27FC236}">
-                <a16:creationId xmlns="" xmlns:a16="http://schemas.microsoft.com/office/drawing/2014/main" id="{6C7DD623-9AB0-2F39-9DFB-476DB903F2EF}"/>
+                <a16:creationId xmlns:a16="http://schemas.microsoft.com/office/drawing/2014/main" xmlns="" id="{6C7DD623-9AB0-2F39-9DFB-476DB903F2EF}"/>
               </a:ext>
             </a:extLst>
           </p:cNvPr>
@@ -29265,7 +29265,7 @@
           <p:cNvPr id="24" name="Rectángulo redondeado 30">
             <a:extLst>
               <a:ext uri="{FF2B5EF4-FFF2-40B4-BE49-F238E27FC236}">
-                <a16:creationId xmlns="" xmlns:a16="http://schemas.microsoft.com/office/drawing/2014/main" id="{80BB5CA9-6BAF-7E14-AA22-D2BAD29E8C87}"/>
+                <a16:creationId xmlns:a16="http://schemas.microsoft.com/office/drawing/2014/main" xmlns="" id="{80BB5CA9-6BAF-7E14-AA22-D2BAD29E8C87}"/>
               </a:ext>
             </a:extLst>
           </p:cNvPr>
@@ -29327,7 +29327,7 @@
           <p:cNvPr id="25" name="Subtítulo 2">
             <a:extLst>
               <a:ext uri="{FF2B5EF4-FFF2-40B4-BE49-F238E27FC236}">
-                <a16:creationId xmlns="" xmlns:a16="http://schemas.microsoft.com/office/drawing/2014/main" id="{2823FBAE-8D0D-34B3-24D4-48BB96A3622B}"/>
+                <a16:creationId xmlns:a16="http://schemas.microsoft.com/office/drawing/2014/main" xmlns="" id="{2823FBAE-8D0D-34B3-24D4-48BB96A3622B}"/>
               </a:ext>
             </a:extLst>
           </p:cNvPr>
@@ -29544,7 +29544,7 @@
           <p:cNvPr id="26" name="Rectángulo redondeado 30">
             <a:extLst>
               <a:ext uri="{FF2B5EF4-FFF2-40B4-BE49-F238E27FC236}">
-                <a16:creationId xmlns="" xmlns:a16="http://schemas.microsoft.com/office/drawing/2014/main" id="{80BB5CA9-6BAF-7E14-AA22-D2BAD29E8C87}"/>
+                <a16:creationId xmlns:a16="http://schemas.microsoft.com/office/drawing/2014/main" xmlns="" id="{80BB5CA9-6BAF-7E14-AA22-D2BAD29E8C87}"/>
               </a:ext>
             </a:extLst>
           </p:cNvPr>
@@ -29606,7 +29606,7 @@
           <p:cNvPr id="27" name="Subtítulo 2">
             <a:extLst>
               <a:ext uri="{FF2B5EF4-FFF2-40B4-BE49-F238E27FC236}">
-                <a16:creationId xmlns="" xmlns:a16="http://schemas.microsoft.com/office/drawing/2014/main" id="{2823FBAE-8D0D-34B3-24D4-48BB96A3622B}"/>
+                <a16:creationId xmlns:a16="http://schemas.microsoft.com/office/drawing/2014/main" xmlns="" id="{2823FBAE-8D0D-34B3-24D4-48BB96A3622B}"/>
               </a:ext>
             </a:extLst>
           </p:cNvPr>
@@ -29915,7 +29915,7 @@
           <p:cNvPr id="31" name="Rectángulo redondeado 6">
             <a:extLst>
               <a:ext uri="{FF2B5EF4-FFF2-40B4-BE49-F238E27FC236}">
-                <a16:creationId xmlns="" xmlns:a16="http://schemas.microsoft.com/office/drawing/2014/main" id="{26D7AF7E-B913-6BE4-A0F6-19FB812B7B73}"/>
+                <a16:creationId xmlns:a16="http://schemas.microsoft.com/office/drawing/2014/main" xmlns="" id="{26D7AF7E-B913-6BE4-A0F6-19FB812B7B73}"/>
               </a:ext>
             </a:extLst>
           </p:cNvPr>
@@ -29977,7 +29977,7 @@
           <p:cNvPr id="32" name="Subtítulo 2">
             <a:extLst>
               <a:ext uri="{FF2B5EF4-FFF2-40B4-BE49-F238E27FC236}">
-                <a16:creationId xmlns="" xmlns:a16="http://schemas.microsoft.com/office/drawing/2014/main" id="{6C7DD623-9AB0-2F39-9DFB-476DB903F2EF}"/>
+                <a16:creationId xmlns:a16="http://schemas.microsoft.com/office/drawing/2014/main" xmlns="" id="{6C7DD623-9AB0-2F39-9DFB-476DB903F2EF}"/>
               </a:ext>
             </a:extLst>
           </p:cNvPr>
@@ -30194,7 +30194,7 @@
           <p:cNvPr id="33" name="Rectángulo redondeado 30">
             <a:extLst>
               <a:ext uri="{FF2B5EF4-FFF2-40B4-BE49-F238E27FC236}">
-                <a16:creationId xmlns="" xmlns:a16="http://schemas.microsoft.com/office/drawing/2014/main" id="{80BB5CA9-6BAF-7E14-AA22-D2BAD29E8C87}"/>
+                <a16:creationId xmlns:a16="http://schemas.microsoft.com/office/drawing/2014/main" xmlns="" id="{80BB5CA9-6BAF-7E14-AA22-D2BAD29E8C87}"/>
               </a:ext>
             </a:extLst>
           </p:cNvPr>
@@ -30256,7 +30256,7 @@
           <p:cNvPr id="35" name="Subtítulo 2">
             <a:extLst>
               <a:ext uri="{FF2B5EF4-FFF2-40B4-BE49-F238E27FC236}">
-                <a16:creationId xmlns="" xmlns:a16="http://schemas.microsoft.com/office/drawing/2014/main" id="{2823FBAE-8D0D-34B3-24D4-48BB96A3622B}"/>
+                <a16:creationId xmlns:a16="http://schemas.microsoft.com/office/drawing/2014/main" xmlns="" id="{2823FBAE-8D0D-34B3-24D4-48BB96A3622B}"/>
               </a:ext>
             </a:extLst>
           </p:cNvPr>
@@ -30473,7 +30473,7 @@
           <p:cNvPr id="36" name="Rectángulo redondeado 30">
             <a:extLst>
               <a:ext uri="{FF2B5EF4-FFF2-40B4-BE49-F238E27FC236}">
-                <a16:creationId xmlns="" xmlns:a16="http://schemas.microsoft.com/office/drawing/2014/main" id="{80BB5CA9-6BAF-7E14-AA22-D2BAD29E8C87}"/>
+                <a16:creationId xmlns:a16="http://schemas.microsoft.com/office/drawing/2014/main" xmlns="" id="{80BB5CA9-6BAF-7E14-AA22-D2BAD29E8C87}"/>
               </a:ext>
             </a:extLst>
           </p:cNvPr>
@@ -30535,7 +30535,7 @@
           <p:cNvPr id="37" name="Subtítulo 2">
             <a:extLst>
               <a:ext uri="{FF2B5EF4-FFF2-40B4-BE49-F238E27FC236}">
-                <a16:creationId xmlns="" xmlns:a16="http://schemas.microsoft.com/office/drawing/2014/main" id="{2823FBAE-8D0D-34B3-24D4-48BB96A3622B}"/>
+                <a16:creationId xmlns:a16="http://schemas.microsoft.com/office/drawing/2014/main" xmlns="" id="{2823FBAE-8D0D-34B3-24D4-48BB96A3622B}"/>
               </a:ext>
             </a:extLst>
           </p:cNvPr>
@@ -30850,7 +30850,7 @@
     <a:masterClrMapping/>
   </p:clrMapOvr>
   <mc:AlternateContent xmlns:mc="http://schemas.openxmlformats.org/markup-compatibility/2006">
-    <mc:Choice xmlns="" xmlns:p159="http://schemas.microsoft.com/office/powerpoint/2015/09/main" Requires="p159">
+    <mc:Choice xmlns:p159="http://schemas.microsoft.com/office/powerpoint/2015/09/main" xmlns="" Requires="p159">
       <p:transition xmlns:p14="http://schemas.microsoft.com/office/powerpoint/2010/main" spd="slow" p14:dur="2000">
         <p159:morph option="byObject"/>
       </p:transition>
@@ -30886,7 +30886,7 @@
           <p:cNvPr id="16" name="Título 1">
             <a:extLst>
               <a:ext uri="{FF2B5EF4-FFF2-40B4-BE49-F238E27FC236}">
-                <a16:creationId xmlns="" xmlns:a16="http://schemas.microsoft.com/office/drawing/2014/main" id="{D5FD1066-7FA1-9BF9-22F0-F52B6DDCD8D0}"/>
+                <a16:creationId xmlns:a16="http://schemas.microsoft.com/office/drawing/2014/main" xmlns="" id="{D5FD1066-7FA1-9BF9-22F0-F52B6DDCD8D0}"/>
               </a:ext>
             </a:extLst>
           </p:cNvPr>
@@ -30937,7 +30937,7 @@
           <p:cNvPr id="24" name="Rectángulo redondeado 30">
             <a:extLst>
               <a:ext uri="{FF2B5EF4-FFF2-40B4-BE49-F238E27FC236}">
-                <a16:creationId xmlns="" xmlns:a16="http://schemas.microsoft.com/office/drawing/2014/main" id="{80BB5CA9-6BAF-7E14-AA22-D2BAD29E8C87}"/>
+                <a16:creationId xmlns:a16="http://schemas.microsoft.com/office/drawing/2014/main" xmlns="" id="{80BB5CA9-6BAF-7E14-AA22-D2BAD29E8C87}"/>
               </a:ext>
             </a:extLst>
           </p:cNvPr>
@@ -30999,7 +30999,7 @@
           <p:cNvPr id="25" name="Subtítulo 2">
             <a:extLst>
               <a:ext uri="{FF2B5EF4-FFF2-40B4-BE49-F238E27FC236}">
-                <a16:creationId xmlns="" xmlns:a16="http://schemas.microsoft.com/office/drawing/2014/main" id="{2823FBAE-8D0D-34B3-24D4-48BB96A3622B}"/>
+                <a16:creationId xmlns:a16="http://schemas.microsoft.com/office/drawing/2014/main" xmlns="" id="{2823FBAE-8D0D-34B3-24D4-48BB96A3622B}"/>
               </a:ext>
             </a:extLst>
           </p:cNvPr>
@@ -31216,7 +31216,7 @@
           <p:cNvPr id="26" name="Rectángulo redondeado 30">
             <a:extLst>
               <a:ext uri="{FF2B5EF4-FFF2-40B4-BE49-F238E27FC236}">
-                <a16:creationId xmlns="" xmlns:a16="http://schemas.microsoft.com/office/drawing/2014/main" id="{80BB5CA9-6BAF-7E14-AA22-D2BAD29E8C87}"/>
+                <a16:creationId xmlns:a16="http://schemas.microsoft.com/office/drawing/2014/main" xmlns="" id="{80BB5CA9-6BAF-7E14-AA22-D2BAD29E8C87}"/>
               </a:ext>
             </a:extLst>
           </p:cNvPr>
@@ -31278,7 +31278,7 @@
           <p:cNvPr id="27" name="Subtítulo 2">
             <a:extLst>
               <a:ext uri="{FF2B5EF4-FFF2-40B4-BE49-F238E27FC236}">
-                <a16:creationId xmlns="" xmlns:a16="http://schemas.microsoft.com/office/drawing/2014/main" id="{2823FBAE-8D0D-34B3-24D4-48BB96A3622B}"/>
+                <a16:creationId xmlns:a16="http://schemas.microsoft.com/office/drawing/2014/main" xmlns="" id="{2823FBAE-8D0D-34B3-24D4-48BB96A3622B}"/>
               </a:ext>
             </a:extLst>
           </p:cNvPr>
@@ -31509,7 +31509,7 @@
           </a:ln>
           <a:extLst>
             <a:ext uri="{C572A759-6A51-4108-AA02-DFA0A04FC94B}">
-              <ma14:wrappingTextBoxFlag xmlns:ma14="http://schemas.microsoft.com/office/mac/drawingml/2011/main" xmlns:a14="http://schemas.microsoft.com/office/drawing/2010/main" xmlns:m="http://schemas.openxmlformats.org/officeDocument/2006/math" xmlns="" val="1"/>
+              <ma14:wrappingTextBoxFlag xmlns="" xmlns:m="http://schemas.openxmlformats.org/officeDocument/2006/math" xmlns:a14="http://schemas.microsoft.com/office/drawing/2010/main" xmlns:ma14="http://schemas.microsoft.com/office/mac/drawingml/2011/main" val="1"/>
             </a:ext>
           </a:extLst>
         </p:spPr>
@@ -31591,7 +31591,7 @@
           </a:ln>
           <a:extLst>
             <a:ext uri="{C572A759-6A51-4108-AA02-DFA0A04FC94B}">
-              <ma14:wrappingTextBoxFlag xmlns:ma14="http://schemas.microsoft.com/office/mac/drawingml/2011/main" xmlns:a14="http://schemas.microsoft.com/office/drawing/2010/main" xmlns:m="http://schemas.openxmlformats.org/officeDocument/2006/math" xmlns="" val="1"/>
+              <ma14:wrappingTextBoxFlag xmlns="" xmlns:m="http://schemas.openxmlformats.org/officeDocument/2006/math" xmlns:a14="http://schemas.microsoft.com/office/drawing/2010/main" xmlns:ma14="http://schemas.microsoft.com/office/mac/drawingml/2011/main" val="1"/>
             </a:ext>
           </a:extLst>
         </p:spPr>
@@ -31793,7 +31793,7 @@
           </a:ln>
           <a:extLst>
             <a:ext uri="{C572A759-6A51-4108-AA02-DFA0A04FC94B}">
-              <ma14:wrappingTextBoxFlag xmlns:ma14="http://schemas.microsoft.com/office/mac/drawingml/2011/main" xmlns:a14="http://schemas.microsoft.com/office/drawing/2010/main" xmlns:m="http://schemas.openxmlformats.org/officeDocument/2006/math" xmlns="" val="1"/>
+              <ma14:wrappingTextBoxFlag xmlns="" xmlns:m="http://schemas.openxmlformats.org/officeDocument/2006/math" xmlns:a14="http://schemas.microsoft.com/office/drawing/2010/main" xmlns:ma14="http://schemas.microsoft.com/office/mac/drawingml/2011/main" val="1"/>
             </a:ext>
           </a:extLst>
         </p:spPr>
@@ -31841,7 +31841,7 @@
           </a:ln>
           <a:extLst>
             <a:ext uri="{C572A759-6A51-4108-AA02-DFA0A04FC94B}">
-              <ma14:wrappingTextBoxFlag xmlns:ma14="http://schemas.microsoft.com/office/mac/drawingml/2011/main" xmlns:a14="http://schemas.microsoft.com/office/drawing/2010/main" xmlns:m="http://schemas.openxmlformats.org/officeDocument/2006/math" xmlns="" val="1"/>
+              <ma14:wrappingTextBoxFlag xmlns="" xmlns:m="http://schemas.openxmlformats.org/officeDocument/2006/math" xmlns:a14="http://schemas.microsoft.com/office/drawing/2010/main" xmlns:ma14="http://schemas.microsoft.com/office/mac/drawingml/2011/main" val="1"/>
             </a:ext>
           </a:extLst>
         </p:spPr>
@@ -31953,7 +31953,7 @@
           </a:ln>
           <a:extLst>
             <a:ext uri="{C572A759-6A51-4108-AA02-DFA0A04FC94B}">
-              <ma14:wrappingTextBoxFlag xmlns:ma14="http://schemas.microsoft.com/office/mac/drawingml/2011/main" xmlns:a14="http://schemas.microsoft.com/office/drawing/2010/main" xmlns:m="http://schemas.openxmlformats.org/officeDocument/2006/math" xmlns="" val="1"/>
+              <ma14:wrappingTextBoxFlag xmlns="" xmlns:m="http://schemas.openxmlformats.org/officeDocument/2006/math" xmlns:a14="http://schemas.microsoft.com/office/drawing/2010/main" xmlns:ma14="http://schemas.microsoft.com/office/mac/drawingml/2011/main" val="1"/>
             </a:ext>
           </a:extLst>
         </p:spPr>
@@ -32001,7 +32001,7 @@
           </a:ln>
           <a:extLst>
             <a:ext uri="{C572A759-6A51-4108-AA02-DFA0A04FC94B}">
-              <ma14:wrappingTextBoxFlag xmlns:ma14="http://schemas.microsoft.com/office/mac/drawingml/2011/main" xmlns:a14="http://schemas.microsoft.com/office/drawing/2010/main" xmlns:m="http://schemas.openxmlformats.org/officeDocument/2006/math" xmlns="" val="1"/>
+              <ma14:wrappingTextBoxFlag xmlns="" xmlns:m="http://schemas.openxmlformats.org/officeDocument/2006/math" xmlns:a14="http://schemas.microsoft.com/office/drawing/2010/main" xmlns:ma14="http://schemas.microsoft.com/office/mac/drawingml/2011/main" val="1"/>
             </a:ext>
           </a:extLst>
         </p:spPr>
@@ -32177,7 +32177,7 @@
           </a:ln>
           <a:extLst>
             <a:ext uri="{C572A759-6A51-4108-AA02-DFA0A04FC94B}">
-              <ma14:wrappingTextBoxFlag xmlns:ma14="http://schemas.microsoft.com/office/mac/drawingml/2011/main" xmlns:a14="http://schemas.microsoft.com/office/drawing/2010/main" xmlns:m="http://schemas.openxmlformats.org/officeDocument/2006/math" xmlns="" val="1"/>
+              <ma14:wrappingTextBoxFlag xmlns="" xmlns:m="http://schemas.openxmlformats.org/officeDocument/2006/math" xmlns:a14="http://schemas.microsoft.com/office/drawing/2010/main" xmlns:ma14="http://schemas.microsoft.com/office/mac/drawingml/2011/main" val="1"/>
             </a:ext>
           </a:extLst>
         </p:spPr>
@@ -32257,7 +32257,7 @@
           </a:ln>
           <a:extLst>
             <a:ext uri="{C572A759-6A51-4108-AA02-DFA0A04FC94B}">
-              <ma14:wrappingTextBoxFlag xmlns:ma14="http://schemas.microsoft.com/office/mac/drawingml/2011/main" xmlns:a14="http://schemas.microsoft.com/office/drawing/2010/main" xmlns:m="http://schemas.openxmlformats.org/officeDocument/2006/math" xmlns="" val="1"/>
+              <ma14:wrappingTextBoxFlag xmlns="" xmlns:m="http://schemas.openxmlformats.org/officeDocument/2006/math" xmlns:a14="http://schemas.microsoft.com/office/drawing/2010/main" xmlns:ma14="http://schemas.microsoft.com/office/mac/drawingml/2011/main" val="1"/>
             </a:ext>
           </a:extLst>
         </p:spPr>
@@ -32401,7 +32401,7 @@
           </a:ln>
           <a:extLst>
             <a:ext uri="{C572A759-6A51-4108-AA02-DFA0A04FC94B}">
-              <ma14:wrappingTextBoxFlag xmlns:ma14="http://schemas.microsoft.com/office/mac/drawingml/2011/main" xmlns:a14="http://schemas.microsoft.com/office/drawing/2010/main" xmlns:m="http://schemas.openxmlformats.org/officeDocument/2006/math" xmlns="" val="1"/>
+              <ma14:wrappingTextBoxFlag xmlns="" xmlns:m="http://schemas.openxmlformats.org/officeDocument/2006/math" xmlns:a14="http://schemas.microsoft.com/office/drawing/2010/main" xmlns:ma14="http://schemas.microsoft.com/office/mac/drawingml/2011/main" val="1"/>
             </a:ext>
           </a:extLst>
         </p:spPr>
@@ -32449,7 +32449,7 @@
           </a:ln>
           <a:extLst>
             <a:ext uri="{C572A759-6A51-4108-AA02-DFA0A04FC94B}">
-              <ma14:wrappingTextBoxFlag xmlns:ma14="http://schemas.microsoft.com/office/mac/drawingml/2011/main" xmlns:a14="http://schemas.microsoft.com/office/drawing/2010/main" xmlns:m="http://schemas.openxmlformats.org/officeDocument/2006/math" xmlns="" val="1"/>
+              <ma14:wrappingTextBoxFlag xmlns="" xmlns:m="http://schemas.openxmlformats.org/officeDocument/2006/math" xmlns:a14="http://schemas.microsoft.com/office/drawing/2010/main" xmlns:ma14="http://schemas.microsoft.com/office/mac/drawingml/2011/main" val="1"/>
             </a:ext>
           </a:extLst>
         </p:spPr>
@@ -32489,7 +32489,7 @@
     <a:masterClrMapping/>
   </p:clrMapOvr>
   <mc:AlternateContent xmlns:mc="http://schemas.openxmlformats.org/markup-compatibility/2006">
-    <mc:Choice xmlns="" xmlns:p159="http://schemas.microsoft.com/office/powerpoint/2015/09/main" Requires="p159">
+    <mc:Choice xmlns:p159="http://schemas.microsoft.com/office/powerpoint/2015/09/main" xmlns="" Requires="p159">
       <p:transition xmlns:p14="http://schemas.microsoft.com/office/powerpoint/2010/main" spd="slow" p14:dur="2000">
         <p159:morph option="byObject"/>
       </p:transition>
@@ -33768,7 +33768,7 @@
           <p:cNvPr id="16" name="Título 1">
             <a:extLst>
               <a:ext uri="{FF2B5EF4-FFF2-40B4-BE49-F238E27FC236}">
-                <a16:creationId xmlns="" xmlns:a16="http://schemas.microsoft.com/office/drawing/2014/main" id="{D5FD1066-7FA1-9BF9-22F0-F52B6DDCD8D0}"/>
+                <a16:creationId xmlns:a16="http://schemas.microsoft.com/office/drawing/2014/main" xmlns="" id="{D5FD1066-7FA1-9BF9-22F0-F52B6DDCD8D0}"/>
               </a:ext>
             </a:extLst>
           </p:cNvPr>
@@ -33819,7 +33819,7 @@
           <p:cNvPr id="29" name="Rectángulo redondeado 1">
             <a:extLst>
               <a:ext uri="{FF2B5EF4-FFF2-40B4-BE49-F238E27FC236}">
-                <a16:creationId xmlns:a16="http://schemas.microsoft.com/office/drawing/2014/main" xmlns="" id="{CCD3B001-675A-A776-763B-388CE2698D74}"/>
+                <a16:creationId xmlns="" xmlns:a16="http://schemas.microsoft.com/office/drawing/2014/main" id="{CCD3B001-675A-A776-763B-388CE2698D74}"/>
               </a:ext>
             </a:extLst>
           </p:cNvPr>
@@ -33882,7 +33882,7 @@
           <p:cNvPr id="24" name="Rectángulo redondeado 30">
             <a:extLst>
               <a:ext uri="{FF2B5EF4-FFF2-40B4-BE49-F238E27FC236}">
-                <a16:creationId xmlns="" xmlns:a16="http://schemas.microsoft.com/office/drawing/2014/main" id="{80BB5CA9-6BAF-7E14-AA22-D2BAD29E8C87}"/>
+                <a16:creationId xmlns:a16="http://schemas.microsoft.com/office/drawing/2014/main" xmlns="" id="{80BB5CA9-6BAF-7E14-AA22-D2BAD29E8C87}"/>
               </a:ext>
             </a:extLst>
           </p:cNvPr>
@@ -33944,7 +33944,7 @@
           <p:cNvPr id="25" name="Subtítulo 2">
             <a:extLst>
               <a:ext uri="{FF2B5EF4-FFF2-40B4-BE49-F238E27FC236}">
-                <a16:creationId xmlns="" xmlns:a16="http://schemas.microsoft.com/office/drawing/2014/main" id="{2823FBAE-8D0D-34B3-24D4-48BB96A3622B}"/>
+                <a16:creationId xmlns:a16="http://schemas.microsoft.com/office/drawing/2014/main" xmlns="" id="{2823FBAE-8D0D-34B3-24D4-48BB96A3622B}"/>
               </a:ext>
             </a:extLst>
           </p:cNvPr>
@@ -34161,7 +34161,7 @@
           <p:cNvPr id="33" name="Rectángulo redondeado 1">
             <a:extLst>
               <a:ext uri="{FF2B5EF4-FFF2-40B4-BE49-F238E27FC236}">
-                <a16:creationId xmlns:a16="http://schemas.microsoft.com/office/drawing/2014/main" xmlns="" id="{CCD3B001-675A-A776-763B-388CE2698D74}"/>
+                <a16:creationId xmlns="" xmlns:a16="http://schemas.microsoft.com/office/drawing/2014/main" id="{CCD3B001-675A-A776-763B-388CE2698D74}"/>
               </a:ext>
             </a:extLst>
           </p:cNvPr>
@@ -34224,7 +34224,7 @@
           <p:cNvPr id="26" name="Rectángulo redondeado 30">
             <a:extLst>
               <a:ext uri="{FF2B5EF4-FFF2-40B4-BE49-F238E27FC236}">
-                <a16:creationId xmlns="" xmlns:a16="http://schemas.microsoft.com/office/drawing/2014/main" id="{80BB5CA9-6BAF-7E14-AA22-D2BAD29E8C87}"/>
+                <a16:creationId xmlns:a16="http://schemas.microsoft.com/office/drawing/2014/main" xmlns="" id="{80BB5CA9-6BAF-7E14-AA22-D2BAD29E8C87}"/>
               </a:ext>
             </a:extLst>
           </p:cNvPr>
@@ -34286,7 +34286,7 @@
           <p:cNvPr id="27" name="Subtítulo 2">
             <a:extLst>
               <a:ext uri="{FF2B5EF4-FFF2-40B4-BE49-F238E27FC236}">
-                <a16:creationId xmlns="" xmlns:a16="http://schemas.microsoft.com/office/drawing/2014/main" id="{2823FBAE-8D0D-34B3-24D4-48BB96A3622B}"/>
+                <a16:creationId xmlns:a16="http://schemas.microsoft.com/office/drawing/2014/main" xmlns="" id="{2823FBAE-8D0D-34B3-24D4-48BB96A3622B}"/>
               </a:ext>
             </a:extLst>
           </p:cNvPr>
@@ -34503,7 +34503,7 @@
           <p:cNvPr id="32" name="Subtítulo 2">
             <a:extLst>
               <a:ext uri="{FF2B5EF4-FFF2-40B4-BE49-F238E27FC236}">
-                <a16:creationId xmlns:a16="http://schemas.microsoft.com/office/drawing/2014/main" xmlns="" id="{A01E837A-D726-E0FC-6B75-F180334C145E}"/>
+                <a16:creationId xmlns="" xmlns:a16="http://schemas.microsoft.com/office/drawing/2014/main" id="{A01E837A-D726-E0FC-6B75-F180334C145E}"/>
               </a:ext>
             </a:extLst>
           </p:cNvPr>
@@ -34826,7 +34826,7 @@
           <p:cNvPr id="35" name="Subtítulo 2">
             <a:extLst>
               <a:ext uri="{FF2B5EF4-FFF2-40B4-BE49-F238E27FC236}">
-                <a16:creationId xmlns:a16="http://schemas.microsoft.com/office/drawing/2014/main" xmlns="" id="{A01E837A-D726-E0FC-6B75-F180334C145E}"/>
+                <a16:creationId xmlns="" xmlns:a16="http://schemas.microsoft.com/office/drawing/2014/main" id="{A01E837A-D726-E0FC-6B75-F180334C145E}"/>
               </a:ext>
             </a:extLst>
           </p:cNvPr>
@@ -35201,7 +35201,7 @@
     <a:masterClrMapping/>
   </p:clrMapOvr>
   <mc:AlternateContent xmlns:mc="http://schemas.openxmlformats.org/markup-compatibility/2006">
-    <mc:Choice xmlns="" xmlns:p159="http://schemas.microsoft.com/office/powerpoint/2015/09/main" Requires="p159">
+    <mc:Choice xmlns:p159="http://schemas.microsoft.com/office/powerpoint/2015/09/main" xmlns="" Requires="p159">
       <p:transition xmlns:p14="http://schemas.microsoft.com/office/powerpoint/2010/main" spd="slow" p14:dur="2000">
         <p159:morph option="byObject"/>
       </p:transition>
@@ -35244,7 +35244,7 @@
           <p:cNvPr id="2" name="Imagen 1">
             <a:extLst>
               <a:ext uri="{FF2B5EF4-FFF2-40B4-BE49-F238E27FC236}">
-                <a16:creationId xmlns="" xmlns:a16="http://schemas.microsoft.com/office/drawing/2014/main" id="{8495C0A0-4965-B406-97D2-0C73E97D488B}"/>
+                <a16:creationId xmlns:a16="http://schemas.microsoft.com/office/drawing/2014/main" xmlns="" id="{8495C0A0-4965-B406-97D2-0C73E97D488B}"/>
               </a:ext>
             </a:extLst>
           </p:cNvPr>
@@ -35261,7 +35261,7 @@
         </p:blipFill>
         <p:spPr>
           <a:xfrm>
-            <a:off x="0" y="-394558"/>
+            <a:off x="0" y="5498"/>
             <a:ext cx="12192000" cy="6858000"/>
           </a:xfrm>
           <a:prstGeom prst="rect">
@@ -35274,7 +35274,7 @@
           <p:cNvPr id="3" name="Marcador de número de diapositiva 3">
             <a:extLst>
               <a:ext uri="{FF2B5EF4-FFF2-40B4-BE49-F238E27FC236}">
-                <a16:creationId xmlns="" xmlns:a16="http://schemas.microsoft.com/office/drawing/2014/main" id="{958FBA5A-A58E-C697-8203-4F8B9AE81A4E}"/>
+                <a16:creationId xmlns:a16="http://schemas.microsoft.com/office/drawing/2014/main" xmlns="" id="{958FBA5A-A58E-C697-8203-4F8B9AE81A4E}"/>
               </a:ext>
             </a:extLst>
           </p:cNvPr>
@@ -35308,7 +35308,7 @@
           <p:cNvPr id="23" name="Título 1">
             <a:extLst>
               <a:ext uri="{FF2B5EF4-FFF2-40B4-BE49-F238E27FC236}">
-                <a16:creationId xmlns="" xmlns:a16="http://schemas.microsoft.com/office/drawing/2014/main" id="{E1DD3CF2-B58E-FFFA-CC44-24E153BAAA08}"/>
+                <a16:creationId xmlns:a16="http://schemas.microsoft.com/office/drawing/2014/main" xmlns="" id="{E1DD3CF2-B58E-FFFA-CC44-24E153BAAA08}"/>
               </a:ext>
             </a:extLst>
           </p:cNvPr>
@@ -35378,7 +35378,7 @@
           <p:cNvPr id="24" name="Título 1">
             <a:extLst>
               <a:ext uri="{FF2B5EF4-FFF2-40B4-BE49-F238E27FC236}">
-                <a16:creationId xmlns="" xmlns:a16="http://schemas.microsoft.com/office/drawing/2014/main" id="{96653C20-5D73-6AC7-AD4D-29A9D6D74E1B}"/>
+                <a16:creationId xmlns:a16="http://schemas.microsoft.com/office/drawing/2014/main" xmlns="" id="{96653C20-5D73-6AC7-AD4D-29A9D6D74E1B}"/>
               </a:ext>
             </a:extLst>
           </p:cNvPr>
@@ -36792,7 +36792,7 @@
           </a:ln>
           <a:extLst>
             <a:ext uri="{C572A759-6A51-4108-AA02-DFA0A04FC94B}">
-              <ma14:wrappingTextBoxFlag xmlns:ma14="http://schemas.microsoft.com/office/mac/drawingml/2011/main" xmlns:a14="http://schemas.microsoft.com/office/drawing/2010/main" xmlns:m="http://schemas.openxmlformats.org/officeDocument/2006/math" xmlns="" val="1"/>
+              <ma14:wrappingTextBoxFlag xmlns="" xmlns:m="http://schemas.openxmlformats.org/officeDocument/2006/math" xmlns:a14="http://schemas.microsoft.com/office/drawing/2010/main" xmlns:ma14="http://schemas.microsoft.com/office/mac/drawingml/2011/main" val="1"/>
             </a:ext>
           </a:extLst>
         </p:spPr>
@@ -36843,7 +36843,7 @@
           </a:ln>
           <a:extLst>
             <a:ext uri="{C572A759-6A51-4108-AA02-DFA0A04FC94B}">
-              <ma14:wrappingTextBoxFlag xmlns:ma14="http://schemas.microsoft.com/office/mac/drawingml/2011/main" xmlns:a14="http://schemas.microsoft.com/office/drawing/2010/main" xmlns:m="http://schemas.openxmlformats.org/officeDocument/2006/math" xmlns="" val="1"/>
+              <ma14:wrappingTextBoxFlag xmlns="" xmlns:m="http://schemas.openxmlformats.org/officeDocument/2006/math" xmlns:a14="http://schemas.microsoft.com/office/drawing/2010/main" xmlns:ma14="http://schemas.microsoft.com/office/mac/drawingml/2011/main" val="1"/>
             </a:ext>
           </a:extLst>
         </p:spPr>
@@ -36894,7 +36894,7 @@
           </a:ln>
           <a:extLst>
             <a:ext uri="{C572A759-6A51-4108-AA02-DFA0A04FC94B}">
-              <ma14:wrappingTextBoxFlag xmlns:ma14="http://schemas.microsoft.com/office/mac/drawingml/2011/main" xmlns:a14="http://schemas.microsoft.com/office/drawing/2010/main" xmlns:m="http://schemas.openxmlformats.org/officeDocument/2006/math" xmlns="" val="1"/>
+              <ma14:wrappingTextBoxFlag xmlns="" xmlns:m="http://schemas.openxmlformats.org/officeDocument/2006/math" xmlns:a14="http://schemas.microsoft.com/office/drawing/2010/main" xmlns:ma14="http://schemas.microsoft.com/office/mac/drawingml/2011/main" val="1"/>
             </a:ext>
           </a:extLst>
         </p:spPr>
@@ -37058,7 +37058,7 @@
           </a:ln>
           <a:extLst>
             <a:ext uri="{C572A759-6A51-4108-AA02-DFA0A04FC94B}">
-              <ma14:wrappingTextBoxFlag xmlns:ma14="http://schemas.microsoft.com/office/mac/drawingml/2011/main" xmlns:a14="http://schemas.microsoft.com/office/drawing/2010/main" xmlns:m="http://schemas.openxmlformats.org/officeDocument/2006/math" xmlns="" val="1"/>
+              <ma14:wrappingTextBoxFlag xmlns="" xmlns:m="http://schemas.openxmlformats.org/officeDocument/2006/math" xmlns:a14="http://schemas.microsoft.com/office/drawing/2010/main" xmlns:ma14="http://schemas.microsoft.com/office/mac/drawingml/2011/main" val="1"/>
             </a:ext>
           </a:extLst>
         </p:spPr>
@@ -37367,7 +37367,7 @@
           </a:ln>
           <a:extLst>
             <a:ext uri="{C572A759-6A51-4108-AA02-DFA0A04FC94B}">
-              <ma14:wrappingTextBoxFlag xmlns:ma14="http://schemas.microsoft.com/office/mac/drawingml/2011/main" xmlns:a14="http://schemas.microsoft.com/office/drawing/2010/main" xmlns:m="http://schemas.openxmlformats.org/officeDocument/2006/math" xmlns="" val="1"/>
+              <ma14:wrappingTextBoxFlag xmlns="" xmlns:m="http://schemas.openxmlformats.org/officeDocument/2006/math" xmlns:a14="http://schemas.microsoft.com/office/drawing/2010/main" xmlns:ma14="http://schemas.microsoft.com/office/mac/drawingml/2011/main" val="1"/>
             </a:ext>
           </a:extLst>
         </p:spPr>
@@ -37418,7 +37418,7 @@
           </a:ln>
           <a:extLst>
             <a:ext uri="{C572A759-6A51-4108-AA02-DFA0A04FC94B}">
-              <ma14:wrappingTextBoxFlag xmlns:ma14="http://schemas.microsoft.com/office/mac/drawingml/2011/main" xmlns:a14="http://schemas.microsoft.com/office/drawing/2010/main" xmlns:m="http://schemas.openxmlformats.org/officeDocument/2006/math" xmlns="" val="1"/>
+              <ma14:wrappingTextBoxFlag xmlns="" xmlns:m="http://schemas.openxmlformats.org/officeDocument/2006/math" xmlns:a14="http://schemas.microsoft.com/office/drawing/2010/main" xmlns:ma14="http://schemas.microsoft.com/office/mac/drawingml/2011/main" val="1"/>
             </a:ext>
           </a:extLst>
         </p:spPr>
@@ -37610,7 +37610,7 @@
           </a:ln>
           <a:extLst>
             <a:ext uri="{C572A759-6A51-4108-AA02-DFA0A04FC94B}">
-              <ma14:wrappingTextBoxFlag xmlns:ma14="http://schemas.microsoft.com/office/mac/drawingml/2011/main" xmlns:a14="http://schemas.microsoft.com/office/drawing/2010/main" xmlns:m="http://schemas.openxmlformats.org/officeDocument/2006/math" xmlns="" val="1"/>
+              <ma14:wrappingTextBoxFlag xmlns="" xmlns:m="http://schemas.openxmlformats.org/officeDocument/2006/math" xmlns:a14="http://schemas.microsoft.com/office/drawing/2010/main" xmlns:ma14="http://schemas.microsoft.com/office/mac/drawingml/2011/main" val="1"/>
             </a:ext>
           </a:extLst>
         </p:spPr>
@@ -37662,7 +37662,7 @@
           <p:cNvPr id="39" name="Rectángulo redondeado 8">
             <a:extLst>
               <a:ext uri="{FF2B5EF4-FFF2-40B4-BE49-F238E27FC236}">
-                <a16:creationId xmlns:a16="http://schemas.microsoft.com/office/drawing/2014/main" xmlns="" id="{277BA7B5-969F-97FA-876B-9353DE62E89F}"/>
+                <a16:creationId xmlns="" xmlns:a16="http://schemas.microsoft.com/office/drawing/2014/main" id="{277BA7B5-969F-97FA-876B-9353DE62E89F}"/>
               </a:ext>
             </a:extLst>
           </p:cNvPr>
@@ -37716,7 +37716,7 @@
           <p:cNvPr id="40" name="Rectangle 68">
             <a:extLst>
               <a:ext uri="{FF2B5EF4-FFF2-40B4-BE49-F238E27FC236}">
-                <a16:creationId xmlns:a16="http://schemas.microsoft.com/office/drawing/2014/main" xmlns="" id="{2E170935-075B-E9F1-39F5-718251B4ECCC}"/>
+                <a16:creationId xmlns="" xmlns:a16="http://schemas.microsoft.com/office/drawing/2014/main" id="{2E170935-075B-E9F1-39F5-718251B4ECCC}"/>
               </a:ext>
             </a:extLst>
           </p:cNvPr>
@@ -37835,7 +37835,7 @@
     <a:masterClrMapping/>
   </p:clrMapOvr>
   <mc:AlternateContent xmlns:mc="http://schemas.openxmlformats.org/markup-compatibility/2006">
-    <mc:Choice xmlns="" xmlns:p159="http://schemas.microsoft.com/office/powerpoint/2015/09/main" Requires="p159">
+    <mc:Choice xmlns:p159="http://schemas.microsoft.com/office/powerpoint/2015/09/main" xmlns="" Requires="p159">
       <p:transition xmlns:p14="http://schemas.microsoft.com/office/powerpoint/2010/main" spd="slow" p14:dur="2000">
         <p159:morph option="byObject"/>
       </p:transition>
@@ -40632,8 +40632,76 @@
 </file>
 
 <file path=customXml/item2.xml><?xml version="1.0" encoding="utf-8"?>
-<?mso-contentType ?>
-<spe:Receivers xmlns:spe="http://schemas.microsoft.com/sharepoint/events"/>
+<p:properties xmlns:p="http://schemas.microsoft.com/office/2006/metadata/properties" xmlns:xsi="http://www.w3.org/2001/XMLSchema-instance" xmlns:pc="http://schemas.microsoft.com/office/infopath/2007/PartnerControls">
+  <documentManagement>
+    <TaxCatchAll xmlns="0d112806-a571-4b5c-9687-83175e2be7e0">
+      <Value>100</Value>
+      <Value>410</Value>
+      <Value>3</Value>
+      <Value>2</Value>
+      <Value>54</Value>
+      <Value>85</Value>
+    </TaxCatchAll>
+    <jf7e3681a28b49cbb02ac7c0053f9030 xmlns="0d112806-a571-4b5c-9687-83175e2be7e0">
+      <Terms xmlns="http://schemas.microsoft.com/office/infopath/2007/PartnerControls">
+        <TermInfo xmlns="http://schemas.microsoft.com/office/infopath/2007/PartnerControls">
+          <TermName xmlns="http://schemas.microsoft.com/office/infopath/2007/PartnerControls">Artefactos de marca</TermName>
+          <TermId xmlns="http://schemas.microsoft.com/office/infopath/2007/PartnerControls">8ee79862-260e-4ece-b336-79e88acc770f</TermId>
+        </TermInfo>
+      </Terms>
+    </jf7e3681a28b49cbb02ac7c0053f9030>
+    <EstatusVigenciaRetencion xmlns="0d112806-a571-4b5c-9687-83175e2be7e0">En proceso</EstatusVigenciaRetencion>
+    <BanderaAviso xmlns="0d112806-a571-4b5c-9687-83175e2be7e0">0</BanderaAviso>
+    <p7c0553556804494a200f658a7be40bb xmlns="0d112806-a571-4b5c-9687-83175e2be7e0">
+      <Terms xmlns="http://schemas.microsoft.com/office/infopath/2007/PartnerControls"/>
+    </p7c0553556804494a200f658a7be40bb>
+    <p99903d2540a45ee9a3299a0b877a2fa xmlns="0d112806-a571-4b5c-9687-83175e2be7e0">
+      <Terms xmlns="http://schemas.microsoft.com/office/infopath/2007/PartnerControls">
+        <TermInfo xmlns="http://schemas.microsoft.com/office/infopath/2007/PartnerControls">
+          <TermName xmlns="http://schemas.microsoft.com/office/infopath/2007/PartnerControls">Uso interno</TermName>
+          <TermId xmlns="http://schemas.microsoft.com/office/infopath/2007/PartnerControls">394084ff-5794-49bc-be44-73be0f39b062</TermId>
+        </TermInfo>
+      </Terms>
+    </p99903d2540a45ee9a3299a0b877a2fa>
+    <h4dfef7ba72949018326fb9ce4d0a291 xmlns="0d112806-a571-4b5c-9687-83175e2be7e0">
+      <Terms xmlns="http://schemas.microsoft.com/office/infopath/2007/PartnerControls">
+        <TermInfo xmlns="http://schemas.microsoft.com/office/infopath/2007/PartnerControls">
+          <TermName xmlns="http://schemas.microsoft.com/office/infopath/2007/PartnerControls">Plantilla</TermName>
+          <TermId xmlns="http://schemas.microsoft.com/office/infopath/2007/PartnerControls">d5e1061d-919e-4442-88e7-3049796b4315</TermId>
+        </TermInfo>
+      </Terms>
+    </h4dfef7ba72949018326fb9ce4d0a291>
+    <VersionDocumento xmlns="0d112806-a571-4b5c-9687-83175e2be7e0">1</VersionDocumento>
+    <PeriodoVigenciaOp xmlns="0d112806-a571-4b5c-9687-83175e2be7e0">5 años</PeriodoVigenciaOp>
+    <Acciones xmlns="0d112806-a571-4b5c-9687-83175e2be7e0" xsi:nil="true"/>
+    <ebe43492e85446a78a91ba8fc80b6dc0 xmlns="0d112806-a571-4b5c-9687-83175e2be7e0">
+      <Terms xmlns="http://schemas.microsoft.com/office/infopath/2007/PartnerControls">
+        <TermInfo xmlns="http://schemas.microsoft.com/office/infopath/2007/PartnerControls">
+          <TermName xmlns="http://schemas.microsoft.com/office/infopath/2007/PartnerControls">Marketing</TermName>
+          <TermId xmlns="http://schemas.microsoft.com/office/infopath/2007/PartnerControls">9df7ab70-40b0-4076-8e0b-a73a90c2278a</TermId>
+        </TermInfo>
+      </Terms>
+    </ebe43492e85446a78a91ba8fc80b6dc0>
+    <FechaUltimaActualizacion xmlns="0d112806-a571-4b5c-9687-83175e2be7e0">2023-04-25T05:00:00+00:00</FechaUltimaActualizacion>
+    <j14b7e14421c46c7bd9164aa7bc27f64 xmlns="0d112806-a571-4b5c-9687-83175e2be7e0">
+      <Terms xmlns="http://schemas.microsoft.com/office/infopath/2007/PartnerControls">
+        <TermInfo xmlns="http://schemas.microsoft.com/office/infopath/2007/PartnerControls">
+          <TermName xmlns="http://schemas.microsoft.com/office/infopath/2007/PartnerControls">Corporativo</TermName>
+          <TermId xmlns="http://schemas.microsoft.com/office/infopath/2007/PartnerControls">71edeffe-accb-475b-a642-bfb9a76fd90b</TermId>
+        </TermInfo>
+      </Terms>
+    </j14b7e14421c46c7bd9164aa7bc27f64>
+    <Título_x0020__x0028_CentralAxity_x0029_ xmlns="0d112806-a571-4b5c-9687-83175e2be7e0">Plantilla PowerPoint Corporativa</Título_x0020__x0028_CentralAxity_x0029_>
+    <h5ed8971cb164a0da78e87f7bb125ff3 xmlns="0d112806-a571-4b5c-9687-83175e2be7e0">
+      <Terms xmlns="http://schemas.microsoft.com/office/infopath/2007/PartnerControls">
+        <TermInfo xmlns="http://schemas.microsoft.com/office/infopath/2007/PartnerControls">
+          <TermName xmlns="http://schemas.microsoft.com/office/infopath/2007/PartnerControls">sonia.reyes@axity.com</TermName>
+          <TermId xmlns="http://schemas.microsoft.com/office/infopath/2007/PartnerControls">5ef0832a-0176-4c98-9fa8-63ba5e52a41a</TermId>
+        </TermInfo>
+      </Terms>
+    </h5ed8971cb164a0da78e87f7bb125ff3>
+  </documentManagement>
+</p:properties>
 </file>
 
 <file path=customXml/item3.xml><?xml version="1.0" encoding="utf-8"?>
@@ -40968,76 +41036,8 @@
 </file>
 
 <file path=customXml/item4.xml><?xml version="1.0" encoding="utf-8"?>
-<p:properties xmlns:p="http://schemas.microsoft.com/office/2006/metadata/properties" xmlns:xsi="http://www.w3.org/2001/XMLSchema-instance" xmlns:pc="http://schemas.microsoft.com/office/infopath/2007/PartnerControls">
-  <documentManagement>
-    <TaxCatchAll xmlns="0d112806-a571-4b5c-9687-83175e2be7e0">
-      <Value>100</Value>
-      <Value>410</Value>
-      <Value>3</Value>
-      <Value>2</Value>
-      <Value>54</Value>
-      <Value>85</Value>
-    </TaxCatchAll>
-    <jf7e3681a28b49cbb02ac7c0053f9030 xmlns="0d112806-a571-4b5c-9687-83175e2be7e0">
-      <Terms xmlns="http://schemas.microsoft.com/office/infopath/2007/PartnerControls">
-        <TermInfo xmlns="http://schemas.microsoft.com/office/infopath/2007/PartnerControls">
-          <TermName xmlns="http://schemas.microsoft.com/office/infopath/2007/PartnerControls">Artefactos de marca</TermName>
-          <TermId xmlns="http://schemas.microsoft.com/office/infopath/2007/PartnerControls">8ee79862-260e-4ece-b336-79e88acc770f</TermId>
-        </TermInfo>
-      </Terms>
-    </jf7e3681a28b49cbb02ac7c0053f9030>
-    <EstatusVigenciaRetencion xmlns="0d112806-a571-4b5c-9687-83175e2be7e0">En proceso</EstatusVigenciaRetencion>
-    <BanderaAviso xmlns="0d112806-a571-4b5c-9687-83175e2be7e0">0</BanderaAviso>
-    <p7c0553556804494a200f658a7be40bb xmlns="0d112806-a571-4b5c-9687-83175e2be7e0">
-      <Terms xmlns="http://schemas.microsoft.com/office/infopath/2007/PartnerControls"/>
-    </p7c0553556804494a200f658a7be40bb>
-    <p99903d2540a45ee9a3299a0b877a2fa xmlns="0d112806-a571-4b5c-9687-83175e2be7e0">
-      <Terms xmlns="http://schemas.microsoft.com/office/infopath/2007/PartnerControls">
-        <TermInfo xmlns="http://schemas.microsoft.com/office/infopath/2007/PartnerControls">
-          <TermName xmlns="http://schemas.microsoft.com/office/infopath/2007/PartnerControls">Uso interno</TermName>
-          <TermId xmlns="http://schemas.microsoft.com/office/infopath/2007/PartnerControls">394084ff-5794-49bc-be44-73be0f39b062</TermId>
-        </TermInfo>
-      </Terms>
-    </p99903d2540a45ee9a3299a0b877a2fa>
-    <h4dfef7ba72949018326fb9ce4d0a291 xmlns="0d112806-a571-4b5c-9687-83175e2be7e0">
-      <Terms xmlns="http://schemas.microsoft.com/office/infopath/2007/PartnerControls">
-        <TermInfo xmlns="http://schemas.microsoft.com/office/infopath/2007/PartnerControls">
-          <TermName xmlns="http://schemas.microsoft.com/office/infopath/2007/PartnerControls">Plantilla</TermName>
-          <TermId xmlns="http://schemas.microsoft.com/office/infopath/2007/PartnerControls">d5e1061d-919e-4442-88e7-3049796b4315</TermId>
-        </TermInfo>
-      </Terms>
-    </h4dfef7ba72949018326fb9ce4d0a291>
-    <VersionDocumento xmlns="0d112806-a571-4b5c-9687-83175e2be7e0">1</VersionDocumento>
-    <PeriodoVigenciaOp xmlns="0d112806-a571-4b5c-9687-83175e2be7e0">5 años</PeriodoVigenciaOp>
-    <Acciones xmlns="0d112806-a571-4b5c-9687-83175e2be7e0" xsi:nil="true"/>
-    <ebe43492e85446a78a91ba8fc80b6dc0 xmlns="0d112806-a571-4b5c-9687-83175e2be7e0">
-      <Terms xmlns="http://schemas.microsoft.com/office/infopath/2007/PartnerControls">
-        <TermInfo xmlns="http://schemas.microsoft.com/office/infopath/2007/PartnerControls">
-          <TermName xmlns="http://schemas.microsoft.com/office/infopath/2007/PartnerControls">Marketing</TermName>
-          <TermId xmlns="http://schemas.microsoft.com/office/infopath/2007/PartnerControls">9df7ab70-40b0-4076-8e0b-a73a90c2278a</TermId>
-        </TermInfo>
-      </Terms>
-    </ebe43492e85446a78a91ba8fc80b6dc0>
-    <FechaUltimaActualizacion xmlns="0d112806-a571-4b5c-9687-83175e2be7e0">2023-04-25T05:00:00+00:00</FechaUltimaActualizacion>
-    <j14b7e14421c46c7bd9164aa7bc27f64 xmlns="0d112806-a571-4b5c-9687-83175e2be7e0">
-      <Terms xmlns="http://schemas.microsoft.com/office/infopath/2007/PartnerControls">
-        <TermInfo xmlns="http://schemas.microsoft.com/office/infopath/2007/PartnerControls">
-          <TermName xmlns="http://schemas.microsoft.com/office/infopath/2007/PartnerControls">Corporativo</TermName>
-          <TermId xmlns="http://schemas.microsoft.com/office/infopath/2007/PartnerControls">71edeffe-accb-475b-a642-bfb9a76fd90b</TermId>
-        </TermInfo>
-      </Terms>
-    </j14b7e14421c46c7bd9164aa7bc27f64>
-    <Título_x0020__x0028_CentralAxity_x0029_ xmlns="0d112806-a571-4b5c-9687-83175e2be7e0">Plantilla PowerPoint Corporativa</Título_x0020__x0028_CentralAxity_x0029_>
-    <h5ed8971cb164a0da78e87f7bb125ff3 xmlns="0d112806-a571-4b5c-9687-83175e2be7e0">
-      <Terms xmlns="http://schemas.microsoft.com/office/infopath/2007/PartnerControls">
-        <TermInfo xmlns="http://schemas.microsoft.com/office/infopath/2007/PartnerControls">
-          <TermName xmlns="http://schemas.microsoft.com/office/infopath/2007/PartnerControls">sonia.reyes@axity.com</TermName>
-          <TermId xmlns="http://schemas.microsoft.com/office/infopath/2007/PartnerControls">5ef0832a-0176-4c98-9fa8-63ba5e52a41a</TermId>
-        </TermInfo>
-      </Terms>
-    </h5ed8971cb164a0da78e87f7bb125ff3>
-  </documentManagement>
-</p:properties>
+<?mso-contentType ?>
+<spe:Receivers xmlns:spe="http://schemas.microsoft.com/sharepoint/events"/>
 </file>
 
 <file path=customXml/itemProps1.xml><?xml version="1.0" encoding="utf-8"?>
@@ -41049,9 +41049,20 @@
 </file>
 
 <file path=customXml/itemProps2.xml><?xml version="1.0" encoding="utf-8"?>
-<ds:datastoreItem xmlns:ds="http://schemas.openxmlformats.org/officeDocument/2006/customXml" ds:itemID="{4715E428-4D5D-44BE-8CDF-D0767275E30E}">
+<ds:datastoreItem xmlns:ds="http://schemas.openxmlformats.org/officeDocument/2006/customXml" ds:itemID="{2D0DF8DB-B03C-4353-B44A-DA8E261EF087}">
   <ds:schemaRefs>
-    <ds:schemaRef ds:uri="http://schemas.microsoft.com/sharepoint/events"/>
+    <ds:schemaRef ds:uri="http://schemas.microsoft.com/office/2006/documentManagement/types"/>
+    <ds:schemaRef ds:uri="http://schemas.microsoft.com/sharepoint/v3"/>
+    <ds:schemaRef ds:uri="0d112806-a571-4b5c-9687-83175e2be7e0"/>
+    <ds:schemaRef ds:uri="http://www.w3.org/XML/1998/namespace"/>
+    <ds:schemaRef ds:uri="http://purl.org/dc/terms/"/>
+    <ds:schemaRef ds:uri="5715b14d-6155-4883-b773-4a6f0b526cee"/>
+    <ds:schemaRef ds:uri="http://purl.org/dc/dcmitype/"/>
+    <ds:schemaRef ds:uri="494b7d94-68f9-41b0-9fd8-f8ea6ae98d38"/>
+    <ds:schemaRef ds:uri="http://schemas.openxmlformats.org/package/2006/metadata/core-properties"/>
+    <ds:schemaRef ds:uri="http://schemas.microsoft.com/office/infopath/2007/PartnerControls"/>
+    <ds:schemaRef ds:uri="http://schemas.microsoft.com/office/2006/metadata/properties"/>
+    <ds:schemaRef ds:uri="http://purl.org/dc/elements/1.1/"/>
   </ds:schemaRefs>
 </ds:datastoreItem>
 </file>
@@ -41078,20 +41089,9 @@
 </file>
 
 <file path=customXml/itemProps4.xml><?xml version="1.0" encoding="utf-8"?>
-<ds:datastoreItem xmlns:ds="http://schemas.openxmlformats.org/officeDocument/2006/customXml" ds:itemID="{2D0DF8DB-B03C-4353-B44A-DA8E261EF087}">
+<ds:datastoreItem xmlns:ds="http://schemas.openxmlformats.org/officeDocument/2006/customXml" ds:itemID="{4715E428-4D5D-44BE-8CDF-D0767275E30E}">
   <ds:schemaRefs>
-    <ds:schemaRef ds:uri="http://schemas.microsoft.com/office/2006/documentManagement/types"/>
-    <ds:schemaRef ds:uri="http://schemas.microsoft.com/sharepoint/v3"/>
-    <ds:schemaRef ds:uri="0d112806-a571-4b5c-9687-83175e2be7e0"/>
-    <ds:schemaRef ds:uri="http://www.w3.org/XML/1998/namespace"/>
-    <ds:schemaRef ds:uri="http://purl.org/dc/terms/"/>
-    <ds:schemaRef ds:uri="5715b14d-6155-4883-b773-4a6f0b526cee"/>
-    <ds:schemaRef ds:uri="http://purl.org/dc/dcmitype/"/>
-    <ds:schemaRef ds:uri="494b7d94-68f9-41b0-9fd8-f8ea6ae98d38"/>
-    <ds:schemaRef ds:uri="http://schemas.openxmlformats.org/package/2006/metadata/core-properties"/>
-    <ds:schemaRef ds:uri="http://schemas.microsoft.com/office/infopath/2007/PartnerControls"/>
-    <ds:schemaRef ds:uri="http://schemas.microsoft.com/office/2006/metadata/properties"/>
-    <ds:schemaRef ds:uri="http://purl.org/dc/elements/1.1/"/>
+    <ds:schemaRef ds:uri="http://schemas.microsoft.com/sharepoint/events"/>
   </ds:schemaRefs>
 </ds:datastoreItem>
 </file>
--- a/Diapositivas/Parte 02.Regresión/Sección 02.1.Simple Linear Regression/Simple_Linear_Regression.pptx
+++ b/Diapositivas/Parte 02.Regresión/Sección 02.1.Simple Linear Regression/Simple_Linear_Regression.pptx
@@ -5319,7 +5319,7 @@
           <a:p>
             <a:fld id="{6C73E373-4A5A-9F47-B78B-3F6D862D2DA4}" type="datetimeFigureOut">
               <a:rPr lang="es-CO" smtClean="0"/>
-              <a:t>23/06/2023</a:t>
+              <a:t>27/06/2023</a:t>
             </a:fld>
             <a:endParaRPr lang="es-CO"/>
           </a:p>
@@ -5609,7 +5609,7 @@
           <p:cNvPr id="7" name="Imagen 6">
             <a:extLst>
               <a:ext uri="{FF2B5EF4-FFF2-40B4-BE49-F238E27FC236}">
-                <a16:creationId xmlns:a16="http://schemas.microsoft.com/office/drawing/2014/main" xmlns="" id="{36B54177-B7DF-1DD9-8875-D4168F53E154}"/>
+                <a16:creationId xmlns="" xmlns:a16="http://schemas.microsoft.com/office/drawing/2014/main" id="{36B54177-B7DF-1DD9-8875-D4168F53E154}"/>
               </a:ext>
             </a:extLst>
           </p:cNvPr>
@@ -5639,7 +5639,7 @@
           <p:cNvPr id="2" name="Título 1">
             <a:extLst>
               <a:ext uri="{FF2B5EF4-FFF2-40B4-BE49-F238E27FC236}">
-                <a16:creationId xmlns:a16="http://schemas.microsoft.com/office/drawing/2014/main" xmlns="" id="{3029E411-989D-8CFA-0371-904E9B56BB90}"/>
+                <a16:creationId xmlns="" xmlns:a16="http://schemas.microsoft.com/office/drawing/2014/main" id="{3029E411-989D-8CFA-0371-904E9B56BB90}"/>
               </a:ext>
             </a:extLst>
           </p:cNvPr>
@@ -5680,7 +5680,7 @@
           <p:cNvPr id="3" name="Subtítulo 2">
             <a:extLst>
               <a:ext uri="{FF2B5EF4-FFF2-40B4-BE49-F238E27FC236}">
-                <a16:creationId xmlns:a16="http://schemas.microsoft.com/office/drawing/2014/main" xmlns="" id="{68801E2D-CF21-2ADE-8396-CC12B5A246AC}"/>
+                <a16:creationId xmlns="" xmlns:a16="http://schemas.microsoft.com/office/drawing/2014/main" id="{68801E2D-CF21-2ADE-8396-CC12B5A246AC}"/>
               </a:ext>
             </a:extLst>
           </p:cNvPr>
@@ -5754,7 +5754,7 @@
           <p:cNvPr id="4" name="Marcador de fecha 3">
             <a:extLst>
               <a:ext uri="{FF2B5EF4-FFF2-40B4-BE49-F238E27FC236}">
-                <a16:creationId xmlns:a16="http://schemas.microsoft.com/office/drawing/2014/main" xmlns="" id="{C7D9C27E-71A0-A8E6-7D94-D52F81CE5F69}"/>
+                <a16:creationId xmlns="" xmlns:a16="http://schemas.microsoft.com/office/drawing/2014/main" id="{C7D9C27E-71A0-A8E6-7D94-D52F81CE5F69}"/>
               </a:ext>
             </a:extLst>
           </p:cNvPr>
@@ -5781,7 +5781,7 @@
             <a:fld id="{4ED1245C-EDA9-0F49-9277-480AED948C75}" type="datetimeFigureOut">
               <a:rPr lang="es-MX" smtClean="0"/>
               <a:pPr/>
-              <a:t>23/06/2023</a:t>
+              <a:t>27/06/2023</a:t>
             </a:fld>
             <a:endParaRPr lang="es-MX"/>
           </a:p>
@@ -5792,7 +5792,7 @@
           <p:cNvPr id="5" name="Marcador de pie de página 4">
             <a:extLst>
               <a:ext uri="{FF2B5EF4-FFF2-40B4-BE49-F238E27FC236}">
-                <a16:creationId xmlns:a16="http://schemas.microsoft.com/office/drawing/2014/main" xmlns="" id="{4C83CED7-3270-999D-99EC-4B2B5F4289C9}"/>
+                <a16:creationId xmlns="" xmlns:a16="http://schemas.microsoft.com/office/drawing/2014/main" id="{4C83CED7-3270-999D-99EC-4B2B5F4289C9}"/>
               </a:ext>
             </a:extLst>
           </p:cNvPr>
@@ -5825,7 +5825,7 @@
           <p:cNvPr id="6" name="Marcador de número de diapositiva 5">
             <a:extLst>
               <a:ext uri="{FF2B5EF4-FFF2-40B4-BE49-F238E27FC236}">
-                <a16:creationId xmlns:a16="http://schemas.microsoft.com/office/drawing/2014/main" xmlns="" id="{0DC7CE21-D4CA-6449-E0EA-746968CC779A}"/>
+                <a16:creationId xmlns="" xmlns:a16="http://schemas.microsoft.com/office/drawing/2014/main" id="{0DC7CE21-D4CA-6449-E0EA-746968CC779A}"/>
               </a:ext>
             </a:extLst>
           </p:cNvPr>
@@ -5893,7 +5893,7 @@
           <p:cNvPr id="2" name="Título 1">
             <a:extLst>
               <a:ext uri="{FF2B5EF4-FFF2-40B4-BE49-F238E27FC236}">
-                <a16:creationId xmlns:a16="http://schemas.microsoft.com/office/drawing/2014/main" xmlns="" id="{C4018A1D-A95A-249C-60D7-BFEC9560650F}"/>
+                <a16:creationId xmlns="" xmlns:a16="http://schemas.microsoft.com/office/drawing/2014/main" id="{C4018A1D-A95A-249C-60D7-BFEC9560650F}"/>
               </a:ext>
             </a:extLst>
           </p:cNvPr>
@@ -5930,7 +5930,7 @@
           <p:cNvPr id="3" name="Marcador de texto 2">
             <a:extLst>
               <a:ext uri="{FF2B5EF4-FFF2-40B4-BE49-F238E27FC236}">
-                <a16:creationId xmlns:a16="http://schemas.microsoft.com/office/drawing/2014/main" xmlns="" id="{7DA112BB-1B55-D3DA-D7D7-35DE1AC52464}"/>
+                <a16:creationId xmlns="" xmlns:a16="http://schemas.microsoft.com/office/drawing/2014/main" id="{7DA112BB-1B55-D3DA-D7D7-35DE1AC52464}"/>
               </a:ext>
             </a:extLst>
           </p:cNvPr>
@@ -6055,7 +6055,7 @@
           <p:cNvPr id="4" name="Marcador de fecha 3">
             <a:extLst>
               <a:ext uri="{FF2B5EF4-FFF2-40B4-BE49-F238E27FC236}">
-                <a16:creationId xmlns:a16="http://schemas.microsoft.com/office/drawing/2014/main" xmlns="" id="{E844E3D2-E945-19C6-68D7-AA7AC54FF7A6}"/>
+                <a16:creationId xmlns="" xmlns:a16="http://schemas.microsoft.com/office/drawing/2014/main" id="{E844E3D2-E945-19C6-68D7-AA7AC54FF7A6}"/>
               </a:ext>
             </a:extLst>
           </p:cNvPr>
@@ -6073,7 +6073,7 @@
           <a:p>
             <a:fld id="{4ED1245C-EDA9-0F49-9277-480AED948C75}" type="datetimeFigureOut">
               <a:rPr lang="es-MX" smtClean="0"/>
-              <a:t>23/06/2023</a:t>
+              <a:t>27/06/2023</a:t>
             </a:fld>
             <a:endParaRPr lang="es-MX"/>
           </a:p>
@@ -6084,7 +6084,7 @@
           <p:cNvPr id="5" name="Marcador de pie de página 4">
             <a:extLst>
               <a:ext uri="{FF2B5EF4-FFF2-40B4-BE49-F238E27FC236}">
-                <a16:creationId xmlns:a16="http://schemas.microsoft.com/office/drawing/2014/main" xmlns="" id="{56FC48AC-4463-729E-ABA1-FB3D3EFA26E7}"/>
+                <a16:creationId xmlns="" xmlns:a16="http://schemas.microsoft.com/office/drawing/2014/main" id="{56FC48AC-4463-729E-ABA1-FB3D3EFA26E7}"/>
               </a:ext>
             </a:extLst>
           </p:cNvPr>
@@ -6109,7 +6109,7 @@
           <p:cNvPr id="6" name="Marcador de número de diapositiva 5">
             <a:extLst>
               <a:ext uri="{FF2B5EF4-FFF2-40B4-BE49-F238E27FC236}">
-                <a16:creationId xmlns:a16="http://schemas.microsoft.com/office/drawing/2014/main" xmlns="" id="{7FB46B77-03B3-EF69-5002-A7FF12752807}"/>
+                <a16:creationId xmlns="" xmlns:a16="http://schemas.microsoft.com/office/drawing/2014/main" id="{7FB46B77-03B3-EF69-5002-A7FF12752807}"/>
               </a:ext>
             </a:extLst>
           </p:cNvPr>
@@ -6168,7 +6168,7 @@
           <p:cNvPr id="8" name="Imagen 7">
             <a:extLst>
               <a:ext uri="{FF2B5EF4-FFF2-40B4-BE49-F238E27FC236}">
-                <a16:creationId xmlns:a16="http://schemas.microsoft.com/office/drawing/2014/main" xmlns="" id="{FDAF5A4A-1B68-98B0-A191-8BD2A6F09150}"/>
+                <a16:creationId xmlns="" xmlns:a16="http://schemas.microsoft.com/office/drawing/2014/main" id="{FDAF5A4A-1B68-98B0-A191-8BD2A6F09150}"/>
               </a:ext>
             </a:extLst>
           </p:cNvPr>
@@ -6209,7 +6209,7 @@
           <a:p>
             <a:fld id="{8B636DD7-9EC0-2343-87F4-811CC24B63A7}" type="datetimeFigureOut">
               <a:rPr lang="es-MX" smtClean="0"/>
-              <a:t>23/06/2023</a:t>
+              <a:t>27/06/2023</a:t>
             </a:fld>
             <a:endParaRPr lang="es-MX"/>
           </a:p>
@@ -6268,7 +6268,7 @@
     <a:masterClrMapping/>
   </p:clrMapOvr>
   <mc:AlternateContent xmlns:mc="http://schemas.openxmlformats.org/markup-compatibility/2006">
-    <mc:Choice xmlns:p159="http://schemas.microsoft.com/office/powerpoint/2015/09/main" xmlns="" Requires="p159">
+    <mc:Choice xmlns="" xmlns:p159="http://schemas.microsoft.com/office/powerpoint/2015/09/main" Requires="p159">
       <p:transition xmlns:p14="http://schemas.microsoft.com/office/powerpoint/2010/main" spd="slow" p14:dur="2000">
         <p159:morph option="byObject"/>
       </p:transition>
@@ -6304,7 +6304,7 @@
           <p:cNvPr id="7" name="Imagen 6">
             <a:extLst>
               <a:ext uri="{FF2B5EF4-FFF2-40B4-BE49-F238E27FC236}">
-                <a16:creationId xmlns:a16="http://schemas.microsoft.com/office/drawing/2014/main" xmlns="" id="{66AD6CAE-8F01-422E-B0BA-3045B167AEAF}"/>
+                <a16:creationId xmlns="" xmlns:a16="http://schemas.microsoft.com/office/drawing/2014/main" id="{66AD6CAE-8F01-422E-B0BA-3045B167AEAF}"/>
               </a:ext>
             </a:extLst>
           </p:cNvPr>
@@ -6439,7 +6439,7 @@
           <a:p>
             <a:fld id="{8B636DD7-9EC0-2343-87F4-811CC24B63A7}" type="datetimeFigureOut">
               <a:rPr lang="es-MX" smtClean="0"/>
-              <a:t>23/06/2023</a:t>
+              <a:t>27/06/2023</a:t>
             </a:fld>
             <a:endParaRPr lang="es-MX"/>
           </a:p>
@@ -6492,7 +6492,7 @@
           <p:cNvPr id="10" name="Imagen 9">
             <a:extLst>
               <a:ext uri="{FF2B5EF4-FFF2-40B4-BE49-F238E27FC236}">
-                <a16:creationId xmlns:a16="http://schemas.microsoft.com/office/drawing/2014/main" xmlns="" id="{11028E90-7017-3801-0152-2A4D9D428AAF}"/>
+                <a16:creationId xmlns="" xmlns:a16="http://schemas.microsoft.com/office/drawing/2014/main" id="{11028E90-7017-3801-0152-2A4D9D428AAF}"/>
               </a:ext>
             </a:extLst>
           </p:cNvPr>
@@ -6527,7 +6527,7 @@
     <a:masterClrMapping/>
   </p:clrMapOvr>
   <mc:AlternateContent xmlns:mc="http://schemas.openxmlformats.org/markup-compatibility/2006">
-    <mc:Choice xmlns:p159="http://schemas.microsoft.com/office/powerpoint/2015/09/main" xmlns="" Requires="p159">
+    <mc:Choice xmlns="" xmlns:p159="http://schemas.microsoft.com/office/powerpoint/2015/09/main" Requires="p159">
       <p:transition xmlns:p14="http://schemas.microsoft.com/office/powerpoint/2010/main" spd="slow" p14:dur="2000">
         <p159:morph option="byObject"/>
       </p:transition>
@@ -6575,7 +6575,7 @@
           <a:p>
             <a:fld id="{8B636DD7-9EC0-2343-87F4-811CC24B63A7}" type="datetimeFigureOut">
               <a:rPr lang="es-MX" smtClean="0"/>
-              <a:t>23/06/2023</a:t>
+              <a:t>27/06/2023</a:t>
             </a:fld>
             <a:endParaRPr lang="es-MX"/>
           </a:p>
@@ -6628,7 +6628,7 @@
           <p:cNvPr id="10" name="Imagen 9">
             <a:extLst>
               <a:ext uri="{FF2B5EF4-FFF2-40B4-BE49-F238E27FC236}">
-                <a16:creationId xmlns:a16="http://schemas.microsoft.com/office/drawing/2014/main" xmlns="" id="{B4AC21E6-3AB4-AA3E-EED5-BEA73B4160C8}"/>
+                <a16:creationId xmlns="" xmlns:a16="http://schemas.microsoft.com/office/drawing/2014/main" id="{B4AC21E6-3AB4-AA3E-EED5-BEA73B4160C8}"/>
               </a:ext>
             </a:extLst>
           </p:cNvPr>
@@ -6657,7 +6657,7 @@
           <p:cNvPr id="5" name="Título 1">
             <a:extLst>
               <a:ext uri="{FF2B5EF4-FFF2-40B4-BE49-F238E27FC236}">
-                <a16:creationId xmlns:a16="http://schemas.microsoft.com/office/drawing/2014/main" xmlns="" id="{74D66EB4-E928-04A5-17AC-B4C4FAF01B68}"/>
+                <a16:creationId xmlns="" xmlns:a16="http://schemas.microsoft.com/office/drawing/2014/main" id="{74D66EB4-E928-04A5-17AC-B4C4FAF01B68}"/>
               </a:ext>
             </a:extLst>
           </p:cNvPr>
@@ -6700,7 +6700,7 @@
     <a:masterClrMapping/>
   </p:clrMapOvr>
   <mc:AlternateContent xmlns:mc="http://schemas.openxmlformats.org/markup-compatibility/2006">
-    <mc:Choice xmlns:p159="http://schemas.microsoft.com/office/powerpoint/2015/09/main" xmlns="" Requires="p159">
+    <mc:Choice xmlns="" xmlns:p159="http://schemas.microsoft.com/office/powerpoint/2015/09/main" Requires="p159">
       <p:transition xmlns:p14="http://schemas.microsoft.com/office/powerpoint/2010/main" spd="slow" p14:dur="2000">
         <p159:morph option="byObject"/>
       </p:transition>
@@ -6748,7 +6748,7 @@
           <a:p>
             <a:fld id="{8B636DD7-9EC0-2343-87F4-811CC24B63A7}" type="datetimeFigureOut">
               <a:rPr lang="es-MX" smtClean="0"/>
-              <a:t>23/06/2023</a:t>
+              <a:t>27/06/2023</a:t>
             </a:fld>
             <a:endParaRPr lang="es-MX"/>
           </a:p>
@@ -6801,7 +6801,7 @@
           <p:cNvPr id="5" name="Imagen 4">
             <a:extLst>
               <a:ext uri="{FF2B5EF4-FFF2-40B4-BE49-F238E27FC236}">
-                <a16:creationId xmlns:a16="http://schemas.microsoft.com/office/drawing/2014/main" xmlns="" id="{CFD1EF8D-21B9-3C6D-CAEB-887F2C4B10FA}"/>
+                <a16:creationId xmlns="" xmlns:a16="http://schemas.microsoft.com/office/drawing/2014/main" id="{CFD1EF8D-21B9-3C6D-CAEB-887F2C4B10FA}"/>
               </a:ext>
             </a:extLst>
           </p:cNvPr>
@@ -6830,7 +6830,7 @@
           <p:cNvPr id="6" name="Título 1">
             <a:extLst>
               <a:ext uri="{FF2B5EF4-FFF2-40B4-BE49-F238E27FC236}">
-                <a16:creationId xmlns:a16="http://schemas.microsoft.com/office/drawing/2014/main" xmlns="" id="{BDA5DC36-6B14-E774-2FD3-FD49BCF6F742}"/>
+                <a16:creationId xmlns="" xmlns:a16="http://schemas.microsoft.com/office/drawing/2014/main" id="{BDA5DC36-6B14-E774-2FD3-FD49BCF6F742}"/>
               </a:ext>
             </a:extLst>
           </p:cNvPr>
@@ -6877,7 +6877,7 @@
     <a:masterClrMapping/>
   </p:clrMapOvr>
   <mc:AlternateContent xmlns:mc="http://schemas.openxmlformats.org/markup-compatibility/2006">
-    <mc:Choice xmlns:p159="http://schemas.microsoft.com/office/powerpoint/2015/09/main" xmlns="" Requires="p159">
+    <mc:Choice xmlns="" xmlns:p159="http://schemas.microsoft.com/office/powerpoint/2015/09/main" Requires="p159">
       <p:transition xmlns:p14="http://schemas.microsoft.com/office/powerpoint/2010/main" spd="slow" p14:dur="2000">
         <p159:morph option="byObject"/>
       </p:transition>
@@ -6913,7 +6913,7 @@
           <p:cNvPr id="7" name="Imagen 6">
             <a:extLst>
               <a:ext uri="{FF2B5EF4-FFF2-40B4-BE49-F238E27FC236}">
-                <a16:creationId xmlns:a16="http://schemas.microsoft.com/office/drawing/2014/main" xmlns="" id="{7E36882C-E608-66B8-8A42-26DD6B67138C}"/>
+                <a16:creationId xmlns="" xmlns:a16="http://schemas.microsoft.com/office/drawing/2014/main" id="{7E36882C-E608-66B8-8A42-26DD6B67138C}"/>
               </a:ext>
             </a:extLst>
           </p:cNvPr>
@@ -6943,7 +6943,7 @@
           <p:cNvPr id="2" name="Título 1">
             <a:extLst>
               <a:ext uri="{FF2B5EF4-FFF2-40B4-BE49-F238E27FC236}">
-                <a16:creationId xmlns:a16="http://schemas.microsoft.com/office/drawing/2014/main" xmlns="" id="{A319E2F3-3E92-F0B7-289B-ECE5123D9814}"/>
+                <a16:creationId xmlns="" xmlns:a16="http://schemas.microsoft.com/office/drawing/2014/main" id="{A319E2F3-3E92-F0B7-289B-ECE5123D9814}"/>
               </a:ext>
             </a:extLst>
           </p:cNvPr>
@@ -6979,7 +6979,7 @@
           <p:cNvPr id="3" name="Marcador de contenido 2">
             <a:extLst>
               <a:ext uri="{FF2B5EF4-FFF2-40B4-BE49-F238E27FC236}">
-                <a16:creationId xmlns:a16="http://schemas.microsoft.com/office/drawing/2014/main" xmlns="" id="{917E9B9D-3312-7614-E939-8BBA89447845}"/>
+                <a16:creationId xmlns="" xmlns:a16="http://schemas.microsoft.com/office/drawing/2014/main" id="{917E9B9D-3312-7614-E939-8BBA89447845}"/>
               </a:ext>
             </a:extLst>
           </p:cNvPr>
@@ -7036,7 +7036,7 @@
           <p:cNvPr id="4" name="Marcador de fecha 3">
             <a:extLst>
               <a:ext uri="{FF2B5EF4-FFF2-40B4-BE49-F238E27FC236}">
-                <a16:creationId xmlns:a16="http://schemas.microsoft.com/office/drawing/2014/main" xmlns="" id="{9561BD46-81DF-C525-880C-B60F549977C9}"/>
+                <a16:creationId xmlns="" xmlns:a16="http://schemas.microsoft.com/office/drawing/2014/main" id="{9561BD46-81DF-C525-880C-B60F549977C9}"/>
               </a:ext>
             </a:extLst>
           </p:cNvPr>
@@ -7054,7 +7054,7 @@
           <a:p>
             <a:fld id="{4ED1245C-EDA9-0F49-9277-480AED948C75}" type="datetimeFigureOut">
               <a:rPr lang="es-MX" smtClean="0"/>
-              <a:t>23/06/2023</a:t>
+              <a:t>27/06/2023</a:t>
             </a:fld>
             <a:endParaRPr lang="es-MX"/>
           </a:p>
@@ -7065,7 +7065,7 @@
           <p:cNvPr id="5" name="Marcador de pie de página 4">
             <a:extLst>
               <a:ext uri="{FF2B5EF4-FFF2-40B4-BE49-F238E27FC236}">
-                <a16:creationId xmlns:a16="http://schemas.microsoft.com/office/drawing/2014/main" xmlns="" id="{B48141E5-38F4-5870-C465-013B716EE584}"/>
+                <a16:creationId xmlns="" xmlns:a16="http://schemas.microsoft.com/office/drawing/2014/main" id="{B48141E5-38F4-5870-C465-013B716EE584}"/>
               </a:ext>
             </a:extLst>
           </p:cNvPr>
@@ -7090,7 +7090,7 @@
           <p:cNvPr id="6" name="Marcador de número de diapositiva 5">
             <a:extLst>
               <a:ext uri="{FF2B5EF4-FFF2-40B4-BE49-F238E27FC236}">
-                <a16:creationId xmlns:a16="http://schemas.microsoft.com/office/drawing/2014/main" xmlns="" id="{6D3EFEE5-200A-753E-B6FD-9311CB9BAAFF}"/>
+                <a16:creationId xmlns="" xmlns:a16="http://schemas.microsoft.com/office/drawing/2014/main" id="{6D3EFEE5-200A-753E-B6FD-9311CB9BAAFF}"/>
               </a:ext>
             </a:extLst>
           </p:cNvPr>
@@ -7149,7 +7149,7 @@
           <p:cNvPr id="6" name="Imagen 5">
             <a:extLst>
               <a:ext uri="{FF2B5EF4-FFF2-40B4-BE49-F238E27FC236}">
-                <a16:creationId xmlns:a16="http://schemas.microsoft.com/office/drawing/2014/main" xmlns="" id="{85B76E4B-994E-FE80-0264-CD7AEB4265E3}"/>
+                <a16:creationId xmlns="" xmlns:a16="http://schemas.microsoft.com/office/drawing/2014/main" id="{85B76E4B-994E-FE80-0264-CD7AEB4265E3}"/>
               </a:ext>
             </a:extLst>
           </p:cNvPr>
@@ -7179,7 +7179,7 @@
           <p:cNvPr id="2" name="Título 1">
             <a:extLst>
               <a:ext uri="{FF2B5EF4-FFF2-40B4-BE49-F238E27FC236}">
-                <a16:creationId xmlns:a16="http://schemas.microsoft.com/office/drawing/2014/main" xmlns="" id="{F58AE75E-BF38-0C63-F39F-95D19FDCC331}"/>
+                <a16:creationId xmlns="" xmlns:a16="http://schemas.microsoft.com/office/drawing/2014/main" id="{F58AE75E-BF38-0C63-F39F-95D19FDCC331}"/>
               </a:ext>
             </a:extLst>
           </p:cNvPr>
@@ -7211,7 +7211,7 @@
           <p:cNvPr id="3" name="Marcador de fecha 2">
             <a:extLst>
               <a:ext uri="{FF2B5EF4-FFF2-40B4-BE49-F238E27FC236}">
-                <a16:creationId xmlns:a16="http://schemas.microsoft.com/office/drawing/2014/main" xmlns="" id="{C0849DC6-910E-1212-87E9-5D91EDF04321}"/>
+                <a16:creationId xmlns="" xmlns:a16="http://schemas.microsoft.com/office/drawing/2014/main" id="{C0849DC6-910E-1212-87E9-5D91EDF04321}"/>
               </a:ext>
             </a:extLst>
           </p:cNvPr>
@@ -7229,7 +7229,7 @@
           <a:p>
             <a:fld id="{4ED1245C-EDA9-0F49-9277-480AED948C75}" type="datetimeFigureOut">
               <a:rPr lang="es-MX" smtClean="0"/>
-              <a:t>23/06/2023</a:t>
+              <a:t>27/06/2023</a:t>
             </a:fld>
             <a:endParaRPr lang="es-MX"/>
           </a:p>
@@ -7240,7 +7240,7 @@
           <p:cNvPr id="4" name="Marcador de pie de página 3">
             <a:extLst>
               <a:ext uri="{FF2B5EF4-FFF2-40B4-BE49-F238E27FC236}">
-                <a16:creationId xmlns:a16="http://schemas.microsoft.com/office/drawing/2014/main" xmlns="" id="{6AC465A2-B629-9EFC-663F-3F807AD61A95}"/>
+                <a16:creationId xmlns="" xmlns:a16="http://schemas.microsoft.com/office/drawing/2014/main" id="{6AC465A2-B629-9EFC-663F-3F807AD61A95}"/>
               </a:ext>
             </a:extLst>
           </p:cNvPr>
@@ -7265,7 +7265,7 @@
           <p:cNvPr id="5" name="Marcador de número de diapositiva 4">
             <a:extLst>
               <a:ext uri="{FF2B5EF4-FFF2-40B4-BE49-F238E27FC236}">
-                <a16:creationId xmlns:a16="http://schemas.microsoft.com/office/drawing/2014/main" xmlns="" id="{7149893F-AB4A-EA91-D670-6E8677716A99}"/>
+                <a16:creationId xmlns="" xmlns:a16="http://schemas.microsoft.com/office/drawing/2014/main" id="{7149893F-AB4A-EA91-D670-6E8677716A99}"/>
               </a:ext>
             </a:extLst>
           </p:cNvPr>
@@ -7324,7 +7324,7 @@
           <p:cNvPr id="2" name="Marcador de fecha 1">
             <a:extLst>
               <a:ext uri="{FF2B5EF4-FFF2-40B4-BE49-F238E27FC236}">
-                <a16:creationId xmlns:a16="http://schemas.microsoft.com/office/drawing/2014/main" xmlns="" id="{3D8DCD30-7661-12EB-6BF3-7D6889A8D7E7}"/>
+                <a16:creationId xmlns="" xmlns:a16="http://schemas.microsoft.com/office/drawing/2014/main" id="{3D8DCD30-7661-12EB-6BF3-7D6889A8D7E7}"/>
               </a:ext>
             </a:extLst>
           </p:cNvPr>
@@ -7342,7 +7342,7 @@
           <a:p>
             <a:fld id="{4ED1245C-EDA9-0F49-9277-480AED948C75}" type="datetimeFigureOut">
               <a:rPr lang="es-MX" smtClean="0"/>
-              <a:t>23/06/2023</a:t>
+              <a:t>27/06/2023</a:t>
             </a:fld>
             <a:endParaRPr lang="es-MX"/>
           </a:p>
@@ -7353,7 +7353,7 @@
           <p:cNvPr id="3" name="Marcador de pie de página 2">
             <a:extLst>
               <a:ext uri="{FF2B5EF4-FFF2-40B4-BE49-F238E27FC236}">
-                <a16:creationId xmlns:a16="http://schemas.microsoft.com/office/drawing/2014/main" xmlns="" id="{BCE383F0-BCD5-365A-30DE-4A37BDDD44D8}"/>
+                <a16:creationId xmlns="" xmlns:a16="http://schemas.microsoft.com/office/drawing/2014/main" id="{BCE383F0-BCD5-365A-30DE-4A37BDDD44D8}"/>
               </a:ext>
             </a:extLst>
           </p:cNvPr>
@@ -7378,7 +7378,7 @@
           <p:cNvPr id="4" name="Marcador de número de diapositiva 3">
             <a:extLst>
               <a:ext uri="{FF2B5EF4-FFF2-40B4-BE49-F238E27FC236}">
-                <a16:creationId xmlns:a16="http://schemas.microsoft.com/office/drawing/2014/main" xmlns="" id="{3062DF9B-A73E-907D-5239-FDDD3489CEF2}"/>
+                <a16:creationId xmlns="" xmlns:a16="http://schemas.microsoft.com/office/drawing/2014/main" id="{3062DF9B-A73E-907D-5239-FDDD3489CEF2}"/>
               </a:ext>
             </a:extLst>
           </p:cNvPr>
@@ -7442,7 +7442,7 @@
           <p:cNvPr id="2" name="Marcador de título 1">
             <a:extLst>
               <a:ext uri="{FF2B5EF4-FFF2-40B4-BE49-F238E27FC236}">
-                <a16:creationId xmlns:a16="http://schemas.microsoft.com/office/drawing/2014/main" xmlns="" id="{33F02CBE-7D56-9524-5799-3D4C40AEE1EF}"/>
+                <a16:creationId xmlns="" xmlns:a16="http://schemas.microsoft.com/office/drawing/2014/main" id="{33F02CBE-7D56-9524-5799-3D4C40AEE1EF}"/>
               </a:ext>
             </a:extLst>
           </p:cNvPr>
@@ -7480,7 +7480,7 @@
           <p:cNvPr id="3" name="Marcador de texto 2">
             <a:extLst>
               <a:ext uri="{FF2B5EF4-FFF2-40B4-BE49-F238E27FC236}">
-                <a16:creationId xmlns:a16="http://schemas.microsoft.com/office/drawing/2014/main" xmlns="" id="{A9053B17-0988-26D7-1416-D61D74DBE858}"/>
+                <a16:creationId xmlns="" xmlns:a16="http://schemas.microsoft.com/office/drawing/2014/main" id="{A9053B17-0988-26D7-1416-D61D74DBE858}"/>
               </a:ext>
             </a:extLst>
           </p:cNvPr>
@@ -7547,7 +7547,7 @@
           <p:cNvPr id="4" name="Marcador de fecha 3">
             <a:extLst>
               <a:ext uri="{FF2B5EF4-FFF2-40B4-BE49-F238E27FC236}">
-                <a16:creationId xmlns:a16="http://schemas.microsoft.com/office/drawing/2014/main" xmlns="" id="{3CFF87E4-E3EB-6979-BA49-637760E7BBC3}"/>
+                <a16:creationId xmlns="" xmlns:a16="http://schemas.microsoft.com/office/drawing/2014/main" id="{3CFF87E4-E3EB-6979-BA49-637760E7BBC3}"/>
               </a:ext>
             </a:extLst>
           </p:cNvPr>
@@ -7587,7 +7587,7 @@
             <a:fld id="{4ED1245C-EDA9-0F49-9277-480AED948C75}" type="datetimeFigureOut">
               <a:rPr lang="es-MX" smtClean="0"/>
               <a:pPr/>
-              <a:t>23/06/2023</a:t>
+              <a:t>27/06/2023</a:t>
             </a:fld>
             <a:endParaRPr lang="es-MX"/>
           </a:p>
@@ -7598,7 +7598,7 @@
           <p:cNvPr id="5" name="Marcador de pie de página 4">
             <a:extLst>
               <a:ext uri="{FF2B5EF4-FFF2-40B4-BE49-F238E27FC236}">
-                <a16:creationId xmlns:a16="http://schemas.microsoft.com/office/drawing/2014/main" xmlns="" id="{6143CCC9-3353-516C-3DED-6C05973EB5B8}"/>
+                <a16:creationId xmlns="" xmlns:a16="http://schemas.microsoft.com/office/drawing/2014/main" id="{6143CCC9-3353-516C-3DED-6C05973EB5B8}"/>
               </a:ext>
             </a:extLst>
           </p:cNvPr>
@@ -7644,7 +7644,7 @@
           <p:cNvPr id="6" name="Marcador de número de diapositiva 5">
             <a:extLst>
               <a:ext uri="{FF2B5EF4-FFF2-40B4-BE49-F238E27FC236}">
-                <a16:creationId xmlns:a16="http://schemas.microsoft.com/office/drawing/2014/main" xmlns="" id="{751E5BC1-66C6-23A3-45FC-6B13BC2B4A2D}"/>
+                <a16:creationId xmlns="" xmlns:a16="http://schemas.microsoft.com/office/drawing/2014/main" id="{751E5BC1-66C6-23A3-45FC-6B13BC2B4A2D}"/>
               </a:ext>
             </a:extLst>
           </p:cNvPr>
@@ -8014,7 +8014,7 @@
           <p:cNvPr id="3" name="Imagen 2">
             <a:extLst>
               <a:ext uri="{FF2B5EF4-FFF2-40B4-BE49-F238E27FC236}">
-                <a16:creationId xmlns:a16="http://schemas.microsoft.com/office/drawing/2014/main" xmlns="" id="{B7DCC1AE-CBB9-4F76-A8E3-CF73CD4FFFAE}"/>
+                <a16:creationId xmlns="" xmlns:a16="http://schemas.microsoft.com/office/drawing/2014/main" id="{B7DCC1AE-CBB9-4F76-A8E3-CF73CD4FFFAE}"/>
               </a:ext>
             </a:extLst>
           </p:cNvPr>
@@ -8043,7 +8043,7 @@
           <p:cNvPr id="15" name="Rectángulo 14">
             <a:extLst>
               <a:ext uri="{FF2B5EF4-FFF2-40B4-BE49-F238E27FC236}">
-                <a16:creationId xmlns:a16="http://schemas.microsoft.com/office/drawing/2014/main" xmlns="" id="{B0381972-7714-18E2-8087-DC6EBF8C2989}"/>
+                <a16:creationId xmlns="" xmlns:a16="http://schemas.microsoft.com/office/drawing/2014/main" id="{B0381972-7714-18E2-8087-DC6EBF8C2989}"/>
               </a:ext>
             </a:extLst>
           </p:cNvPr>
@@ -8162,7 +8162,7 @@
           <p:cNvPr id="2" name="Imagen 1">
             <a:extLst>
               <a:ext uri="{FF2B5EF4-FFF2-40B4-BE49-F238E27FC236}">
-                <a16:creationId xmlns:a16="http://schemas.microsoft.com/office/drawing/2014/main" xmlns="" id="{8495C0A0-4965-B406-97D2-0C73E97D488B}"/>
+                <a16:creationId xmlns="" xmlns:a16="http://schemas.microsoft.com/office/drawing/2014/main" id="{8495C0A0-4965-B406-97D2-0C73E97D488B}"/>
               </a:ext>
             </a:extLst>
           </p:cNvPr>
@@ -8192,7 +8192,7 @@
           <p:cNvPr id="3" name="Marcador de número de diapositiva 3">
             <a:extLst>
               <a:ext uri="{FF2B5EF4-FFF2-40B4-BE49-F238E27FC236}">
-                <a16:creationId xmlns:a16="http://schemas.microsoft.com/office/drawing/2014/main" xmlns="" id="{958FBA5A-A58E-C697-8203-4F8B9AE81A4E}"/>
+                <a16:creationId xmlns="" xmlns:a16="http://schemas.microsoft.com/office/drawing/2014/main" id="{958FBA5A-A58E-C697-8203-4F8B9AE81A4E}"/>
               </a:ext>
             </a:extLst>
           </p:cNvPr>
@@ -8226,7 +8226,7 @@
           <p:cNvPr id="23" name="Título 1">
             <a:extLst>
               <a:ext uri="{FF2B5EF4-FFF2-40B4-BE49-F238E27FC236}">
-                <a16:creationId xmlns:a16="http://schemas.microsoft.com/office/drawing/2014/main" xmlns="" id="{E1DD3CF2-B58E-FFFA-CC44-24E153BAAA08}"/>
+                <a16:creationId xmlns="" xmlns:a16="http://schemas.microsoft.com/office/drawing/2014/main" id="{E1DD3CF2-B58E-FFFA-CC44-24E153BAAA08}"/>
               </a:ext>
             </a:extLst>
           </p:cNvPr>
@@ -8296,7 +8296,7 @@
           <p:cNvPr id="24" name="Título 1">
             <a:extLst>
               <a:ext uri="{FF2B5EF4-FFF2-40B4-BE49-F238E27FC236}">
-                <a16:creationId xmlns:a16="http://schemas.microsoft.com/office/drawing/2014/main" xmlns="" id="{96653C20-5D73-6AC7-AD4D-29A9D6D74E1B}"/>
+                <a16:creationId xmlns="" xmlns:a16="http://schemas.microsoft.com/office/drawing/2014/main" id="{96653C20-5D73-6AC7-AD4D-29A9D6D74E1B}"/>
               </a:ext>
             </a:extLst>
           </p:cNvPr>
@@ -8437,7 +8437,7 @@
           </a:ln>
           <a:extLst>
             <a:ext uri="{C572A759-6A51-4108-AA02-DFA0A04FC94B}">
-              <ma14:wrappingTextBoxFlag xmlns="" xmlns:m="http://schemas.openxmlformats.org/officeDocument/2006/math" xmlns:a14="http://schemas.microsoft.com/office/drawing/2010/main" xmlns:ma14="http://schemas.microsoft.com/office/mac/drawingml/2011/main" val="1"/>
+              <ma14:wrappingTextBoxFlag xmlns:ma14="http://schemas.microsoft.com/office/mac/drawingml/2011/main" xmlns:a14="http://schemas.microsoft.com/office/drawing/2010/main" xmlns:m="http://schemas.openxmlformats.org/officeDocument/2006/math" xmlns="" val="1"/>
             </a:ext>
           </a:extLst>
         </p:spPr>
@@ -8484,7 +8484,7 @@
           </a:ln>
           <a:extLst>
             <a:ext uri="{C572A759-6A51-4108-AA02-DFA0A04FC94B}">
-              <ma14:wrappingTextBoxFlag xmlns="" xmlns:m="http://schemas.openxmlformats.org/officeDocument/2006/math" xmlns:a14="http://schemas.microsoft.com/office/drawing/2010/main" xmlns:ma14="http://schemas.microsoft.com/office/mac/drawingml/2011/main" val="1"/>
+              <ma14:wrappingTextBoxFlag xmlns:ma14="http://schemas.microsoft.com/office/mac/drawingml/2011/main" xmlns:a14="http://schemas.microsoft.com/office/drawing/2010/main" xmlns:m="http://schemas.openxmlformats.org/officeDocument/2006/math" xmlns="" val="1"/>
             </a:ext>
           </a:extLst>
         </p:spPr>
@@ -10148,7 +10148,7 @@
           </a:ln>
           <a:extLst>
             <a:ext uri="{C572A759-6A51-4108-AA02-DFA0A04FC94B}">
-              <ma14:wrappingTextBoxFlag xmlns="" xmlns:m="http://schemas.openxmlformats.org/officeDocument/2006/math" xmlns:a14="http://schemas.microsoft.com/office/drawing/2010/main" xmlns:ma14="http://schemas.microsoft.com/office/mac/drawingml/2011/main" val="1"/>
+              <ma14:wrappingTextBoxFlag xmlns:ma14="http://schemas.microsoft.com/office/mac/drawingml/2011/main" xmlns:a14="http://schemas.microsoft.com/office/drawing/2010/main" xmlns:m="http://schemas.openxmlformats.org/officeDocument/2006/math" xmlns="" val="1"/>
             </a:ext>
           </a:extLst>
         </p:spPr>
@@ -10202,7 +10202,7 @@
           </a:ln>
           <a:extLst>
             <a:ext uri="{C572A759-6A51-4108-AA02-DFA0A04FC94B}">
-              <ma14:wrappingTextBoxFlag xmlns="" xmlns:m="http://schemas.openxmlformats.org/officeDocument/2006/math" xmlns:a14="http://schemas.microsoft.com/office/drawing/2010/main" xmlns:ma14="http://schemas.microsoft.com/office/mac/drawingml/2011/main" val="1"/>
+              <ma14:wrappingTextBoxFlag xmlns:ma14="http://schemas.microsoft.com/office/mac/drawingml/2011/main" xmlns:a14="http://schemas.microsoft.com/office/drawing/2010/main" xmlns:m="http://schemas.openxmlformats.org/officeDocument/2006/math" xmlns="" val="1"/>
             </a:ext>
           </a:extLst>
         </p:spPr>
@@ -10528,7 +10528,7 @@
           <p:cNvPr id="44" name="Rectángulo redondeado 8">
             <a:extLst>
               <a:ext uri="{FF2B5EF4-FFF2-40B4-BE49-F238E27FC236}">
-                <a16:creationId xmlns="" xmlns:a16="http://schemas.microsoft.com/office/drawing/2014/main" id="{277BA7B5-969F-97FA-876B-9353DE62E89F}"/>
+                <a16:creationId xmlns:a16="http://schemas.microsoft.com/office/drawing/2014/main" xmlns="" id="{277BA7B5-969F-97FA-876B-9353DE62E89F}"/>
               </a:ext>
             </a:extLst>
           </p:cNvPr>
@@ -10582,7 +10582,7 @@
           <p:cNvPr id="45" name="Rectangle 68">
             <a:extLst>
               <a:ext uri="{FF2B5EF4-FFF2-40B4-BE49-F238E27FC236}">
-                <a16:creationId xmlns="" xmlns:a16="http://schemas.microsoft.com/office/drawing/2014/main" id="{2E170935-075B-E9F1-39F5-718251B4ECCC}"/>
+                <a16:creationId xmlns:a16="http://schemas.microsoft.com/office/drawing/2014/main" xmlns="" id="{2E170935-075B-E9F1-39F5-718251B4ECCC}"/>
               </a:ext>
             </a:extLst>
           </p:cNvPr>
@@ -10657,7 +10657,7 @@
     <a:masterClrMapping/>
   </p:clrMapOvr>
   <mc:AlternateContent xmlns:mc="http://schemas.openxmlformats.org/markup-compatibility/2006">
-    <mc:Choice xmlns:p159="http://schemas.microsoft.com/office/powerpoint/2015/09/main" xmlns="" Requires="p159">
+    <mc:Choice xmlns="" xmlns:p159="http://schemas.microsoft.com/office/powerpoint/2015/09/main" Requires="p159">
       <p:transition xmlns:p14="http://schemas.microsoft.com/office/powerpoint/2010/main" spd="slow" p14:dur="2000">
         <p159:morph option="byObject"/>
       </p:transition>
@@ -11961,7 +11961,7 @@
           <p:cNvPr id="6" name="Imagen 5">
             <a:extLst>
               <a:ext uri="{FF2B5EF4-FFF2-40B4-BE49-F238E27FC236}">
-                <a16:creationId xmlns:a16="http://schemas.microsoft.com/office/drawing/2014/main" xmlns="" id="{AECF0F1D-C308-BF13-5B7D-2AF3F7F37ED8}"/>
+                <a16:creationId xmlns="" xmlns:a16="http://schemas.microsoft.com/office/drawing/2014/main" id="{AECF0F1D-C308-BF13-5B7D-2AF3F7F37ED8}"/>
               </a:ext>
             </a:extLst>
           </p:cNvPr>
@@ -11991,7 +11991,7 @@
           <p:cNvPr id="29" name="Elipse 28">
             <a:extLst>
               <a:ext uri="{FF2B5EF4-FFF2-40B4-BE49-F238E27FC236}">
-                <a16:creationId xmlns:a16="http://schemas.microsoft.com/office/drawing/2014/main" xmlns="" id="{D409A869-E3F3-BD1E-56AD-23DD57DA9900}"/>
+                <a16:creationId xmlns="" xmlns:a16="http://schemas.microsoft.com/office/drawing/2014/main" id="{D409A869-E3F3-BD1E-56AD-23DD57DA9900}"/>
               </a:ext>
             </a:extLst>
           </p:cNvPr>
@@ -12052,7 +12052,7 @@
           <p:cNvPr id="30" name="Elipse 11">
             <a:extLst>
               <a:ext uri="{FF2B5EF4-FFF2-40B4-BE49-F238E27FC236}">
-                <a16:creationId xmlns:a16="http://schemas.microsoft.com/office/drawing/2014/main" xmlns="" id="{9809322B-D16D-7581-2FF2-1FB36C37C381}"/>
+                <a16:creationId xmlns="" xmlns:a16="http://schemas.microsoft.com/office/drawing/2014/main" id="{9809322B-D16D-7581-2FF2-1FB36C37C381}"/>
               </a:ext>
             </a:extLst>
           </p:cNvPr>
@@ -12112,7 +12112,7 @@
           <p:cNvPr id="2" name="Imagen 1">
             <a:extLst>
               <a:ext uri="{FF2B5EF4-FFF2-40B4-BE49-F238E27FC236}">
-                <a16:creationId xmlns:a16="http://schemas.microsoft.com/office/drawing/2014/main" xmlns="" id="{D12FEC8B-F836-FC77-8973-F379E2719902}"/>
+                <a16:creationId xmlns="" xmlns:a16="http://schemas.microsoft.com/office/drawing/2014/main" id="{D12FEC8B-F836-FC77-8973-F379E2719902}"/>
               </a:ext>
             </a:extLst>
           </p:cNvPr>
@@ -12142,7 +12142,7 @@
           <p:cNvPr id="3" name="Título 1">
             <a:extLst>
               <a:ext uri="{FF2B5EF4-FFF2-40B4-BE49-F238E27FC236}">
-                <a16:creationId xmlns:a16="http://schemas.microsoft.com/office/drawing/2014/main" xmlns="" id="{4F3CB707-2FAF-B9D2-DE82-A33A22EDA69A}"/>
+                <a16:creationId xmlns="" xmlns:a16="http://schemas.microsoft.com/office/drawing/2014/main" id="{4F3CB707-2FAF-B9D2-DE82-A33A22EDA69A}"/>
               </a:ext>
             </a:extLst>
           </p:cNvPr>
@@ -12209,7 +12209,7 @@
           <p:cNvPr id="4" name="Grupo 3">
             <a:extLst>
               <a:ext uri="{FF2B5EF4-FFF2-40B4-BE49-F238E27FC236}">
-                <a16:creationId xmlns:a16="http://schemas.microsoft.com/office/drawing/2014/main" xmlns="" id="{40D242EC-C551-2379-5531-DD6DFF7049A1}"/>
+                <a16:creationId xmlns="" xmlns:a16="http://schemas.microsoft.com/office/drawing/2014/main" id="{40D242EC-C551-2379-5531-DD6DFF7049A1}"/>
               </a:ext>
             </a:extLst>
           </p:cNvPr>
@@ -12229,7 +12229,7 @@
             <p:cNvPr id="5" name="Título 1">
               <a:extLst>
                 <a:ext uri="{FF2B5EF4-FFF2-40B4-BE49-F238E27FC236}">
-                  <a16:creationId xmlns:a16="http://schemas.microsoft.com/office/drawing/2014/main" xmlns="" id="{55257F63-9592-FE8C-B657-605DAA492B1F}"/>
+                  <a16:creationId xmlns="" xmlns:a16="http://schemas.microsoft.com/office/drawing/2014/main" id="{55257F63-9592-FE8C-B657-605DAA492B1F}"/>
                 </a:ext>
               </a:extLst>
             </p:cNvPr>
@@ -12307,7 +12307,7 @@
             <p:cNvPr id="11" name="Conector recto 10">
               <a:extLst>
                 <a:ext uri="{FF2B5EF4-FFF2-40B4-BE49-F238E27FC236}">
-                  <a16:creationId xmlns:a16="http://schemas.microsoft.com/office/drawing/2014/main" xmlns="" id="{353D40E2-101E-5774-4744-4104291C31F0}"/>
+                  <a16:creationId xmlns="" xmlns:a16="http://schemas.microsoft.com/office/drawing/2014/main" id="{353D40E2-101E-5774-4744-4104291C31F0}"/>
                 </a:ext>
               </a:extLst>
             </p:cNvPr>
@@ -12391,7 +12391,7 @@
           <p:cNvPr id="2" name="Imagen 1">
             <a:extLst>
               <a:ext uri="{FF2B5EF4-FFF2-40B4-BE49-F238E27FC236}">
-                <a16:creationId xmlns:a16="http://schemas.microsoft.com/office/drawing/2014/main" xmlns="" id="{8495C0A0-4965-B406-97D2-0C73E97D488B}"/>
+                <a16:creationId xmlns="" xmlns:a16="http://schemas.microsoft.com/office/drawing/2014/main" id="{8495C0A0-4965-B406-97D2-0C73E97D488B}"/>
               </a:ext>
             </a:extLst>
           </p:cNvPr>
@@ -12421,7 +12421,7 @@
           <p:cNvPr id="3" name="Marcador de número de diapositiva 3">
             <a:extLst>
               <a:ext uri="{FF2B5EF4-FFF2-40B4-BE49-F238E27FC236}">
-                <a16:creationId xmlns:a16="http://schemas.microsoft.com/office/drawing/2014/main" xmlns="" id="{958FBA5A-A58E-C697-8203-4F8B9AE81A4E}"/>
+                <a16:creationId xmlns="" xmlns:a16="http://schemas.microsoft.com/office/drawing/2014/main" id="{958FBA5A-A58E-C697-8203-4F8B9AE81A4E}"/>
               </a:ext>
             </a:extLst>
           </p:cNvPr>
@@ -12455,7 +12455,7 @@
           <p:cNvPr id="23" name="Título 1">
             <a:extLst>
               <a:ext uri="{FF2B5EF4-FFF2-40B4-BE49-F238E27FC236}">
-                <a16:creationId xmlns:a16="http://schemas.microsoft.com/office/drawing/2014/main" xmlns="" id="{E1DD3CF2-B58E-FFFA-CC44-24E153BAAA08}"/>
+                <a16:creationId xmlns="" xmlns:a16="http://schemas.microsoft.com/office/drawing/2014/main" id="{E1DD3CF2-B58E-FFFA-CC44-24E153BAAA08}"/>
               </a:ext>
             </a:extLst>
           </p:cNvPr>
@@ -12525,7 +12525,7 @@
           <p:cNvPr id="24" name="Título 1">
             <a:extLst>
               <a:ext uri="{FF2B5EF4-FFF2-40B4-BE49-F238E27FC236}">
-                <a16:creationId xmlns:a16="http://schemas.microsoft.com/office/drawing/2014/main" xmlns="" id="{96653C20-5D73-6AC7-AD4D-29A9D6D74E1B}"/>
+                <a16:creationId xmlns="" xmlns:a16="http://schemas.microsoft.com/office/drawing/2014/main" id="{96653C20-5D73-6AC7-AD4D-29A9D6D74E1B}"/>
               </a:ext>
             </a:extLst>
           </p:cNvPr>
@@ -12594,7 +12594,7 @@
           <p:cNvPr id="39" name="Rectángulo redondeado 8">
             <a:extLst>
               <a:ext uri="{FF2B5EF4-FFF2-40B4-BE49-F238E27FC236}">
-                <a16:creationId xmlns="" xmlns:a16="http://schemas.microsoft.com/office/drawing/2014/main" id="{277BA7B5-969F-97FA-876B-9353DE62E89F}"/>
+                <a16:creationId xmlns:a16="http://schemas.microsoft.com/office/drawing/2014/main" xmlns="" id="{277BA7B5-969F-97FA-876B-9353DE62E89F}"/>
               </a:ext>
             </a:extLst>
           </p:cNvPr>
@@ -12648,7 +12648,7 @@
           <p:cNvPr id="40" name="Rectangle 68">
             <a:extLst>
               <a:ext uri="{FF2B5EF4-FFF2-40B4-BE49-F238E27FC236}">
-                <a16:creationId xmlns="" xmlns:a16="http://schemas.microsoft.com/office/drawing/2014/main" id="{2E170935-075B-E9F1-39F5-718251B4ECCC}"/>
+                <a16:creationId xmlns:a16="http://schemas.microsoft.com/office/drawing/2014/main" xmlns="" id="{2E170935-075B-E9F1-39F5-718251B4ECCC}"/>
               </a:ext>
             </a:extLst>
           </p:cNvPr>
@@ -12787,7 +12787,7 @@
     <a:masterClrMapping/>
   </p:clrMapOvr>
   <mc:AlternateContent xmlns:mc="http://schemas.openxmlformats.org/markup-compatibility/2006">
-    <mc:Choice xmlns:p159="http://schemas.microsoft.com/office/powerpoint/2015/09/main" xmlns="" Requires="p159">
+    <mc:Choice xmlns="" xmlns:p159="http://schemas.microsoft.com/office/powerpoint/2015/09/main" Requires="p159">
       <p:transition xmlns:p14="http://schemas.microsoft.com/office/powerpoint/2010/main" spd="slow" p14:dur="2000">
         <p159:morph option="byObject"/>
       </p:transition>
@@ -12912,7 +12912,7 @@
           <p:cNvPr id="2" name="Imagen 1">
             <a:extLst>
               <a:ext uri="{FF2B5EF4-FFF2-40B4-BE49-F238E27FC236}">
-                <a16:creationId xmlns:a16="http://schemas.microsoft.com/office/drawing/2014/main" xmlns="" id="{8495C0A0-4965-B406-97D2-0C73E97D488B}"/>
+                <a16:creationId xmlns="" xmlns:a16="http://schemas.microsoft.com/office/drawing/2014/main" id="{8495C0A0-4965-B406-97D2-0C73E97D488B}"/>
               </a:ext>
             </a:extLst>
           </p:cNvPr>
@@ -12942,7 +12942,7 @@
           <p:cNvPr id="3" name="Marcador de número de diapositiva 3">
             <a:extLst>
               <a:ext uri="{FF2B5EF4-FFF2-40B4-BE49-F238E27FC236}">
-                <a16:creationId xmlns:a16="http://schemas.microsoft.com/office/drawing/2014/main" xmlns="" id="{958FBA5A-A58E-C697-8203-4F8B9AE81A4E}"/>
+                <a16:creationId xmlns="" xmlns:a16="http://schemas.microsoft.com/office/drawing/2014/main" id="{958FBA5A-A58E-C697-8203-4F8B9AE81A4E}"/>
               </a:ext>
             </a:extLst>
           </p:cNvPr>
@@ -12976,7 +12976,7 @@
           <p:cNvPr id="23" name="Título 1">
             <a:extLst>
               <a:ext uri="{FF2B5EF4-FFF2-40B4-BE49-F238E27FC236}">
-                <a16:creationId xmlns:a16="http://schemas.microsoft.com/office/drawing/2014/main" xmlns="" id="{E1DD3CF2-B58E-FFFA-CC44-24E153BAAA08}"/>
+                <a16:creationId xmlns="" xmlns:a16="http://schemas.microsoft.com/office/drawing/2014/main" id="{E1DD3CF2-B58E-FFFA-CC44-24E153BAAA08}"/>
               </a:ext>
             </a:extLst>
           </p:cNvPr>
@@ -13046,7 +13046,7 @@
           <p:cNvPr id="24" name="Título 1">
             <a:extLst>
               <a:ext uri="{FF2B5EF4-FFF2-40B4-BE49-F238E27FC236}">
-                <a16:creationId xmlns:a16="http://schemas.microsoft.com/office/drawing/2014/main" xmlns="" id="{96653C20-5D73-6AC7-AD4D-29A9D6D74E1B}"/>
+                <a16:creationId xmlns="" xmlns:a16="http://schemas.microsoft.com/office/drawing/2014/main" id="{96653C20-5D73-6AC7-AD4D-29A9D6D74E1B}"/>
               </a:ext>
             </a:extLst>
           </p:cNvPr>
@@ -13115,7 +13115,7 @@
           <p:cNvPr id="39" name="Rectángulo redondeado 8">
             <a:extLst>
               <a:ext uri="{FF2B5EF4-FFF2-40B4-BE49-F238E27FC236}">
-                <a16:creationId xmlns="" xmlns:a16="http://schemas.microsoft.com/office/drawing/2014/main" id="{277BA7B5-969F-97FA-876B-9353DE62E89F}"/>
+                <a16:creationId xmlns:a16="http://schemas.microsoft.com/office/drawing/2014/main" xmlns="" id="{277BA7B5-969F-97FA-876B-9353DE62E89F}"/>
               </a:ext>
             </a:extLst>
           </p:cNvPr>
@@ -13169,7 +13169,7 @@
           <p:cNvPr id="40" name="Rectangle 68">
             <a:extLst>
               <a:ext uri="{FF2B5EF4-FFF2-40B4-BE49-F238E27FC236}">
-                <a16:creationId xmlns="" xmlns:a16="http://schemas.microsoft.com/office/drawing/2014/main" id="{2E170935-075B-E9F1-39F5-718251B4ECCC}"/>
+                <a16:creationId xmlns:a16="http://schemas.microsoft.com/office/drawing/2014/main" xmlns="" id="{2E170935-075B-E9F1-39F5-718251B4ECCC}"/>
               </a:ext>
             </a:extLst>
           </p:cNvPr>
@@ -13290,7 +13290,7 @@
     <a:masterClrMapping/>
   </p:clrMapOvr>
   <mc:AlternateContent xmlns:mc="http://schemas.openxmlformats.org/markup-compatibility/2006">
-    <mc:Choice xmlns:p159="http://schemas.microsoft.com/office/powerpoint/2015/09/main" xmlns="" Requires="p159">
+    <mc:Choice xmlns="" xmlns:p159="http://schemas.microsoft.com/office/powerpoint/2015/09/main" Requires="p159">
       <p:transition xmlns:p14="http://schemas.microsoft.com/office/powerpoint/2010/main" spd="slow" p14:dur="2000">
         <p159:morph option="byObject"/>
       </p:transition>
@@ -13415,7 +13415,7 @@
           <p:cNvPr id="20" name="Rectángulo redondeado 19">
             <a:extLst>
               <a:ext uri="{FF2B5EF4-FFF2-40B4-BE49-F238E27FC236}">
-                <a16:creationId xmlns="" xmlns:a16="http://schemas.microsoft.com/office/drawing/2014/main" id="{BF09CAA8-8053-E0A6-DC26-426D1F02D061}"/>
+                <a16:creationId xmlns:a16="http://schemas.microsoft.com/office/drawing/2014/main" xmlns="" id="{BF09CAA8-8053-E0A6-DC26-426D1F02D061}"/>
               </a:ext>
             </a:extLst>
           </p:cNvPr>
@@ -13478,7 +13478,7 @@
           <p:cNvPr id="16" name="Título 1">
             <a:extLst>
               <a:ext uri="{FF2B5EF4-FFF2-40B4-BE49-F238E27FC236}">
-                <a16:creationId xmlns="" xmlns:a16="http://schemas.microsoft.com/office/drawing/2014/main" id="{D5FD1066-7FA1-9BF9-22F0-F52B6DDCD8D0}"/>
+                <a16:creationId xmlns:a16="http://schemas.microsoft.com/office/drawing/2014/main" xmlns="" id="{D5FD1066-7FA1-9BF9-22F0-F52B6DDCD8D0}"/>
               </a:ext>
             </a:extLst>
           </p:cNvPr>
@@ -13529,7 +13529,7 @@
           <p:cNvPr id="17" name="Subtítulo 2">
             <a:extLst>
               <a:ext uri="{FF2B5EF4-FFF2-40B4-BE49-F238E27FC236}">
-                <a16:creationId xmlns="" xmlns:a16="http://schemas.microsoft.com/office/drawing/2014/main" id="{3DFC87B0-799A-C4EE-D680-F89FA1274BED}"/>
+                <a16:creationId xmlns:a16="http://schemas.microsoft.com/office/drawing/2014/main" xmlns="" id="{3DFC87B0-799A-C4EE-D680-F89FA1274BED}"/>
               </a:ext>
             </a:extLst>
           </p:cNvPr>
@@ -13585,7 +13585,7 @@
           <p:cNvPr id="2" name="Rectángulo redondeado 1">
             <a:extLst>
               <a:ext uri="{FF2B5EF4-FFF2-40B4-BE49-F238E27FC236}">
-                <a16:creationId xmlns="" xmlns:a16="http://schemas.microsoft.com/office/drawing/2014/main" id="{CCD3B001-675A-A776-763B-388CE2698D74}"/>
+                <a16:creationId xmlns:a16="http://schemas.microsoft.com/office/drawing/2014/main" xmlns="" id="{CCD3B001-675A-A776-763B-388CE2698D74}"/>
               </a:ext>
             </a:extLst>
           </p:cNvPr>
@@ -13648,7 +13648,7 @@
           <p:cNvPr id="4" name="Rectángulo redondeado 3">
             <a:extLst>
               <a:ext uri="{FF2B5EF4-FFF2-40B4-BE49-F238E27FC236}">
-                <a16:creationId xmlns="" xmlns:a16="http://schemas.microsoft.com/office/drawing/2014/main" id="{B199D41E-253C-2151-DFD2-3A1DCD8F14EF}"/>
+                <a16:creationId xmlns:a16="http://schemas.microsoft.com/office/drawing/2014/main" xmlns="" id="{B199D41E-253C-2151-DFD2-3A1DCD8F14EF}"/>
               </a:ext>
             </a:extLst>
           </p:cNvPr>
@@ -13711,7 +13711,7 @@
           <p:cNvPr id="5" name="Rectángulo redondeado 4">
             <a:extLst>
               <a:ext uri="{FF2B5EF4-FFF2-40B4-BE49-F238E27FC236}">
-                <a16:creationId xmlns="" xmlns:a16="http://schemas.microsoft.com/office/drawing/2014/main" id="{F919647C-EC8E-9977-5829-F9FA9DBC3A4B}"/>
+                <a16:creationId xmlns:a16="http://schemas.microsoft.com/office/drawing/2014/main" xmlns="" id="{F919647C-EC8E-9977-5829-F9FA9DBC3A4B}"/>
               </a:ext>
             </a:extLst>
           </p:cNvPr>
@@ -13774,7 +13774,7 @@
           <p:cNvPr id="7" name="Rectángulo redondeado 6">
             <a:extLst>
               <a:ext uri="{FF2B5EF4-FFF2-40B4-BE49-F238E27FC236}">
-                <a16:creationId xmlns="" xmlns:a16="http://schemas.microsoft.com/office/drawing/2014/main" id="{0EA01A99-EEE2-756B-9ECE-EC32D3ABF85E}"/>
+                <a16:creationId xmlns:a16="http://schemas.microsoft.com/office/drawing/2014/main" xmlns="" id="{0EA01A99-EEE2-756B-9ECE-EC32D3ABF85E}"/>
               </a:ext>
             </a:extLst>
           </p:cNvPr>
@@ -13837,7 +13837,7 @@
           <p:cNvPr id="11" name="Rectángulo redondeado 10">
             <a:extLst>
               <a:ext uri="{FF2B5EF4-FFF2-40B4-BE49-F238E27FC236}">
-                <a16:creationId xmlns="" xmlns:a16="http://schemas.microsoft.com/office/drawing/2014/main" id="{2F78498A-2720-6921-8930-22F7C28739A5}"/>
+                <a16:creationId xmlns:a16="http://schemas.microsoft.com/office/drawing/2014/main" xmlns="" id="{2F78498A-2720-6921-8930-22F7C28739A5}"/>
               </a:ext>
             </a:extLst>
           </p:cNvPr>
@@ -13899,7 +13899,7 @@
           <p:cNvPr id="15" name="Rectángulo redondeado 14">
             <a:extLst>
               <a:ext uri="{FF2B5EF4-FFF2-40B4-BE49-F238E27FC236}">
-                <a16:creationId xmlns="" xmlns:a16="http://schemas.microsoft.com/office/drawing/2014/main" id="{77327BB8-C8AD-194D-4E04-00122A71646B}"/>
+                <a16:creationId xmlns:a16="http://schemas.microsoft.com/office/drawing/2014/main" xmlns="" id="{77327BB8-C8AD-194D-4E04-00122A71646B}"/>
               </a:ext>
             </a:extLst>
           </p:cNvPr>
@@ -13961,7 +13961,7 @@
           <p:cNvPr id="18" name="Rectángulo redondeado 17">
             <a:extLst>
               <a:ext uri="{FF2B5EF4-FFF2-40B4-BE49-F238E27FC236}">
-                <a16:creationId xmlns="" xmlns:a16="http://schemas.microsoft.com/office/drawing/2014/main" id="{A82886BF-19BB-9236-ADD9-7C2A1A689330}"/>
+                <a16:creationId xmlns:a16="http://schemas.microsoft.com/office/drawing/2014/main" xmlns="" id="{A82886BF-19BB-9236-ADD9-7C2A1A689330}"/>
               </a:ext>
             </a:extLst>
           </p:cNvPr>
@@ -14023,7 +14023,7 @@
           <p:cNvPr id="19" name="Rectángulo redondeado 18">
             <a:extLst>
               <a:ext uri="{FF2B5EF4-FFF2-40B4-BE49-F238E27FC236}">
-                <a16:creationId xmlns="" xmlns:a16="http://schemas.microsoft.com/office/drawing/2014/main" id="{6EA072CD-9F3D-4795-5D92-A409228E5D0A}"/>
+                <a16:creationId xmlns:a16="http://schemas.microsoft.com/office/drawing/2014/main" xmlns="" id="{6EA072CD-9F3D-4795-5D92-A409228E5D0A}"/>
               </a:ext>
             </a:extLst>
           </p:cNvPr>
@@ -14085,7 +14085,7 @@
           <p:cNvPr id="30" name="Subtítulo 2">
             <a:extLst>
               <a:ext uri="{FF2B5EF4-FFF2-40B4-BE49-F238E27FC236}">
-                <a16:creationId xmlns="" xmlns:a16="http://schemas.microsoft.com/office/drawing/2014/main" id="{A01E837A-D726-E0FC-6B75-F180334C145E}"/>
+                <a16:creationId xmlns:a16="http://schemas.microsoft.com/office/drawing/2014/main" xmlns="" id="{A01E837A-D726-E0FC-6B75-F180334C145E}"/>
               </a:ext>
             </a:extLst>
           </p:cNvPr>
@@ -14328,7 +14328,7 @@
           <p:cNvPr id="34" name="Subtítulo 2">
             <a:extLst>
               <a:ext uri="{FF2B5EF4-FFF2-40B4-BE49-F238E27FC236}">
-                <a16:creationId xmlns="" xmlns:a16="http://schemas.microsoft.com/office/drawing/2014/main" id="{F863594F-03E1-D5FE-967D-FC23EBCEBC46}"/>
+                <a16:creationId xmlns:a16="http://schemas.microsoft.com/office/drawing/2014/main" xmlns="" id="{F863594F-03E1-D5FE-967D-FC23EBCEBC46}"/>
               </a:ext>
             </a:extLst>
           </p:cNvPr>
@@ -14571,7 +14571,7 @@
           <p:cNvPr id="45" name="Subtítulo 2">
             <a:extLst>
               <a:ext uri="{FF2B5EF4-FFF2-40B4-BE49-F238E27FC236}">
-                <a16:creationId xmlns="" xmlns:a16="http://schemas.microsoft.com/office/drawing/2014/main" id="{BAC2461A-A8F4-6E7D-591F-A715605CB681}"/>
+                <a16:creationId xmlns:a16="http://schemas.microsoft.com/office/drawing/2014/main" xmlns="" id="{BAC2461A-A8F4-6E7D-591F-A715605CB681}"/>
               </a:ext>
             </a:extLst>
           </p:cNvPr>
@@ -14814,7 +14814,7 @@
           <p:cNvPr id="47" name="Subtítulo 2">
             <a:extLst>
               <a:ext uri="{FF2B5EF4-FFF2-40B4-BE49-F238E27FC236}">
-                <a16:creationId xmlns="" xmlns:a16="http://schemas.microsoft.com/office/drawing/2014/main" id="{9E63FB36-E116-AEAC-39ED-BAE30F51867C}"/>
+                <a16:creationId xmlns:a16="http://schemas.microsoft.com/office/drawing/2014/main" xmlns="" id="{9E63FB36-E116-AEAC-39ED-BAE30F51867C}"/>
               </a:ext>
             </a:extLst>
           </p:cNvPr>
@@ -15036,7 +15036,7 @@
           <p:cNvPr id="48" name="Subtítulo 2">
             <a:extLst>
               <a:ext uri="{FF2B5EF4-FFF2-40B4-BE49-F238E27FC236}">
-                <a16:creationId xmlns="" xmlns:a16="http://schemas.microsoft.com/office/drawing/2014/main" id="{DF3BBE98-CE18-7410-A42D-05AF2CF3A2A6}"/>
+                <a16:creationId xmlns:a16="http://schemas.microsoft.com/office/drawing/2014/main" xmlns="" id="{DF3BBE98-CE18-7410-A42D-05AF2CF3A2A6}"/>
               </a:ext>
             </a:extLst>
           </p:cNvPr>
@@ -15279,7 +15279,7 @@
           <p:cNvPr id="49" name="Subtítulo 2">
             <a:extLst>
               <a:ext uri="{FF2B5EF4-FFF2-40B4-BE49-F238E27FC236}">
-                <a16:creationId xmlns="" xmlns:a16="http://schemas.microsoft.com/office/drawing/2014/main" id="{C81EEB7D-A645-3EE7-6E59-FE643DB0CCB1}"/>
+                <a16:creationId xmlns:a16="http://schemas.microsoft.com/office/drawing/2014/main" xmlns="" id="{C81EEB7D-A645-3EE7-6E59-FE643DB0CCB1}"/>
               </a:ext>
             </a:extLst>
           </p:cNvPr>
@@ -15522,7 +15522,7 @@
           <p:cNvPr id="50" name="Subtítulo 2">
             <a:extLst>
               <a:ext uri="{FF2B5EF4-FFF2-40B4-BE49-F238E27FC236}">
-                <a16:creationId xmlns="" xmlns:a16="http://schemas.microsoft.com/office/drawing/2014/main" id="{1E13DC0E-9361-9034-2A30-6DBBEC58B20D}"/>
+                <a16:creationId xmlns:a16="http://schemas.microsoft.com/office/drawing/2014/main" xmlns="" id="{1E13DC0E-9361-9034-2A30-6DBBEC58B20D}"/>
               </a:ext>
             </a:extLst>
           </p:cNvPr>
@@ -15765,7 +15765,7 @@
           <p:cNvPr id="51" name="Subtítulo 2">
             <a:extLst>
               <a:ext uri="{FF2B5EF4-FFF2-40B4-BE49-F238E27FC236}">
-                <a16:creationId xmlns="" xmlns:a16="http://schemas.microsoft.com/office/drawing/2014/main" id="{AB1EF8A2-8534-BEE3-A084-8B5E6BDB1310}"/>
+                <a16:creationId xmlns:a16="http://schemas.microsoft.com/office/drawing/2014/main" xmlns="" id="{AB1EF8A2-8534-BEE3-A084-8B5E6BDB1310}"/>
               </a:ext>
             </a:extLst>
           </p:cNvPr>
@@ -16019,7 +16019,7 @@
           <p:cNvPr id="23" name="Rectángulo redondeado 6">
             <a:extLst>
               <a:ext uri="{FF2B5EF4-FFF2-40B4-BE49-F238E27FC236}">
-                <a16:creationId xmlns="" xmlns:a16="http://schemas.microsoft.com/office/drawing/2014/main" id="{0EA01A99-EEE2-756B-9ECE-EC32D3ABF85E}"/>
+                <a16:creationId xmlns:a16="http://schemas.microsoft.com/office/drawing/2014/main" xmlns="" id="{0EA01A99-EEE2-756B-9ECE-EC32D3ABF85E}"/>
               </a:ext>
             </a:extLst>
           </p:cNvPr>
@@ -16082,7 +16082,7 @@
           <p:cNvPr id="24" name="Rectángulo redondeado 18">
             <a:extLst>
               <a:ext uri="{FF2B5EF4-FFF2-40B4-BE49-F238E27FC236}">
-                <a16:creationId xmlns="" xmlns:a16="http://schemas.microsoft.com/office/drawing/2014/main" id="{6EA072CD-9F3D-4795-5D92-A409228E5D0A}"/>
+                <a16:creationId xmlns:a16="http://schemas.microsoft.com/office/drawing/2014/main" xmlns="" id="{6EA072CD-9F3D-4795-5D92-A409228E5D0A}"/>
               </a:ext>
             </a:extLst>
           </p:cNvPr>
@@ -16144,7 +16144,7 @@
           <p:cNvPr id="25" name="Subtítulo 2">
             <a:extLst>
               <a:ext uri="{FF2B5EF4-FFF2-40B4-BE49-F238E27FC236}">
-                <a16:creationId xmlns="" xmlns:a16="http://schemas.microsoft.com/office/drawing/2014/main" id="{9E63FB36-E116-AEAC-39ED-BAE30F51867C}"/>
+                <a16:creationId xmlns:a16="http://schemas.microsoft.com/office/drawing/2014/main" xmlns="" id="{9E63FB36-E116-AEAC-39ED-BAE30F51867C}"/>
               </a:ext>
             </a:extLst>
           </p:cNvPr>
@@ -16366,7 +16366,7 @@
           <p:cNvPr id="26" name="Subtítulo 2">
             <a:extLst>
               <a:ext uri="{FF2B5EF4-FFF2-40B4-BE49-F238E27FC236}">
-                <a16:creationId xmlns="" xmlns:a16="http://schemas.microsoft.com/office/drawing/2014/main" id="{AB1EF8A2-8534-BEE3-A084-8B5E6BDB1310}"/>
+                <a16:creationId xmlns:a16="http://schemas.microsoft.com/office/drawing/2014/main" xmlns="" id="{AB1EF8A2-8534-BEE3-A084-8B5E6BDB1310}"/>
               </a:ext>
             </a:extLst>
           </p:cNvPr>
@@ -16626,7 +16626,7 @@
     <a:masterClrMapping/>
   </p:clrMapOvr>
   <mc:AlternateContent xmlns:mc="http://schemas.openxmlformats.org/markup-compatibility/2006">
-    <mc:Choice xmlns="" xmlns:p159="http://schemas.microsoft.com/office/powerpoint/2015/09/main" Requires="p159">
+    <mc:Choice xmlns:p159="http://schemas.microsoft.com/office/powerpoint/2015/09/main" xmlns="" Requires="p159">
       <p:transition xmlns:p14="http://schemas.microsoft.com/office/powerpoint/2010/main" spd="slow" p14:dur="2000">
         <p159:morph option="byObject"/>
       </p:transition>
@@ -16662,7 +16662,7 @@
           <p:cNvPr id="2" name="Imagen 1">
             <a:extLst>
               <a:ext uri="{FF2B5EF4-FFF2-40B4-BE49-F238E27FC236}">
-                <a16:creationId xmlns:a16="http://schemas.microsoft.com/office/drawing/2014/main" xmlns="" id="{8495C0A0-4965-B406-97D2-0C73E97D488B}"/>
+                <a16:creationId xmlns="" xmlns:a16="http://schemas.microsoft.com/office/drawing/2014/main" id="{8495C0A0-4965-B406-97D2-0C73E97D488B}"/>
               </a:ext>
             </a:extLst>
           </p:cNvPr>
@@ -16692,7 +16692,7 @@
           <p:cNvPr id="3" name="Marcador de número de diapositiva 3">
             <a:extLst>
               <a:ext uri="{FF2B5EF4-FFF2-40B4-BE49-F238E27FC236}">
-                <a16:creationId xmlns:a16="http://schemas.microsoft.com/office/drawing/2014/main" xmlns="" id="{958FBA5A-A58E-C697-8203-4F8B9AE81A4E}"/>
+                <a16:creationId xmlns="" xmlns:a16="http://schemas.microsoft.com/office/drawing/2014/main" id="{958FBA5A-A58E-C697-8203-4F8B9AE81A4E}"/>
               </a:ext>
             </a:extLst>
           </p:cNvPr>
@@ -16726,7 +16726,7 @@
           <p:cNvPr id="23" name="Título 1">
             <a:extLst>
               <a:ext uri="{FF2B5EF4-FFF2-40B4-BE49-F238E27FC236}">
-                <a16:creationId xmlns:a16="http://schemas.microsoft.com/office/drawing/2014/main" xmlns="" id="{E1DD3CF2-B58E-FFFA-CC44-24E153BAAA08}"/>
+                <a16:creationId xmlns="" xmlns:a16="http://schemas.microsoft.com/office/drawing/2014/main" id="{E1DD3CF2-B58E-FFFA-CC44-24E153BAAA08}"/>
               </a:ext>
             </a:extLst>
           </p:cNvPr>
@@ -17110,7 +17110,7 @@
           </a:ln>
           <a:extLst>
             <a:ext uri="{C572A759-6A51-4108-AA02-DFA0A04FC94B}">
-              <ma14:wrappingTextBoxFlag xmlns="" xmlns:m="http://schemas.openxmlformats.org/officeDocument/2006/math" xmlns:a14="http://schemas.microsoft.com/office/drawing/2010/main" xmlns:ma14="http://schemas.microsoft.com/office/mac/drawingml/2011/main" val="1"/>
+              <ma14:wrappingTextBoxFlag xmlns:ma14="http://schemas.microsoft.com/office/mac/drawingml/2011/main" xmlns:a14="http://schemas.microsoft.com/office/drawing/2010/main" xmlns:m="http://schemas.openxmlformats.org/officeDocument/2006/math" xmlns="" val="1"/>
             </a:ext>
           </a:extLst>
         </p:spPr>
@@ -17157,7 +17157,7 @@
           </a:ln>
           <a:extLst>
             <a:ext uri="{C572A759-6A51-4108-AA02-DFA0A04FC94B}">
-              <ma14:wrappingTextBoxFlag xmlns="" xmlns:m="http://schemas.openxmlformats.org/officeDocument/2006/math" xmlns:a14="http://schemas.microsoft.com/office/drawing/2010/main" xmlns:ma14="http://schemas.microsoft.com/office/mac/drawingml/2011/main" val="1"/>
+              <ma14:wrappingTextBoxFlag xmlns:ma14="http://schemas.microsoft.com/office/mac/drawingml/2011/main" xmlns:a14="http://schemas.microsoft.com/office/drawing/2010/main" xmlns:m="http://schemas.openxmlformats.org/officeDocument/2006/math" xmlns="" val="1"/>
             </a:ext>
           </a:extLst>
         </p:spPr>
@@ -18692,7 +18692,7 @@
           </a:ln>
           <a:extLst>
             <a:ext uri="{C572A759-6A51-4108-AA02-DFA0A04FC94B}">
-              <ma14:wrappingTextBoxFlag xmlns="" xmlns:m="http://schemas.openxmlformats.org/officeDocument/2006/math" xmlns:a14="http://schemas.microsoft.com/office/drawing/2010/main" xmlns:ma14="http://schemas.microsoft.com/office/mac/drawingml/2011/main" val="1"/>
+              <ma14:wrappingTextBoxFlag xmlns:ma14="http://schemas.microsoft.com/office/mac/drawingml/2011/main" xmlns:a14="http://schemas.microsoft.com/office/drawing/2010/main" xmlns:m="http://schemas.openxmlformats.org/officeDocument/2006/math" xmlns="" val="1"/>
             </a:ext>
           </a:extLst>
         </p:spPr>
@@ -18752,7 +18752,7 @@
           </a:ln>
           <a:extLst>
             <a:ext uri="{C572A759-6A51-4108-AA02-DFA0A04FC94B}">
-              <ma14:wrappingTextBoxFlag xmlns="" xmlns:m="http://schemas.openxmlformats.org/officeDocument/2006/math" xmlns:a14="http://schemas.microsoft.com/office/drawing/2010/main" xmlns:ma14="http://schemas.microsoft.com/office/mac/drawingml/2011/main" val="1"/>
+              <ma14:wrappingTextBoxFlag xmlns:ma14="http://schemas.microsoft.com/office/mac/drawingml/2011/main" xmlns:a14="http://schemas.microsoft.com/office/drawing/2010/main" xmlns:m="http://schemas.openxmlformats.org/officeDocument/2006/math" xmlns="" val="1"/>
             </a:ext>
           </a:extLst>
         </p:spPr>
@@ -18875,7 +18875,7 @@
             <a:effectLst/>
             <a:extLst>
               <a:ext uri="{C572A759-6A51-4108-AA02-DFA0A04FC94B}">
-                <ma14:wrappingTextBoxFlag xmlns="" xmlns:m="http://schemas.openxmlformats.org/officeDocument/2006/math" xmlns:a14="http://schemas.microsoft.com/office/drawing/2010/main" xmlns:ma14="http://schemas.microsoft.com/office/mac/drawingml/2011/main" val="1"/>
+                <ma14:wrappingTextBoxFlag xmlns:ma14="http://schemas.microsoft.com/office/mac/drawingml/2011/main" xmlns:a14="http://schemas.microsoft.com/office/drawing/2010/main" xmlns:m="http://schemas.openxmlformats.org/officeDocument/2006/math" xmlns="" val="1"/>
               </a:ext>
             </a:extLst>
           </p:spPr>
@@ -18972,7 +18972,7 @@
             <a:effectLst/>
             <a:extLst>
               <a:ext uri="{C572A759-6A51-4108-AA02-DFA0A04FC94B}">
-                <ma14:wrappingTextBoxFlag xmlns="" xmlns:m="http://schemas.openxmlformats.org/officeDocument/2006/math" xmlns:a14="http://schemas.microsoft.com/office/drawing/2010/main" xmlns:ma14="http://schemas.microsoft.com/office/mac/drawingml/2011/main" val="1"/>
+                <ma14:wrappingTextBoxFlag xmlns:ma14="http://schemas.microsoft.com/office/mac/drawingml/2011/main" xmlns:a14="http://schemas.microsoft.com/office/drawing/2010/main" xmlns:m="http://schemas.openxmlformats.org/officeDocument/2006/math" xmlns="" val="1"/>
               </a:ext>
             </a:extLst>
           </p:spPr>
@@ -19025,7 +19025,7 @@
             <a:effectLst/>
             <a:extLst>
               <a:ext uri="{C572A759-6A51-4108-AA02-DFA0A04FC94B}">
-                <ma14:wrappingTextBoxFlag xmlns="" xmlns:m="http://schemas.openxmlformats.org/officeDocument/2006/math" xmlns:a14="http://schemas.microsoft.com/office/drawing/2010/main" xmlns:ma14="http://schemas.microsoft.com/office/mac/drawingml/2011/main" val="1"/>
+                <ma14:wrappingTextBoxFlag xmlns:ma14="http://schemas.microsoft.com/office/mac/drawingml/2011/main" xmlns:a14="http://schemas.microsoft.com/office/drawing/2010/main" xmlns:m="http://schemas.openxmlformats.org/officeDocument/2006/math" xmlns="" val="1"/>
               </a:ext>
             </a:extLst>
           </p:spPr>
@@ -19149,7 +19149,7 @@
     <a:masterClrMapping/>
   </p:clrMapOvr>
   <mc:AlternateContent xmlns:mc="http://schemas.openxmlformats.org/markup-compatibility/2006">
-    <mc:Choice xmlns:p159="http://schemas.microsoft.com/office/powerpoint/2015/09/main" xmlns="" Requires="p159">
+    <mc:Choice xmlns="" xmlns:p159="http://schemas.microsoft.com/office/powerpoint/2015/09/main" Requires="p159">
       <p:transition xmlns:p14="http://schemas.microsoft.com/office/powerpoint/2010/main" spd="slow" p14:dur="2000">
         <p159:morph option="byObject"/>
       </p:transition>
@@ -20487,7 +20487,7 @@
           <p:cNvPr id="2" name="Imagen 1">
             <a:extLst>
               <a:ext uri="{FF2B5EF4-FFF2-40B4-BE49-F238E27FC236}">
-                <a16:creationId xmlns:a16="http://schemas.microsoft.com/office/drawing/2014/main" xmlns="" id="{8495C0A0-4965-B406-97D2-0C73E97D488B}"/>
+                <a16:creationId xmlns="" xmlns:a16="http://schemas.microsoft.com/office/drawing/2014/main" id="{8495C0A0-4965-B406-97D2-0C73E97D488B}"/>
               </a:ext>
             </a:extLst>
           </p:cNvPr>
@@ -20517,7 +20517,7 @@
           <p:cNvPr id="3" name="Marcador de número de diapositiva 3">
             <a:extLst>
               <a:ext uri="{FF2B5EF4-FFF2-40B4-BE49-F238E27FC236}">
-                <a16:creationId xmlns:a16="http://schemas.microsoft.com/office/drawing/2014/main" xmlns="" id="{958FBA5A-A58E-C697-8203-4F8B9AE81A4E}"/>
+                <a16:creationId xmlns="" xmlns:a16="http://schemas.microsoft.com/office/drawing/2014/main" id="{958FBA5A-A58E-C697-8203-4F8B9AE81A4E}"/>
               </a:ext>
             </a:extLst>
           </p:cNvPr>
@@ -20551,7 +20551,7 @@
           <p:cNvPr id="23" name="Título 1">
             <a:extLst>
               <a:ext uri="{FF2B5EF4-FFF2-40B4-BE49-F238E27FC236}">
-                <a16:creationId xmlns:a16="http://schemas.microsoft.com/office/drawing/2014/main" xmlns="" id="{E1DD3CF2-B58E-FFFA-CC44-24E153BAAA08}"/>
+                <a16:creationId xmlns="" xmlns:a16="http://schemas.microsoft.com/office/drawing/2014/main" id="{E1DD3CF2-B58E-FFFA-CC44-24E153BAAA08}"/>
               </a:ext>
             </a:extLst>
           </p:cNvPr>
@@ -20709,7 +20709,7 @@
             <a:effectLst/>
             <a:extLst>
               <a:ext uri="{C572A759-6A51-4108-AA02-DFA0A04FC94B}">
-                <ma14:wrappingTextBoxFlag xmlns="" xmlns:m="http://schemas.openxmlformats.org/officeDocument/2006/math" xmlns:a14="http://schemas.microsoft.com/office/drawing/2010/main" xmlns:ma14="http://schemas.microsoft.com/office/mac/drawingml/2011/main" val="1"/>
+                <ma14:wrappingTextBoxFlag xmlns:ma14="http://schemas.microsoft.com/office/mac/drawingml/2011/main" xmlns:a14="http://schemas.microsoft.com/office/drawing/2010/main" xmlns:m="http://schemas.openxmlformats.org/officeDocument/2006/math" xmlns="" val="1"/>
               </a:ext>
             </a:extLst>
           </p:spPr>
@@ -20806,7 +20806,7 @@
             <a:effectLst/>
             <a:extLst>
               <a:ext uri="{C572A759-6A51-4108-AA02-DFA0A04FC94B}">
-                <ma14:wrappingTextBoxFlag xmlns="" xmlns:m="http://schemas.openxmlformats.org/officeDocument/2006/math" xmlns:a14="http://schemas.microsoft.com/office/drawing/2010/main" xmlns:ma14="http://schemas.microsoft.com/office/mac/drawingml/2011/main" val="1"/>
+                <ma14:wrappingTextBoxFlag xmlns:ma14="http://schemas.microsoft.com/office/mac/drawingml/2011/main" xmlns:a14="http://schemas.microsoft.com/office/drawing/2010/main" xmlns:m="http://schemas.openxmlformats.org/officeDocument/2006/math" xmlns="" val="1"/>
               </a:ext>
             </a:extLst>
           </p:spPr>
@@ -20859,7 +20859,7 @@
             <a:effectLst/>
             <a:extLst>
               <a:ext uri="{C572A759-6A51-4108-AA02-DFA0A04FC94B}">
-                <ma14:wrappingTextBoxFlag xmlns="" xmlns:m="http://schemas.openxmlformats.org/officeDocument/2006/math" xmlns:a14="http://schemas.microsoft.com/office/drawing/2010/main" xmlns:ma14="http://schemas.microsoft.com/office/mac/drawingml/2011/main" val="1"/>
+                <ma14:wrappingTextBoxFlag xmlns:ma14="http://schemas.microsoft.com/office/mac/drawingml/2011/main" xmlns:a14="http://schemas.microsoft.com/office/drawing/2010/main" xmlns:m="http://schemas.openxmlformats.org/officeDocument/2006/math" xmlns="" val="1"/>
               </a:ext>
             </a:extLst>
           </p:spPr>
@@ -20910,7 +20910,7 @@
           </a:ln>
           <a:extLst>
             <a:ext uri="{C572A759-6A51-4108-AA02-DFA0A04FC94B}">
-              <ma14:wrappingTextBoxFlag xmlns="" xmlns:m="http://schemas.openxmlformats.org/officeDocument/2006/math" xmlns:a14="http://schemas.microsoft.com/office/drawing/2010/main" xmlns:ma14="http://schemas.microsoft.com/office/mac/drawingml/2011/main" val="1"/>
+              <ma14:wrappingTextBoxFlag xmlns:ma14="http://schemas.microsoft.com/office/mac/drawingml/2011/main" xmlns:a14="http://schemas.microsoft.com/office/drawing/2010/main" xmlns:m="http://schemas.openxmlformats.org/officeDocument/2006/math" xmlns="" val="1"/>
             </a:ext>
           </a:extLst>
         </p:spPr>
@@ -20964,7 +20964,7 @@
           </a:ln>
           <a:extLst>
             <a:ext uri="{C572A759-6A51-4108-AA02-DFA0A04FC94B}">
-              <ma14:wrappingTextBoxFlag xmlns="" xmlns:m="http://schemas.openxmlformats.org/officeDocument/2006/math" xmlns:a14="http://schemas.microsoft.com/office/drawing/2010/main" xmlns:ma14="http://schemas.microsoft.com/office/mac/drawingml/2011/main" val="1"/>
+              <ma14:wrappingTextBoxFlag xmlns:ma14="http://schemas.microsoft.com/office/mac/drawingml/2011/main" xmlns:a14="http://schemas.microsoft.com/office/drawing/2010/main" xmlns:m="http://schemas.openxmlformats.org/officeDocument/2006/math" xmlns="" val="1"/>
             </a:ext>
           </a:extLst>
         </p:spPr>
@@ -21039,7 +21039,7 @@
           </a:ln>
           <a:extLst>
             <a:ext uri="{C572A759-6A51-4108-AA02-DFA0A04FC94B}">
-              <ma14:wrappingTextBoxFlag xmlns="" xmlns:m="http://schemas.openxmlformats.org/officeDocument/2006/math" xmlns:a14="http://schemas.microsoft.com/office/drawing/2010/main" xmlns:ma14="http://schemas.microsoft.com/office/mac/drawingml/2011/main" val="1"/>
+              <ma14:wrappingTextBoxFlag xmlns:ma14="http://schemas.microsoft.com/office/mac/drawingml/2011/main" xmlns:a14="http://schemas.microsoft.com/office/drawing/2010/main" xmlns:m="http://schemas.openxmlformats.org/officeDocument/2006/math" xmlns="" val="1"/>
             </a:ext>
           </a:extLst>
         </p:spPr>
@@ -21100,7 +21100,7 @@
           </a:ln>
           <a:extLst>
             <a:ext uri="{C572A759-6A51-4108-AA02-DFA0A04FC94B}">
-              <ma14:wrappingTextBoxFlag xmlns="" xmlns:m="http://schemas.openxmlformats.org/officeDocument/2006/math" xmlns:a14="http://schemas.microsoft.com/office/drawing/2010/main" xmlns:ma14="http://schemas.microsoft.com/office/mac/drawingml/2011/main" val="1"/>
+              <ma14:wrappingTextBoxFlag xmlns:ma14="http://schemas.microsoft.com/office/mac/drawingml/2011/main" xmlns:a14="http://schemas.microsoft.com/office/drawing/2010/main" xmlns:m="http://schemas.openxmlformats.org/officeDocument/2006/math" xmlns="" val="1"/>
             </a:ext>
           </a:extLst>
         </p:spPr>
@@ -21180,7 +21180,7 @@
             <a:effectLst/>
             <a:extLst>
               <a:ext uri="{C572A759-6A51-4108-AA02-DFA0A04FC94B}">
-                <ma14:wrappingTextBoxFlag xmlns="" xmlns:m="http://schemas.openxmlformats.org/officeDocument/2006/math" xmlns:a14="http://schemas.microsoft.com/office/drawing/2010/main" xmlns:ma14="http://schemas.microsoft.com/office/mac/drawingml/2011/main" val="1"/>
+                <ma14:wrappingTextBoxFlag xmlns:ma14="http://schemas.microsoft.com/office/mac/drawingml/2011/main" xmlns:a14="http://schemas.microsoft.com/office/drawing/2010/main" xmlns:m="http://schemas.openxmlformats.org/officeDocument/2006/math" xmlns="" val="1"/>
               </a:ext>
             </a:extLst>
           </p:spPr>
@@ -21373,7 +21373,7 @@
           </a:ln>
           <a:extLst>
             <a:ext uri="{C572A759-6A51-4108-AA02-DFA0A04FC94B}">
-              <ma14:wrappingTextBoxFlag xmlns="" xmlns:m="http://schemas.openxmlformats.org/officeDocument/2006/math" xmlns:a14="http://schemas.microsoft.com/office/drawing/2010/main" xmlns:ma14="http://schemas.microsoft.com/office/mac/drawingml/2011/main" val="1"/>
+              <ma14:wrappingTextBoxFlag xmlns:ma14="http://schemas.microsoft.com/office/mac/drawingml/2011/main" xmlns:a14="http://schemas.microsoft.com/office/drawing/2010/main" xmlns:m="http://schemas.openxmlformats.org/officeDocument/2006/math" xmlns="" val="1"/>
             </a:ext>
           </a:extLst>
         </p:spPr>
@@ -21423,7 +21423,7 @@
           </a:ln>
           <a:extLst>
             <a:ext uri="{C572A759-6A51-4108-AA02-DFA0A04FC94B}">
-              <ma14:wrappingTextBoxFlag xmlns="" xmlns:m="http://schemas.openxmlformats.org/officeDocument/2006/math" xmlns:a14="http://schemas.microsoft.com/office/drawing/2010/main" xmlns:ma14="http://schemas.microsoft.com/office/mac/drawingml/2011/main" val="1"/>
+              <ma14:wrappingTextBoxFlag xmlns:ma14="http://schemas.microsoft.com/office/mac/drawingml/2011/main" xmlns:a14="http://schemas.microsoft.com/office/drawing/2010/main" xmlns:m="http://schemas.openxmlformats.org/officeDocument/2006/math" xmlns="" val="1"/>
             </a:ext>
           </a:extLst>
         </p:spPr>
@@ -21456,7 +21456,7 @@
           <p:cNvPr id="24" name="Rectángulo redondeado 8">
             <a:extLst>
               <a:ext uri="{FF2B5EF4-FFF2-40B4-BE49-F238E27FC236}">
-                <a16:creationId xmlns="" xmlns:a16="http://schemas.microsoft.com/office/drawing/2014/main" id="{277BA7B5-969F-97FA-876B-9353DE62E89F}"/>
+                <a16:creationId xmlns:a16="http://schemas.microsoft.com/office/drawing/2014/main" xmlns="" id="{277BA7B5-969F-97FA-876B-9353DE62E89F}"/>
               </a:ext>
             </a:extLst>
           </p:cNvPr>
@@ -21510,7 +21510,7 @@
           <p:cNvPr id="26" name="Rectangle 68">
             <a:extLst>
               <a:ext uri="{FF2B5EF4-FFF2-40B4-BE49-F238E27FC236}">
-                <a16:creationId xmlns="" xmlns:a16="http://schemas.microsoft.com/office/drawing/2014/main" id="{2E170935-075B-E9F1-39F5-718251B4ECCC}"/>
+                <a16:creationId xmlns:a16="http://schemas.microsoft.com/office/drawing/2014/main" xmlns="" id="{2E170935-075B-E9F1-39F5-718251B4ECCC}"/>
               </a:ext>
             </a:extLst>
           </p:cNvPr>
@@ -21570,7 +21570,7 @@
     <a:masterClrMapping/>
   </p:clrMapOvr>
   <mc:AlternateContent xmlns:mc="http://schemas.openxmlformats.org/markup-compatibility/2006">
-    <mc:Choice xmlns:p159="http://schemas.microsoft.com/office/powerpoint/2015/09/main" xmlns="" Requires="p159">
+    <mc:Choice xmlns="" xmlns:p159="http://schemas.microsoft.com/office/powerpoint/2015/09/main" Requires="p159">
       <p:transition xmlns:p14="http://schemas.microsoft.com/office/powerpoint/2010/main" spd="slow" p14:dur="2000">
         <p159:morph option="byObject"/>
       </p:transition>
@@ -22079,7 +22079,7 @@
           <p:cNvPr id="2" name="Imagen 1">
             <a:extLst>
               <a:ext uri="{FF2B5EF4-FFF2-40B4-BE49-F238E27FC236}">
-                <a16:creationId xmlns:a16="http://schemas.microsoft.com/office/drawing/2014/main" xmlns="" id="{8495C0A0-4965-B406-97D2-0C73E97D488B}"/>
+                <a16:creationId xmlns="" xmlns:a16="http://schemas.microsoft.com/office/drawing/2014/main" id="{8495C0A0-4965-B406-97D2-0C73E97D488B}"/>
               </a:ext>
             </a:extLst>
           </p:cNvPr>
@@ -22109,7 +22109,7 @@
           <p:cNvPr id="3" name="Marcador de número de diapositiva 3">
             <a:extLst>
               <a:ext uri="{FF2B5EF4-FFF2-40B4-BE49-F238E27FC236}">
-                <a16:creationId xmlns:a16="http://schemas.microsoft.com/office/drawing/2014/main" xmlns="" id="{958FBA5A-A58E-C697-8203-4F8B9AE81A4E}"/>
+                <a16:creationId xmlns="" xmlns:a16="http://schemas.microsoft.com/office/drawing/2014/main" id="{958FBA5A-A58E-C697-8203-4F8B9AE81A4E}"/>
               </a:ext>
             </a:extLst>
           </p:cNvPr>
@@ -22143,7 +22143,7 @@
           <p:cNvPr id="23" name="Título 1">
             <a:extLst>
               <a:ext uri="{FF2B5EF4-FFF2-40B4-BE49-F238E27FC236}">
-                <a16:creationId xmlns:a16="http://schemas.microsoft.com/office/drawing/2014/main" xmlns="" id="{E1DD3CF2-B58E-FFFA-CC44-24E153BAAA08}"/>
+                <a16:creationId xmlns="" xmlns:a16="http://schemas.microsoft.com/office/drawing/2014/main" id="{E1DD3CF2-B58E-FFFA-CC44-24E153BAAA08}"/>
               </a:ext>
             </a:extLst>
           </p:cNvPr>
@@ -22312,7 +22312,7 @@
             <a:effectLst/>
             <a:extLst>
               <a:ext uri="{C572A759-6A51-4108-AA02-DFA0A04FC94B}">
-                <ma14:wrappingTextBoxFlag xmlns="" xmlns:m="http://schemas.openxmlformats.org/officeDocument/2006/math" xmlns:a14="http://schemas.microsoft.com/office/drawing/2010/main" xmlns:ma14="http://schemas.microsoft.com/office/mac/drawingml/2011/main" val="1"/>
+                <ma14:wrappingTextBoxFlag xmlns:ma14="http://schemas.microsoft.com/office/mac/drawingml/2011/main" xmlns:a14="http://schemas.microsoft.com/office/drawing/2010/main" xmlns:m="http://schemas.openxmlformats.org/officeDocument/2006/math" xmlns="" val="1"/>
               </a:ext>
             </a:extLst>
           </p:spPr>
@@ -22409,7 +22409,7 @@
             <a:effectLst/>
             <a:extLst>
               <a:ext uri="{C572A759-6A51-4108-AA02-DFA0A04FC94B}">
-                <ma14:wrappingTextBoxFlag xmlns="" xmlns:m="http://schemas.openxmlformats.org/officeDocument/2006/math" xmlns:a14="http://schemas.microsoft.com/office/drawing/2010/main" xmlns:ma14="http://schemas.microsoft.com/office/mac/drawingml/2011/main" val="1"/>
+                <ma14:wrappingTextBoxFlag xmlns:ma14="http://schemas.microsoft.com/office/mac/drawingml/2011/main" xmlns:a14="http://schemas.microsoft.com/office/drawing/2010/main" xmlns:m="http://schemas.openxmlformats.org/officeDocument/2006/math" xmlns="" val="1"/>
               </a:ext>
             </a:extLst>
           </p:spPr>
@@ -22462,7 +22462,7 @@
             <a:effectLst/>
             <a:extLst>
               <a:ext uri="{C572A759-6A51-4108-AA02-DFA0A04FC94B}">
-                <ma14:wrappingTextBoxFlag xmlns="" xmlns:m="http://schemas.openxmlformats.org/officeDocument/2006/math" xmlns:a14="http://schemas.microsoft.com/office/drawing/2010/main" xmlns:ma14="http://schemas.microsoft.com/office/mac/drawingml/2011/main" val="1"/>
+                <ma14:wrappingTextBoxFlag xmlns:ma14="http://schemas.microsoft.com/office/mac/drawingml/2011/main" xmlns:a14="http://schemas.microsoft.com/office/drawing/2010/main" xmlns:m="http://schemas.openxmlformats.org/officeDocument/2006/math" xmlns="" val="1"/>
               </a:ext>
             </a:extLst>
           </p:spPr>
@@ -22553,7 +22553,7 @@
           </a:ln>
           <a:extLst>
             <a:ext uri="{C572A759-6A51-4108-AA02-DFA0A04FC94B}">
-              <ma14:wrappingTextBoxFlag xmlns="" xmlns:m="http://schemas.openxmlformats.org/officeDocument/2006/math" xmlns:a14="http://schemas.microsoft.com/office/drawing/2010/main" xmlns:ma14="http://schemas.microsoft.com/office/mac/drawingml/2011/main" val="1"/>
+              <ma14:wrappingTextBoxFlag xmlns:ma14="http://schemas.microsoft.com/office/mac/drawingml/2011/main" xmlns:a14="http://schemas.microsoft.com/office/drawing/2010/main" xmlns:m="http://schemas.openxmlformats.org/officeDocument/2006/math" xmlns="" val="1"/>
             </a:ext>
           </a:extLst>
         </p:spPr>
@@ -22650,7 +22650,7 @@
           </a:ln>
           <a:extLst>
             <a:ext uri="{C572A759-6A51-4108-AA02-DFA0A04FC94B}">
-              <ma14:wrappingTextBoxFlag xmlns="" xmlns:m="http://schemas.openxmlformats.org/officeDocument/2006/math" xmlns:a14="http://schemas.microsoft.com/office/drawing/2010/main" xmlns:ma14="http://schemas.microsoft.com/office/mac/drawingml/2011/main" val="1"/>
+              <ma14:wrappingTextBoxFlag xmlns:ma14="http://schemas.microsoft.com/office/mac/drawingml/2011/main" xmlns:a14="http://schemas.microsoft.com/office/drawing/2010/main" xmlns:m="http://schemas.openxmlformats.org/officeDocument/2006/math" xmlns="" val="1"/>
             </a:ext>
           </a:extLst>
         </p:spPr>
@@ -22697,7 +22697,7 @@
           </a:ln>
           <a:extLst>
             <a:ext uri="{C572A759-6A51-4108-AA02-DFA0A04FC94B}">
-              <ma14:wrappingTextBoxFlag xmlns="" xmlns:m="http://schemas.openxmlformats.org/officeDocument/2006/math" xmlns:a14="http://schemas.microsoft.com/office/drawing/2010/main" xmlns:ma14="http://schemas.microsoft.com/office/mac/drawingml/2011/main" val="1"/>
+              <ma14:wrappingTextBoxFlag xmlns:ma14="http://schemas.microsoft.com/office/mac/drawingml/2011/main" xmlns:a14="http://schemas.microsoft.com/office/drawing/2010/main" xmlns:m="http://schemas.openxmlformats.org/officeDocument/2006/math" xmlns="" val="1"/>
             </a:ext>
           </a:extLst>
         </p:spPr>
@@ -22744,7 +22744,7 @@
           </a:ln>
           <a:extLst>
             <a:ext uri="{C572A759-6A51-4108-AA02-DFA0A04FC94B}">
-              <ma14:wrappingTextBoxFlag xmlns="" xmlns:m="http://schemas.openxmlformats.org/officeDocument/2006/math" xmlns:a14="http://schemas.microsoft.com/office/drawing/2010/main" xmlns:ma14="http://schemas.microsoft.com/office/mac/drawingml/2011/main" val="1"/>
+              <ma14:wrappingTextBoxFlag xmlns:ma14="http://schemas.microsoft.com/office/mac/drawingml/2011/main" xmlns:a14="http://schemas.microsoft.com/office/drawing/2010/main" xmlns:m="http://schemas.openxmlformats.org/officeDocument/2006/math" xmlns="" val="1"/>
             </a:ext>
           </a:extLst>
         </p:spPr>
@@ -22792,7 +22792,7 @@
     <a:masterClrMapping/>
   </p:clrMapOvr>
   <mc:AlternateContent xmlns:mc="http://schemas.openxmlformats.org/markup-compatibility/2006">
-    <mc:Choice xmlns:p159="http://schemas.microsoft.com/office/powerpoint/2015/09/main" xmlns="" Requires="p159">
+    <mc:Choice xmlns="" xmlns:p159="http://schemas.microsoft.com/office/powerpoint/2015/09/main" Requires="p159">
       <p:transition xmlns:p14="http://schemas.microsoft.com/office/powerpoint/2010/main" spd="slow" p14:dur="2000">
         <p159:morph option="byObject"/>
       </p:transition>
@@ -22996,7 +22996,7 @@
           <p:cNvPr id="3" name="Imagen 2">
             <a:extLst>
               <a:ext uri="{FF2B5EF4-FFF2-40B4-BE49-F238E27FC236}">
-                <a16:creationId xmlns:a16="http://schemas.microsoft.com/office/drawing/2014/main" xmlns="" id="{08C4E3FE-E8E8-1FA2-3CB0-D1CC422A969E}"/>
+                <a16:creationId xmlns="" xmlns:a16="http://schemas.microsoft.com/office/drawing/2014/main" id="{08C4E3FE-E8E8-1FA2-3CB0-D1CC422A969E}"/>
               </a:ext>
             </a:extLst>
           </p:cNvPr>
@@ -23026,7 +23026,7 @@
           <p:cNvPr id="6" name="Título 1">
             <a:extLst>
               <a:ext uri="{FF2B5EF4-FFF2-40B4-BE49-F238E27FC236}">
-                <a16:creationId xmlns:a16="http://schemas.microsoft.com/office/drawing/2014/main" xmlns="" id="{A781DE42-8E67-5535-4B61-B54CCAF4FD76}"/>
+                <a16:creationId xmlns="" xmlns:a16="http://schemas.microsoft.com/office/drawing/2014/main" id="{A781DE42-8E67-5535-4B61-B54CCAF4FD76}"/>
               </a:ext>
             </a:extLst>
           </p:cNvPr>
@@ -23093,7 +23093,7 @@
           <p:cNvPr id="10" name="Grupo 9">
             <a:extLst>
               <a:ext uri="{FF2B5EF4-FFF2-40B4-BE49-F238E27FC236}">
-                <a16:creationId xmlns:a16="http://schemas.microsoft.com/office/drawing/2014/main" xmlns="" id="{CB5B3A35-7130-A49C-C69E-40809DEAAE50}"/>
+                <a16:creationId xmlns="" xmlns:a16="http://schemas.microsoft.com/office/drawing/2014/main" id="{CB5B3A35-7130-A49C-C69E-40809DEAAE50}"/>
               </a:ext>
             </a:extLst>
           </p:cNvPr>
@@ -23113,7 +23113,7 @@
             <p:cNvPr id="11" name="Título 1">
               <a:extLst>
                 <a:ext uri="{FF2B5EF4-FFF2-40B4-BE49-F238E27FC236}">
-                  <a16:creationId xmlns:a16="http://schemas.microsoft.com/office/drawing/2014/main" xmlns="" id="{9052FAA3-FC71-D2FA-5C6D-C3DD73479ED2}"/>
+                  <a16:creationId xmlns="" xmlns:a16="http://schemas.microsoft.com/office/drawing/2014/main" id="{9052FAA3-FC71-D2FA-5C6D-C3DD73479ED2}"/>
                 </a:ext>
               </a:extLst>
             </p:cNvPr>
@@ -23191,7 +23191,7 @@
             <p:cNvPr id="12" name="Conector recto 11">
               <a:extLst>
                 <a:ext uri="{FF2B5EF4-FFF2-40B4-BE49-F238E27FC236}">
-                  <a16:creationId xmlns:a16="http://schemas.microsoft.com/office/drawing/2014/main" xmlns="" id="{83D0C0AC-18AE-92F1-6EEF-AA6E84060C51}"/>
+                  <a16:creationId xmlns="" xmlns:a16="http://schemas.microsoft.com/office/drawing/2014/main" id="{83D0C0AC-18AE-92F1-6EEF-AA6E84060C51}"/>
                 </a:ext>
               </a:extLst>
             </p:cNvPr>
@@ -23235,7 +23235,7 @@
           <p:cNvPr id="2" name="Imagen 1">
             <a:extLst>
               <a:ext uri="{FF2B5EF4-FFF2-40B4-BE49-F238E27FC236}">
-                <a16:creationId xmlns:a16="http://schemas.microsoft.com/office/drawing/2014/main" xmlns="" id="{61002D73-D11F-4B9E-E226-ECF6035D87F9}"/>
+                <a16:creationId xmlns="" xmlns:a16="http://schemas.microsoft.com/office/drawing/2014/main" id="{61002D73-D11F-4B9E-E226-ECF6035D87F9}"/>
               </a:ext>
             </a:extLst>
           </p:cNvPr>
@@ -23305,7 +23305,7 @@
           <p:cNvPr id="4" name="Imagen 3">
             <a:extLst>
               <a:ext uri="{FF2B5EF4-FFF2-40B4-BE49-F238E27FC236}">
-                <a16:creationId xmlns:a16="http://schemas.microsoft.com/office/drawing/2014/main" xmlns="" id="{0B1AC92D-FAC6-C0C3-5BCB-D7D23C4AB437}"/>
+                <a16:creationId xmlns="" xmlns:a16="http://schemas.microsoft.com/office/drawing/2014/main" id="{0B1AC92D-FAC6-C0C3-5BCB-D7D23C4AB437}"/>
               </a:ext>
             </a:extLst>
           </p:cNvPr>
@@ -23335,7 +23335,7 @@
           <p:cNvPr id="5" name="Marcador de número de diapositiva 1">
             <a:extLst>
               <a:ext uri="{FF2B5EF4-FFF2-40B4-BE49-F238E27FC236}">
-                <a16:creationId xmlns:a16="http://schemas.microsoft.com/office/drawing/2014/main" xmlns="" id="{D1645094-022F-7C85-36BD-67DFCC763737}"/>
+                <a16:creationId xmlns="" xmlns:a16="http://schemas.microsoft.com/office/drawing/2014/main" id="{D1645094-022F-7C85-36BD-67DFCC763737}"/>
               </a:ext>
             </a:extLst>
           </p:cNvPr>
@@ -23369,7 +23369,7 @@
           <p:cNvPr id="6" name="Imagen 5">
             <a:extLst>
               <a:ext uri="{FF2B5EF4-FFF2-40B4-BE49-F238E27FC236}">
-                <a16:creationId xmlns:a16="http://schemas.microsoft.com/office/drawing/2014/main" xmlns="" id="{3473B13D-74FC-357C-F045-253D698D62A7}"/>
+                <a16:creationId xmlns="" xmlns:a16="http://schemas.microsoft.com/office/drawing/2014/main" id="{3473B13D-74FC-357C-F045-253D698D62A7}"/>
               </a:ext>
             </a:extLst>
           </p:cNvPr>
@@ -23398,7 +23398,7 @@
           <p:cNvPr id="7" name="Título 1">
             <a:extLst>
               <a:ext uri="{FF2B5EF4-FFF2-40B4-BE49-F238E27FC236}">
-                <a16:creationId xmlns:a16="http://schemas.microsoft.com/office/drawing/2014/main" xmlns="" id="{7DD223F1-F30E-89AD-C8C4-DE13D12FB758}"/>
+                <a16:creationId xmlns="" xmlns:a16="http://schemas.microsoft.com/office/drawing/2014/main" id="{7DD223F1-F30E-89AD-C8C4-DE13D12FB758}"/>
               </a:ext>
             </a:extLst>
           </p:cNvPr>
@@ -23467,7 +23467,7 @@
           <p:cNvPr id="8" name="Subtítulo 2">
             <a:extLst>
               <a:ext uri="{FF2B5EF4-FFF2-40B4-BE49-F238E27FC236}">
-                <a16:creationId xmlns:a16="http://schemas.microsoft.com/office/drawing/2014/main" xmlns="" id="{5D682688-5411-696C-B2B8-8ED7D18272D5}"/>
+                <a16:creationId xmlns="" xmlns:a16="http://schemas.microsoft.com/office/drawing/2014/main" id="{5D682688-5411-696C-B2B8-8ED7D18272D5}"/>
               </a:ext>
             </a:extLst>
           </p:cNvPr>
@@ -23742,7 +23742,7 @@
           <p:cNvPr id="9" name="Imagen 8">
             <a:extLst>
               <a:ext uri="{FF2B5EF4-FFF2-40B4-BE49-F238E27FC236}">
-                <a16:creationId xmlns:a16="http://schemas.microsoft.com/office/drawing/2014/main" xmlns="" id="{5A4D31D0-3890-6220-F7F2-2687A7B93C4A}"/>
+                <a16:creationId xmlns="" xmlns:a16="http://schemas.microsoft.com/office/drawing/2014/main" id="{5A4D31D0-3890-6220-F7F2-2687A7B93C4A}"/>
               </a:ext>
             </a:extLst>
           </p:cNvPr>
@@ -23778,7 +23778,7 @@
     <a:masterClrMapping/>
   </p:clrMapOvr>
   <mc:AlternateContent xmlns:mc="http://schemas.openxmlformats.org/markup-compatibility/2006">
-    <mc:Choice xmlns:p159="http://schemas.microsoft.com/office/powerpoint/2015/09/main" xmlns="" Requires="p159">
+    <mc:Choice xmlns="" xmlns:p159="http://schemas.microsoft.com/office/powerpoint/2015/09/main" Requires="p159">
       <p:transition xmlns:p14="http://schemas.microsoft.com/office/powerpoint/2010/main" spd="slow" p14:dur="2000">
         <p159:morph option="byObject"/>
       </p:transition>
@@ -23821,7 +23821,7 @@
           <p:cNvPr id="2" name="Imagen 1">
             <a:extLst>
               <a:ext uri="{FF2B5EF4-FFF2-40B4-BE49-F238E27FC236}">
-                <a16:creationId xmlns="" xmlns:a16="http://schemas.microsoft.com/office/drawing/2014/main" id="{A89976BF-81E3-0BB4-E23C-0F3E82E259B2}"/>
+                <a16:creationId xmlns:a16="http://schemas.microsoft.com/office/drawing/2014/main" xmlns="" id="{A89976BF-81E3-0BB4-E23C-0F3E82E259B2}"/>
               </a:ext>
             </a:extLst>
           </p:cNvPr>
@@ -23851,7 +23851,7 @@
           <p:cNvPr id="3" name="Marcador de número de diapositiva 1">
             <a:extLst>
               <a:ext uri="{FF2B5EF4-FFF2-40B4-BE49-F238E27FC236}">
-                <a16:creationId xmlns="" xmlns:a16="http://schemas.microsoft.com/office/drawing/2014/main" id="{6682DB9E-EC44-4022-2A84-11D741E1EC80}"/>
+                <a16:creationId xmlns:a16="http://schemas.microsoft.com/office/drawing/2014/main" xmlns="" id="{6682DB9E-EC44-4022-2A84-11D741E1EC80}"/>
               </a:ext>
             </a:extLst>
           </p:cNvPr>
@@ -23885,7 +23885,7 @@
           <p:cNvPr id="4" name="Elipse 3">
             <a:extLst>
               <a:ext uri="{FF2B5EF4-FFF2-40B4-BE49-F238E27FC236}">
-                <a16:creationId xmlns="" xmlns:a16="http://schemas.microsoft.com/office/drawing/2014/main" id="{2527BB5A-BCBA-5188-E85B-E358F93A118E}"/>
+                <a16:creationId xmlns:a16="http://schemas.microsoft.com/office/drawing/2014/main" xmlns="" id="{2527BB5A-BCBA-5188-E85B-E358F93A118E}"/>
               </a:ext>
             </a:extLst>
           </p:cNvPr>
@@ -23944,7 +23944,7 @@
           <p:cNvPr id="5" name="Arco 4">
             <a:extLst>
               <a:ext uri="{FF2B5EF4-FFF2-40B4-BE49-F238E27FC236}">
-                <a16:creationId xmlns="" xmlns:a16="http://schemas.microsoft.com/office/drawing/2014/main" id="{3CE62381-FE74-40DD-6568-6C74B6F6752F}"/>
+                <a16:creationId xmlns:a16="http://schemas.microsoft.com/office/drawing/2014/main" xmlns="" id="{3CE62381-FE74-40DD-6568-6C74B6F6752F}"/>
               </a:ext>
             </a:extLst>
           </p:cNvPr>
@@ -23999,7 +23999,7 @@
           <p:cNvPr id="6" name="Título 1">
             <a:extLst>
               <a:ext uri="{FF2B5EF4-FFF2-40B4-BE49-F238E27FC236}">
-                <a16:creationId xmlns="" xmlns:a16="http://schemas.microsoft.com/office/drawing/2014/main" id="{879545AB-1526-629E-6BE3-8F268906AB67}"/>
+                <a16:creationId xmlns:a16="http://schemas.microsoft.com/office/drawing/2014/main" xmlns="" id="{879545AB-1526-629E-6BE3-8F268906AB67}"/>
               </a:ext>
             </a:extLst>
           </p:cNvPr>
@@ -24071,7 +24071,7 @@
           <p:cNvPr id="7" name="Rectángulo redondeado 6">
             <a:extLst>
               <a:ext uri="{FF2B5EF4-FFF2-40B4-BE49-F238E27FC236}">
-                <a16:creationId xmlns="" xmlns:a16="http://schemas.microsoft.com/office/drawing/2014/main" id="{137B0D0A-A29C-0B61-2591-D65A4676E536}"/>
+                <a16:creationId xmlns:a16="http://schemas.microsoft.com/office/drawing/2014/main" xmlns="" id="{137B0D0A-A29C-0B61-2591-D65A4676E536}"/>
               </a:ext>
             </a:extLst>
           </p:cNvPr>
@@ -24134,7 +24134,7 @@
           <p:cNvPr id="8" name="Subtítulo 2">
             <a:extLst>
               <a:ext uri="{FF2B5EF4-FFF2-40B4-BE49-F238E27FC236}">
-                <a16:creationId xmlns="" xmlns:a16="http://schemas.microsoft.com/office/drawing/2014/main" id="{B8BAD5A8-DD94-A3A2-1A39-E5E0BE50116F}"/>
+                <a16:creationId xmlns:a16="http://schemas.microsoft.com/office/drawing/2014/main" xmlns="" id="{B8BAD5A8-DD94-A3A2-1A39-E5E0BE50116F}"/>
               </a:ext>
             </a:extLst>
           </p:cNvPr>
@@ -24353,7 +24353,7 @@
           <p:cNvPr id="9" name="Elipse 8">
             <a:extLst>
               <a:ext uri="{FF2B5EF4-FFF2-40B4-BE49-F238E27FC236}">
-                <a16:creationId xmlns="" xmlns:a16="http://schemas.microsoft.com/office/drawing/2014/main" id="{7F438EA0-8C3E-9BE9-658B-F897B0887492}"/>
+                <a16:creationId xmlns:a16="http://schemas.microsoft.com/office/drawing/2014/main" xmlns="" id="{7F438EA0-8C3E-9BE9-658B-F897B0887492}"/>
               </a:ext>
             </a:extLst>
           </p:cNvPr>
@@ -24413,7 +24413,7 @@
           <p:cNvPr id="10" name="Título 1">
             <a:extLst>
               <a:ext uri="{FF2B5EF4-FFF2-40B4-BE49-F238E27FC236}">
-                <a16:creationId xmlns="" xmlns:a16="http://schemas.microsoft.com/office/drawing/2014/main" id="{168EB54D-4292-3090-C99B-B515276D2A88}"/>
+                <a16:creationId xmlns:a16="http://schemas.microsoft.com/office/drawing/2014/main" xmlns="" id="{168EB54D-4292-3090-C99B-B515276D2A88}"/>
               </a:ext>
             </a:extLst>
           </p:cNvPr>
@@ -24482,7 +24482,7 @@
           <p:cNvPr id="11" name="Elipse 10">
             <a:extLst>
               <a:ext uri="{FF2B5EF4-FFF2-40B4-BE49-F238E27FC236}">
-                <a16:creationId xmlns="" xmlns:a16="http://schemas.microsoft.com/office/drawing/2014/main" id="{9AA3CD14-6CF6-0A31-6141-7801A735A3A0}"/>
+                <a16:creationId xmlns:a16="http://schemas.microsoft.com/office/drawing/2014/main" xmlns="" id="{9AA3CD14-6CF6-0A31-6141-7801A735A3A0}"/>
               </a:ext>
             </a:extLst>
           </p:cNvPr>
@@ -24537,7 +24537,7 @@
           <p:cNvPr id="12" name="Rectángulo redondeado 11">
             <a:extLst>
               <a:ext uri="{FF2B5EF4-FFF2-40B4-BE49-F238E27FC236}">
-                <a16:creationId xmlns="" xmlns:a16="http://schemas.microsoft.com/office/drawing/2014/main" id="{D6D84980-CDB5-69E2-B43E-E32912E1F1F3}"/>
+                <a16:creationId xmlns:a16="http://schemas.microsoft.com/office/drawing/2014/main" xmlns="" id="{D6D84980-CDB5-69E2-B43E-E32912E1F1F3}"/>
               </a:ext>
             </a:extLst>
           </p:cNvPr>
@@ -24600,7 +24600,7 @@
           <p:cNvPr id="13" name="Subtítulo 2">
             <a:extLst>
               <a:ext uri="{FF2B5EF4-FFF2-40B4-BE49-F238E27FC236}">
-                <a16:creationId xmlns="" xmlns:a16="http://schemas.microsoft.com/office/drawing/2014/main" id="{055EB05C-8354-4C3C-F3D7-AE9CAE0F4E93}"/>
+                <a16:creationId xmlns:a16="http://schemas.microsoft.com/office/drawing/2014/main" xmlns="" id="{055EB05C-8354-4C3C-F3D7-AE9CAE0F4E93}"/>
               </a:ext>
             </a:extLst>
           </p:cNvPr>
@@ -24819,7 +24819,7 @@
           <p:cNvPr id="14" name="Título 1">
             <a:extLst>
               <a:ext uri="{FF2B5EF4-FFF2-40B4-BE49-F238E27FC236}">
-                <a16:creationId xmlns="" xmlns:a16="http://schemas.microsoft.com/office/drawing/2014/main" id="{6038ECAA-C3A7-6960-0F0C-2462859869D8}"/>
+                <a16:creationId xmlns:a16="http://schemas.microsoft.com/office/drawing/2014/main" xmlns="" id="{6038ECAA-C3A7-6960-0F0C-2462859869D8}"/>
               </a:ext>
             </a:extLst>
           </p:cNvPr>
@@ -24877,7 +24877,7 @@
           <p:cNvPr id="15" name="Rectángulo redondeado 14">
             <a:extLst>
               <a:ext uri="{FF2B5EF4-FFF2-40B4-BE49-F238E27FC236}">
-                <a16:creationId xmlns="" xmlns:a16="http://schemas.microsoft.com/office/drawing/2014/main" id="{9BD31989-AA3F-CC7D-B685-72EFF0C0024D}"/>
+                <a16:creationId xmlns:a16="http://schemas.microsoft.com/office/drawing/2014/main" xmlns="" id="{9BD31989-AA3F-CC7D-B685-72EFF0C0024D}"/>
               </a:ext>
             </a:extLst>
           </p:cNvPr>
@@ -24940,7 +24940,7 @@
           <p:cNvPr id="16" name="Subtítulo 2">
             <a:extLst>
               <a:ext uri="{FF2B5EF4-FFF2-40B4-BE49-F238E27FC236}">
-                <a16:creationId xmlns="" xmlns:a16="http://schemas.microsoft.com/office/drawing/2014/main" id="{C3368A1A-585A-C4D0-F5E5-A871ADD6C39E}"/>
+                <a16:creationId xmlns:a16="http://schemas.microsoft.com/office/drawing/2014/main" xmlns="" id="{C3368A1A-585A-C4D0-F5E5-A871ADD6C39E}"/>
               </a:ext>
             </a:extLst>
           </p:cNvPr>
@@ -25159,7 +25159,7 @@
           <p:cNvPr id="17" name="Elipse 16">
             <a:extLst>
               <a:ext uri="{FF2B5EF4-FFF2-40B4-BE49-F238E27FC236}">
-                <a16:creationId xmlns="" xmlns:a16="http://schemas.microsoft.com/office/drawing/2014/main" id="{BFA1DFB0-7740-0354-313F-015EBE370BA2}"/>
+                <a16:creationId xmlns:a16="http://schemas.microsoft.com/office/drawing/2014/main" xmlns="" id="{BFA1DFB0-7740-0354-313F-015EBE370BA2}"/>
               </a:ext>
             </a:extLst>
           </p:cNvPr>
@@ -25219,7 +25219,7 @@
           <p:cNvPr id="18" name="Título 1">
             <a:extLst>
               <a:ext uri="{FF2B5EF4-FFF2-40B4-BE49-F238E27FC236}">
-                <a16:creationId xmlns="" xmlns:a16="http://schemas.microsoft.com/office/drawing/2014/main" id="{96008CF0-2271-C661-FADF-D5A4469071E3}"/>
+                <a16:creationId xmlns:a16="http://schemas.microsoft.com/office/drawing/2014/main" xmlns="" id="{96008CF0-2271-C661-FADF-D5A4469071E3}"/>
               </a:ext>
             </a:extLst>
           </p:cNvPr>
@@ -25288,7 +25288,7 @@
           <p:cNvPr id="19" name="Elipse 18">
             <a:extLst>
               <a:ext uri="{FF2B5EF4-FFF2-40B4-BE49-F238E27FC236}">
-                <a16:creationId xmlns="" xmlns:a16="http://schemas.microsoft.com/office/drawing/2014/main" id="{7910B3C6-DF48-6C8D-D947-F4F995CFB7E5}"/>
+                <a16:creationId xmlns:a16="http://schemas.microsoft.com/office/drawing/2014/main" xmlns="" id="{7910B3C6-DF48-6C8D-D947-F4F995CFB7E5}"/>
               </a:ext>
             </a:extLst>
           </p:cNvPr>
@@ -25343,7 +25343,7 @@
           <p:cNvPr id="20" name="Rectángulo redondeado 19">
             <a:extLst>
               <a:ext uri="{FF2B5EF4-FFF2-40B4-BE49-F238E27FC236}">
-                <a16:creationId xmlns="" xmlns:a16="http://schemas.microsoft.com/office/drawing/2014/main" id="{D1A4FB82-3585-7ACF-15F5-62D95631752C}"/>
+                <a16:creationId xmlns:a16="http://schemas.microsoft.com/office/drawing/2014/main" xmlns="" id="{D1A4FB82-3585-7ACF-15F5-62D95631752C}"/>
               </a:ext>
             </a:extLst>
           </p:cNvPr>
@@ -25406,7 +25406,7 @@
           <p:cNvPr id="21" name="Subtítulo 2">
             <a:extLst>
               <a:ext uri="{FF2B5EF4-FFF2-40B4-BE49-F238E27FC236}">
-                <a16:creationId xmlns="" xmlns:a16="http://schemas.microsoft.com/office/drawing/2014/main" id="{2AD96977-7116-5331-3259-03CD9CCC410F}"/>
+                <a16:creationId xmlns:a16="http://schemas.microsoft.com/office/drawing/2014/main" xmlns="" id="{2AD96977-7116-5331-3259-03CD9CCC410F}"/>
               </a:ext>
             </a:extLst>
           </p:cNvPr>
@@ -25625,7 +25625,7 @@
           <p:cNvPr id="22" name="Elipse 21">
             <a:extLst>
               <a:ext uri="{FF2B5EF4-FFF2-40B4-BE49-F238E27FC236}">
-                <a16:creationId xmlns="" xmlns:a16="http://schemas.microsoft.com/office/drawing/2014/main" id="{ED7B31C5-0A8C-FFEE-02FB-4966B067E247}"/>
+                <a16:creationId xmlns:a16="http://schemas.microsoft.com/office/drawing/2014/main" xmlns="" id="{ED7B31C5-0A8C-FFEE-02FB-4966B067E247}"/>
               </a:ext>
             </a:extLst>
           </p:cNvPr>
@@ -25686,7 +25686,7 @@
           <p:cNvPr id="23" name="Título 1">
             <a:extLst>
               <a:ext uri="{FF2B5EF4-FFF2-40B4-BE49-F238E27FC236}">
-                <a16:creationId xmlns="" xmlns:a16="http://schemas.microsoft.com/office/drawing/2014/main" id="{6CE2E120-24A5-EE2F-2829-06329F6047FE}"/>
+                <a16:creationId xmlns:a16="http://schemas.microsoft.com/office/drawing/2014/main" xmlns="" id="{6CE2E120-24A5-EE2F-2829-06329F6047FE}"/>
               </a:ext>
             </a:extLst>
           </p:cNvPr>
@@ -25755,7 +25755,7 @@
           <p:cNvPr id="24" name="Elipse 23">
             <a:extLst>
               <a:ext uri="{FF2B5EF4-FFF2-40B4-BE49-F238E27FC236}">
-                <a16:creationId xmlns="" xmlns:a16="http://schemas.microsoft.com/office/drawing/2014/main" id="{3AA435DD-C928-C06E-F877-24C385FFBECE}"/>
+                <a16:creationId xmlns:a16="http://schemas.microsoft.com/office/drawing/2014/main" xmlns="" id="{3AA435DD-C928-C06E-F877-24C385FFBECE}"/>
               </a:ext>
             </a:extLst>
           </p:cNvPr>
@@ -25810,7 +25810,7 @@
           <p:cNvPr id="25" name="Elipse 24">
             <a:extLst>
               <a:ext uri="{FF2B5EF4-FFF2-40B4-BE49-F238E27FC236}">
-                <a16:creationId xmlns="" xmlns:a16="http://schemas.microsoft.com/office/drawing/2014/main" id="{6E47DE25-3D02-94CC-D88F-D254E18CDCA3}"/>
+                <a16:creationId xmlns:a16="http://schemas.microsoft.com/office/drawing/2014/main" xmlns="" id="{6E47DE25-3D02-94CC-D88F-D254E18CDCA3}"/>
               </a:ext>
             </a:extLst>
           </p:cNvPr>
@@ -25890,7 +25890,7 @@
           <p:cNvPr id="26" name="Elipse 25">
             <a:extLst>
               <a:ext uri="{FF2B5EF4-FFF2-40B4-BE49-F238E27FC236}">
-                <a16:creationId xmlns="" xmlns:a16="http://schemas.microsoft.com/office/drawing/2014/main" id="{FC230D37-BB00-A54F-080B-42738B4CF225}"/>
+                <a16:creationId xmlns:a16="http://schemas.microsoft.com/office/drawing/2014/main" xmlns="" id="{FC230D37-BB00-A54F-080B-42738B4CF225}"/>
               </a:ext>
             </a:extLst>
           </p:cNvPr>
@@ -25945,7 +25945,7 @@
           <p:cNvPr id="27" name="Rectangle 78">
             <a:extLst>
               <a:ext uri="{FF2B5EF4-FFF2-40B4-BE49-F238E27FC236}">
-                <a16:creationId xmlns="" xmlns:a16="http://schemas.microsoft.com/office/drawing/2014/main" id="{9917C0CC-F1C1-E40B-2625-9CB2FB5A201B}"/>
+                <a16:creationId xmlns:a16="http://schemas.microsoft.com/office/drawing/2014/main" xmlns="" id="{9917C0CC-F1C1-E40B-2625-9CB2FB5A201B}"/>
               </a:ext>
             </a:extLst>
           </p:cNvPr>
@@ -25997,7 +25997,7 @@
           <p:cNvPr id="28" name="Rectangle 80">
             <a:extLst>
               <a:ext uri="{FF2B5EF4-FFF2-40B4-BE49-F238E27FC236}">
-                <a16:creationId xmlns="" xmlns:a16="http://schemas.microsoft.com/office/drawing/2014/main" id="{6F58F33C-F096-9544-7F40-DAA35FF4A9D1}"/>
+                <a16:creationId xmlns:a16="http://schemas.microsoft.com/office/drawing/2014/main" xmlns="" id="{6F58F33C-F096-9544-7F40-DAA35FF4A9D1}"/>
               </a:ext>
             </a:extLst>
           </p:cNvPr>
@@ -26049,7 +26049,7 @@
           <p:cNvPr id="29" name="Rectangle 86">
             <a:extLst>
               <a:ext uri="{FF2B5EF4-FFF2-40B4-BE49-F238E27FC236}">
-                <a16:creationId xmlns="" xmlns:a16="http://schemas.microsoft.com/office/drawing/2014/main" id="{80813F94-534A-BBF3-016E-4CB0165AE6A1}"/>
+                <a16:creationId xmlns:a16="http://schemas.microsoft.com/office/drawing/2014/main" xmlns="" id="{80813F94-534A-BBF3-016E-4CB0165AE6A1}"/>
               </a:ext>
             </a:extLst>
           </p:cNvPr>
@@ -26084,7 +26084,7 @@
                 <a:latin typeface="Verdana" panose="020B0604030504040204" pitchFamily="34" charset="0"/>
                 <a:ea typeface="Verdana" panose="020B0604030504040204" pitchFamily="34" charset="0"/>
               </a:rPr>
-              <a:t>Deteriminar</a:t>
+              <a:t>Determinar</a:t>
             </a:r>
             <a:endParaRPr lang="en-US" sz="1400" b="1">
               <a:solidFill>
@@ -26101,7 +26101,7 @@
           <p:cNvPr id="30" name="Rectangle 88">
             <a:extLst>
               <a:ext uri="{FF2B5EF4-FFF2-40B4-BE49-F238E27FC236}">
-                <a16:creationId xmlns="" xmlns:a16="http://schemas.microsoft.com/office/drawing/2014/main" id="{49C3102C-4EB5-8C86-B36C-83375BF8BDB5}"/>
+                <a16:creationId xmlns:a16="http://schemas.microsoft.com/office/drawing/2014/main" xmlns="" id="{49C3102C-4EB5-8C86-B36C-83375BF8BDB5}"/>
               </a:ext>
             </a:extLst>
           </p:cNvPr>
@@ -26153,7 +26153,7 @@
           <p:cNvPr id="31" name="Título 1">
             <a:extLst>
               <a:ext uri="{FF2B5EF4-FFF2-40B4-BE49-F238E27FC236}">
-                <a16:creationId xmlns="" xmlns:a16="http://schemas.microsoft.com/office/drawing/2014/main" id="{59E10D39-BD82-D617-88B3-BF0EB0AF0A1D}"/>
+                <a16:creationId xmlns:a16="http://schemas.microsoft.com/office/drawing/2014/main" xmlns="" id="{59E10D39-BD82-D617-88B3-BF0EB0AF0A1D}"/>
               </a:ext>
             </a:extLst>
           </p:cNvPr>
@@ -26514,7 +26514,7 @@
           <p:cNvPr id="2" name="Marcador de número de diapositiva 1">
             <a:extLst>
               <a:ext uri="{FF2B5EF4-FFF2-40B4-BE49-F238E27FC236}">
-                <a16:creationId xmlns="" xmlns:a16="http://schemas.microsoft.com/office/drawing/2014/main" id="{B59F924D-5E9F-135F-AD9F-3317A129E302}"/>
+                <a16:creationId xmlns:a16="http://schemas.microsoft.com/office/drawing/2014/main" xmlns="" id="{B59F924D-5E9F-135F-AD9F-3317A129E302}"/>
               </a:ext>
             </a:extLst>
           </p:cNvPr>
@@ -26548,7 +26548,7 @@
           <p:cNvPr id="3" name="Imagen 2">
             <a:extLst>
               <a:ext uri="{FF2B5EF4-FFF2-40B4-BE49-F238E27FC236}">
-                <a16:creationId xmlns="" xmlns:a16="http://schemas.microsoft.com/office/drawing/2014/main" id="{3E46917C-C4C0-3976-1C0F-38456FEDD5DC}"/>
+                <a16:creationId xmlns:a16="http://schemas.microsoft.com/office/drawing/2014/main" xmlns="" id="{3E46917C-C4C0-3976-1C0F-38456FEDD5DC}"/>
               </a:ext>
             </a:extLst>
           </p:cNvPr>
@@ -26578,7 +26578,7 @@
           <p:cNvPr id="4" name="Título 1">
             <a:extLst>
               <a:ext uri="{FF2B5EF4-FFF2-40B4-BE49-F238E27FC236}">
-                <a16:creationId xmlns="" xmlns:a16="http://schemas.microsoft.com/office/drawing/2014/main" id="{3A85FA2B-91CE-EC75-C3AE-F7F8C70EBBA3}"/>
+                <a16:creationId xmlns:a16="http://schemas.microsoft.com/office/drawing/2014/main" xmlns="" id="{3A85FA2B-91CE-EC75-C3AE-F7F8C70EBBA3}"/>
               </a:ext>
             </a:extLst>
           </p:cNvPr>
@@ -26648,7 +26648,7 @@
           <p:cNvPr id="5" name="Título 1">
             <a:extLst>
               <a:ext uri="{FF2B5EF4-FFF2-40B4-BE49-F238E27FC236}">
-                <a16:creationId xmlns="" xmlns:a16="http://schemas.microsoft.com/office/drawing/2014/main" id="{570386F6-29EB-76AF-10EB-AC169D26CC9E}"/>
+                <a16:creationId xmlns:a16="http://schemas.microsoft.com/office/drawing/2014/main" xmlns="" id="{570386F6-29EB-76AF-10EB-AC169D26CC9E}"/>
               </a:ext>
             </a:extLst>
           </p:cNvPr>
@@ -26717,7 +26717,7 @@
           <p:cNvPr id="7" name="Elipse 6">
             <a:extLst>
               <a:ext uri="{FF2B5EF4-FFF2-40B4-BE49-F238E27FC236}">
-                <a16:creationId xmlns="" xmlns:a16="http://schemas.microsoft.com/office/drawing/2014/main" id="{3353EE34-6C7E-AE7E-7B20-C7E440F210E7}"/>
+                <a16:creationId xmlns:a16="http://schemas.microsoft.com/office/drawing/2014/main" xmlns="" id="{3353EE34-6C7E-AE7E-7B20-C7E440F210E7}"/>
               </a:ext>
             </a:extLst>
           </p:cNvPr>
@@ -26778,7 +26778,7 @@
           <p:cNvPr id="8" name="Table 3">
             <a:extLst>
               <a:ext uri="{FF2B5EF4-FFF2-40B4-BE49-F238E27FC236}">
-                <a16:creationId xmlns="" xmlns:a16="http://schemas.microsoft.com/office/drawing/2014/main" id="{422A8208-A563-A55B-5344-09BD741BE766}"/>
+                <a16:creationId xmlns:a16="http://schemas.microsoft.com/office/drawing/2014/main" xmlns="" id="{422A8208-A563-A55B-5344-09BD741BE766}"/>
               </a:ext>
             </a:extLst>
           </p:cNvPr>
@@ -26807,7 +26807,7 @@
                 <a:gridCol w="2283520">
                   <a:extLst>
                     <a:ext uri="{9D8B030D-6E8A-4147-A177-3AD203B41FA5}">
-                      <a16:colId xmlns="" xmlns:a16="http://schemas.microsoft.com/office/drawing/2014/main" val="3102874728"/>
+                      <a16:colId xmlns:a16="http://schemas.microsoft.com/office/drawing/2014/main" xmlns="" val="3102874728"/>
                     </a:ext>
                   </a:extLst>
                 </a:gridCol>
@@ -26816,7 +26816,7 @@
                 <a:gridCol w="2283520">
                   <a:extLst>
                     <a:ext uri="{9D8B030D-6E8A-4147-A177-3AD203B41FA5}">
-                      <a16:colId xmlns="" xmlns:a16="http://schemas.microsoft.com/office/drawing/2014/main" val="3824228278"/>
+                      <a16:colId xmlns:a16="http://schemas.microsoft.com/office/drawing/2014/main" xmlns="" val="3824228278"/>
                     </a:ext>
                   </a:extLst>
                 </a:gridCol>
@@ -27142,7 +27142,7 @@
                 </a:tc>
                 <a:extLst>
                   <a:ext uri="{0D108BD9-81ED-4DB2-BD59-A6C34878D82A}">
-                    <a16:rowId xmlns="" xmlns:a16="http://schemas.microsoft.com/office/drawing/2014/main" val="4006425940"/>
+                    <a16:rowId xmlns:a16="http://schemas.microsoft.com/office/drawing/2014/main" xmlns="" val="4006425940"/>
                   </a:ext>
                 </a:extLst>
               </a:tr>
@@ -27535,7 +27535,7 @@
                 </a:tc>
                 <a:extLst>
                   <a:ext uri="{0D108BD9-81ED-4DB2-BD59-A6C34878D82A}">
-                    <a16:rowId xmlns="" xmlns:a16="http://schemas.microsoft.com/office/drawing/2014/main" val="2195307831"/>
+                    <a16:rowId xmlns:a16="http://schemas.microsoft.com/office/drawing/2014/main" xmlns="" val="2195307831"/>
                   </a:ext>
                 </a:extLst>
               </a:tr>
@@ -27874,7 +27874,7 @@
                 </a:tc>
                 <a:extLst>
                   <a:ext uri="{0D108BD9-81ED-4DB2-BD59-A6C34878D82A}">
-                    <a16:rowId xmlns="" xmlns:a16="http://schemas.microsoft.com/office/drawing/2014/main" val="4228649827"/>
+                    <a16:rowId xmlns:a16="http://schemas.microsoft.com/office/drawing/2014/main" xmlns="" val="4228649827"/>
                   </a:ext>
                 </a:extLst>
               </a:tr>
@@ -28213,7 +28213,7 @@
                 </a:tc>
                 <a:extLst>
                   <a:ext uri="{0D108BD9-81ED-4DB2-BD59-A6C34878D82A}">
-                    <a16:rowId xmlns="" xmlns:a16="http://schemas.microsoft.com/office/drawing/2014/main" val="2880154858"/>
+                    <a16:rowId xmlns:a16="http://schemas.microsoft.com/office/drawing/2014/main" xmlns="" val="2880154858"/>
                   </a:ext>
                 </a:extLst>
               </a:tr>
@@ -28552,7 +28552,7 @@
                 </a:tc>
                 <a:extLst>
                   <a:ext uri="{0D108BD9-81ED-4DB2-BD59-A6C34878D82A}">
-                    <a16:rowId xmlns="" xmlns:a16="http://schemas.microsoft.com/office/drawing/2014/main" val="941017362"/>
+                    <a16:rowId xmlns:a16="http://schemas.microsoft.com/office/drawing/2014/main" xmlns="" val="941017362"/>
                   </a:ext>
                 </a:extLst>
               </a:tr>
@@ -28651,7 +28651,7 @@
           <p:cNvPr id="12" name="Rectangle 68">
             <a:extLst>
               <a:ext uri="{FF2B5EF4-FFF2-40B4-BE49-F238E27FC236}">
-                <a16:creationId xmlns="" xmlns:a16="http://schemas.microsoft.com/office/drawing/2014/main" id="{2E170935-075B-E9F1-39F5-718251B4ECCC}"/>
+                <a16:creationId xmlns:a16="http://schemas.microsoft.com/office/drawing/2014/main" xmlns="" id="{2E170935-075B-E9F1-39F5-718251B4ECCC}"/>
               </a:ext>
             </a:extLst>
           </p:cNvPr>
@@ -28705,7 +28705,7 @@
           <p:cNvPr id="13" name="Rectangle 68">
             <a:extLst>
               <a:ext uri="{FF2B5EF4-FFF2-40B4-BE49-F238E27FC236}">
-                <a16:creationId xmlns="" xmlns:a16="http://schemas.microsoft.com/office/drawing/2014/main" id="{2E170935-075B-E9F1-39F5-718251B4ECCC}"/>
+                <a16:creationId xmlns:a16="http://schemas.microsoft.com/office/drawing/2014/main" xmlns="" id="{2E170935-075B-E9F1-39F5-718251B4ECCC}"/>
               </a:ext>
             </a:extLst>
           </p:cNvPr>
@@ -28935,7 +28935,7 @@
           <p:cNvPr id="16" name="Título 1">
             <a:extLst>
               <a:ext uri="{FF2B5EF4-FFF2-40B4-BE49-F238E27FC236}">
-                <a16:creationId xmlns:a16="http://schemas.microsoft.com/office/drawing/2014/main" xmlns="" id="{D5FD1066-7FA1-9BF9-22F0-F52B6DDCD8D0}"/>
+                <a16:creationId xmlns="" xmlns:a16="http://schemas.microsoft.com/office/drawing/2014/main" id="{D5FD1066-7FA1-9BF9-22F0-F52B6DDCD8D0}"/>
               </a:ext>
             </a:extLst>
           </p:cNvPr>
@@ -28986,7 +28986,7 @@
           <p:cNvPr id="22" name="Rectángulo redondeado 6">
             <a:extLst>
               <a:ext uri="{FF2B5EF4-FFF2-40B4-BE49-F238E27FC236}">
-                <a16:creationId xmlns:a16="http://schemas.microsoft.com/office/drawing/2014/main" xmlns="" id="{26D7AF7E-B913-6BE4-A0F6-19FB812B7B73}"/>
+                <a16:creationId xmlns="" xmlns:a16="http://schemas.microsoft.com/office/drawing/2014/main" id="{26D7AF7E-B913-6BE4-A0F6-19FB812B7B73}"/>
               </a:ext>
             </a:extLst>
           </p:cNvPr>
@@ -29048,7 +29048,7 @@
           <p:cNvPr id="23" name="Subtítulo 2">
             <a:extLst>
               <a:ext uri="{FF2B5EF4-FFF2-40B4-BE49-F238E27FC236}">
-                <a16:creationId xmlns:a16="http://schemas.microsoft.com/office/drawing/2014/main" xmlns="" id="{6C7DD623-9AB0-2F39-9DFB-476DB903F2EF}"/>
+                <a16:creationId xmlns="" xmlns:a16="http://schemas.microsoft.com/office/drawing/2014/main" id="{6C7DD623-9AB0-2F39-9DFB-476DB903F2EF}"/>
               </a:ext>
             </a:extLst>
           </p:cNvPr>
@@ -29265,7 +29265,7 @@
           <p:cNvPr id="24" name="Rectángulo redondeado 30">
             <a:extLst>
               <a:ext uri="{FF2B5EF4-FFF2-40B4-BE49-F238E27FC236}">
-                <a16:creationId xmlns:a16="http://schemas.microsoft.com/office/drawing/2014/main" xmlns="" id="{80BB5CA9-6BAF-7E14-AA22-D2BAD29E8C87}"/>
+                <a16:creationId xmlns="" xmlns:a16="http://schemas.microsoft.com/office/drawing/2014/main" id="{80BB5CA9-6BAF-7E14-AA22-D2BAD29E8C87}"/>
               </a:ext>
             </a:extLst>
           </p:cNvPr>
@@ -29327,7 +29327,7 @@
           <p:cNvPr id="25" name="Subtítulo 2">
             <a:extLst>
               <a:ext uri="{FF2B5EF4-FFF2-40B4-BE49-F238E27FC236}">
-                <a16:creationId xmlns:a16="http://schemas.microsoft.com/office/drawing/2014/main" xmlns="" id="{2823FBAE-8D0D-34B3-24D4-48BB96A3622B}"/>
+                <a16:creationId xmlns="" xmlns:a16="http://schemas.microsoft.com/office/drawing/2014/main" id="{2823FBAE-8D0D-34B3-24D4-48BB96A3622B}"/>
               </a:ext>
             </a:extLst>
           </p:cNvPr>
@@ -29544,7 +29544,7 @@
           <p:cNvPr id="26" name="Rectángulo redondeado 30">
             <a:extLst>
               <a:ext uri="{FF2B5EF4-FFF2-40B4-BE49-F238E27FC236}">
-                <a16:creationId xmlns:a16="http://schemas.microsoft.com/office/drawing/2014/main" xmlns="" id="{80BB5CA9-6BAF-7E14-AA22-D2BAD29E8C87}"/>
+                <a16:creationId xmlns="" xmlns:a16="http://schemas.microsoft.com/office/drawing/2014/main" id="{80BB5CA9-6BAF-7E14-AA22-D2BAD29E8C87}"/>
               </a:ext>
             </a:extLst>
           </p:cNvPr>
@@ -29606,7 +29606,7 @@
           <p:cNvPr id="27" name="Subtítulo 2">
             <a:extLst>
               <a:ext uri="{FF2B5EF4-FFF2-40B4-BE49-F238E27FC236}">
-                <a16:creationId xmlns:a16="http://schemas.microsoft.com/office/drawing/2014/main" xmlns="" id="{2823FBAE-8D0D-34B3-24D4-48BB96A3622B}"/>
+                <a16:creationId xmlns="" xmlns:a16="http://schemas.microsoft.com/office/drawing/2014/main" id="{2823FBAE-8D0D-34B3-24D4-48BB96A3622B}"/>
               </a:ext>
             </a:extLst>
           </p:cNvPr>
@@ -29915,7 +29915,7 @@
           <p:cNvPr id="31" name="Rectángulo redondeado 6">
             <a:extLst>
               <a:ext uri="{FF2B5EF4-FFF2-40B4-BE49-F238E27FC236}">
-                <a16:creationId xmlns:a16="http://schemas.microsoft.com/office/drawing/2014/main" xmlns="" id="{26D7AF7E-B913-6BE4-A0F6-19FB812B7B73}"/>
+                <a16:creationId xmlns="" xmlns:a16="http://schemas.microsoft.com/office/drawing/2014/main" id="{26D7AF7E-B913-6BE4-A0F6-19FB812B7B73}"/>
               </a:ext>
             </a:extLst>
           </p:cNvPr>
@@ -29977,7 +29977,7 @@
           <p:cNvPr id="32" name="Subtítulo 2">
             <a:extLst>
               <a:ext uri="{FF2B5EF4-FFF2-40B4-BE49-F238E27FC236}">
-                <a16:creationId xmlns:a16="http://schemas.microsoft.com/office/drawing/2014/main" xmlns="" id="{6C7DD623-9AB0-2F39-9DFB-476DB903F2EF}"/>
+                <a16:creationId xmlns="" xmlns:a16="http://schemas.microsoft.com/office/drawing/2014/main" id="{6C7DD623-9AB0-2F39-9DFB-476DB903F2EF}"/>
               </a:ext>
             </a:extLst>
           </p:cNvPr>
@@ -30194,7 +30194,7 @@
           <p:cNvPr id="33" name="Rectángulo redondeado 30">
             <a:extLst>
               <a:ext uri="{FF2B5EF4-FFF2-40B4-BE49-F238E27FC236}">
-                <a16:creationId xmlns:a16="http://schemas.microsoft.com/office/drawing/2014/main" xmlns="" id="{80BB5CA9-6BAF-7E14-AA22-D2BAD29E8C87}"/>
+                <a16:creationId xmlns="" xmlns:a16="http://schemas.microsoft.com/office/drawing/2014/main" id="{80BB5CA9-6BAF-7E14-AA22-D2BAD29E8C87}"/>
               </a:ext>
             </a:extLst>
           </p:cNvPr>
@@ -30256,7 +30256,7 @@
           <p:cNvPr id="35" name="Subtítulo 2">
             <a:extLst>
               <a:ext uri="{FF2B5EF4-FFF2-40B4-BE49-F238E27FC236}">
-                <a16:creationId xmlns:a16="http://schemas.microsoft.com/office/drawing/2014/main" xmlns="" id="{2823FBAE-8D0D-34B3-24D4-48BB96A3622B}"/>
+                <a16:creationId xmlns="" xmlns:a16="http://schemas.microsoft.com/office/drawing/2014/main" id="{2823FBAE-8D0D-34B3-24D4-48BB96A3622B}"/>
               </a:ext>
             </a:extLst>
           </p:cNvPr>
@@ -30473,7 +30473,7 @@
           <p:cNvPr id="36" name="Rectángulo redondeado 30">
             <a:extLst>
               <a:ext uri="{FF2B5EF4-FFF2-40B4-BE49-F238E27FC236}">
-                <a16:creationId xmlns:a16="http://schemas.microsoft.com/office/drawing/2014/main" xmlns="" id="{80BB5CA9-6BAF-7E14-AA22-D2BAD29E8C87}"/>
+                <a16:creationId xmlns="" xmlns:a16="http://schemas.microsoft.com/office/drawing/2014/main" id="{80BB5CA9-6BAF-7E14-AA22-D2BAD29E8C87}"/>
               </a:ext>
             </a:extLst>
           </p:cNvPr>
@@ -30535,7 +30535,7 @@
           <p:cNvPr id="37" name="Subtítulo 2">
             <a:extLst>
               <a:ext uri="{FF2B5EF4-FFF2-40B4-BE49-F238E27FC236}">
-                <a16:creationId xmlns:a16="http://schemas.microsoft.com/office/drawing/2014/main" xmlns="" id="{2823FBAE-8D0D-34B3-24D4-48BB96A3622B}"/>
+                <a16:creationId xmlns="" xmlns:a16="http://schemas.microsoft.com/office/drawing/2014/main" id="{2823FBAE-8D0D-34B3-24D4-48BB96A3622B}"/>
               </a:ext>
             </a:extLst>
           </p:cNvPr>
@@ -30850,7 +30850,7 @@
     <a:masterClrMapping/>
   </p:clrMapOvr>
   <mc:AlternateContent xmlns:mc="http://schemas.openxmlformats.org/markup-compatibility/2006">
-    <mc:Choice xmlns:p159="http://schemas.microsoft.com/office/powerpoint/2015/09/main" xmlns="" Requires="p159">
+    <mc:Choice xmlns="" xmlns:p159="http://schemas.microsoft.com/office/powerpoint/2015/09/main" Requires="p159">
       <p:transition xmlns:p14="http://schemas.microsoft.com/office/powerpoint/2010/main" spd="slow" p14:dur="2000">
         <p159:morph option="byObject"/>
       </p:transition>
@@ -30886,7 +30886,7 @@
           <p:cNvPr id="16" name="Título 1">
             <a:extLst>
               <a:ext uri="{FF2B5EF4-FFF2-40B4-BE49-F238E27FC236}">
-                <a16:creationId xmlns:a16="http://schemas.microsoft.com/office/drawing/2014/main" xmlns="" id="{D5FD1066-7FA1-9BF9-22F0-F52B6DDCD8D0}"/>
+                <a16:creationId xmlns="" xmlns:a16="http://schemas.microsoft.com/office/drawing/2014/main" id="{D5FD1066-7FA1-9BF9-22F0-F52B6DDCD8D0}"/>
               </a:ext>
             </a:extLst>
           </p:cNvPr>
@@ -30937,7 +30937,7 @@
           <p:cNvPr id="24" name="Rectángulo redondeado 30">
             <a:extLst>
               <a:ext uri="{FF2B5EF4-FFF2-40B4-BE49-F238E27FC236}">
-                <a16:creationId xmlns:a16="http://schemas.microsoft.com/office/drawing/2014/main" xmlns="" id="{80BB5CA9-6BAF-7E14-AA22-D2BAD29E8C87}"/>
+                <a16:creationId xmlns="" xmlns:a16="http://schemas.microsoft.com/office/drawing/2014/main" id="{80BB5CA9-6BAF-7E14-AA22-D2BAD29E8C87}"/>
               </a:ext>
             </a:extLst>
           </p:cNvPr>
@@ -30999,7 +30999,7 @@
           <p:cNvPr id="25" name="Subtítulo 2">
             <a:extLst>
               <a:ext uri="{FF2B5EF4-FFF2-40B4-BE49-F238E27FC236}">
-                <a16:creationId xmlns:a16="http://schemas.microsoft.com/office/drawing/2014/main" xmlns="" id="{2823FBAE-8D0D-34B3-24D4-48BB96A3622B}"/>
+                <a16:creationId xmlns="" xmlns:a16="http://schemas.microsoft.com/office/drawing/2014/main" id="{2823FBAE-8D0D-34B3-24D4-48BB96A3622B}"/>
               </a:ext>
             </a:extLst>
           </p:cNvPr>
@@ -31216,7 +31216,7 @@
           <p:cNvPr id="26" name="Rectángulo redondeado 30">
             <a:extLst>
               <a:ext uri="{FF2B5EF4-FFF2-40B4-BE49-F238E27FC236}">
-                <a16:creationId xmlns:a16="http://schemas.microsoft.com/office/drawing/2014/main" xmlns="" id="{80BB5CA9-6BAF-7E14-AA22-D2BAD29E8C87}"/>
+                <a16:creationId xmlns="" xmlns:a16="http://schemas.microsoft.com/office/drawing/2014/main" id="{80BB5CA9-6BAF-7E14-AA22-D2BAD29E8C87}"/>
               </a:ext>
             </a:extLst>
           </p:cNvPr>
@@ -31278,7 +31278,7 @@
           <p:cNvPr id="27" name="Subtítulo 2">
             <a:extLst>
               <a:ext uri="{FF2B5EF4-FFF2-40B4-BE49-F238E27FC236}">
-                <a16:creationId xmlns:a16="http://schemas.microsoft.com/office/drawing/2014/main" xmlns="" id="{2823FBAE-8D0D-34B3-24D4-48BB96A3622B}"/>
+                <a16:creationId xmlns="" xmlns:a16="http://schemas.microsoft.com/office/drawing/2014/main" id="{2823FBAE-8D0D-34B3-24D4-48BB96A3622B}"/>
               </a:ext>
             </a:extLst>
           </p:cNvPr>
@@ -31509,7 +31509,7 @@
           </a:ln>
           <a:extLst>
             <a:ext uri="{C572A759-6A51-4108-AA02-DFA0A04FC94B}">
-              <ma14:wrappingTextBoxFlag xmlns="" xmlns:m="http://schemas.openxmlformats.org/officeDocument/2006/math" xmlns:a14="http://schemas.microsoft.com/office/drawing/2010/main" xmlns:ma14="http://schemas.microsoft.com/office/mac/drawingml/2011/main" val="1"/>
+              <ma14:wrappingTextBoxFlag xmlns:ma14="http://schemas.microsoft.com/office/mac/drawingml/2011/main" xmlns:a14="http://schemas.microsoft.com/office/drawing/2010/main" xmlns:m="http://schemas.openxmlformats.org/officeDocument/2006/math" xmlns="" val="1"/>
             </a:ext>
           </a:extLst>
         </p:spPr>
@@ -31591,7 +31591,7 @@
           </a:ln>
           <a:extLst>
             <a:ext uri="{C572A759-6A51-4108-AA02-DFA0A04FC94B}">
-              <ma14:wrappingTextBoxFlag xmlns="" xmlns:m="http://schemas.openxmlformats.org/officeDocument/2006/math" xmlns:a14="http://schemas.microsoft.com/office/drawing/2010/main" xmlns:ma14="http://schemas.microsoft.com/office/mac/drawingml/2011/main" val="1"/>
+              <ma14:wrappingTextBoxFlag xmlns:ma14="http://schemas.microsoft.com/office/mac/drawingml/2011/main" xmlns:a14="http://schemas.microsoft.com/office/drawing/2010/main" xmlns:m="http://schemas.openxmlformats.org/officeDocument/2006/math" xmlns="" val="1"/>
             </a:ext>
           </a:extLst>
         </p:spPr>
@@ -31793,7 +31793,7 @@
           </a:ln>
           <a:extLst>
             <a:ext uri="{C572A759-6A51-4108-AA02-DFA0A04FC94B}">
-              <ma14:wrappingTextBoxFlag xmlns="" xmlns:m="http://schemas.openxmlformats.org/officeDocument/2006/math" xmlns:a14="http://schemas.microsoft.com/office/drawing/2010/main" xmlns:ma14="http://schemas.microsoft.com/office/mac/drawingml/2011/main" val="1"/>
+              <ma14:wrappingTextBoxFlag xmlns:ma14="http://schemas.microsoft.com/office/mac/drawingml/2011/main" xmlns:a14="http://schemas.microsoft.com/office/drawing/2010/main" xmlns:m="http://schemas.openxmlformats.org/officeDocument/2006/math" xmlns="" val="1"/>
             </a:ext>
           </a:extLst>
         </p:spPr>
@@ -31841,7 +31841,7 @@
           </a:ln>
           <a:extLst>
             <a:ext uri="{C572A759-6A51-4108-AA02-DFA0A04FC94B}">
-              <ma14:wrappingTextBoxFlag xmlns="" xmlns:m="http://schemas.openxmlformats.org/officeDocument/2006/math" xmlns:a14="http://schemas.microsoft.com/office/drawing/2010/main" xmlns:ma14="http://schemas.microsoft.com/office/mac/drawingml/2011/main" val="1"/>
+              <ma14:wrappingTextBoxFlag xmlns:ma14="http://schemas.microsoft.com/office/mac/drawingml/2011/main" xmlns:a14="http://schemas.microsoft.com/office/drawing/2010/main" xmlns:m="http://schemas.openxmlformats.org/officeDocument/2006/math" xmlns="" val="1"/>
             </a:ext>
           </a:extLst>
         </p:spPr>
@@ -31953,7 +31953,7 @@
           </a:ln>
           <a:extLst>
             <a:ext uri="{C572A759-6A51-4108-AA02-DFA0A04FC94B}">
-              <ma14:wrappingTextBoxFlag xmlns="" xmlns:m="http://schemas.openxmlformats.org/officeDocument/2006/math" xmlns:a14="http://schemas.microsoft.com/office/drawing/2010/main" xmlns:ma14="http://schemas.microsoft.com/office/mac/drawingml/2011/main" val="1"/>
+              <ma14:wrappingTextBoxFlag xmlns:ma14="http://schemas.microsoft.com/office/mac/drawingml/2011/main" xmlns:a14="http://schemas.microsoft.com/office/drawing/2010/main" xmlns:m="http://schemas.openxmlformats.org/officeDocument/2006/math" xmlns="" val="1"/>
             </a:ext>
           </a:extLst>
         </p:spPr>
@@ -32001,7 +32001,7 @@
           </a:ln>
           <a:extLst>
             <a:ext uri="{C572A759-6A51-4108-AA02-DFA0A04FC94B}">
-              <ma14:wrappingTextBoxFlag xmlns="" xmlns:m="http://schemas.openxmlformats.org/officeDocument/2006/math" xmlns:a14="http://schemas.microsoft.com/office/drawing/2010/main" xmlns:ma14="http://schemas.microsoft.com/office/mac/drawingml/2011/main" val="1"/>
+              <ma14:wrappingTextBoxFlag xmlns:ma14="http://schemas.microsoft.com/office/mac/drawingml/2011/main" xmlns:a14="http://schemas.microsoft.com/office/drawing/2010/main" xmlns:m="http://schemas.openxmlformats.org/officeDocument/2006/math" xmlns="" val="1"/>
             </a:ext>
           </a:extLst>
         </p:spPr>
@@ -32177,7 +32177,7 @@
           </a:ln>
           <a:extLst>
             <a:ext uri="{C572A759-6A51-4108-AA02-DFA0A04FC94B}">
-              <ma14:wrappingTextBoxFlag xmlns="" xmlns:m="http://schemas.openxmlformats.org/officeDocument/2006/math" xmlns:a14="http://schemas.microsoft.com/office/drawing/2010/main" xmlns:ma14="http://schemas.microsoft.com/office/mac/drawingml/2011/main" val="1"/>
+              <ma14:wrappingTextBoxFlag xmlns:ma14="http://schemas.microsoft.com/office/mac/drawingml/2011/main" xmlns:a14="http://schemas.microsoft.com/office/drawing/2010/main" xmlns:m="http://schemas.openxmlformats.org/officeDocument/2006/math" xmlns="" val="1"/>
             </a:ext>
           </a:extLst>
         </p:spPr>
@@ -32257,7 +32257,7 @@
           </a:ln>
           <a:extLst>
             <a:ext uri="{C572A759-6A51-4108-AA02-DFA0A04FC94B}">
-              <ma14:wrappingTextBoxFlag xmlns="" xmlns:m="http://schemas.openxmlformats.org/officeDocument/2006/math" xmlns:a14="http://schemas.microsoft.com/office/drawing/2010/main" xmlns:ma14="http://schemas.microsoft.com/office/mac/drawingml/2011/main" val="1"/>
+              <ma14:wrappingTextBoxFlag xmlns:ma14="http://schemas.microsoft.com/office/mac/drawingml/2011/main" xmlns:a14="http://schemas.microsoft.com/office/drawing/2010/main" xmlns:m="http://schemas.openxmlformats.org/officeDocument/2006/math" xmlns="" val="1"/>
             </a:ext>
           </a:extLst>
         </p:spPr>
@@ -32401,7 +32401,7 @@
           </a:ln>
           <a:extLst>
             <a:ext uri="{C572A759-6A51-4108-AA02-DFA0A04FC94B}">
-              <ma14:wrappingTextBoxFlag xmlns="" xmlns:m="http://schemas.openxmlformats.org/officeDocument/2006/math" xmlns:a14="http://schemas.microsoft.com/office/drawing/2010/main" xmlns:ma14="http://schemas.microsoft.com/office/mac/drawingml/2011/main" val="1"/>
+              <ma14:wrappingTextBoxFlag xmlns:ma14="http://schemas.microsoft.com/office/mac/drawingml/2011/main" xmlns:a14="http://schemas.microsoft.com/office/drawing/2010/main" xmlns:m="http://schemas.openxmlformats.org/officeDocument/2006/math" xmlns="" val="1"/>
             </a:ext>
           </a:extLst>
         </p:spPr>
@@ -32449,7 +32449,7 @@
           </a:ln>
           <a:extLst>
             <a:ext uri="{C572A759-6A51-4108-AA02-DFA0A04FC94B}">
-              <ma14:wrappingTextBoxFlag xmlns="" xmlns:m="http://schemas.openxmlformats.org/officeDocument/2006/math" xmlns:a14="http://schemas.microsoft.com/office/drawing/2010/main" xmlns:ma14="http://schemas.microsoft.com/office/mac/drawingml/2011/main" val="1"/>
+              <ma14:wrappingTextBoxFlag xmlns:ma14="http://schemas.microsoft.com/office/mac/drawingml/2011/main" xmlns:a14="http://schemas.microsoft.com/office/drawing/2010/main" xmlns:m="http://schemas.openxmlformats.org/officeDocument/2006/math" xmlns="" val="1"/>
             </a:ext>
           </a:extLst>
         </p:spPr>
@@ -32489,7 +32489,7 @@
     <a:masterClrMapping/>
   </p:clrMapOvr>
   <mc:AlternateContent xmlns:mc="http://schemas.openxmlformats.org/markup-compatibility/2006">
-    <mc:Choice xmlns:p159="http://schemas.microsoft.com/office/powerpoint/2015/09/main" xmlns="" Requires="p159">
+    <mc:Choice xmlns="" xmlns:p159="http://schemas.microsoft.com/office/powerpoint/2015/09/main" Requires="p159">
       <p:transition xmlns:p14="http://schemas.microsoft.com/office/powerpoint/2010/main" spd="slow" p14:dur="2000">
         <p159:morph option="byObject"/>
       </p:transition>
@@ -33768,7 +33768,7 @@
           <p:cNvPr id="16" name="Título 1">
             <a:extLst>
               <a:ext uri="{FF2B5EF4-FFF2-40B4-BE49-F238E27FC236}">
-                <a16:creationId xmlns:a16="http://schemas.microsoft.com/office/drawing/2014/main" xmlns="" id="{D5FD1066-7FA1-9BF9-22F0-F52B6DDCD8D0}"/>
+                <a16:creationId xmlns="" xmlns:a16="http://schemas.microsoft.com/office/drawing/2014/main" id="{D5FD1066-7FA1-9BF9-22F0-F52B6DDCD8D0}"/>
               </a:ext>
             </a:extLst>
           </p:cNvPr>
@@ -33819,7 +33819,7 @@
           <p:cNvPr id="29" name="Rectángulo redondeado 1">
             <a:extLst>
               <a:ext uri="{FF2B5EF4-FFF2-40B4-BE49-F238E27FC236}">
-                <a16:creationId xmlns="" xmlns:a16="http://schemas.microsoft.com/office/drawing/2014/main" id="{CCD3B001-675A-A776-763B-388CE2698D74}"/>
+                <a16:creationId xmlns:a16="http://schemas.microsoft.com/office/drawing/2014/main" xmlns="" id="{CCD3B001-675A-A776-763B-388CE2698D74}"/>
               </a:ext>
             </a:extLst>
           </p:cNvPr>
@@ -33882,7 +33882,7 @@
           <p:cNvPr id="24" name="Rectángulo redondeado 30">
             <a:extLst>
               <a:ext uri="{FF2B5EF4-FFF2-40B4-BE49-F238E27FC236}">
-                <a16:creationId xmlns:a16="http://schemas.microsoft.com/office/drawing/2014/main" xmlns="" id="{80BB5CA9-6BAF-7E14-AA22-D2BAD29E8C87}"/>
+                <a16:creationId xmlns="" xmlns:a16="http://schemas.microsoft.com/office/drawing/2014/main" id="{80BB5CA9-6BAF-7E14-AA22-D2BAD29E8C87}"/>
               </a:ext>
             </a:extLst>
           </p:cNvPr>
@@ -33944,7 +33944,7 @@
           <p:cNvPr id="25" name="Subtítulo 2">
             <a:extLst>
               <a:ext uri="{FF2B5EF4-FFF2-40B4-BE49-F238E27FC236}">
-                <a16:creationId xmlns:a16="http://schemas.microsoft.com/office/drawing/2014/main" xmlns="" id="{2823FBAE-8D0D-34B3-24D4-48BB96A3622B}"/>
+                <a16:creationId xmlns="" xmlns:a16="http://schemas.microsoft.com/office/drawing/2014/main" id="{2823FBAE-8D0D-34B3-24D4-48BB96A3622B}"/>
               </a:ext>
             </a:extLst>
           </p:cNvPr>
@@ -34161,7 +34161,7 @@
           <p:cNvPr id="33" name="Rectángulo redondeado 1">
             <a:extLst>
               <a:ext uri="{FF2B5EF4-FFF2-40B4-BE49-F238E27FC236}">
-                <a16:creationId xmlns="" xmlns:a16="http://schemas.microsoft.com/office/drawing/2014/main" id="{CCD3B001-675A-A776-763B-388CE2698D74}"/>
+                <a16:creationId xmlns:a16="http://schemas.microsoft.com/office/drawing/2014/main" xmlns="" id="{CCD3B001-675A-A776-763B-388CE2698D74}"/>
               </a:ext>
             </a:extLst>
           </p:cNvPr>
@@ -34224,7 +34224,7 @@
           <p:cNvPr id="26" name="Rectángulo redondeado 30">
             <a:extLst>
               <a:ext uri="{FF2B5EF4-FFF2-40B4-BE49-F238E27FC236}">
-                <a16:creationId xmlns:a16="http://schemas.microsoft.com/office/drawing/2014/main" xmlns="" id="{80BB5CA9-6BAF-7E14-AA22-D2BAD29E8C87}"/>
+                <a16:creationId xmlns="" xmlns:a16="http://schemas.microsoft.com/office/drawing/2014/main" id="{80BB5CA9-6BAF-7E14-AA22-D2BAD29E8C87}"/>
               </a:ext>
             </a:extLst>
           </p:cNvPr>
@@ -34286,7 +34286,7 @@
           <p:cNvPr id="27" name="Subtítulo 2">
             <a:extLst>
               <a:ext uri="{FF2B5EF4-FFF2-40B4-BE49-F238E27FC236}">
-                <a16:creationId xmlns:a16="http://schemas.microsoft.com/office/drawing/2014/main" xmlns="" id="{2823FBAE-8D0D-34B3-24D4-48BB96A3622B}"/>
+                <a16:creationId xmlns="" xmlns:a16="http://schemas.microsoft.com/office/drawing/2014/main" id="{2823FBAE-8D0D-34B3-24D4-48BB96A3622B}"/>
               </a:ext>
             </a:extLst>
           </p:cNvPr>
@@ -34503,7 +34503,7 @@
           <p:cNvPr id="32" name="Subtítulo 2">
             <a:extLst>
               <a:ext uri="{FF2B5EF4-FFF2-40B4-BE49-F238E27FC236}">
-                <a16:creationId xmlns="" xmlns:a16="http://schemas.microsoft.com/office/drawing/2014/main" id="{A01E837A-D726-E0FC-6B75-F180334C145E}"/>
+                <a16:creationId xmlns:a16="http://schemas.microsoft.com/office/drawing/2014/main" xmlns="" id="{A01E837A-D726-E0FC-6B75-F180334C145E}"/>
               </a:ext>
             </a:extLst>
           </p:cNvPr>
@@ -34826,7 +34826,7 @@
           <p:cNvPr id="35" name="Subtítulo 2">
             <a:extLst>
               <a:ext uri="{FF2B5EF4-FFF2-40B4-BE49-F238E27FC236}">
-                <a16:creationId xmlns="" xmlns:a16="http://schemas.microsoft.com/office/drawing/2014/main" id="{A01E837A-D726-E0FC-6B75-F180334C145E}"/>
+                <a16:creationId xmlns:a16="http://schemas.microsoft.com/office/drawing/2014/main" xmlns="" id="{A01E837A-D726-E0FC-6B75-F180334C145E}"/>
               </a:ext>
             </a:extLst>
           </p:cNvPr>
@@ -35201,7 +35201,7 @@
     <a:masterClrMapping/>
   </p:clrMapOvr>
   <mc:AlternateContent xmlns:mc="http://schemas.openxmlformats.org/markup-compatibility/2006">
-    <mc:Choice xmlns:p159="http://schemas.microsoft.com/office/powerpoint/2015/09/main" xmlns="" Requires="p159">
+    <mc:Choice xmlns="" xmlns:p159="http://schemas.microsoft.com/office/powerpoint/2015/09/main" Requires="p159">
       <p:transition xmlns:p14="http://schemas.microsoft.com/office/powerpoint/2010/main" spd="slow" p14:dur="2000">
         <p159:morph option="byObject"/>
       </p:transition>
@@ -35244,7 +35244,7 @@
           <p:cNvPr id="2" name="Imagen 1">
             <a:extLst>
               <a:ext uri="{FF2B5EF4-FFF2-40B4-BE49-F238E27FC236}">
-                <a16:creationId xmlns:a16="http://schemas.microsoft.com/office/drawing/2014/main" xmlns="" id="{8495C0A0-4965-B406-97D2-0C73E97D488B}"/>
+                <a16:creationId xmlns="" xmlns:a16="http://schemas.microsoft.com/office/drawing/2014/main" id="{8495C0A0-4965-B406-97D2-0C73E97D488B}"/>
               </a:ext>
             </a:extLst>
           </p:cNvPr>
@@ -35274,7 +35274,7 @@
           <p:cNvPr id="3" name="Marcador de número de diapositiva 3">
             <a:extLst>
               <a:ext uri="{FF2B5EF4-FFF2-40B4-BE49-F238E27FC236}">
-                <a16:creationId xmlns:a16="http://schemas.microsoft.com/office/drawing/2014/main" xmlns="" id="{958FBA5A-A58E-C697-8203-4F8B9AE81A4E}"/>
+                <a16:creationId xmlns="" xmlns:a16="http://schemas.microsoft.com/office/drawing/2014/main" id="{958FBA5A-A58E-C697-8203-4F8B9AE81A4E}"/>
               </a:ext>
             </a:extLst>
           </p:cNvPr>
@@ -35308,7 +35308,7 @@
           <p:cNvPr id="23" name="Título 1">
             <a:extLst>
               <a:ext uri="{FF2B5EF4-FFF2-40B4-BE49-F238E27FC236}">
-                <a16:creationId xmlns:a16="http://schemas.microsoft.com/office/drawing/2014/main" xmlns="" id="{E1DD3CF2-B58E-FFFA-CC44-24E153BAAA08}"/>
+                <a16:creationId xmlns="" xmlns:a16="http://schemas.microsoft.com/office/drawing/2014/main" id="{E1DD3CF2-B58E-FFFA-CC44-24E153BAAA08}"/>
               </a:ext>
             </a:extLst>
           </p:cNvPr>
@@ -35378,7 +35378,7 @@
           <p:cNvPr id="24" name="Título 1">
             <a:extLst>
               <a:ext uri="{FF2B5EF4-FFF2-40B4-BE49-F238E27FC236}">
-                <a16:creationId xmlns:a16="http://schemas.microsoft.com/office/drawing/2014/main" xmlns="" id="{96653C20-5D73-6AC7-AD4D-29A9D6D74E1B}"/>
+                <a16:creationId xmlns="" xmlns:a16="http://schemas.microsoft.com/office/drawing/2014/main" id="{96653C20-5D73-6AC7-AD4D-29A9D6D74E1B}"/>
               </a:ext>
             </a:extLst>
           </p:cNvPr>
@@ -36792,7 +36792,7 @@
           </a:ln>
           <a:extLst>
             <a:ext uri="{C572A759-6A51-4108-AA02-DFA0A04FC94B}">
-              <ma14:wrappingTextBoxFlag xmlns="" xmlns:m="http://schemas.openxmlformats.org/officeDocument/2006/math" xmlns:a14="http://schemas.microsoft.com/office/drawing/2010/main" xmlns:ma14="http://schemas.microsoft.com/office/mac/drawingml/2011/main" val="1"/>
+              <ma14:wrappingTextBoxFlag xmlns:ma14="http://schemas.microsoft.com/office/mac/drawingml/2011/main" xmlns:a14="http://schemas.microsoft.com/office/drawing/2010/main" xmlns:m="http://schemas.openxmlformats.org/officeDocument/2006/math" xmlns="" val="1"/>
             </a:ext>
           </a:extLst>
         </p:spPr>
@@ -36843,7 +36843,7 @@
           </a:ln>
           <a:extLst>
             <a:ext uri="{C572A759-6A51-4108-AA02-DFA0A04FC94B}">
-              <ma14:wrappingTextBoxFlag xmlns="" xmlns:m="http://schemas.openxmlformats.org/officeDocument/2006/math" xmlns:a14="http://schemas.microsoft.com/office/drawing/2010/main" xmlns:ma14="http://schemas.microsoft.com/office/mac/drawingml/2011/main" val="1"/>
+              <ma14:wrappingTextBoxFlag xmlns:ma14="http://schemas.microsoft.com/office/mac/drawingml/2011/main" xmlns:a14="http://schemas.microsoft.com/office/drawing/2010/main" xmlns:m="http://schemas.openxmlformats.org/officeDocument/2006/math" xmlns="" val="1"/>
             </a:ext>
           </a:extLst>
         </p:spPr>
@@ -36894,7 +36894,7 @@
           </a:ln>
           <a:extLst>
             <a:ext uri="{C572A759-6A51-4108-AA02-DFA0A04FC94B}">
-              <ma14:wrappingTextBoxFlag xmlns="" xmlns:m="http://schemas.openxmlformats.org/officeDocument/2006/math" xmlns:a14="http://schemas.microsoft.com/office/drawing/2010/main" xmlns:ma14="http://schemas.microsoft.com/office/mac/drawingml/2011/main" val="1"/>
+              <ma14:wrappingTextBoxFlag xmlns:ma14="http://schemas.microsoft.com/office/mac/drawingml/2011/main" xmlns:a14="http://schemas.microsoft.com/office/drawing/2010/main" xmlns:m="http://schemas.openxmlformats.org/officeDocument/2006/math" xmlns="" val="1"/>
             </a:ext>
           </a:extLst>
         </p:spPr>
@@ -37058,7 +37058,7 @@
           </a:ln>
           <a:extLst>
             <a:ext uri="{C572A759-6A51-4108-AA02-DFA0A04FC94B}">
-              <ma14:wrappingTextBoxFlag xmlns="" xmlns:m="http://schemas.openxmlformats.org/officeDocument/2006/math" xmlns:a14="http://schemas.microsoft.com/office/drawing/2010/main" xmlns:ma14="http://schemas.microsoft.com/office/mac/drawingml/2011/main" val="1"/>
+              <ma14:wrappingTextBoxFlag xmlns:ma14="http://schemas.microsoft.com/office/mac/drawingml/2011/main" xmlns:a14="http://schemas.microsoft.com/office/drawing/2010/main" xmlns:m="http://schemas.openxmlformats.org/officeDocument/2006/math" xmlns="" val="1"/>
             </a:ext>
           </a:extLst>
         </p:spPr>
@@ -37367,7 +37367,7 @@
           </a:ln>
           <a:extLst>
             <a:ext uri="{C572A759-6A51-4108-AA02-DFA0A04FC94B}">
-              <ma14:wrappingTextBoxFlag xmlns="" xmlns:m="http://schemas.openxmlformats.org/officeDocument/2006/math" xmlns:a14="http://schemas.microsoft.com/office/drawing/2010/main" xmlns:ma14="http://schemas.microsoft.com/office/mac/drawingml/2011/main" val="1"/>
+              <ma14:wrappingTextBoxFlag xmlns:ma14="http://schemas.microsoft.com/office/mac/drawingml/2011/main" xmlns:a14="http://schemas.microsoft.com/office/drawing/2010/main" xmlns:m="http://schemas.openxmlformats.org/officeDocument/2006/math" xmlns="" val="1"/>
             </a:ext>
           </a:extLst>
         </p:spPr>
@@ -37418,7 +37418,7 @@
           </a:ln>
           <a:extLst>
             <a:ext uri="{C572A759-6A51-4108-AA02-DFA0A04FC94B}">
-              <ma14:wrappingTextBoxFlag xmlns="" xmlns:m="http://schemas.openxmlformats.org/officeDocument/2006/math" xmlns:a14="http://schemas.microsoft.com/office/drawing/2010/main" xmlns:ma14="http://schemas.microsoft.com/office/mac/drawingml/2011/main" val="1"/>
+              <ma14:wrappingTextBoxFlag xmlns:ma14="http://schemas.microsoft.com/office/mac/drawingml/2011/main" xmlns:a14="http://schemas.microsoft.com/office/drawing/2010/main" xmlns:m="http://schemas.openxmlformats.org/officeDocument/2006/math" xmlns="" val="1"/>
             </a:ext>
           </a:extLst>
         </p:spPr>
@@ -37610,7 +37610,7 @@
           </a:ln>
           <a:extLst>
             <a:ext uri="{C572A759-6A51-4108-AA02-DFA0A04FC94B}">
-              <ma14:wrappingTextBoxFlag xmlns="" xmlns:m="http://schemas.openxmlformats.org/officeDocument/2006/math" xmlns:a14="http://schemas.microsoft.com/office/drawing/2010/main" xmlns:ma14="http://schemas.microsoft.com/office/mac/drawingml/2011/main" val="1"/>
+              <ma14:wrappingTextBoxFlag xmlns:ma14="http://schemas.microsoft.com/office/mac/drawingml/2011/main" xmlns:a14="http://schemas.microsoft.com/office/drawing/2010/main" xmlns:m="http://schemas.openxmlformats.org/officeDocument/2006/math" xmlns="" val="1"/>
             </a:ext>
           </a:extLst>
         </p:spPr>
@@ -37662,7 +37662,7 @@
           <p:cNvPr id="39" name="Rectángulo redondeado 8">
             <a:extLst>
               <a:ext uri="{FF2B5EF4-FFF2-40B4-BE49-F238E27FC236}">
-                <a16:creationId xmlns="" xmlns:a16="http://schemas.microsoft.com/office/drawing/2014/main" id="{277BA7B5-969F-97FA-876B-9353DE62E89F}"/>
+                <a16:creationId xmlns:a16="http://schemas.microsoft.com/office/drawing/2014/main" xmlns="" id="{277BA7B5-969F-97FA-876B-9353DE62E89F}"/>
               </a:ext>
             </a:extLst>
           </p:cNvPr>
@@ -37716,7 +37716,7 @@
           <p:cNvPr id="40" name="Rectangle 68">
             <a:extLst>
               <a:ext uri="{FF2B5EF4-FFF2-40B4-BE49-F238E27FC236}">
-                <a16:creationId xmlns="" xmlns:a16="http://schemas.microsoft.com/office/drawing/2014/main" id="{2E170935-075B-E9F1-39F5-718251B4ECCC}"/>
+                <a16:creationId xmlns:a16="http://schemas.microsoft.com/office/drawing/2014/main" xmlns="" id="{2E170935-075B-E9F1-39F5-718251B4ECCC}"/>
               </a:ext>
             </a:extLst>
           </p:cNvPr>
@@ -37835,7 +37835,7 @@
     <a:masterClrMapping/>
   </p:clrMapOvr>
   <mc:AlternateContent xmlns:mc="http://schemas.openxmlformats.org/markup-compatibility/2006">
-    <mc:Choice xmlns:p159="http://schemas.microsoft.com/office/powerpoint/2015/09/main" xmlns="" Requires="p159">
+    <mc:Choice xmlns="" xmlns:p159="http://schemas.microsoft.com/office/powerpoint/2015/09/main" Requires="p159">
       <p:transition xmlns:p14="http://schemas.microsoft.com/office/powerpoint/2010/main" spd="slow" p14:dur="2000">
         <p159:morph option="byObject"/>
       </p:transition>
@@ -40624,87 +40624,10 @@
 
 <file path=customXml/item1.xml><?xml version="1.0" encoding="utf-8"?>
 <?mso-contentType ?>
-<FormTemplates xmlns="http://schemas.microsoft.com/sharepoint/v3/contenttype/forms">
-  <Display>DocumentLibraryForm</Display>
-  <Edit>DocumentLibraryForm</Edit>
-  <New>DocumentLibraryForm</New>
-</FormTemplates>
+<spe:Receivers xmlns:spe="http://schemas.microsoft.com/sharepoint/events"/>
 </file>
 
 <file path=customXml/item2.xml><?xml version="1.0" encoding="utf-8"?>
-<p:properties xmlns:p="http://schemas.microsoft.com/office/2006/metadata/properties" xmlns:xsi="http://www.w3.org/2001/XMLSchema-instance" xmlns:pc="http://schemas.microsoft.com/office/infopath/2007/PartnerControls">
-  <documentManagement>
-    <TaxCatchAll xmlns="0d112806-a571-4b5c-9687-83175e2be7e0">
-      <Value>100</Value>
-      <Value>410</Value>
-      <Value>3</Value>
-      <Value>2</Value>
-      <Value>54</Value>
-      <Value>85</Value>
-    </TaxCatchAll>
-    <jf7e3681a28b49cbb02ac7c0053f9030 xmlns="0d112806-a571-4b5c-9687-83175e2be7e0">
-      <Terms xmlns="http://schemas.microsoft.com/office/infopath/2007/PartnerControls">
-        <TermInfo xmlns="http://schemas.microsoft.com/office/infopath/2007/PartnerControls">
-          <TermName xmlns="http://schemas.microsoft.com/office/infopath/2007/PartnerControls">Artefactos de marca</TermName>
-          <TermId xmlns="http://schemas.microsoft.com/office/infopath/2007/PartnerControls">8ee79862-260e-4ece-b336-79e88acc770f</TermId>
-        </TermInfo>
-      </Terms>
-    </jf7e3681a28b49cbb02ac7c0053f9030>
-    <EstatusVigenciaRetencion xmlns="0d112806-a571-4b5c-9687-83175e2be7e0">En proceso</EstatusVigenciaRetencion>
-    <BanderaAviso xmlns="0d112806-a571-4b5c-9687-83175e2be7e0">0</BanderaAviso>
-    <p7c0553556804494a200f658a7be40bb xmlns="0d112806-a571-4b5c-9687-83175e2be7e0">
-      <Terms xmlns="http://schemas.microsoft.com/office/infopath/2007/PartnerControls"/>
-    </p7c0553556804494a200f658a7be40bb>
-    <p99903d2540a45ee9a3299a0b877a2fa xmlns="0d112806-a571-4b5c-9687-83175e2be7e0">
-      <Terms xmlns="http://schemas.microsoft.com/office/infopath/2007/PartnerControls">
-        <TermInfo xmlns="http://schemas.microsoft.com/office/infopath/2007/PartnerControls">
-          <TermName xmlns="http://schemas.microsoft.com/office/infopath/2007/PartnerControls">Uso interno</TermName>
-          <TermId xmlns="http://schemas.microsoft.com/office/infopath/2007/PartnerControls">394084ff-5794-49bc-be44-73be0f39b062</TermId>
-        </TermInfo>
-      </Terms>
-    </p99903d2540a45ee9a3299a0b877a2fa>
-    <h4dfef7ba72949018326fb9ce4d0a291 xmlns="0d112806-a571-4b5c-9687-83175e2be7e0">
-      <Terms xmlns="http://schemas.microsoft.com/office/infopath/2007/PartnerControls">
-        <TermInfo xmlns="http://schemas.microsoft.com/office/infopath/2007/PartnerControls">
-          <TermName xmlns="http://schemas.microsoft.com/office/infopath/2007/PartnerControls">Plantilla</TermName>
-          <TermId xmlns="http://schemas.microsoft.com/office/infopath/2007/PartnerControls">d5e1061d-919e-4442-88e7-3049796b4315</TermId>
-        </TermInfo>
-      </Terms>
-    </h4dfef7ba72949018326fb9ce4d0a291>
-    <VersionDocumento xmlns="0d112806-a571-4b5c-9687-83175e2be7e0">1</VersionDocumento>
-    <PeriodoVigenciaOp xmlns="0d112806-a571-4b5c-9687-83175e2be7e0">5 años</PeriodoVigenciaOp>
-    <Acciones xmlns="0d112806-a571-4b5c-9687-83175e2be7e0" xsi:nil="true"/>
-    <ebe43492e85446a78a91ba8fc80b6dc0 xmlns="0d112806-a571-4b5c-9687-83175e2be7e0">
-      <Terms xmlns="http://schemas.microsoft.com/office/infopath/2007/PartnerControls">
-        <TermInfo xmlns="http://schemas.microsoft.com/office/infopath/2007/PartnerControls">
-          <TermName xmlns="http://schemas.microsoft.com/office/infopath/2007/PartnerControls">Marketing</TermName>
-          <TermId xmlns="http://schemas.microsoft.com/office/infopath/2007/PartnerControls">9df7ab70-40b0-4076-8e0b-a73a90c2278a</TermId>
-        </TermInfo>
-      </Terms>
-    </ebe43492e85446a78a91ba8fc80b6dc0>
-    <FechaUltimaActualizacion xmlns="0d112806-a571-4b5c-9687-83175e2be7e0">2023-04-25T05:00:00+00:00</FechaUltimaActualizacion>
-    <j14b7e14421c46c7bd9164aa7bc27f64 xmlns="0d112806-a571-4b5c-9687-83175e2be7e0">
-      <Terms xmlns="http://schemas.microsoft.com/office/infopath/2007/PartnerControls">
-        <TermInfo xmlns="http://schemas.microsoft.com/office/infopath/2007/PartnerControls">
-          <TermName xmlns="http://schemas.microsoft.com/office/infopath/2007/PartnerControls">Corporativo</TermName>
-          <TermId xmlns="http://schemas.microsoft.com/office/infopath/2007/PartnerControls">71edeffe-accb-475b-a642-bfb9a76fd90b</TermId>
-        </TermInfo>
-      </Terms>
-    </j14b7e14421c46c7bd9164aa7bc27f64>
-    <Título_x0020__x0028_CentralAxity_x0029_ xmlns="0d112806-a571-4b5c-9687-83175e2be7e0">Plantilla PowerPoint Corporativa</Título_x0020__x0028_CentralAxity_x0029_>
-    <h5ed8971cb164a0da78e87f7bb125ff3 xmlns="0d112806-a571-4b5c-9687-83175e2be7e0">
-      <Terms xmlns="http://schemas.microsoft.com/office/infopath/2007/PartnerControls">
-        <TermInfo xmlns="http://schemas.microsoft.com/office/infopath/2007/PartnerControls">
-          <TermName xmlns="http://schemas.microsoft.com/office/infopath/2007/PartnerControls">sonia.reyes@axity.com</TermName>
-          <TermId xmlns="http://schemas.microsoft.com/office/infopath/2007/PartnerControls">5ef0832a-0176-4c98-9fa8-63ba5e52a41a</TermId>
-        </TermInfo>
-      </Terms>
-    </h5ed8971cb164a0da78e87f7bb125ff3>
-  </documentManagement>
-</p:properties>
-</file>
-
-<file path=customXml/item3.xml><?xml version="1.0" encoding="utf-8"?>
 <ct:contentTypeSchema xmlns:ct="http://schemas.microsoft.com/office/2006/metadata/contentType" xmlns:ma="http://schemas.microsoft.com/office/2006/metadata/properties/metaAttributes" ct:_="" ma:_="" ma:contentTypeName="Documento CentralAxity" ma:contentTypeID="0x0101005A854A2E6B3FC44BBB7F26F86BC45764002E846109D8A79B4CB1EC976CD11B6E35" ma:contentTypeVersion="50" ma:contentTypeDescription="Documento incorporado a las directivas de la CentralAxity" ma:contentTypeScope="" ma:versionID="597f588e411d17887b088d4f21d28ad0">
   <xsd:schema xmlns:xsd="http://www.w3.org/2001/XMLSchema" xmlns:xs="http://www.w3.org/2001/XMLSchema" xmlns:p="http://schemas.microsoft.com/office/2006/metadata/properties" xmlns:ns1="http://schemas.microsoft.com/sharepoint/v3" xmlns:ns2="0d112806-a571-4b5c-9687-83175e2be7e0" xmlns:ns3="5715b14d-6155-4883-b773-4a6f0b526cee" xmlns:ns4="494b7d94-68f9-41b0-9fd8-f8ea6ae98d38" targetNamespace="http://schemas.microsoft.com/office/2006/metadata/properties" ma:root="true" ma:fieldsID="02c9543a257ef598f71b0847a18c2884" ns1:_="" ns2:_="" ns3:_="" ns4:_="">
     <xsd:import namespace="http://schemas.microsoft.com/sharepoint/v3"/>
@@ -41035,39 +40958,97 @@
 </ct:contentTypeSchema>
 </file>
 
+<file path=customXml/item3.xml><?xml version="1.0" encoding="utf-8"?>
+<p:properties xmlns:p="http://schemas.microsoft.com/office/2006/metadata/properties" xmlns:xsi="http://www.w3.org/2001/XMLSchema-instance" xmlns:pc="http://schemas.microsoft.com/office/infopath/2007/PartnerControls">
+  <documentManagement>
+    <TaxCatchAll xmlns="0d112806-a571-4b5c-9687-83175e2be7e0">
+      <Value>100</Value>
+      <Value>410</Value>
+      <Value>3</Value>
+      <Value>2</Value>
+      <Value>54</Value>
+      <Value>85</Value>
+    </TaxCatchAll>
+    <jf7e3681a28b49cbb02ac7c0053f9030 xmlns="0d112806-a571-4b5c-9687-83175e2be7e0">
+      <Terms xmlns="http://schemas.microsoft.com/office/infopath/2007/PartnerControls">
+        <TermInfo xmlns="http://schemas.microsoft.com/office/infopath/2007/PartnerControls">
+          <TermName xmlns="http://schemas.microsoft.com/office/infopath/2007/PartnerControls">Artefactos de marca</TermName>
+          <TermId xmlns="http://schemas.microsoft.com/office/infopath/2007/PartnerControls">8ee79862-260e-4ece-b336-79e88acc770f</TermId>
+        </TermInfo>
+      </Terms>
+    </jf7e3681a28b49cbb02ac7c0053f9030>
+    <EstatusVigenciaRetencion xmlns="0d112806-a571-4b5c-9687-83175e2be7e0">En proceso</EstatusVigenciaRetencion>
+    <BanderaAviso xmlns="0d112806-a571-4b5c-9687-83175e2be7e0">0</BanderaAviso>
+    <p7c0553556804494a200f658a7be40bb xmlns="0d112806-a571-4b5c-9687-83175e2be7e0">
+      <Terms xmlns="http://schemas.microsoft.com/office/infopath/2007/PartnerControls"/>
+    </p7c0553556804494a200f658a7be40bb>
+    <p99903d2540a45ee9a3299a0b877a2fa xmlns="0d112806-a571-4b5c-9687-83175e2be7e0">
+      <Terms xmlns="http://schemas.microsoft.com/office/infopath/2007/PartnerControls">
+        <TermInfo xmlns="http://schemas.microsoft.com/office/infopath/2007/PartnerControls">
+          <TermName xmlns="http://schemas.microsoft.com/office/infopath/2007/PartnerControls">Uso interno</TermName>
+          <TermId xmlns="http://schemas.microsoft.com/office/infopath/2007/PartnerControls">394084ff-5794-49bc-be44-73be0f39b062</TermId>
+        </TermInfo>
+      </Terms>
+    </p99903d2540a45ee9a3299a0b877a2fa>
+    <h4dfef7ba72949018326fb9ce4d0a291 xmlns="0d112806-a571-4b5c-9687-83175e2be7e0">
+      <Terms xmlns="http://schemas.microsoft.com/office/infopath/2007/PartnerControls">
+        <TermInfo xmlns="http://schemas.microsoft.com/office/infopath/2007/PartnerControls">
+          <TermName xmlns="http://schemas.microsoft.com/office/infopath/2007/PartnerControls">Plantilla</TermName>
+          <TermId xmlns="http://schemas.microsoft.com/office/infopath/2007/PartnerControls">d5e1061d-919e-4442-88e7-3049796b4315</TermId>
+        </TermInfo>
+      </Terms>
+    </h4dfef7ba72949018326fb9ce4d0a291>
+    <VersionDocumento xmlns="0d112806-a571-4b5c-9687-83175e2be7e0">1</VersionDocumento>
+    <PeriodoVigenciaOp xmlns="0d112806-a571-4b5c-9687-83175e2be7e0">5 años</PeriodoVigenciaOp>
+    <Acciones xmlns="0d112806-a571-4b5c-9687-83175e2be7e0" xsi:nil="true"/>
+    <ebe43492e85446a78a91ba8fc80b6dc0 xmlns="0d112806-a571-4b5c-9687-83175e2be7e0">
+      <Terms xmlns="http://schemas.microsoft.com/office/infopath/2007/PartnerControls">
+        <TermInfo xmlns="http://schemas.microsoft.com/office/infopath/2007/PartnerControls">
+          <TermName xmlns="http://schemas.microsoft.com/office/infopath/2007/PartnerControls">Marketing</TermName>
+          <TermId xmlns="http://schemas.microsoft.com/office/infopath/2007/PartnerControls">9df7ab70-40b0-4076-8e0b-a73a90c2278a</TermId>
+        </TermInfo>
+      </Terms>
+    </ebe43492e85446a78a91ba8fc80b6dc0>
+    <FechaUltimaActualizacion xmlns="0d112806-a571-4b5c-9687-83175e2be7e0">2023-04-25T05:00:00+00:00</FechaUltimaActualizacion>
+    <j14b7e14421c46c7bd9164aa7bc27f64 xmlns="0d112806-a571-4b5c-9687-83175e2be7e0">
+      <Terms xmlns="http://schemas.microsoft.com/office/infopath/2007/PartnerControls">
+        <TermInfo xmlns="http://schemas.microsoft.com/office/infopath/2007/PartnerControls">
+          <TermName xmlns="http://schemas.microsoft.com/office/infopath/2007/PartnerControls">Corporativo</TermName>
+          <TermId xmlns="http://schemas.microsoft.com/office/infopath/2007/PartnerControls">71edeffe-accb-475b-a642-bfb9a76fd90b</TermId>
+        </TermInfo>
+      </Terms>
+    </j14b7e14421c46c7bd9164aa7bc27f64>
+    <Título_x0020__x0028_CentralAxity_x0029_ xmlns="0d112806-a571-4b5c-9687-83175e2be7e0">Plantilla PowerPoint Corporativa</Título_x0020__x0028_CentralAxity_x0029_>
+    <h5ed8971cb164a0da78e87f7bb125ff3 xmlns="0d112806-a571-4b5c-9687-83175e2be7e0">
+      <Terms xmlns="http://schemas.microsoft.com/office/infopath/2007/PartnerControls">
+        <TermInfo xmlns="http://schemas.microsoft.com/office/infopath/2007/PartnerControls">
+          <TermName xmlns="http://schemas.microsoft.com/office/infopath/2007/PartnerControls">sonia.reyes@axity.com</TermName>
+          <TermId xmlns="http://schemas.microsoft.com/office/infopath/2007/PartnerControls">5ef0832a-0176-4c98-9fa8-63ba5e52a41a</TermId>
+        </TermInfo>
+      </Terms>
+    </h5ed8971cb164a0da78e87f7bb125ff3>
+  </documentManagement>
+</p:properties>
+</file>
+
 <file path=customXml/item4.xml><?xml version="1.0" encoding="utf-8"?>
 <?mso-contentType ?>
-<spe:Receivers xmlns:spe="http://schemas.microsoft.com/sharepoint/events"/>
+<FormTemplates xmlns="http://schemas.microsoft.com/sharepoint/v3/contenttype/forms">
+  <Display>DocumentLibraryForm</Display>
+  <Edit>DocumentLibraryForm</Edit>
+  <New>DocumentLibraryForm</New>
+</FormTemplates>
 </file>
 
 <file path=customXml/itemProps1.xml><?xml version="1.0" encoding="utf-8"?>
-<ds:datastoreItem xmlns:ds="http://schemas.openxmlformats.org/officeDocument/2006/customXml" ds:itemID="{E35C8FFE-5946-45D2-8509-5F55C5B9ED1B}">
+<ds:datastoreItem xmlns:ds="http://schemas.openxmlformats.org/officeDocument/2006/customXml" ds:itemID="{4715E428-4D5D-44BE-8CDF-D0767275E30E}">
   <ds:schemaRefs>
-    <ds:schemaRef ds:uri="http://schemas.microsoft.com/sharepoint/v3/contenttype/forms"/>
+    <ds:schemaRef ds:uri="http://schemas.microsoft.com/sharepoint/events"/>
   </ds:schemaRefs>
 </ds:datastoreItem>
 </file>
 
 <file path=customXml/itemProps2.xml><?xml version="1.0" encoding="utf-8"?>
-<ds:datastoreItem xmlns:ds="http://schemas.openxmlformats.org/officeDocument/2006/customXml" ds:itemID="{2D0DF8DB-B03C-4353-B44A-DA8E261EF087}">
-  <ds:schemaRefs>
-    <ds:schemaRef ds:uri="http://schemas.microsoft.com/office/2006/documentManagement/types"/>
-    <ds:schemaRef ds:uri="http://schemas.microsoft.com/sharepoint/v3"/>
-    <ds:schemaRef ds:uri="0d112806-a571-4b5c-9687-83175e2be7e0"/>
-    <ds:schemaRef ds:uri="http://www.w3.org/XML/1998/namespace"/>
-    <ds:schemaRef ds:uri="http://purl.org/dc/terms/"/>
-    <ds:schemaRef ds:uri="5715b14d-6155-4883-b773-4a6f0b526cee"/>
-    <ds:schemaRef ds:uri="http://purl.org/dc/dcmitype/"/>
-    <ds:schemaRef ds:uri="494b7d94-68f9-41b0-9fd8-f8ea6ae98d38"/>
-    <ds:schemaRef ds:uri="http://schemas.openxmlformats.org/package/2006/metadata/core-properties"/>
-    <ds:schemaRef ds:uri="http://schemas.microsoft.com/office/infopath/2007/PartnerControls"/>
-    <ds:schemaRef ds:uri="http://schemas.microsoft.com/office/2006/metadata/properties"/>
-    <ds:schemaRef ds:uri="http://purl.org/dc/elements/1.1/"/>
-  </ds:schemaRefs>
-</ds:datastoreItem>
-</file>
-
-<file path=customXml/itemProps3.xml><?xml version="1.0" encoding="utf-8"?>
 <ds:datastoreItem xmlns:ds="http://schemas.openxmlformats.org/officeDocument/2006/customXml" ds:itemID="{F691990F-56CB-48C0-A899-B2AAEA1FE2B5}">
   <ds:schemaRefs>
     <ds:schemaRef ds:uri="http://schemas.microsoft.com/office/2006/metadata/contentType"/>
@@ -41088,10 +41069,29 @@
 </ds:datastoreItem>
 </file>
 
+<file path=customXml/itemProps3.xml><?xml version="1.0" encoding="utf-8"?>
+<ds:datastoreItem xmlns:ds="http://schemas.openxmlformats.org/officeDocument/2006/customXml" ds:itemID="{2D0DF8DB-B03C-4353-B44A-DA8E261EF087}">
+  <ds:schemaRefs>
+    <ds:schemaRef ds:uri="494b7d94-68f9-41b0-9fd8-f8ea6ae98d38"/>
+    <ds:schemaRef ds:uri="http://purl.org/dc/terms/"/>
+    <ds:schemaRef ds:uri="http://purl.org/dc/elements/1.1/"/>
+    <ds:schemaRef ds:uri="http://schemas.microsoft.com/office/infopath/2007/PartnerControls"/>
+    <ds:schemaRef ds:uri="http://www.w3.org/XML/1998/namespace"/>
+    <ds:schemaRef ds:uri="0d112806-a571-4b5c-9687-83175e2be7e0"/>
+    <ds:schemaRef ds:uri="http://schemas.microsoft.com/sharepoint/v3"/>
+    <ds:schemaRef ds:uri="http://schemas.microsoft.com/office/2006/documentManagement/types"/>
+    <ds:schemaRef ds:uri="http://schemas.openxmlformats.org/package/2006/metadata/core-properties"/>
+    <ds:schemaRef ds:uri="5715b14d-6155-4883-b773-4a6f0b526cee"/>
+    <ds:schemaRef ds:uri="http://schemas.microsoft.com/office/2006/metadata/properties"/>
+    <ds:schemaRef ds:uri="http://purl.org/dc/dcmitype/"/>
+  </ds:schemaRefs>
+</ds:datastoreItem>
+</file>
+
 <file path=customXml/itemProps4.xml><?xml version="1.0" encoding="utf-8"?>
-<ds:datastoreItem xmlns:ds="http://schemas.openxmlformats.org/officeDocument/2006/customXml" ds:itemID="{4715E428-4D5D-44BE-8CDF-D0767275E30E}">
+<ds:datastoreItem xmlns:ds="http://schemas.openxmlformats.org/officeDocument/2006/customXml" ds:itemID="{E35C8FFE-5946-45D2-8509-5F55C5B9ED1B}">
   <ds:schemaRefs>
-    <ds:schemaRef ds:uri="http://schemas.microsoft.com/sharepoint/events"/>
+    <ds:schemaRef ds:uri="http://schemas.microsoft.com/sharepoint/v3/contenttype/forms"/>
   </ds:schemaRefs>
 </ds:datastoreItem>
 </file>